--- a/B_Tuesday/GSERM_Tuesday_Basic_Visuals_v2.pptx
+++ b/B_Tuesday/GSERM_Tuesday_Basic_Visuals_v2.pptx
@@ -558,11 +558,11 @@
         </c:dLbls>
         <c:gapWidth val="219"/>
         <c:overlap val="-27"/>
-        <c:axId val="319361800"/>
-        <c:axId val="319357488"/>
+        <c:axId val="486312688"/>
+        <c:axId val="486310728"/>
       </c:barChart>
       <c:catAx>
-        <c:axId val="319361800"/>
+        <c:axId val="486312688"/>
         <c:scaling>
           <c:orientation val="minMax"/>
         </c:scaling>
@@ -605,7 +605,7 @@
             <a:endParaRPr lang="en-US"/>
           </a:p>
         </c:txPr>
-        <c:crossAx val="319357488"/>
+        <c:crossAx val="486310728"/>
         <c:crosses val="autoZero"/>
         <c:auto val="1"/>
         <c:lblAlgn val="ctr"/>
@@ -613,7 +613,7 @@
         <c:noMultiLvlLbl val="0"/>
       </c:catAx>
       <c:valAx>
-        <c:axId val="319357488"/>
+        <c:axId val="486310728"/>
         <c:scaling>
           <c:orientation val="minMax"/>
         </c:scaling>
@@ -650,7 +650,7 @@
             <a:endParaRPr lang="en-US"/>
           </a:p>
         </c:txPr>
-        <c:crossAx val="319361800"/>
+        <c:crossAx val="486312688"/>
         <c:crosses val="autoZero"/>
         <c:crossBetween val="between"/>
       </c:valAx>
@@ -1074,11 +1074,11 @@
         </c:dLbls>
         <c:gapWidth val="0"/>
         <c:overlap val="-27"/>
-        <c:axId val="319357880"/>
-        <c:axId val="319355528"/>
+        <c:axId val="486312296"/>
+        <c:axId val="486313472"/>
       </c:barChart>
       <c:catAx>
-        <c:axId val="319357880"/>
+        <c:axId val="486312296"/>
         <c:scaling>
           <c:orientation val="minMax"/>
         </c:scaling>
@@ -1088,7 +1088,7 @@
         <c:majorTickMark val="none"/>
         <c:minorTickMark val="none"/>
         <c:tickLblPos val="nextTo"/>
-        <c:crossAx val="319355528"/>
+        <c:crossAx val="486313472"/>
         <c:crosses val="autoZero"/>
         <c:auto val="1"/>
         <c:lblAlgn val="ctr"/>
@@ -1096,7 +1096,7 @@
         <c:noMultiLvlLbl val="0"/>
       </c:catAx>
       <c:valAx>
-        <c:axId val="319355528"/>
+        <c:axId val="486313472"/>
         <c:scaling>
           <c:orientation val="minMax"/>
         </c:scaling>
@@ -1133,7 +1133,7 @@
             <a:endParaRPr lang="en-US"/>
           </a:p>
         </c:txPr>
-        <c:crossAx val="319357880"/>
+        <c:crossAx val="486312296"/>
         <c:crosses val="autoZero"/>
         <c:crossBetween val="between"/>
       </c:valAx>
@@ -1309,11 +1309,11 @@
         </c:dLbls>
         <c:gapWidth val="219"/>
         <c:overlap val="-27"/>
-        <c:axId val="395190576"/>
-        <c:axId val="395191360"/>
+        <c:axId val="486313080"/>
+        <c:axId val="486306024"/>
       </c:barChart>
       <c:catAx>
-        <c:axId val="395190576"/>
+        <c:axId val="486313080"/>
         <c:scaling>
           <c:orientation val="minMax"/>
         </c:scaling>
@@ -1356,7 +1356,7 @@
             <a:endParaRPr lang="en-US"/>
           </a:p>
         </c:txPr>
-        <c:crossAx val="395191360"/>
+        <c:crossAx val="486306024"/>
         <c:crosses val="autoZero"/>
         <c:auto val="1"/>
         <c:lblAlgn val="ctr"/>
@@ -1364,7 +1364,7 @@
         <c:noMultiLvlLbl val="0"/>
       </c:catAx>
       <c:valAx>
-        <c:axId val="395191360"/>
+        <c:axId val="486306024"/>
         <c:scaling>
           <c:orientation val="minMax"/>
         </c:scaling>
@@ -1401,7 +1401,7 @@
             <a:endParaRPr lang="en-US"/>
           </a:p>
         </c:txPr>
-        <c:crossAx val="395190576"/>
+        <c:crossAx val="486313080"/>
         <c:crosses val="autoZero"/>
         <c:crossBetween val="between"/>
       </c:valAx>
@@ -1573,11 +1573,11 @@
         </c:dLbls>
         <c:gapWidth val="219"/>
         <c:overlap val="-27"/>
-        <c:axId val="395185872"/>
-        <c:axId val="395188616"/>
+        <c:axId val="486305240"/>
+        <c:axId val="486304456"/>
       </c:barChart>
       <c:catAx>
-        <c:axId val="395185872"/>
+        <c:axId val="486305240"/>
         <c:scaling>
           <c:orientation val="minMax"/>
         </c:scaling>
@@ -1620,7 +1620,7 @@
             <a:endParaRPr lang="en-US"/>
           </a:p>
         </c:txPr>
-        <c:crossAx val="395188616"/>
+        <c:crossAx val="486304456"/>
         <c:crosses val="autoZero"/>
         <c:auto val="1"/>
         <c:lblAlgn val="ctr"/>
@@ -1628,7 +1628,7 @@
         <c:noMultiLvlLbl val="0"/>
       </c:catAx>
       <c:valAx>
-        <c:axId val="395188616"/>
+        <c:axId val="486304456"/>
         <c:scaling>
           <c:orientation val="minMax"/>
         </c:scaling>
@@ -1665,7 +1665,7 @@
             <a:endParaRPr lang="en-US"/>
           </a:p>
         </c:txPr>
-        <c:crossAx val="395185872"/>
+        <c:crossAx val="486305240"/>
         <c:crosses val="autoZero"/>
         <c:crossBetween val="between"/>
       </c:valAx>
@@ -1851,11 +1851,11 @@
         </c:dLbls>
         <c:gapWidth val="219"/>
         <c:overlap val="-27"/>
-        <c:axId val="478829376"/>
-        <c:axId val="478836432"/>
+        <c:axId val="486314256"/>
+        <c:axId val="486314648"/>
       </c:barChart>
       <c:catAx>
-        <c:axId val="478829376"/>
+        <c:axId val="486314256"/>
         <c:scaling>
           <c:orientation val="minMax"/>
         </c:scaling>
@@ -1864,7 +1864,7 @@
         <c:majorTickMark val="none"/>
         <c:minorTickMark val="none"/>
         <c:tickLblPos val="nextTo"/>
-        <c:crossAx val="478836432"/>
+        <c:crossAx val="486314648"/>
         <c:crosses val="autoZero"/>
         <c:auto val="1"/>
         <c:lblAlgn val="ctr"/>
@@ -1872,7 +1872,7 @@
         <c:noMultiLvlLbl val="0"/>
       </c:catAx>
       <c:valAx>
-        <c:axId val="478836432"/>
+        <c:axId val="486314648"/>
         <c:scaling>
           <c:orientation val="minMax"/>
         </c:scaling>
@@ -1909,7 +1909,7 @@
             <a:endParaRPr lang="en-US"/>
           </a:p>
         </c:txPr>
-        <c:crossAx val="478829376"/>
+        <c:crossAx val="486314256"/>
         <c:crosses val="autoZero"/>
         <c:crossBetween val="between"/>
       </c:valAx>
@@ -2135,11 +2135,11 @@
         </c:dLbls>
         <c:gapWidth val="219"/>
         <c:overlap val="-27"/>
-        <c:axId val="478854856"/>
-        <c:axId val="478857600"/>
+        <c:axId val="486307200"/>
+        <c:axId val="486315040"/>
       </c:barChart>
       <c:catAx>
-        <c:axId val="478854856"/>
+        <c:axId val="486307200"/>
         <c:scaling>
           <c:orientation val="minMax"/>
         </c:scaling>
@@ -2182,7 +2182,7 @@
             <a:endParaRPr lang="en-US"/>
           </a:p>
         </c:txPr>
-        <c:crossAx val="478857600"/>
+        <c:crossAx val="486315040"/>
         <c:crosses val="autoZero"/>
         <c:auto val="1"/>
         <c:lblAlgn val="ctr"/>
@@ -2190,7 +2190,7 @@
         <c:noMultiLvlLbl val="0"/>
       </c:catAx>
       <c:valAx>
-        <c:axId val="478857600"/>
+        <c:axId val="486315040"/>
         <c:scaling>
           <c:orientation val="minMax"/>
         </c:scaling>
@@ -2227,7 +2227,7 @@
             <a:endParaRPr lang="en-US"/>
           </a:p>
         </c:txPr>
-        <c:crossAx val="478854856"/>
+        <c:crossAx val="486307200"/>
         <c:crosses val="autoZero"/>
         <c:crossBetween val="between"/>
       </c:valAx>
@@ -2525,11 +2525,11 @@
         </c:dLbls>
         <c:gapWidth val="219"/>
         <c:overlap val="-27"/>
-        <c:axId val="395185480"/>
-        <c:axId val="395191752"/>
+        <c:axId val="486326016"/>
+        <c:axId val="486326800"/>
       </c:barChart>
       <c:catAx>
-        <c:axId val="395185480"/>
+        <c:axId val="486326016"/>
         <c:scaling>
           <c:orientation val="minMax"/>
         </c:scaling>
@@ -2572,7 +2572,7 @@
             <a:endParaRPr lang="en-US"/>
           </a:p>
         </c:txPr>
-        <c:crossAx val="395191752"/>
+        <c:crossAx val="486326800"/>
         <c:crosses val="autoZero"/>
         <c:auto val="1"/>
         <c:lblAlgn val="ctr"/>
@@ -2580,7 +2580,7 @@
         <c:noMultiLvlLbl val="0"/>
       </c:catAx>
       <c:valAx>
-        <c:axId val="395191752"/>
+        <c:axId val="486326800"/>
         <c:scaling>
           <c:orientation val="minMax"/>
         </c:scaling>
@@ -2617,7 +2617,7 @@
             <a:endParaRPr lang="en-US"/>
           </a:p>
         </c:txPr>
-        <c:crossAx val="395185480"/>
+        <c:crossAx val="486326016"/>
         <c:crosses val="autoZero"/>
         <c:crossBetween val="between"/>
       </c:valAx>
@@ -6546,7 +6546,7 @@
           <a:p>
             <a:fld id="{B0C0A60C-850A-4EA4-9C14-A8FE98B94505}" type="datetimeFigureOut">
               <a:rPr lang="en-US" smtClean="0"/>
-              <a:t>6/7/2019</a:t>
+              <a:t>6/16/2019</a:t>
             </a:fld>
             <a:endParaRPr lang="en-US"/>
           </a:p>
@@ -7461,7 +7461,7 @@
           <a:p>
             <a:fld id="{5738B90E-0779-4C36-915C-6F05FCD89456}" type="datetime1">
               <a:rPr lang="en-US" smtClean="0"/>
-              <a:t>6/7/2019</a:t>
+              <a:t>6/16/2019</a:t>
             </a:fld>
             <a:endParaRPr lang="en-US"/>
           </a:p>
@@ -7658,7 +7658,7 @@
           <a:p>
             <a:fld id="{7B9EA29D-D431-42FE-B7B6-AAE4454C77D3}" type="datetime1">
               <a:rPr lang="en-US" smtClean="0"/>
-              <a:t>6/7/2019</a:t>
+              <a:t>6/16/2019</a:t>
             </a:fld>
             <a:endParaRPr lang="en-US"/>
           </a:p>
@@ -8013,7 +8013,7 @@
           <a:p>
             <a:fld id="{690D8A1E-EA8F-46C1-B891-AE0C00D9C314}" type="datetime1">
               <a:rPr lang="en-US" smtClean="0"/>
-              <a:t>6/7/2019</a:t>
+              <a:t>6/16/2019</a:t>
             </a:fld>
             <a:endParaRPr lang="en-US"/>
           </a:p>
@@ -8321,7 +8321,7 @@
           <a:p>
             <a:fld id="{D753EFC8-4232-4598-94F6-94C0EBAFC469}" type="datetime1">
               <a:rPr lang="en-US" smtClean="0"/>
-              <a:t>6/7/2019</a:t>
+              <a:t>6/16/2019</a:t>
             </a:fld>
             <a:endParaRPr lang="en-US"/>
           </a:p>
@@ -8650,7 +8650,7 @@
           <a:p>
             <a:fld id="{F3161074-1C18-4AE7-957D-F18524378C85}" type="datetime1">
               <a:rPr lang="en-US" smtClean="0"/>
-              <a:t>6/7/2019</a:t>
+              <a:t>6/16/2019</a:t>
             </a:fld>
             <a:endParaRPr lang="en-US"/>
           </a:p>
@@ -8903,7 +8903,7 @@
           <a:p>
             <a:fld id="{69BE256C-8D9A-4404-B47D-41A1AE514425}" type="datetime1">
               <a:rPr lang="en-US" smtClean="0"/>
-              <a:t>6/7/2019</a:t>
+              <a:t>6/16/2019</a:t>
             </a:fld>
             <a:endParaRPr lang="en-US"/>
           </a:p>
@@ -9351,7 +9351,7 @@
           <a:p>
             <a:fld id="{66CB2154-9035-4012-8189-BAAB61C5A5EE}" type="datetime1">
               <a:rPr lang="en-US" smtClean="0"/>
-              <a:t>6/7/2019</a:t>
+              <a:t>6/16/2019</a:t>
             </a:fld>
             <a:endParaRPr lang="en-US"/>
           </a:p>
@@ -9539,7 +9539,7 @@
           <a:p>
             <a:fld id="{6700A58B-DD98-43D0-B791-721480A02982}" type="datetime1">
               <a:rPr lang="en-US" smtClean="0"/>
-              <a:t>6/7/2019</a:t>
+              <a:t>6/16/2019</a:t>
             </a:fld>
             <a:endParaRPr lang="en-US"/>
           </a:p>
@@ -9745,7 +9745,7 @@
           <a:p>
             <a:fld id="{7DB6E382-4F61-4E24-BE1A-377EC83D0E3A}" type="datetime1">
               <a:rPr lang="en-US" smtClean="0"/>
-              <a:t>6/7/2019</a:t>
+              <a:t>6/16/2019</a:t>
             </a:fld>
             <a:endParaRPr lang="en-US"/>
           </a:p>
@@ -10151,7 +10151,7 @@
           <a:p>
             <a:fld id="{4142EED6-FC16-45B9-B8C4-2BC5DBA88325}" type="datetime1">
               <a:rPr lang="en-US" smtClean="0"/>
-              <a:t>6/7/2019</a:t>
+              <a:t>6/16/2019</a:t>
             </a:fld>
             <a:endParaRPr lang="en-US"/>
           </a:p>
@@ -10483,7 +10483,7 @@
           <a:p>
             <a:fld id="{DF59512B-4F1D-43D7-8819-2F53FEF69650}" type="datetime1">
               <a:rPr lang="en-US" smtClean="0"/>
-              <a:t>6/7/2019</a:t>
+              <a:t>6/16/2019</a:t>
             </a:fld>
             <a:endParaRPr lang="en-US"/>
           </a:p>
@@ -10773,7 +10773,7 @@
           <a:p>
             <a:fld id="{08437B94-E2BF-44DC-ADC5-B05FC9934E9D}" type="datetime1">
               <a:rPr lang="en-US" smtClean="0"/>
-              <a:t>6/7/2019</a:t>
+              <a:t>6/16/2019</a:t>
             </a:fld>
             <a:endParaRPr lang="en-US"/>
           </a:p>
@@ -11275,15 +11275,7 @@
           <a:p>
             <a:r>
               <a:rPr lang="en-US" dirty="0" smtClean="0"/>
-              <a:t>June </a:t>
-            </a:r>
-            <a:r>
-              <a:rPr lang="en-US" dirty="0" smtClean="0"/>
-              <a:t>18, </a:t>
-            </a:r>
-            <a:r>
-              <a:rPr lang="en-US" dirty="0" smtClean="0"/>
-              <a:t>2019</a:t>
+              <a:t>June 18, 2019</a:t>
             </a:r>
           </a:p>
           <a:p>
@@ -11313,7 +11305,7 @@
             <a:fld id="{5738B90E-0779-4C36-915C-6F05FCD89456}" type="datetime1">
               <a:rPr lang="en-US" smtClean="0"/>
               <a:pPr/>
-              <a:t>6/7/2019</a:t>
+              <a:t>6/16/2019</a:t>
             </a:fld>
             <a:endParaRPr lang="en-US"/>
           </a:p>
@@ -11419,7 +11411,7 @@
           <a:p>
             <a:fld id="{6700A58B-DD98-43D0-B791-721480A02982}" type="datetime1">
               <a:rPr lang="en-US" smtClean="0"/>
-              <a:t>6/7/2019</a:t>
+              <a:t>6/16/2019</a:t>
             </a:fld>
             <a:endParaRPr lang="en-US"/>
           </a:p>
@@ -11704,7 +11696,7 @@
           <a:p>
             <a:fld id="{6700A58B-DD98-43D0-B791-721480A02982}" type="datetime1">
               <a:rPr lang="en-US" smtClean="0"/>
-              <a:t>6/7/2019</a:t>
+              <a:t>6/16/2019</a:t>
             </a:fld>
             <a:endParaRPr lang="en-US"/>
           </a:p>
@@ -11945,7 +11937,7 @@
           <a:p>
             <a:fld id="{6700A58B-DD98-43D0-B791-721480A02982}" type="datetime1">
               <a:rPr lang="en-US" smtClean="0"/>
-              <a:t>6/7/2019</a:t>
+              <a:t>6/16/2019</a:t>
             </a:fld>
             <a:endParaRPr lang="en-US"/>
           </a:p>
@@ -12305,7 +12297,7 @@
           <a:p>
             <a:fld id="{6700A58B-DD98-43D0-B791-721480A02982}" type="datetime1">
               <a:rPr lang="en-US" smtClean="0"/>
-              <a:t>6/7/2019</a:t>
+              <a:t>6/16/2019</a:t>
             </a:fld>
             <a:endParaRPr lang="en-US"/>
           </a:p>
@@ -12758,7 +12750,7 @@
           <a:p>
             <a:fld id="{6700A58B-DD98-43D0-B791-721480A02982}" type="datetime1">
               <a:rPr lang="en-US" smtClean="0"/>
-              <a:t>6/7/2019</a:t>
+              <a:t>6/16/2019</a:t>
             </a:fld>
             <a:endParaRPr lang="en-US"/>
           </a:p>
@@ -13264,7 +13256,7 @@
           <a:p>
             <a:fld id="{6700A58B-DD98-43D0-B791-721480A02982}" type="datetime1">
               <a:rPr lang="en-US" smtClean="0"/>
-              <a:t>6/7/2019</a:t>
+              <a:t>6/16/2019</a:t>
             </a:fld>
             <a:endParaRPr lang="en-US"/>
           </a:p>
@@ -13628,7 +13620,7 @@
           <a:p>
             <a:fld id="{6700A58B-DD98-43D0-B791-721480A02982}" type="datetime1">
               <a:rPr lang="en-US" smtClean="0"/>
-              <a:t>6/7/2019</a:t>
+              <a:t>6/16/2019</a:t>
             </a:fld>
             <a:endParaRPr lang="en-US"/>
           </a:p>
@@ -14024,8 +14016,8 @@
         </p:nvSpPr>
         <p:spPr>
           <a:xfrm>
-            <a:off x="266132" y="3722529"/>
-            <a:ext cx="7695761" cy="369332"/>
+            <a:off x="0" y="3722529"/>
+            <a:ext cx="8983228" cy="369332"/>
           </a:xfrm>
           <a:prstGeom prst="rect">
             <a:avLst/>
@@ -14048,7 +14040,15 @@
             </a:r>
             <a:r>
               <a:rPr lang="en-US" i="1" dirty="0"/>
-              <a:t>” will be returned.</a:t>
+              <a:t>” </a:t>
+            </a:r>
+            <a:r>
+              <a:rPr lang="en-US" i="1" dirty="0" smtClean="0"/>
+              <a:t>in  document will </a:t>
+            </a:r>
+            <a:r>
+              <a:rPr lang="en-US" i="1" dirty="0"/>
+              <a:t>be returned.</a:t>
             </a:r>
           </a:p>
         </p:txBody>
@@ -14162,7 +14162,7 @@
           <a:p>
             <a:fld id="{6700A58B-DD98-43D0-B791-721480A02982}" type="datetime1">
               <a:rPr lang="en-US" smtClean="0"/>
-              <a:t>6/7/2019</a:t>
+              <a:t>6/16/2019</a:t>
             </a:fld>
             <a:endParaRPr lang="en-US"/>
           </a:p>
@@ -15013,7 +15013,7 @@
           <a:p>
             <a:fld id="{6700A58B-DD98-43D0-B791-721480A02982}" type="datetime1">
               <a:rPr lang="en-US" smtClean="0"/>
-              <a:t>6/7/2019</a:t>
+              <a:t>6/16/2019</a:t>
             </a:fld>
             <a:endParaRPr lang="en-US"/>
           </a:p>
@@ -15440,7 +15440,7 @@
             <a:fld id="{6700A58B-DD98-43D0-B791-721480A02982}" type="datetime1">
               <a:rPr lang="en-US" smtClean="0"/>
               <a:pPr/>
-              <a:t>6/7/2019</a:t>
+              <a:t>6/16/2019</a:t>
             </a:fld>
             <a:endParaRPr lang="en-US"/>
           </a:p>
@@ -16969,7 +16969,7 @@
           <a:p>
             <a:fld id="{9B19E99B-5349-415A-8E56-8E989211A366}" type="datetime1">
               <a:rPr lang="en-US" smtClean="0"/>
-              <a:t>6/7/2019</a:t>
+              <a:t>6/16/2019</a:t>
             </a:fld>
             <a:endParaRPr lang="en-US"/>
           </a:p>
@@ -17127,7 +17127,7 @@
             <a:fld id="{6700A58B-DD98-43D0-B791-721480A02982}" type="datetime1">
               <a:rPr lang="en-US" smtClean="0"/>
               <a:pPr/>
-              <a:t>6/7/2019</a:t>
+              <a:t>6/16/2019</a:t>
             </a:fld>
             <a:endParaRPr lang="en-US"/>
           </a:p>
@@ -17718,7 +17718,7 @@
             <a:fld id="{6700A58B-DD98-43D0-B791-721480A02982}" type="datetime1">
               <a:rPr lang="en-US" smtClean="0"/>
               <a:pPr/>
-              <a:t>6/7/2019</a:t>
+              <a:t>6/16/2019</a:t>
             </a:fld>
             <a:endParaRPr lang="en-US"/>
           </a:p>
@@ -18504,7 +18504,29 @@
                   <a:ea typeface="Arial Unicode MS" panose="020B0604020202020204" pitchFamily="34" charset="-128"/>
                   <a:cs typeface="Arial Unicode MS" panose="020B0604020202020204" pitchFamily="34" charset="-128"/>
                 </a:rPr>
-                <a:t>Boston &amp; Portland are a cluster at height ~45, losing precision to create the cluster.</a:t>
+                <a:t>Boston &amp; Portland are a cluster at height ~</a:t>
+              </a:r>
+              <a:r>
+                <a:rPr lang="en-US" sz="1600" kern="1200" dirty="0" smtClean="0">
+                  <a:solidFill>
+                    <a:prstClr val="black"/>
+                  </a:solidFill>
+                  <a:latin typeface="+mj-lt"/>
+                  <a:ea typeface="Arial Unicode MS" panose="020B0604020202020204" pitchFamily="34" charset="-128"/>
+                  <a:cs typeface="Arial Unicode MS" panose="020B0604020202020204" pitchFamily="34" charset="-128"/>
+                </a:rPr>
+                <a:t>44, </a:t>
+              </a:r>
+              <a:r>
+                <a:rPr lang="en-US" sz="1600" kern="1200" dirty="0">
+                  <a:solidFill>
+                    <a:prstClr val="black"/>
+                  </a:solidFill>
+                  <a:latin typeface="+mj-lt"/>
+                  <a:ea typeface="Arial Unicode MS" panose="020B0604020202020204" pitchFamily="34" charset="-128"/>
+                  <a:cs typeface="Arial Unicode MS" panose="020B0604020202020204" pitchFamily="34" charset="-128"/>
+                </a:rPr>
+                <a:t>losing precision to create the cluster.</a:t>
               </a:r>
             </a:p>
           </p:txBody>
@@ -18616,7 +18638,7 @@
             <a:fld id="{6700A58B-DD98-43D0-B791-721480A02982}" type="datetime1">
               <a:rPr lang="en-US" smtClean="0"/>
               <a:pPr/>
-              <a:t>6/7/2019</a:t>
+              <a:t>6/16/2019</a:t>
             </a:fld>
             <a:endParaRPr lang="en-US"/>
           </a:p>
@@ -19877,7 +19899,7 @@
             <a:fld id="{6700A58B-DD98-43D0-B791-721480A02982}" type="datetime1">
               <a:rPr lang="en-US" smtClean="0"/>
               <a:pPr/>
-              <a:t>6/7/2019</a:t>
+              <a:t>6/16/2019</a:t>
             </a:fld>
             <a:endParaRPr lang="en-US"/>
           </a:p>
@@ -20998,7 +21020,7 @@
             <a:fld id="{6700A58B-DD98-43D0-B791-721480A02982}" type="datetime1">
               <a:rPr lang="en-US" smtClean="0"/>
               <a:pPr/>
-              <a:t>6/7/2019</a:t>
+              <a:t>6/16/2019</a:t>
             </a:fld>
             <a:endParaRPr lang="en-US"/>
           </a:p>
@@ -21135,7 +21157,7 @@
               <a:t>The default is to use the Euclidean distance although others i.e. </a:t>
             </a:r>
             <a:r>
-              <a:rPr lang="en-US" sz="1600" kern="1200" dirty="0" err="1">
+              <a:rPr lang="en-US" sz="1600" kern="1200" dirty="0" smtClean="0">
                 <a:solidFill>
                   <a:prstClr val="white"/>
                 </a:solidFill>
@@ -21143,7 +21165,7 @@
                 <a:ea typeface="Arial Unicode MS" panose="020B0604020202020204" pitchFamily="34" charset="-128"/>
                 <a:cs typeface="Arial Unicode MS" panose="020B0604020202020204" pitchFamily="34" charset="-128"/>
               </a:rPr>
-              <a:t>Mahattan</a:t>
+              <a:t>Manhattan </a:t>
             </a:r>
             <a:r>
               <a:rPr lang="en-US" sz="1600" kern="1200" dirty="0">
@@ -21154,7 +21176,7 @@
                 <a:ea typeface="Arial Unicode MS" panose="020B0604020202020204" pitchFamily="34" charset="-128"/>
                 <a:cs typeface="Arial Unicode MS" panose="020B0604020202020204" pitchFamily="34" charset="-128"/>
               </a:rPr>
-              <a:t> can be explored.</a:t>
+              <a:t>can be explored.</a:t>
             </a:r>
           </a:p>
         </p:txBody>
@@ -21420,7 +21442,7 @@
             <a:fld id="{6700A58B-DD98-43D0-B791-721480A02982}" type="datetime1">
               <a:rPr lang="en-US" smtClean="0"/>
               <a:pPr/>
-              <a:t>6/7/2019</a:t>
+              <a:t>6/16/2019</a:t>
             </a:fld>
             <a:endParaRPr lang="en-US"/>
           </a:p>
@@ -21926,7 +21948,7 @@
             <a:fld id="{6700A58B-DD98-43D0-B791-721480A02982}" type="datetime1">
               <a:rPr lang="en-US" smtClean="0"/>
               <a:pPr/>
-              <a:t>6/7/2019</a:t>
+              <a:t>6/16/2019</a:t>
             </a:fld>
             <a:endParaRPr lang="en-US"/>
           </a:p>
@@ -22187,7 +22209,7 @@
         <p:spPr>
           <a:xfrm>
             <a:off x="722671" y="3544887"/>
-            <a:ext cx="6592529" cy="1477328"/>
+            <a:ext cx="6592529" cy="1754326"/>
           </a:xfrm>
           <a:prstGeom prst="rect">
             <a:avLst/>
@@ -22223,8 +22245,52 @@
             </a:r>
             <a:r>
               <a:rPr lang="en-US" dirty="0"/>
-              <a:t>” = 2; “lost” = 2; (2-0) =2</a:t>
-            </a:r>
+              <a:t>” = </a:t>
+            </a:r>
+            <a:r>
+              <a:rPr lang="en-US" dirty="0" smtClean="0"/>
+              <a:t>0; </a:t>
+            </a:r>
+            <a:r>
+              <a:rPr lang="en-US" dirty="0"/>
+              <a:t>“lost” = </a:t>
+            </a:r>
+            <a:r>
+              <a:rPr lang="en-US" dirty="0" smtClean="0"/>
+              <a:t>0; (0-0</a:t>
+            </a:r>
+            <a:r>
+              <a:rPr lang="en-US" dirty="0"/>
+              <a:t>) </a:t>
+            </a:r>
+            <a:r>
+              <a:rPr lang="en-US" dirty="0" smtClean="0"/>
+              <a:t>= </a:t>
+            </a:r>
+            <a:r>
+              <a:rPr lang="en-US" dirty="0" smtClean="0"/>
+              <a:t>0</a:t>
+            </a:r>
+            <a:endParaRPr lang="en-US" dirty="0" smtClean="0"/>
+          </a:p>
+          <a:p>
+            <a:r>
+              <a:rPr lang="en-US" b="1" dirty="0" smtClean="0"/>
+              <a:t>Tweet3</a:t>
+            </a:r>
+            <a:r>
+              <a:rPr lang="en-US" dirty="0" smtClean="0"/>
+              <a:t>: “</a:t>
+            </a:r>
+            <a:r>
+              <a:rPr lang="en-US" dirty="0" err="1" smtClean="0"/>
+              <a:t>thealetrail</a:t>
+            </a:r>
+            <a:r>
+              <a:rPr lang="en-US" dirty="0" smtClean="0"/>
+              <a:t>” = 2; “lost” = 0; (2-0) = 2</a:t>
+            </a:r>
+            <a:endParaRPr lang="en-US" dirty="0"/>
           </a:p>
           <a:p>
             <a:endParaRPr lang="en-US" dirty="0"/>
@@ -22238,7 +22304,35 @@
           <a:p>
             <a:r>
               <a:rPr lang="en-US" dirty="0"/>
-              <a:t>sqrt(2) + sqrt(2) = 1.41 +1.41 = 2.82</a:t>
+              <a:t>sqrt(2) + </a:t>
+            </a:r>
+            <a:r>
+              <a:rPr lang="en-US" dirty="0" err="1" smtClean="0"/>
+              <a:t>sqrt</a:t>
+            </a:r>
+            <a:r>
+              <a:rPr lang="en-US" dirty="0" smtClean="0"/>
+              <a:t>(0) + </a:t>
+            </a:r>
+            <a:r>
+              <a:rPr lang="en-US" dirty="0" err="1" smtClean="0"/>
+              <a:t>sqrt</a:t>
+            </a:r>
+            <a:r>
+              <a:rPr lang="en-US" dirty="0" smtClean="0"/>
+              <a:t>(2</a:t>
+            </a:r>
+            <a:r>
+              <a:rPr lang="en-US" dirty="0"/>
+              <a:t>) = 1.41 </a:t>
+            </a:r>
+            <a:r>
+              <a:rPr lang="en-US" dirty="0" smtClean="0"/>
+              <a:t>+ 0 + 1.41 </a:t>
+            </a:r>
+            <a:r>
+              <a:rPr lang="en-US" dirty="0"/>
+              <a:t>= 2.82</a:t>
             </a:r>
           </a:p>
         </p:txBody>
@@ -22300,8 +22394,8 @@
         </p:nvCxnSpPr>
         <p:spPr>
           <a:xfrm flipV="1">
-            <a:off x="4472153" y="3326524"/>
-            <a:ext cx="3576145" cy="1492470"/>
+            <a:off x="5733394" y="3326524"/>
+            <a:ext cx="2314904" cy="1807780"/>
           </a:xfrm>
           <a:prstGeom prst="bentConnector2">
             <a:avLst/>
@@ -22333,7 +22427,7 @@
         </p:nvSpPr>
         <p:spPr>
           <a:xfrm>
-            <a:off x="3384332" y="4629807"/>
+            <a:off x="4645573" y="4945117"/>
             <a:ext cx="1087821" cy="378373"/>
           </a:xfrm>
           <a:prstGeom prst="ellipse">
@@ -22629,7 +22723,7 @@
             <a:fld id="{6700A58B-DD98-43D0-B791-721480A02982}" type="datetime1">
               <a:rPr lang="en-US" smtClean="0"/>
               <a:pPr/>
-              <a:t>6/7/2019</a:t>
+              <a:t>6/16/2019</a:t>
             </a:fld>
             <a:endParaRPr lang="en-US"/>
           </a:p>
@@ -23052,7 +23146,7 @@
             <a:fld id="{6700A58B-DD98-43D0-B791-721480A02982}" type="datetime1">
               <a:rPr lang="en-US" smtClean="0"/>
               <a:pPr/>
-              <a:t>6/7/2019</a:t>
+              <a:t>6/16/2019</a:t>
             </a:fld>
             <a:endParaRPr lang="en-US"/>
           </a:p>
@@ -23259,7 +23353,7 @@
             <a:fld id="{6700A58B-DD98-43D0-B791-721480A02982}" type="datetime1">
               <a:rPr lang="en-US" smtClean="0"/>
               <a:pPr/>
-              <a:t>6/7/2019</a:t>
+              <a:t>6/16/2019</a:t>
             </a:fld>
             <a:endParaRPr lang="en-US"/>
           </a:p>
@@ -23465,6 +23559,13 @@
   <p:clrMapOvr>
     <a:masterClrMapping/>
   </p:clrMapOvr>
+  <p:timing>
+    <p:tnLst>
+      <p:par>
+        <p:cTn id="1" dur="indefinite" restart="never" nodeType="tmRoot"/>
+      </p:par>
+    </p:tnLst>
+  </p:timing>
 </p:sld>
 </file>
 
@@ -23560,7 +23661,7 @@
           <a:p>
             <a:fld id="{6700A58B-DD98-43D0-B791-721480A02982}" type="datetime1">
               <a:rPr lang="en-US" smtClean="0"/>
-              <a:t>6/7/2019</a:t>
+              <a:t>6/16/2019</a:t>
             </a:fld>
             <a:endParaRPr lang="en-US"/>
           </a:p>
@@ -26509,7 +26610,7 @@
           <a:p>
             <a:fld id="{9B19E99B-5349-415A-8E56-8E989211A366}" type="datetime1">
               <a:rPr lang="en-US" smtClean="0"/>
-              <a:t>6/7/2019</a:t>
+              <a:t>6/16/2019</a:t>
             </a:fld>
             <a:endParaRPr lang="en-US"/>
           </a:p>
@@ -26615,7 +26716,7 @@
             <a:fld id="{6700A58B-DD98-43D0-B791-721480A02982}" type="datetime1">
               <a:rPr lang="en-US" smtClean="0"/>
               <a:pPr/>
-              <a:t>6/7/2019</a:t>
+              <a:t>6/16/2019</a:t>
             </a:fld>
             <a:endParaRPr lang="en-US"/>
           </a:p>
@@ -28061,7 +28162,7 @@
           <a:p>
             <a:fld id="{9B19E99B-5349-415A-8E56-8E989211A366}" type="datetime1">
               <a:rPr lang="en-US" smtClean="0"/>
-              <a:t>6/7/2019</a:t>
+              <a:t>6/16/2019</a:t>
             </a:fld>
             <a:endParaRPr lang="en-US"/>
           </a:p>
@@ -28284,7 +28385,7 @@
             <a:fld id="{6700A58B-DD98-43D0-B791-721480A02982}" type="datetime1">
               <a:rPr lang="en-US" smtClean="0"/>
               <a:pPr/>
-              <a:t>6/7/2019</a:t>
+              <a:t>6/16/2019</a:t>
             </a:fld>
             <a:endParaRPr lang="en-US"/>
           </a:p>
@@ -28679,7 +28780,7 @@
             <a:fld id="{6700A58B-DD98-43D0-B791-721480A02982}" type="datetime1">
               <a:rPr lang="en-US" smtClean="0"/>
               <a:pPr/>
-              <a:t>6/7/2019</a:t>
+              <a:t>6/16/2019</a:t>
             </a:fld>
             <a:endParaRPr lang="en-US"/>
           </a:p>
@@ -29322,7 +29423,7 @@
             <a:fld id="{6700A58B-DD98-43D0-B791-721480A02982}" type="datetime1">
               <a:rPr lang="en-US" smtClean="0"/>
               <a:pPr/>
-              <a:t>6/7/2019</a:t>
+              <a:t>6/16/2019</a:t>
             </a:fld>
             <a:endParaRPr lang="en-US"/>
           </a:p>
@@ -29883,7 +29984,7 @@
             <a:fld id="{6700A58B-DD98-43D0-B791-721480A02982}" type="datetime1">
               <a:rPr lang="en-US" smtClean="0"/>
               <a:pPr/>
-              <a:t>6/7/2019</a:t>
+              <a:t>6/16/2019</a:t>
             </a:fld>
             <a:endParaRPr lang="en-US"/>
           </a:p>
@@ -32486,7 +32587,7 @@
             <a:fld id="{6700A58B-DD98-43D0-B791-721480A02982}" type="datetime1">
               <a:rPr lang="en-US" smtClean="0"/>
               <a:pPr/>
-              <a:t>6/7/2019</a:t>
+              <a:t>6/16/2019</a:t>
             </a:fld>
             <a:endParaRPr lang="en-US"/>
           </a:p>
@@ -33278,6 +33379,90 @@
           </a:graphicData>
         </a:graphic>
       </p:graphicFrame>
+      <p:sp>
+        <p:nvSpPr>
+          <p:cNvPr id="17" name="TextBox 16">
+            <a:extLst>
+              <a:ext uri="{FF2B5EF4-FFF2-40B4-BE49-F238E27FC236}">
+                <a16:creationId xmlns="" xmlns:a16="http://schemas.microsoft.com/office/drawing/2014/main" id="{A424BF5E-7E73-42C2-8E87-C2BA20C0EACF}"/>
+              </a:ext>
+            </a:extLst>
+          </p:cNvPr>
+          <p:cNvSpPr txBox="1"/>
+          <p:nvPr/>
+        </p:nvSpPr>
+        <p:spPr>
+          <a:xfrm>
+            <a:off x="6017031" y="3285201"/>
+            <a:ext cx="1225015" cy="253916"/>
+          </a:xfrm>
+          <a:prstGeom prst="rect">
+            <a:avLst/>
+          </a:prstGeom>
+          <a:noFill/>
+        </p:spPr>
+        <p:txBody>
+          <a:bodyPr wrap="none" rtlCol="0">
+            <a:spAutoFit/>
+          </a:bodyPr>
+          <a:lstStyle/>
+          <a:p>
+            <a:pPr defTabSz="457200"/>
+            <a:r>
+              <a:rPr lang="en-US" sz="1050" i="1" dirty="0" smtClean="0">
+                <a:solidFill>
+                  <a:prstClr val="black"/>
+                </a:solidFill>
+                <a:latin typeface="Arial Unicode MS" panose="020B0604020202020204" pitchFamily="34" charset="-128"/>
+                <a:ea typeface="Arial Unicode MS" panose="020B0604020202020204" pitchFamily="34" charset="-128"/>
+                <a:cs typeface="Arial Unicode MS" panose="020B0604020202020204" pitchFamily="34" charset="-128"/>
+              </a:rPr>
+              <a:t>Word </a:t>
+            </a:r>
+            <a:r>
+              <a:rPr lang="en-US" sz="1050" i="1" dirty="0" err="1" smtClean="0">
+                <a:solidFill>
+                  <a:prstClr val="black"/>
+                </a:solidFill>
+                <a:latin typeface="Arial Unicode MS" panose="020B0604020202020204" pitchFamily="34" charset="-128"/>
+                <a:ea typeface="Arial Unicode MS" panose="020B0604020202020204" pitchFamily="34" charset="-128"/>
+                <a:cs typeface="Arial Unicode MS" panose="020B0604020202020204" pitchFamily="34" charset="-128"/>
+              </a:rPr>
+              <a:t>Freq</a:t>
+            </a:r>
+            <a:r>
+              <a:rPr lang="en-US" sz="1050" i="1" dirty="0" smtClean="0">
+                <a:solidFill>
+                  <a:prstClr val="black"/>
+                </a:solidFill>
+                <a:latin typeface="Arial Unicode MS" panose="020B0604020202020204" pitchFamily="34" charset="-128"/>
+                <a:ea typeface="Arial Unicode MS" panose="020B0604020202020204" pitchFamily="34" charset="-128"/>
+                <a:cs typeface="Arial Unicode MS" panose="020B0604020202020204" pitchFamily="34" charset="-128"/>
+              </a:rPr>
+              <a:t> </a:t>
+            </a:r>
+            <a:r>
+              <a:rPr lang="en-US" sz="1050" i="1" kern="1200" dirty="0" smtClean="0">
+                <a:solidFill>
+                  <a:prstClr val="black"/>
+                </a:solidFill>
+                <a:latin typeface="Arial Unicode MS" panose="020B0604020202020204" pitchFamily="34" charset="-128"/>
+                <a:ea typeface="Arial Unicode MS" panose="020B0604020202020204" pitchFamily="34" charset="-128"/>
+                <a:cs typeface="Arial Unicode MS" panose="020B0604020202020204" pitchFamily="34" charset="-128"/>
+              </a:rPr>
+              <a:t>Matrix</a:t>
+            </a:r>
+            <a:endParaRPr lang="en-US" sz="1050" i="1" kern="1200" dirty="0">
+              <a:solidFill>
+                <a:prstClr val="black"/>
+              </a:solidFill>
+              <a:latin typeface="Arial Unicode MS" panose="020B0604020202020204" pitchFamily="34" charset="-128"/>
+              <a:ea typeface="Arial Unicode MS" panose="020B0604020202020204" pitchFamily="34" charset="-128"/>
+              <a:cs typeface="Arial Unicode MS" panose="020B0604020202020204" pitchFamily="34" charset="-128"/>
+            </a:endParaRPr>
+          </a:p>
+        </p:txBody>
+      </p:sp>
     </p:spTree>
     <p:extLst>
       <p:ext uri="{BB962C8B-B14F-4D97-AF65-F5344CB8AC3E}">
@@ -33326,7 +33511,7 @@
             <a:fld id="{6700A58B-DD98-43D0-B791-721480A02982}" type="datetime1">
               <a:rPr lang="en-US" smtClean="0"/>
               <a:pPr/>
-              <a:t>6/7/2019</a:t>
+              <a:t>6/16/2019</a:t>
             </a:fld>
             <a:endParaRPr lang="en-US"/>
           </a:p>
@@ -34495,7 +34680,7 @@
             <a:fld id="{6700A58B-DD98-43D0-B791-721480A02982}" type="datetime1">
               <a:rPr lang="en-US" smtClean="0"/>
               <a:pPr/>
-              <a:t>6/7/2019</a:t>
+              <a:t>6/16/2019</a:t>
             </a:fld>
             <a:endParaRPr lang="en-US"/>
           </a:p>
@@ -34872,7 +35057,7 @@
           <a:p>
             <a:fld id="{6700A58B-DD98-43D0-B791-721480A02982}" type="datetime1">
               <a:rPr lang="en-US" smtClean="0"/>
-              <a:t>6/7/2019</a:t>
+              <a:t>6/16/2019</a:t>
             </a:fld>
             <a:endParaRPr lang="en-US"/>
           </a:p>
@@ -35069,7 +35254,7 @@
             <a:fld id="{6700A58B-DD98-43D0-B791-721480A02982}" type="datetime1">
               <a:rPr lang="en-US" smtClean="0"/>
               <a:pPr/>
-              <a:t>6/7/2019</a:t>
+              <a:t>6/16/2019</a:t>
             </a:fld>
             <a:endParaRPr lang="en-US"/>
           </a:p>
@@ -35390,7 +35575,7 @@
           <a:p>
             <a:fld id="{6700A58B-DD98-43D0-B791-721480A02982}" type="datetime1">
               <a:rPr lang="en-US" smtClean="0"/>
-              <a:t>6/7/2019</a:t>
+              <a:t>6/16/2019</a:t>
             </a:fld>
             <a:endParaRPr lang="en-US"/>
           </a:p>
@@ -35568,7 +35753,7 @@
           <a:p>
             <a:fld id="{6700A58B-DD98-43D0-B791-721480A02982}" type="datetime1">
               <a:rPr lang="en-US" smtClean="0"/>
-              <a:t>6/7/2019</a:t>
+              <a:t>6/16/2019</a:t>
             </a:fld>
             <a:endParaRPr lang="en-US"/>
           </a:p>
@@ -35933,7 +36118,7 @@
           <a:p>
             <a:fld id="{6700A58B-DD98-43D0-B791-721480A02982}" type="datetime1">
               <a:rPr lang="en-US" smtClean="0"/>
-              <a:t>6/7/2019</a:t>
+              <a:t>6/16/2019</a:t>
             </a:fld>
             <a:endParaRPr lang="en-US"/>
           </a:p>
@@ -36318,7 +36503,7 @@
           <a:p>
             <a:fld id="{6700A58B-DD98-43D0-B791-721480A02982}" type="datetime1">
               <a:rPr lang="en-US" smtClean="0"/>
-              <a:t>6/7/2019</a:t>
+              <a:t>6/16/2019</a:t>
             </a:fld>
             <a:endParaRPr lang="en-US"/>
           </a:p>
@@ -36497,7 +36682,7 @@
             <a:fld id="{6700A58B-DD98-43D0-B791-721480A02982}" type="datetime1">
               <a:rPr lang="en-US" smtClean="0"/>
               <a:pPr/>
-              <a:t>6/7/2019</a:t>
+              <a:t>6/16/2019</a:t>
             </a:fld>
             <a:endParaRPr lang="en-US"/>
           </a:p>
@@ -36847,7 +37032,7 @@
             <a:fld id="{6700A58B-DD98-43D0-B791-721480A02982}" type="datetime1">
               <a:rPr lang="en-US" smtClean="0"/>
               <a:pPr/>
-              <a:t>6/7/2019</a:t>
+              <a:t>6/16/2019</a:t>
             </a:fld>
             <a:endParaRPr lang="en-US"/>
           </a:p>
@@ -37541,7 +37726,7 @@
             <a:fld id="{6700A58B-DD98-43D0-B791-721480A02982}" type="datetime1">
               <a:rPr lang="en-US" smtClean="0"/>
               <a:pPr/>
-              <a:t>6/7/2019</a:t>
+              <a:t>6/16/2019</a:t>
             </a:fld>
             <a:endParaRPr lang="en-US"/>
           </a:p>
@@ -38263,7 +38448,7 @@
             <a:fld id="{6700A58B-DD98-43D0-B791-721480A02982}" type="datetime1">
               <a:rPr lang="en-US" smtClean="0"/>
               <a:pPr/>
-              <a:t>6/7/2019</a:t>
+              <a:t>6/16/2019</a:t>
             </a:fld>
             <a:endParaRPr lang="en-US"/>
           </a:p>
@@ -38817,7 +39002,7 @@
             <a:fld id="{6700A58B-DD98-43D0-B791-721480A02982}" type="datetime1">
               <a:rPr lang="en-US" smtClean="0"/>
               <a:pPr/>
-              <a:t>6/7/2019</a:t>
+              <a:t>6/16/2019</a:t>
             </a:fld>
             <a:endParaRPr lang="en-US"/>
           </a:p>
@@ -40957,7 +41142,7 @@
           <a:p>
             <a:fld id="{9B19E99B-5349-415A-8E56-8E989211A366}" type="datetime1">
               <a:rPr lang="en-US" smtClean="0"/>
-              <a:t>6/7/2019</a:t>
+              <a:t>6/16/2019</a:t>
             </a:fld>
             <a:endParaRPr lang="en-US"/>
           </a:p>
@@ -41057,7 +41242,7 @@
             <a:fld id="{6700A58B-DD98-43D0-B791-721480A02982}" type="datetime1">
               <a:rPr lang="en-US" smtClean="0"/>
               <a:pPr/>
-              <a:t>6/7/2019</a:t>
+              <a:t>6/16/2019</a:t>
             </a:fld>
             <a:endParaRPr lang="en-US"/>
           </a:p>
@@ -41384,7 +41569,7 @@
             <a:fld id="{6700A58B-DD98-43D0-B791-721480A02982}" type="datetime1">
               <a:rPr lang="en-US" smtClean="0"/>
               <a:pPr/>
-              <a:t>6/7/2019</a:t>
+              <a:t>6/16/2019</a:t>
             </a:fld>
             <a:endParaRPr lang="en-US"/>
           </a:p>
@@ -41609,7 +41794,7 @@
             <a:fld id="{6700A58B-DD98-43D0-B791-721480A02982}" type="datetime1">
               <a:rPr lang="en-US" smtClean="0"/>
               <a:pPr/>
-              <a:t>6/7/2019</a:t>
+              <a:t>6/16/2019</a:t>
             </a:fld>
             <a:endParaRPr lang="en-US"/>
           </a:p>
@@ -42076,7 +42261,7 @@
             <a:fld id="{6700A58B-DD98-43D0-B791-721480A02982}" type="datetime1">
               <a:rPr lang="en-US" smtClean="0"/>
               <a:pPr/>
-              <a:t>6/7/2019</a:t>
+              <a:t>6/16/2019</a:t>
             </a:fld>
             <a:endParaRPr lang="en-US"/>
           </a:p>
@@ -42638,7 +42823,7 @@
             <a:fld id="{6700A58B-DD98-43D0-B791-721480A02982}" type="datetime1">
               <a:rPr lang="en-US" smtClean="0"/>
               <a:pPr/>
-              <a:t>6/7/2019</a:t>
+              <a:t>6/16/2019</a:t>
             </a:fld>
             <a:endParaRPr lang="en-US"/>
           </a:p>
@@ -42848,7 +43033,7 @@
             <a:fld id="{6700A58B-DD98-43D0-B791-721480A02982}" type="datetime1">
               <a:rPr lang="en-US" smtClean="0"/>
               <a:pPr/>
-              <a:t>6/7/2019</a:t>
+              <a:t>6/16/2019</a:t>
             </a:fld>
             <a:endParaRPr lang="en-US"/>
           </a:p>
@@ -43068,7 +43253,7 @@
             <a:fld id="{6700A58B-DD98-43D0-B791-721480A02982}" type="datetime1">
               <a:rPr lang="en-US" smtClean="0"/>
               <a:pPr/>
-              <a:t>6/7/2019</a:t>
+              <a:t>6/16/2019</a:t>
             </a:fld>
             <a:endParaRPr lang="en-US"/>
           </a:p>
@@ -43231,7 +43416,7 @@
             <a:fld id="{6700A58B-DD98-43D0-B791-721480A02982}" type="datetime1">
               <a:rPr lang="en-US" smtClean="0"/>
               <a:pPr/>
-              <a:t>6/7/2019</a:t>
+              <a:t>6/16/2019</a:t>
             </a:fld>
             <a:endParaRPr lang="en-US"/>
           </a:p>
@@ -43453,8 +43638,8 @@
         </p:nvSpPr>
         <p:spPr>
           <a:xfrm>
-            <a:off x="189187" y="5707120"/>
-            <a:ext cx="8828688" cy="338554"/>
+            <a:off x="63063" y="5707120"/>
+            <a:ext cx="9017875" cy="338554"/>
           </a:xfrm>
           <a:prstGeom prst="rect">
             <a:avLst/>
@@ -43482,7 +43667,51 @@
                 <a:ea typeface="Arial Unicode MS" panose="020B0604020202020204" pitchFamily="34" charset="-128"/>
                 <a:cs typeface="Arial Unicode MS" panose="020B0604020202020204" pitchFamily="34" charset="-128"/>
               </a:rPr>
-              <a:t>TF = 1000 compared to TFIDF = 0.69 will have a large impact to analysis.</a:t>
+              <a:t>Coffee TF </a:t>
+            </a:r>
+            <a:r>
+              <a:rPr lang="en-US" sz="1600" dirty="0" smtClean="0">
+                <a:solidFill>
+                  <a:prstClr val="white"/>
+                </a:solidFill>
+                <a:latin typeface="+mj-lt"/>
+                <a:ea typeface="Arial Unicode MS" panose="020B0604020202020204" pitchFamily="34" charset="-128"/>
+                <a:cs typeface="Arial Unicode MS" panose="020B0604020202020204" pitchFamily="34" charset="-128"/>
+              </a:rPr>
+              <a:t>= </a:t>
+            </a:r>
+            <a:r>
+              <a:rPr lang="en-US" sz="1600" dirty="0" smtClean="0">
+                <a:solidFill>
+                  <a:prstClr val="white"/>
+                </a:solidFill>
+                <a:latin typeface="+mj-lt"/>
+                <a:ea typeface="Arial Unicode MS" panose="020B0604020202020204" pitchFamily="34" charset="-128"/>
+                <a:cs typeface="Arial Unicode MS" panose="020B0604020202020204" pitchFamily="34" charset="-128"/>
+              </a:rPr>
+              <a:t>1000  will look VERY important but  TFIDF </a:t>
+            </a:r>
+            <a:r>
+              <a:rPr lang="en-US" sz="1600" dirty="0" smtClean="0">
+                <a:solidFill>
+                  <a:prstClr val="white"/>
+                </a:solidFill>
+                <a:latin typeface="+mj-lt"/>
+                <a:ea typeface="Arial Unicode MS" panose="020B0604020202020204" pitchFamily="34" charset="-128"/>
+                <a:cs typeface="Arial Unicode MS" panose="020B0604020202020204" pitchFamily="34" charset="-128"/>
+              </a:rPr>
+              <a:t>= 0.69 will </a:t>
+            </a:r>
+            <a:r>
+              <a:rPr lang="en-US" sz="1600" dirty="0" smtClean="0">
+                <a:solidFill>
+                  <a:prstClr val="white"/>
+                </a:solidFill>
+                <a:latin typeface="+mj-lt"/>
+                <a:ea typeface="Arial Unicode MS" panose="020B0604020202020204" pitchFamily="34" charset="-128"/>
+                <a:cs typeface="Arial Unicode MS" panose="020B0604020202020204" pitchFamily="34" charset="-128"/>
+              </a:rPr>
+              <a:t>correctly have minimal impact for analysis. </a:t>
             </a:r>
             <a:endParaRPr lang="en-US" sz="1600" kern="1200" dirty="0">
               <a:solidFill>
@@ -43492,6 +43721,56 @@
               <a:ea typeface="Arial Unicode MS" panose="020B0604020202020204" pitchFamily="34" charset="-128"/>
               <a:cs typeface="Arial Unicode MS" panose="020B0604020202020204" pitchFamily="34" charset="-128"/>
             </a:endParaRPr>
+          </a:p>
+        </p:txBody>
+      </p:sp>
+      <p:sp>
+        <p:nvSpPr>
+          <p:cNvPr id="8" name="Rectangle 7"/>
+          <p:cNvSpPr/>
+          <p:nvPr/>
+        </p:nvSpPr>
+        <p:spPr>
+          <a:xfrm>
+            <a:off x="5218385" y="3846787"/>
+            <a:ext cx="3153104" cy="725214"/>
+          </a:xfrm>
+          <a:prstGeom prst="rect">
+            <a:avLst/>
+          </a:prstGeom>
+          <a:solidFill>
+            <a:srgbClr val="FFC000"/>
+          </a:solidFill>
+          <a:ln>
+            <a:noFill/>
+          </a:ln>
+        </p:spPr>
+        <p:style>
+          <a:lnRef idx="2">
+            <a:schemeClr val="accent1">
+              <a:shade val="50000"/>
+            </a:schemeClr>
+          </a:lnRef>
+          <a:fillRef idx="1">
+            <a:schemeClr val="accent1"/>
+          </a:fillRef>
+          <a:effectRef idx="0">
+            <a:schemeClr val="accent1"/>
+          </a:effectRef>
+          <a:fontRef idx="minor">
+            <a:schemeClr val="lt1"/>
+          </a:fontRef>
+        </p:style>
+        <p:txBody>
+          <a:bodyPr rtlCol="0" anchor="ctr"/>
+          <a:lstStyle/>
+          <a:p>
+            <a:pPr algn="ctr"/>
+            <a:r>
+              <a:rPr lang="en-US" dirty="0" smtClean="0"/>
+              <a:t>*Caveat – the results in R are normalized/scaled by default.</a:t>
+            </a:r>
+            <a:endParaRPr lang="en-US" dirty="0"/>
           </a:p>
         </p:txBody>
       </p:sp>
@@ -43543,7 +43822,7 @@
             <a:fld id="{6700A58B-DD98-43D0-B791-721480A02982}" type="datetime1">
               <a:rPr lang="en-US" smtClean="0"/>
               <a:pPr/>
-              <a:t>6/7/2019</a:t>
+              <a:t>6/16/2019</a:t>
             </a:fld>
             <a:endParaRPr lang="en-US"/>
           </a:p>
@@ -44127,7 +44406,18 @@
                 <a:ea typeface="Arial Unicode MS" panose="020B0604020202020204" pitchFamily="34" charset="-128"/>
                 <a:cs typeface="Arial Unicode MS" panose="020B0604020202020204" pitchFamily="34" charset="-128"/>
               </a:rPr>
-              <a:t>You can pass in more than one control parameter.</a:t>
+              <a:t>You can pass in more than one control </a:t>
+            </a:r>
+            <a:r>
+              <a:rPr lang="en-US" sz="1600" dirty="0" smtClean="0">
+                <a:solidFill>
+                  <a:prstClr val="white"/>
+                </a:solidFill>
+                <a:latin typeface="+mj-lt"/>
+                <a:ea typeface="Arial Unicode MS" panose="020B0604020202020204" pitchFamily="34" charset="-128"/>
+                <a:cs typeface="Arial Unicode MS" panose="020B0604020202020204" pitchFamily="34" charset="-128"/>
+              </a:rPr>
+              <a:t>parameter like tokenization &amp; weighting.</a:t>
             </a:r>
             <a:endParaRPr lang="en-US" sz="1600" kern="1200" dirty="0">
               <a:solidFill>
@@ -44188,7 +44478,7 @@
             <a:fld id="{6700A58B-DD98-43D0-B791-721480A02982}" type="datetime1">
               <a:rPr lang="en-US" smtClean="0"/>
               <a:pPr/>
-              <a:t>6/7/2019</a:t>
+              <a:t>6/16/2019</a:t>
             </a:fld>
             <a:endParaRPr lang="en-US"/>
           </a:p>
@@ -44347,7 +44637,7 @@
           <a:p>
             <a:fld id="{6700A58B-DD98-43D0-B791-721480A02982}" type="datetime1">
               <a:rPr lang="en-US" smtClean="0"/>
-              <a:t>6/7/2019</a:t>
+              <a:t>6/16/2019</a:t>
             </a:fld>
             <a:endParaRPr lang="en-US"/>
           </a:p>
@@ -44987,7 +45277,7 @@
             <a:fld id="{6700A58B-DD98-43D0-B791-721480A02982}" type="datetime1">
               <a:rPr lang="en-US" smtClean="0"/>
               <a:pPr/>
-              <a:t>6/7/2019</a:t>
+              <a:t>6/16/2019</a:t>
             </a:fld>
             <a:endParaRPr lang="en-US"/>
           </a:p>
@@ -46800,7 +47090,7 @@
           <a:p>
             <a:fld id="{9B19E99B-5349-415A-8E56-8E989211A366}" type="datetime1">
               <a:rPr lang="en-US" smtClean="0"/>
-              <a:t>6/7/2019</a:t>
+              <a:t>6/16/2019</a:t>
             </a:fld>
             <a:endParaRPr lang="en-US"/>
           </a:p>
@@ -46900,7 +47190,7 @@
             <a:fld id="{6700A58B-DD98-43D0-B791-721480A02982}" type="datetime1">
               <a:rPr lang="en-US" smtClean="0"/>
               <a:pPr/>
-              <a:t>6/7/2019</a:t>
+              <a:t>6/16/2019</a:t>
             </a:fld>
             <a:endParaRPr lang="en-US"/>
           </a:p>
@@ -47445,7 +47735,7 @@
             <a:fld id="{6700A58B-DD98-43D0-B791-721480A02982}" type="datetime1">
               <a:rPr lang="en-US" smtClean="0"/>
               <a:pPr/>
-              <a:t>6/7/2019</a:t>
+              <a:t>6/16/2019</a:t>
             </a:fld>
             <a:endParaRPr lang="en-US"/>
           </a:p>
@@ -48744,7 +49034,7 @@
           <a:p>
             <a:fld id="{6700A58B-DD98-43D0-B791-721480A02982}" type="datetime1">
               <a:rPr lang="en-US" smtClean="0"/>
-              <a:t>6/7/2019</a:t>
+              <a:t>6/16/2019</a:t>
             </a:fld>
             <a:endParaRPr lang="en-US"/>
           </a:p>
@@ -49006,7 +49296,7 @@
           <a:p>
             <a:fld id="{6700A58B-DD98-43D0-B791-721480A02982}" type="datetime1">
               <a:rPr lang="en-US" smtClean="0"/>
-              <a:t>6/7/2019</a:t>
+              <a:t>6/16/2019</a:t>
             </a:fld>
             <a:endParaRPr lang="en-US"/>
           </a:p>
@@ -49759,7 +50049,7 @@
           <a:p>
             <a:fld id="{6700A58B-DD98-43D0-B791-721480A02982}" type="datetime1">
               <a:rPr lang="en-US" smtClean="0"/>
-              <a:t>6/7/2019</a:t>
+              <a:t>6/16/2019</a:t>
             </a:fld>
             <a:endParaRPr lang="en-US"/>
           </a:p>
@@ -49886,7 +50176,7 @@
           <a:p>
             <a:fld id="{6700A58B-DD98-43D0-B791-721480A02982}" type="datetime1">
               <a:rPr lang="en-US" smtClean="0"/>
-              <a:t>6/7/2019</a:t>
+              <a:t>6/16/2019</a:t>
             </a:fld>
             <a:endParaRPr lang="en-US"/>
           </a:p>
@@ -50123,7 +50413,7 @@
           <a:p>
             <a:fld id="{6700A58B-DD98-43D0-B791-721480A02982}" type="datetime1">
               <a:rPr lang="en-US" smtClean="0"/>
-              <a:t>6/7/2019</a:t>
+              <a:t>6/16/2019</a:t>
             </a:fld>
             <a:endParaRPr lang="en-US"/>
           </a:p>
@@ -50375,7 +50665,7 @@
           <a:p>
             <a:fld id="{6700A58B-DD98-43D0-B791-721480A02982}" type="datetime1">
               <a:rPr lang="en-US" smtClean="0"/>
-              <a:t>6/7/2019</a:t>
+              <a:t>6/16/2019</a:t>
             </a:fld>
             <a:endParaRPr lang="en-US"/>
           </a:p>
@@ -50629,7 +50919,7 @@
           <a:p>
             <a:fld id="{6700A58B-DD98-43D0-B791-721480A02982}" type="datetime1">
               <a:rPr lang="en-US" smtClean="0"/>
-              <a:t>6/7/2019</a:t>
+              <a:t>6/16/2019</a:t>
             </a:fld>
             <a:endParaRPr lang="en-US"/>
           </a:p>
@@ -50758,11 +51048,7 @@
             <a:pPr algn="ctr"/>
             <a:r>
               <a:rPr lang="en-US" dirty="0" smtClean="0"/>
-              <a:t>Proportional st</a:t>
-            </a:r>
-            <a:r>
-              <a:rPr lang="en-US" dirty="0" smtClean="0"/>
-              <a:t>acked </a:t>
+              <a:t>Proportional stacked </a:t>
             </a:r>
             <a:r>
               <a:rPr lang="en-US" dirty="0"/>

--- a/B_Tuesday/GSERM_Tuesday_Basic_Visuals_v2.pptx
+++ b/B_Tuesday/GSERM_Tuesday_Basic_Visuals_v2.pptx
@@ -558,11 +558,11 @@
         </c:dLbls>
         <c:gapWidth val="219"/>
         <c:overlap val="-27"/>
-        <c:axId val="486312688"/>
-        <c:axId val="486310728"/>
+        <c:axId val="298306864"/>
+        <c:axId val="298303336"/>
       </c:barChart>
       <c:catAx>
-        <c:axId val="486312688"/>
+        <c:axId val="298306864"/>
         <c:scaling>
           <c:orientation val="minMax"/>
         </c:scaling>
@@ -605,7 +605,7 @@
             <a:endParaRPr lang="en-US"/>
           </a:p>
         </c:txPr>
-        <c:crossAx val="486310728"/>
+        <c:crossAx val="298303336"/>
         <c:crosses val="autoZero"/>
         <c:auto val="1"/>
         <c:lblAlgn val="ctr"/>
@@ -613,7 +613,7 @@
         <c:noMultiLvlLbl val="0"/>
       </c:catAx>
       <c:valAx>
-        <c:axId val="486310728"/>
+        <c:axId val="298303336"/>
         <c:scaling>
           <c:orientation val="minMax"/>
         </c:scaling>
@@ -650,7 +650,7 @@
             <a:endParaRPr lang="en-US"/>
           </a:p>
         </c:txPr>
-        <c:crossAx val="486312688"/>
+        <c:crossAx val="298306864"/>
         <c:crosses val="autoZero"/>
         <c:crossBetween val="between"/>
       </c:valAx>
@@ -1074,11 +1074,11 @@
         </c:dLbls>
         <c:gapWidth val="0"/>
         <c:overlap val="-27"/>
-        <c:axId val="486312296"/>
-        <c:axId val="486313472"/>
+        <c:axId val="298308040"/>
+        <c:axId val="298308432"/>
       </c:barChart>
       <c:catAx>
-        <c:axId val="486312296"/>
+        <c:axId val="298308040"/>
         <c:scaling>
           <c:orientation val="minMax"/>
         </c:scaling>
@@ -1088,7 +1088,7 @@
         <c:majorTickMark val="none"/>
         <c:minorTickMark val="none"/>
         <c:tickLblPos val="nextTo"/>
-        <c:crossAx val="486313472"/>
+        <c:crossAx val="298308432"/>
         <c:crosses val="autoZero"/>
         <c:auto val="1"/>
         <c:lblAlgn val="ctr"/>
@@ -1096,7 +1096,7 @@
         <c:noMultiLvlLbl val="0"/>
       </c:catAx>
       <c:valAx>
-        <c:axId val="486313472"/>
+        <c:axId val="298308432"/>
         <c:scaling>
           <c:orientation val="minMax"/>
         </c:scaling>
@@ -1133,7 +1133,7 @@
             <a:endParaRPr lang="en-US"/>
           </a:p>
         </c:txPr>
-        <c:crossAx val="486312296"/>
+        <c:crossAx val="298308040"/>
         <c:crosses val="autoZero"/>
         <c:crossBetween val="between"/>
       </c:valAx>
@@ -1309,11 +1309,11 @@
         </c:dLbls>
         <c:gapWidth val="219"/>
         <c:overlap val="-27"/>
-        <c:axId val="486313080"/>
-        <c:axId val="486306024"/>
+        <c:axId val="298308824"/>
+        <c:axId val="298302160"/>
       </c:barChart>
       <c:catAx>
-        <c:axId val="486313080"/>
+        <c:axId val="298308824"/>
         <c:scaling>
           <c:orientation val="minMax"/>
         </c:scaling>
@@ -1356,7 +1356,7 @@
             <a:endParaRPr lang="en-US"/>
           </a:p>
         </c:txPr>
-        <c:crossAx val="486306024"/>
+        <c:crossAx val="298302160"/>
         <c:crosses val="autoZero"/>
         <c:auto val="1"/>
         <c:lblAlgn val="ctr"/>
@@ -1364,7 +1364,7 @@
         <c:noMultiLvlLbl val="0"/>
       </c:catAx>
       <c:valAx>
-        <c:axId val="486306024"/>
+        <c:axId val="298302160"/>
         <c:scaling>
           <c:orientation val="minMax"/>
         </c:scaling>
@@ -1401,7 +1401,7 @@
             <a:endParaRPr lang="en-US"/>
           </a:p>
         </c:txPr>
-        <c:crossAx val="486313080"/>
+        <c:crossAx val="298308824"/>
         <c:crosses val="autoZero"/>
         <c:crossBetween val="between"/>
       </c:valAx>
@@ -1573,11 +1573,11 @@
         </c:dLbls>
         <c:gapWidth val="219"/>
         <c:overlap val="-27"/>
-        <c:axId val="486305240"/>
-        <c:axId val="486304456"/>
+        <c:axId val="367201192"/>
+        <c:axId val="367199624"/>
       </c:barChart>
       <c:catAx>
-        <c:axId val="486305240"/>
+        <c:axId val="367201192"/>
         <c:scaling>
           <c:orientation val="minMax"/>
         </c:scaling>
@@ -1620,7 +1620,7 @@
             <a:endParaRPr lang="en-US"/>
           </a:p>
         </c:txPr>
-        <c:crossAx val="486304456"/>
+        <c:crossAx val="367199624"/>
         <c:crosses val="autoZero"/>
         <c:auto val="1"/>
         <c:lblAlgn val="ctr"/>
@@ -1628,7 +1628,7 @@
         <c:noMultiLvlLbl val="0"/>
       </c:catAx>
       <c:valAx>
-        <c:axId val="486304456"/>
+        <c:axId val="367199624"/>
         <c:scaling>
           <c:orientation val="minMax"/>
         </c:scaling>
@@ -1665,7 +1665,7 @@
             <a:endParaRPr lang="en-US"/>
           </a:p>
         </c:txPr>
-        <c:crossAx val="486305240"/>
+        <c:crossAx val="367201192"/>
         <c:crosses val="autoZero"/>
         <c:crossBetween val="between"/>
       </c:valAx>
@@ -1851,11 +1851,11 @@
         </c:dLbls>
         <c:gapWidth val="219"/>
         <c:overlap val="-27"/>
-        <c:axId val="486314256"/>
-        <c:axId val="486314648"/>
+        <c:axId val="367198056"/>
+        <c:axId val="367196488"/>
       </c:barChart>
       <c:catAx>
-        <c:axId val="486314256"/>
+        <c:axId val="367198056"/>
         <c:scaling>
           <c:orientation val="minMax"/>
         </c:scaling>
@@ -1864,7 +1864,7 @@
         <c:majorTickMark val="none"/>
         <c:minorTickMark val="none"/>
         <c:tickLblPos val="nextTo"/>
-        <c:crossAx val="486314648"/>
+        <c:crossAx val="367196488"/>
         <c:crosses val="autoZero"/>
         <c:auto val="1"/>
         <c:lblAlgn val="ctr"/>
@@ -1872,7 +1872,7 @@
         <c:noMultiLvlLbl val="0"/>
       </c:catAx>
       <c:valAx>
-        <c:axId val="486314648"/>
+        <c:axId val="367196488"/>
         <c:scaling>
           <c:orientation val="minMax"/>
         </c:scaling>
@@ -1909,7 +1909,7 @@
             <a:endParaRPr lang="en-US"/>
           </a:p>
         </c:txPr>
-        <c:crossAx val="486314256"/>
+        <c:crossAx val="367198056"/>
         <c:crosses val="autoZero"/>
         <c:crossBetween val="between"/>
       </c:valAx>
@@ -2135,54 +2135,21 @@
         </c:dLbls>
         <c:gapWidth val="219"/>
         <c:overlap val="-27"/>
-        <c:axId val="486307200"/>
-        <c:axId val="486315040"/>
+        <c:axId val="367199232"/>
+        <c:axId val="367194920"/>
       </c:barChart>
       <c:catAx>
-        <c:axId val="486307200"/>
+        <c:axId val="367199232"/>
         <c:scaling>
           <c:orientation val="minMax"/>
         </c:scaling>
-        <c:delete val="0"/>
+        <c:delete val="1"/>
         <c:axPos val="b"/>
         <c:numFmt formatCode="General" sourceLinked="1"/>
         <c:majorTickMark val="none"/>
         <c:minorTickMark val="none"/>
         <c:tickLblPos val="nextTo"/>
-        <c:spPr>
-          <a:noFill/>
-          <a:ln w="9525" cap="flat" cmpd="sng" algn="ctr">
-            <a:solidFill>
-              <a:schemeClr val="tx1">
-                <a:lumMod val="15000"/>
-                <a:lumOff val="85000"/>
-              </a:schemeClr>
-            </a:solidFill>
-            <a:round/>
-          </a:ln>
-          <a:effectLst/>
-        </c:spPr>
-        <c:txPr>
-          <a:bodyPr rot="-60000000" spcFirstLastPara="1" vertOverflow="ellipsis" vert="horz" wrap="square" anchor="ctr" anchorCtr="1"/>
-          <a:lstStyle/>
-          <a:p>
-            <a:pPr>
-              <a:defRPr sz="900" b="0" i="0" u="none" strike="noStrike" kern="1200" baseline="0">
-                <a:solidFill>
-                  <a:schemeClr val="tx1">
-                    <a:lumMod val="65000"/>
-                    <a:lumOff val="35000"/>
-                  </a:schemeClr>
-                </a:solidFill>
-                <a:latin typeface="+mn-lt"/>
-                <a:ea typeface="+mn-ea"/>
-                <a:cs typeface="+mn-cs"/>
-              </a:defRPr>
-            </a:pPr>
-            <a:endParaRPr lang="en-US"/>
-          </a:p>
-        </c:txPr>
-        <c:crossAx val="486315040"/>
+        <c:crossAx val="367194920"/>
         <c:crosses val="autoZero"/>
         <c:auto val="1"/>
         <c:lblAlgn val="ctr"/>
@@ -2190,7 +2157,7 @@
         <c:noMultiLvlLbl val="0"/>
       </c:catAx>
       <c:valAx>
-        <c:axId val="486315040"/>
+        <c:axId val="367194920"/>
         <c:scaling>
           <c:orientation val="minMax"/>
         </c:scaling>
@@ -2227,7 +2194,7 @@
             <a:endParaRPr lang="en-US"/>
           </a:p>
         </c:txPr>
-        <c:crossAx val="486307200"/>
+        <c:crossAx val="367199232"/>
         <c:crosses val="autoZero"/>
         <c:crossBetween val="between"/>
       </c:valAx>
@@ -2281,7 +2248,6 @@
   </mc:AlternateContent>
   <c:chart>
     <c:title>
-      <c:layout/>
       <c:overlay val="0"/>
       <c:spPr>
         <a:noFill/>
@@ -2525,11 +2491,11 @@
         </c:dLbls>
         <c:gapWidth val="219"/>
         <c:overlap val="-27"/>
-        <c:axId val="486326016"/>
-        <c:axId val="486326800"/>
+        <c:axId val="367195312"/>
+        <c:axId val="367195704"/>
       </c:barChart>
       <c:catAx>
-        <c:axId val="486326016"/>
+        <c:axId val="367195312"/>
         <c:scaling>
           <c:orientation val="minMax"/>
         </c:scaling>
@@ -2572,7 +2538,7 @@
             <a:endParaRPr lang="en-US"/>
           </a:p>
         </c:txPr>
-        <c:crossAx val="486326800"/>
+        <c:crossAx val="367195704"/>
         <c:crosses val="autoZero"/>
         <c:auto val="1"/>
         <c:lblAlgn val="ctr"/>
@@ -2580,7 +2546,7 @@
         <c:noMultiLvlLbl val="0"/>
       </c:catAx>
       <c:valAx>
-        <c:axId val="486326800"/>
+        <c:axId val="367195704"/>
         <c:scaling>
           <c:orientation val="minMax"/>
         </c:scaling>
@@ -2617,7 +2583,7 @@
             <a:endParaRPr lang="en-US"/>
           </a:p>
         </c:txPr>
-        <c:crossAx val="486326016"/>
+        <c:crossAx val="367195312"/>
         <c:crosses val="autoZero"/>
         <c:crossBetween val="between"/>
       </c:valAx>
@@ -6546,7 +6512,7 @@
           <a:p>
             <a:fld id="{B0C0A60C-850A-4EA4-9C14-A8FE98B94505}" type="datetimeFigureOut">
               <a:rPr lang="en-US" smtClean="0"/>
-              <a:t>6/16/2019</a:t>
+              <a:t>6/17/2019</a:t>
             </a:fld>
             <a:endParaRPr lang="en-US"/>
           </a:p>
@@ -7461,7 +7427,7 @@
           <a:p>
             <a:fld id="{5738B90E-0779-4C36-915C-6F05FCD89456}" type="datetime1">
               <a:rPr lang="en-US" smtClean="0"/>
-              <a:t>6/16/2019</a:t>
+              <a:t>6/17/2019</a:t>
             </a:fld>
             <a:endParaRPr lang="en-US"/>
           </a:p>
@@ -7658,7 +7624,7 @@
           <a:p>
             <a:fld id="{7B9EA29D-D431-42FE-B7B6-AAE4454C77D3}" type="datetime1">
               <a:rPr lang="en-US" smtClean="0"/>
-              <a:t>6/16/2019</a:t>
+              <a:t>6/17/2019</a:t>
             </a:fld>
             <a:endParaRPr lang="en-US"/>
           </a:p>
@@ -8013,7 +7979,7 @@
           <a:p>
             <a:fld id="{690D8A1E-EA8F-46C1-B891-AE0C00D9C314}" type="datetime1">
               <a:rPr lang="en-US" smtClean="0"/>
-              <a:t>6/16/2019</a:t>
+              <a:t>6/17/2019</a:t>
             </a:fld>
             <a:endParaRPr lang="en-US"/>
           </a:p>
@@ -8321,7 +8287,7 @@
           <a:p>
             <a:fld id="{D753EFC8-4232-4598-94F6-94C0EBAFC469}" type="datetime1">
               <a:rPr lang="en-US" smtClean="0"/>
-              <a:t>6/16/2019</a:t>
+              <a:t>6/17/2019</a:t>
             </a:fld>
             <a:endParaRPr lang="en-US"/>
           </a:p>
@@ -8650,7 +8616,7 @@
           <a:p>
             <a:fld id="{F3161074-1C18-4AE7-957D-F18524378C85}" type="datetime1">
               <a:rPr lang="en-US" smtClean="0"/>
-              <a:t>6/16/2019</a:t>
+              <a:t>6/17/2019</a:t>
             </a:fld>
             <a:endParaRPr lang="en-US"/>
           </a:p>
@@ -8903,7 +8869,7 @@
           <a:p>
             <a:fld id="{69BE256C-8D9A-4404-B47D-41A1AE514425}" type="datetime1">
               <a:rPr lang="en-US" smtClean="0"/>
-              <a:t>6/16/2019</a:t>
+              <a:t>6/17/2019</a:t>
             </a:fld>
             <a:endParaRPr lang="en-US"/>
           </a:p>
@@ -9351,7 +9317,7 @@
           <a:p>
             <a:fld id="{66CB2154-9035-4012-8189-BAAB61C5A5EE}" type="datetime1">
               <a:rPr lang="en-US" smtClean="0"/>
-              <a:t>6/16/2019</a:t>
+              <a:t>6/17/2019</a:t>
             </a:fld>
             <a:endParaRPr lang="en-US"/>
           </a:p>
@@ -9539,7 +9505,7 @@
           <a:p>
             <a:fld id="{6700A58B-DD98-43D0-B791-721480A02982}" type="datetime1">
               <a:rPr lang="en-US" smtClean="0"/>
-              <a:t>6/16/2019</a:t>
+              <a:t>6/17/2019</a:t>
             </a:fld>
             <a:endParaRPr lang="en-US"/>
           </a:p>
@@ -9745,7 +9711,7 @@
           <a:p>
             <a:fld id="{7DB6E382-4F61-4E24-BE1A-377EC83D0E3A}" type="datetime1">
               <a:rPr lang="en-US" smtClean="0"/>
-              <a:t>6/16/2019</a:t>
+              <a:t>6/17/2019</a:t>
             </a:fld>
             <a:endParaRPr lang="en-US"/>
           </a:p>
@@ -10151,7 +10117,7 @@
           <a:p>
             <a:fld id="{4142EED6-FC16-45B9-B8C4-2BC5DBA88325}" type="datetime1">
               <a:rPr lang="en-US" smtClean="0"/>
-              <a:t>6/16/2019</a:t>
+              <a:t>6/17/2019</a:t>
             </a:fld>
             <a:endParaRPr lang="en-US"/>
           </a:p>
@@ -10483,7 +10449,7 @@
           <a:p>
             <a:fld id="{DF59512B-4F1D-43D7-8819-2F53FEF69650}" type="datetime1">
               <a:rPr lang="en-US" smtClean="0"/>
-              <a:t>6/16/2019</a:t>
+              <a:t>6/17/2019</a:t>
             </a:fld>
             <a:endParaRPr lang="en-US"/>
           </a:p>
@@ -10773,7 +10739,7 @@
           <a:p>
             <a:fld id="{08437B94-E2BF-44DC-ADC5-B05FC9934E9D}" type="datetime1">
               <a:rPr lang="en-US" smtClean="0"/>
-              <a:t>6/16/2019</a:t>
+              <a:t>6/17/2019</a:t>
             </a:fld>
             <a:endParaRPr lang="en-US"/>
           </a:p>
@@ -11305,7 +11271,7 @@
             <a:fld id="{5738B90E-0779-4C36-915C-6F05FCD89456}" type="datetime1">
               <a:rPr lang="en-US" smtClean="0"/>
               <a:pPr/>
-              <a:t>6/16/2019</a:t>
+              <a:t>6/17/2019</a:t>
             </a:fld>
             <a:endParaRPr lang="en-US"/>
           </a:p>
@@ -11393,7 +11359,7 @@
           <p:cNvPr id="2" name="Date Placeholder 1">
             <a:extLst>
               <a:ext uri="{FF2B5EF4-FFF2-40B4-BE49-F238E27FC236}">
-                <a16:creationId xmlns="" xmlns:a16="http://schemas.microsoft.com/office/drawing/2014/main" id="{C3CAEBDC-A022-42FC-8B92-BDD83F961C50}"/>
+                <a16:creationId xmlns:a16="http://schemas.microsoft.com/office/drawing/2014/main" xmlns="" id="{C3CAEBDC-A022-42FC-8B92-BDD83F961C50}"/>
               </a:ext>
             </a:extLst>
           </p:cNvPr>
@@ -11411,7 +11377,7 @@
           <a:p>
             <a:fld id="{6700A58B-DD98-43D0-B791-721480A02982}" type="datetime1">
               <a:rPr lang="en-US" smtClean="0"/>
-              <a:t>6/16/2019</a:t>
+              <a:t>6/17/2019</a:t>
             </a:fld>
             <a:endParaRPr lang="en-US"/>
           </a:p>
@@ -11422,7 +11388,7 @@
           <p:cNvPr id="3" name="Title 2">
             <a:extLst>
               <a:ext uri="{FF2B5EF4-FFF2-40B4-BE49-F238E27FC236}">
-                <a16:creationId xmlns="" xmlns:a16="http://schemas.microsoft.com/office/drawing/2014/main" id="{37B78173-5947-4F35-9667-F563D71FF454}"/>
+                <a16:creationId xmlns:a16="http://schemas.microsoft.com/office/drawing/2014/main" xmlns="" id="{37B78173-5947-4F35-9667-F563D71FF454}"/>
               </a:ext>
             </a:extLst>
           </p:cNvPr>
@@ -11450,7 +11416,7 @@
           <p:cNvPr id="14" name="Footer Placeholder 5">
             <a:extLst>
               <a:ext uri="{FF2B5EF4-FFF2-40B4-BE49-F238E27FC236}">
-                <a16:creationId xmlns="" xmlns:a16="http://schemas.microsoft.com/office/drawing/2014/main" id="{545F3542-284F-40CB-AA56-2D2C37D0AC7A}"/>
+                <a16:creationId xmlns:a16="http://schemas.microsoft.com/office/drawing/2014/main" xmlns="" id="{545F3542-284F-40CB-AA56-2D2C37D0AC7A}"/>
               </a:ext>
             </a:extLst>
           </p:cNvPr>
@@ -11478,7 +11444,7 @@
           <p:cNvPr id="4" name="Slide Number Placeholder 3">
             <a:extLst>
               <a:ext uri="{FF2B5EF4-FFF2-40B4-BE49-F238E27FC236}">
-                <a16:creationId xmlns="" xmlns:a16="http://schemas.microsoft.com/office/drawing/2014/main" id="{A93F5FA2-CF1A-47D7-B82C-0D8B23383AC1}"/>
+                <a16:creationId xmlns:a16="http://schemas.microsoft.com/office/drawing/2014/main" xmlns="" id="{A93F5FA2-CF1A-47D7-B82C-0D8B23383AC1}"/>
               </a:ext>
             </a:extLst>
           </p:cNvPr>
@@ -11507,7 +11473,7 @@
           <p:cNvPr id="9" name="Rectangle 8">
             <a:extLst>
               <a:ext uri="{FF2B5EF4-FFF2-40B4-BE49-F238E27FC236}">
-                <a16:creationId xmlns="" xmlns:a16="http://schemas.microsoft.com/office/drawing/2014/main" id="{0333D30C-20D1-44FC-B08B-ACA17FBC705D}"/>
+                <a16:creationId xmlns:a16="http://schemas.microsoft.com/office/drawing/2014/main" xmlns="" id="{0333D30C-20D1-44FC-B08B-ACA17FBC705D}"/>
               </a:ext>
             </a:extLst>
           </p:cNvPr>
@@ -11571,7 +11537,7 @@
           <p:cNvPr id="15" name="Chart 14">
             <a:extLst>
               <a:ext uri="{FF2B5EF4-FFF2-40B4-BE49-F238E27FC236}">
-                <a16:creationId xmlns="" xmlns:a16="http://schemas.microsoft.com/office/drawing/2014/main" id="{46136ABA-20CD-447A-86B8-098953EDEA13}"/>
+                <a16:creationId xmlns:a16="http://schemas.microsoft.com/office/drawing/2014/main" xmlns="" id="{46136ABA-20CD-447A-86B8-098953EDEA13}"/>
               </a:ext>
             </a:extLst>
           </p:cNvPr>
@@ -11601,7 +11567,7 @@
           <p:cNvPr id="3074" name="Picture 2" descr="Image result for super bowl 50">
             <a:extLst>
               <a:ext uri="{FF2B5EF4-FFF2-40B4-BE49-F238E27FC236}">
-                <a16:creationId xmlns="" xmlns:a16="http://schemas.microsoft.com/office/drawing/2014/main" id="{B3B529D3-42E8-4F1B-B80F-271ECB39D54C}"/>
+                <a16:creationId xmlns:a16="http://schemas.microsoft.com/office/drawing/2014/main" xmlns="" id="{B3B529D3-42E8-4F1B-B80F-271ECB39D54C}"/>
               </a:ext>
             </a:extLst>
           </p:cNvPr>
@@ -11678,7 +11644,7 @@
           <p:cNvPr id="2" name="Date Placeholder 1">
             <a:extLst>
               <a:ext uri="{FF2B5EF4-FFF2-40B4-BE49-F238E27FC236}">
-                <a16:creationId xmlns="" xmlns:a16="http://schemas.microsoft.com/office/drawing/2014/main" id="{4416430C-E508-4238-883B-1D404A3AA942}"/>
+                <a16:creationId xmlns:a16="http://schemas.microsoft.com/office/drawing/2014/main" xmlns="" id="{4416430C-E508-4238-883B-1D404A3AA942}"/>
               </a:ext>
             </a:extLst>
           </p:cNvPr>
@@ -11696,7 +11662,7 @@
           <a:p>
             <a:fld id="{6700A58B-DD98-43D0-B791-721480A02982}" type="datetime1">
               <a:rPr lang="en-US" smtClean="0"/>
-              <a:t>6/16/2019</a:t>
+              <a:t>6/17/2019</a:t>
             </a:fld>
             <a:endParaRPr lang="en-US"/>
           </a:p>
@@ -11707,7 +11673,7 @@
           <p:cNvPr id="3" name="Title 2">
             <a:extLst>
               <a:ext uri="{FF2B5EF4-FFF2-40B4-BE49-F238E27FC236}">
-                <a16:creationId xmlns="" xmlns:a16="http://schemas.microsoft.com/office/drawing/2014/main" id="{ECC61181-812B-460C-9982-78B0E319CADD}"/>
+                <a16:creationId xmlns:a16="http://schemas.microsoft.com/office/drawing/2014/main" xmlns="" id="{ECC61181-812B-460C-9982-78B0E319CADD}"/>
               </a:ext>
             </a:extLst>
           </p:cNvPr>
@@ -11735,7 +11701,7 @@
           <p:cNvPr id="5" name="Footer Placeholder 4">
             <a:extLst>
               <a:ext uri="{FF2B5EF4-FFF2-40B4-BE49-F238E27FC236}">
-                <a16:creationId xmlns="" xmlns:a16="http://schemas.microsoft.com/office/drawing/2014/main" id="{AE6557E7-740F-4E78-9E5A-BC2F6699C38D}"/>
+                <a16:creationId xmlns:a16="http://schemas.microsoft.com/office/drawing/2014/main" xmlns="" id="{AE6557E7-740F-4E78-9E5A-BC2F6699C38D}"/>
               </a:ext>
             </a:extLst>
           </p:cNvPr>
@@ -11764,7 +11730,7 @@
           <p:cNvPr id="4" name="Slide Number Placeholder 3">
             <a:extLst>
               <a:ext uri="{FF2B5EF4-FFF2-40B4-BE49-F238E27FC236}">
-                <a16:creationId xmlns="" xmlns:a16="http://schemas.microsoft.com/office/drawing/2014/main" id="{73D6AB63-6B8D-4C52-88BF-3ED38FA26903}"/>
+                <a16:creationId xmlns:a16="http://schemas.microsoft.com/office/drawing/2014/main" xmlns="" id="{73D6AB63-6B8D-4C52-88BF-3ED38FA26903}"/>
               </a:ext>
             </a:extLst>
           </p:cNvPr>
@@ -11793,7 +11759,7 @@
           <p:cNvPr id="6" name="Chart 5">
             <a:extLst>
               <a:ext uri="{FF2B5EF4-FFF2-40B4-BE49-F238E27FC236}">
-                <a16:creationId xmlns="" xmlns:a16="http://schemas.microsoft.com/office/drawing/2014/main" id="{8CF6CE9C-A57B-4745-A109-34703F38C5D0}"/>
+                <a16:creationId xmlns:a16="http://schemas.microsoft.com/office/drawing/2014/main" xmlns="" id="{8CF6CE9C-A57B-4745-A109-34703F38C5D0}"/>
               </a:ext>
             </a:extLst>
           </p:cNvPr>
@@ -11823,7 +11789,7 @@
           <p:cNvPr id="7" name="Rectangle 6">
             <a:extLst>
               <a:ext uri="{FF2B5EF4-FFF2-40B4-BE49-F238E27FC236}">
-                <a16:creationId xmlns="" xmlns:a16="http://schemas.microsoft.com/office/drawing/2014/main" id="{32D70CB0-BE1E-4D83-B964-8AD7B68B9253}"/>
+                <a16:creationId xmlns:a16="http://schemas.microsoft.com/office/drawing/2014/main" xmlns="" id="{32D70CB0-BE1E-4D83-B964-8AD7B68B9253}"/>
               </a:ext>
             </a:extLst>
           </p:cNvPr>
@@ -11919,7 +11885,7 @@
           <p:cNvPr id="2" name="Date Placeholder 1">
             <a:extLst>
               <a:ext uri="{FF2B5EF4-FFF2-40B4-BE49-F238E27FC236}">
-                <a16:creationId xmlns="" xmlns:a16="http://schemas.microsoft.com/office/drawing/2014/main" id="{7B5D32A2-4747-4EC1-8212-CD2AC569D72E}"/>
+                <a16:creationId xmlns:a16="http://schemas.microsoft.com/office/drawing/2014/main" xmlns="" id="{7B5D32A2-4747-4EC1-8212-CD2AC569D72E}"/>
               </a:ext>
             </a:extLst>
           </p:cNvPr>
@@ -11937,7 +11903,7 @@
           <a:p>
             <a:fld id="{6700A58B-DD98-43D0-B791-721480A02982}" type="datetime1">
               <a:rPr lang="en-US" smtClean="0"/>
-              <a:t>6/16/2019</a:t>
+              <a:t>6/17/2019</a:t>
             </a:fld>
             <a:endParaRPr lang="en-US"/>
           </a:p>
@@ -11948,7 +11914,7 @@
           <p:cNvPr id="3" name="Title 2">
             <a:extLst>
               <a:ext uri="{FF2B5EF4-FFF2-40B4-BE49-F238E27FC236}">
-                <a16:creationId xmlns="" xmlns:a16="http://schemas.microsoft.com/office/drawing/2014/main" id="{912BA66A-B598-4C74-880F-8FB3646926A4}"/>
+                <a16:creationId xmlns:a16="http://schemas.microsoft.com/office/drawing/2014/main" xmlns="" id="{912BA66A-B598-4C74-880F-8FB3646926A4}"/>
               </a:ext>
             </a:extLst>
           </p:cNvPr>
@@ -11980,7 +11946,7 @@
           <p:cNvPr id="5" name="Footer Placeholder 4">
             <a:extLst>
               <a:ext uri="{FF2B5EF4-FFF2-40B4-BE49-F238E27FC236}">
-                <a16:creationId xmlns="" xmlns:a16="http://schemas.microsoft.com/office/drawing/2014/main" id="{35253794-E996-4868-8202-CB70CE854E59}"/>
+                <a16:creationId xmlns:a16="http://schemas.microsoft.com/office/drawing/2014/main" xmlns="" id="{35253794-E996-4868-8202-CB70CE854E59}"/>
               </a:ext>
             </a:extLst>
           </p:cNvPr>
@@ -12009,7 +11975,7 @@
           <p:cNvPr id="4" name="Slide Number Placeholder 3">
             <a:extLst>
               <a:ext uri="{FF2B5EF4-FFF2-40B4-BE49-F238E27FC236}">
-                <a16:creationId xmlns="" xmlns:a16="http://schemas.microsoft.com/office/drawing/2014/main" id="{12524991-A1DD-4F6F-B22D-447575F982EA}"/>
+                <a16:creationId xmlns:a16="http://schemas.microsoft.com/office/drawing/2014/main" xmlns="" id="{12524991-A1DD-4F6F-B22D-447575F982EA}"/>
               </a:ext>
             </a:extLst>
           </p:cNvPr>
@@ -12038,7 +12004,7 @@
           <p:cNvPr id="6" name="Chart 5">
             <a:extLst>
               <a:ext uri="{FF2B5EF4-FFF2-40B4-BE49-F238E27FC236}">
-                <a16:creationId xmlns="" xmlns:a16="http://schemas.microsoft.com/office/drawing/2014/main" id="{31872CF9-5105-4657-A448-B56431070689}"/>
+                <a16:creationId xmlns:a16="http://schemas.microsoft.com/office/drawing/2014/main" xmlns="" id="{31872CF9-5105-4657-A448-B56431070689}"/>
               </a:ext>
             </a:extLst>
           </p:cNvPr>
@@ -12068,7 +12034,7 @@
           <p:cNvPr id="7" name="Rectangle 6">
             <a:extLst>
               <a:ext uri="{FF2B5EF4-FFF2-40B4-BE49-F238E27FC236}">
-                <a16:creationId xmlns="" xmlns:a16="http://schemas.microsoft.com/office/drawing/2014/main" id="{99430CCE-28C5-4B42-9F1B-6EEFBF06FD81}"/>
+                <a16:creationId xmlns:a16="http://schemas.microsoft.com/office/drawing/2014/main" xmlns="" id="{99430CCE-28C5-4B42-9F1B-6EEFBF06FD81}"/>
               </a:ext>
             </a:extLst>
           </p:cNvPr>
@@ -12126,7 +12092,7 @@
           <p:cNvPr id="8" name="TextBox 7">
             <a:extLst>
               <a:ext uri="{FF2B5EF4-FFF2-40B4-BE49-F238E27FC236}">
-                <a16:creationId xmlns="" xmlns:a16="http://schemas.microsoft.com/office/drawing/2014/main" id="{F2BDF6AF-90EE-4B7B-A53D-4D976C0A68FA}"/>
+                <a16:creationId xmlns:a16="http://schemas.microsoft.com/office/drawing/2014/main" xmlns="" id="{F2BDF6AF-90EE-4B7B-A53D-4D976C0A68FA}"/>
               </a:ext>
             </a:extLst>
           </p:cNvPr>
@@ -12169,7 +12135,7 @@
           <p:cNvPr id="9" name="Chart 8">
             <a:extLst>
               <a:ext uri="{FF2B5EF4-FFF2-40B4-BE49-F238E27FC236}">
-                <a16:creationId xmlns="" xmlns:a16="http://schemas.microsoft.com/office/drawing/2014/main" id="{C77E2C32-B628-4375-B13A-838877BF2C02}"/>
+                <a16:creationId xmlns:a16="http://schemas.microsoft.com/office/drawing/2014/main" xmlns="" id="{C77E2C32-B628-4375-B13A-838877BF2C02}"/>
               </a:ext>
             </a:extLst>
           </p:cNvPr>
@@ -12199,7 +12165,7 @@
           <p:cNvPr id="10" name="TextBox 9">
             <a:extLst>
               <a:ext uri="{FF2B5EF4-FFF2-40B4-BE49-F238E27FC236}">
-                <a16:creationId xmlns="" xmlns:a16="http://schemas.microsoft.com/office/drawing/2014/main" id="{1F9D35EB-DDAD-4E92-B07D-2646799116DE}"/>
+                <a16:creationId xmlns:a16="http://schemas.microsoft.com/office/drawing/2014/main" xmlns="" id="{1F9D35EB-DDAD-4E92-B07D-2646799116DE}"/>
               </a:ext>
             </a:extLst>
           </p:cNvPr>
@@ -12279,7 +12245,7 @@
           <p:cNvPr id="2" name="Date Placeholder 1">
             <a:extLst>
               <a:ext uri="{FF2B5EF4-FFF2-40B4-BE49-F238E27FC236}">
-                <a16:creationId xmlns="" xmlns:a16="http://schemas.microsoft.com/office/drawing/2014/main" id="{FC3CAA6D-9B22-4025-A828-540F80A29EEA}"/>
+                <a16:creationId xmlns:a16="http://schemas.microsoft.com/office/drawing/2014/main" xmlns="" id="{FC3CAA6D-9B22-4025-A828-540F80A29EEA}"/>
               </a:ext>
             </a:extLst>
           </p:cNvPr>
@@ -12297,7 +12263,7 @@
           <a:p>
             <a:fld id="{6700A58B-DD98-43D0-B791-721480A02982}" type="datetime1">
               <a:rPr lang="en-US" smtClean="0"/>
-              <a:t>6/16/2019</a:t>
+              <a:t>6/17/2019</a:t>
             </a:fld>
             <a:endParaRPr lang="en-US"/>
           </a:p>
@@ -12308,7 +12274,7 @@
           <p:cNvPr id="3" name="Title 2">
             <a:extLst>
               <a:ext uri="{FF2B5EF4-FFF2-40B4-BE49-F238E27FC236}">
-                <a16:creationId xmlns="" xmlns:a16="http://schemas.microsoft.com/office/drawing/2014/main" id="{F37AB7D3-98B7-4934-90CE-E060474AFA48}"/>
+                <a16:creationId xmlns:a16="http://schemas.microsoft.com/office/drawing/2014/main" xmlns="" id="{F37AB7D3-98B7-4934-90CE-E060474AFA48}"/>
               </a:ext>
             </a:extLst>
           </p:cNvPr>
@@ -12340,7 +12306,7 @@
           <p:cNvPr id="5" name="Footer Placeholder 4">
             <a:extLst>
               <a:ext uri="{FF2B5EF4-FFF2-40B4-BE49-F238E27FC236}">
-                <a16:creationId xmlns="" xmlns:a16="http://schemas.microsoft.com/office/drawing/2014/main" id="{B500B84D-8A02-420F-A059-837051A1BD42}"/>
+                <a16:creationId xmlns:a16="http://schemas.microsoft.com/office/drawing/2014/main" xmlns="" id="{B500B84D-8A02-420F-A059-837051A1BD42}"/>
               </a:ext>
             </a:extLst>
           </p:cNvPr>
@@ -12369,7 +12335,7 @@
           <p:cNvPr id="4" name="Slide Number Placeholder 3">
             <a:extLst>
               <a:ext uri="{FF2B5EF4-FFF2-40B4-BE49-F238E27FC236}">
-                <a16:creationId xmlns="" xmlns:a16="http://schemas.microsoft.com/office/drawing/2014/main" id="{7449A6EF-1CB8-497B-AFD9-B8CCDE5556A8}"/>
+                <a16:creationId xmlns:a16="http://schemas.microsoft.com/office/drawing/2014/main" xmlns="" id="{7449A6EF-1CB8-497B-AFD9-B8CCDE5556A8}"/>
               </a:ext>
             </a:extLst>
           </p:cNvPr>
@@ -12398,7 +12364,7 @@
           <p:cNvPr id="6" name="TextBox 5">
             <a:extLst>
               <a:ext uri="{FF2B5EF4-FFF2-40B4-BE49-F238E27FC236}">
-                <a16:creationId xmlns="" xmlns:a16="http://schemas.microsoft.com/office/drawing/2014/main" id="{057CAD2F-D46D-42EA-945D-4E82BBA60CCC}"/>
+                <a16:creationId xmlns:a16="http://schemas.microsoft.com/office/drawing/2014/main" xmlns="" id="{057CAD2F-D46D-42EA-945D-4E82BBA60CCC}"/>
               </a:ext>
             </a:extLst>
           </p:cNvPr>
@@ -12445,7 +12411,7 @@
           <p:cNvPr id="10" name="TextBox 9">
             <a:extLst>
               <a:ext uri="{FF2B5EF4-FFF2-40B4-BE49-F238E27FC236}">
-                <a16:creationId xmlns="" xmlns:a16="http://schemas.microsoft.com/office/drawing/2014/main" id="{463081DC-3AE3-4F43-AEDB-B75090970E2C}"/>
+                <a16:creationId xmlns:a16="http://schemas.microsoft.com/office/drawing/2014/main" xmlns="" id="{463081DC-3AE3-4F43-AEDB-B75090970E2C}"/>
               </a:ext>
             </a:extLst>
           </p:cNvPr>
@@ -12517,7 +12483,7 @@
           <p:cNvPr id="12" name="TextBox 11">
             <a:extLst>
               <a:ext uri="{FF2B5EF4-FFF2-40B4-BE49-F238E27FC236}">
-                <a16:creationId xmlns="" xmlns:a16="http://schemas.microsoft.com/office/drawing/2014/main" id="{0A31F90A-215F-43E0-B2C9-11BCB424422E}"/>
+                <a16:creationId xmlns:a16="http://schemas.microsoft.com/office/drawing/2014/main" xmlns="" id="{0A31F90A-215F-43E0-B2C9-11BCB424422E}"/>
               </a:ext>
             </a:extLst>
           </p:cNvPr>
@@ -12573,7 +12539,7 @@
           <p:cNvPr id="13" name="Rectangle 12">
             <a:extLst>
               <a:ext uri="{FF2B5EF4-FFF2-40B4-BE49-F238E27FC236}">
-                <a16:creationId xmlns="" xmlns:a16="http://schemas.microsoft.com/office/drawing/2014/main" id="{8E57DA10-90FE-48D3-A387-2CA0E4D140D4}"/>
+                <a16:creationId xmlns:a16="http://schemas.microsoft.com/office/drawing/2014/main" xmlns="" id="{8E57DA10-90FE-48D3-A387-2CA0E4D140D4}"/>
               </a:ext>
             </a:extLst>
           </p:cNvPr>
@@ -12675,13 +12641,13 @@
           <p:nvPr>
             <p:extLst>
               <p:ext uri="{D42A27DB-BD31-4B8C-83A1-F6EECF244321}">
-                <p14:modId xmlns:p14="http://schemas.microsoft.com/office/powerpoint/2010/main" val="3716505012"/>
+                <p14:modId xmlns:p14="http://schemas.microsoft.com/office/powerpoint/2010/main" val="1387744977"/>
               </p:ext>
             </p:extLst>
           </p:nvPr>
         </p:nvGraphicFramePr>
         <p:xfrm>
-          <a:off x="4572000" y="2136223"/>
+          <a:off x="4572000" y="2041630"/>
           <a:ext cx="4572000" cy="2743200"/>
         </p:xfrm>
         <a:graphic>
@@ -12690,6 +12656,186 @@
           </a:graphicData>
         </a:graphic>
       </p:graphicFrame>
+      <p:sp>
+        <p:nvSpPr>
+          <p:cNvPr id="7" name="TextBox 6"/>
+          <p:cNvSpPr txBox="1"/>
+          <p:nvPr/>
+        </p:nvSpPr>
+        <p:spPr>
+          <a:xfrm>
+            <a:off x="5076497" y="4703376"/>
+            <a:ext cx="445956" cy="253916"/>
+          </a:xfrm>
+          <a:prstGeom prst="rect">
+            <a:avLst/>
+          </a:prstGeom>
+          <a:noFill/>
+        </p:spPr>
+        <p:txBody>
+          <a:bodyPr wrap="none" rtlCol="0">
+            <a:spAutoFit/>
+          </a:bodyPr>
+          <a:lstStyle/>
+          <a:p>
+            <a:r>
+              <a:rPr lang="en-US" sz="1050" dirty="0" smtClean="0"/>
+              <a:t>AWS</a:t>
+            </a:r>
+            <a:endParaRPr lang="en-US" sz="1050" dirty="0"/>
+          </a:p>
+        </p:txBody>
+      </p:sp>
+      <p:sp>
+        <p:nvSpPr>
+          <p:cNvPr id="16" name="TextBox 15"/>
+          <p:cNvSpPr txBox="1"/>
+          <p:nvPr/>
+        </p:nvSpPr>
+        <p:spPr>
+          <a:xfrm>
+            <a:off x="5733393" y="4703376"/>
+            <a:ext cx="490840" cy="253916"/>
+          </a:xfrm>
+          <a:prstGeom prst="rect">
+            <a:avLst/>
+          </a:prstGeom>
+          <a:noFill/>
+        </p:spPr>
+        <p:txBody>
+          <a:bodyPr wrap="none" rtlCol="0">
+            <a:spAutoFit/>
+          </a:bodyPr>
+          <a:lstStyle/>
+          <a:p>
+            <a:r>
+              <a:rPr lang="en-US" sz="1050" dirty="0" smtClean="0"/>
+              <a:t>MSFT</a:t>
+            </a:r>
+            <a:endParaRPr lang="en-US" sz="1050" dirty="0"/>
+          </a:p>
+        </p:txBody>
+      </p:sp>
+      <p:sp>
+        <p:nvSpPr>
+          <p:cNvPr id="17" name="TextBox 16"/>
+          <p:cNvSpPr txBox="1"/>
+          <p:nvPr/>
+        </p:nvSpPr>
+        <p:spPr>
+          <a:xfrm>
+            <a:off x="6379777" y="4703376"/>
+            <a:ext cx="534121" cy="253916"/>
+          </a:xfrm>
+          <a:prstGeom prst="rect">
+            <a:avLst/>
+          </a:prstGeom>
+          <a:noFill/>
+        </p:spPr>
+        <p:txBody>
+          <a:bodyPr wrap="none" rtlCol="0">
+            <a:spAutoFit/>
+          </a:bodyPr>
+          <a:lstStyle/>
+          <a:p>
+            <a:r>
+              <a:rPr lang="en-US" sz="1050" dirty="0" smtClean="0"/>
+              <a:t>GOOG</a:t>
+            </a:r>
+            <a:endParaRPr lang="en-US" sz="1050" dirty="0"/>
+          </a:p>
+        </p:txBody>
+      </p:sp>
+      <p:sp>
+        <p:nvSpPr>
+          <p:cNvPr id="18" name="TextBox 17"/>
+          <p:cNvSpPr txBox="1"/>
+          <p:nvPr/>
+        </p:nvSpPr>
+        <p:spPr>
+          <a:xfrm>
+            <a:off x="7052438" y="4703376"/>
+            <a:ext cx="556563" cy="253916"/>
+          </a:xfrm>
+          <a:prstGeom prst="rect">
+            <a:avLst/>
+          </a:prstGeom>
+          <a:noFill/>
+        </p:spPr>
+        <p:txBody>
+          <a:bodyPr wrap="none" rtlCol="0">
+            <a:spAutoFit/>
+          </a:bodyPr>
+          <a:lstStyle/>
+          <a:p>
+            <a:r>
+              <a:rPr lang="en-US" sz="1050" dirty="0" smtClean="0"/>
+              <a:t>Others</a:t>
+            </a:r>
+            <a:endParaRPr lang="en-US" sz="1050" dirty="0"/>
+          </a:p>
+        </p:txBody>
+      </p:sp>
+      <p:sp>
+        <p:nvSpPr>
+          <p:cNvPr id="19" name="TextBox 18"/>
+          <p:cNvSpPr txBox="1"/>
+          <p:nvPr/>
+        </p:nvSpPr>
+        <p:spPr>
+          <a:xfrm>
+            <a:off x="7709336" y="4703376"/>
+            <a:ext cx="593432" cy="253916"/>
+          </a:xfrm>
+          <a:prstGeom prst="rect">
+            <a:avLst/>
+          </a:prstGeom>
+          <a:noFill/>
+        </p:spPr>
+        <p:txBody>
+          <a:bodyPr wrap="none" rtlCol="0">
+            <a:spAutoFit/>
+          </a:bodyPr>
+          <a:lstStyle/>
+          <a:p>
+            <a:r>
+              <a:rPr lang="en-US" sz="1050" dirty="0" smtClean="0"/>
+              <a:t>Alibaba</a:t>
+            </a:r>
+            <a:endParaRPr lang="en-US" sz="1050" dirty="0"/>
+          </a:p>
+        </p:txBody>
+      </p:sp>
+      <p:sp>
+        <p:nvSpPr>
+          <p:cNvPr id="20" name="TextBox 19"/>
+          <p:cNvSpPr txBox="1"/>
+          <p:nvPr/>
+        </p:nvSpPr>
+        <p:spPr>
+          <a:xfrm>
+            <a:off x="8466083" y="4703376"/>
+            <a:ext cx="407484" cy="253916"/>
+          </a:xfrm>
+          <a:prstGeom prst="rect">
+            <a:avLst/>
+          </a:prstGeom>
+          <a:noFill/>
+        </p:spPr>
+        <p:txBody>
+          <a:bodyPr wrap="none" rtlCol="0">
+            <a:spAutoFit/>
+          </a:bodyPr>
+          <a:lstStyle/>
+          <a:p>
+            <a:r>
+              <a:rPr lang="en-US" sz="1050" dirty="0" smtClean="0"/>
+              <a:t>IBM</a:t>
+            </a:r>
+            <a:endParaRPr lang="en-US" sz="1050" dirty="0"/>
+          </a:p>
+        </p:txBody>
+      </p:sp>
     </p:spTree>
     <p:extLst>
       <p:ext uri="{BB962C8B-B14F-4D97-AF65-F5344CB8AC3E}">
@@ -12732,7 +12878,7 @@
           <p:cNvPr id="2" name="Date Placeholder 1">
             <a:extLst>
               <a:ext uri="{FF2B5EF4-FFF2-40B4-BE49-F238E27FC236}">
-                <a16:creationId xmlns="" xmlns:a16="http://schemas.microsoft.com/office/drawing/2014/main" id="{7CC1C347-821A-4A53-BE6F-AA598F2BC52D}"/>
+                <a16:creationId xmlns:a16="http://schemas.microsoft.com/office/drawing/2014/main" xmlns="" id="{7CC1C347-821A-4A53-BE6F-AA598F2BC52D}"/>
               </a:ext>
             </a:extLst>
           </p:cNvPr>
@@ -12750,7 +12896,7 @@
           <a:p>
             <a:fld id="{6700A58B-DD98-43D0-B791-721480A02982}" type="datetime1">
               <a:rPr lang="en-US" smtClean="0"/>
-              <a:t>6/16/2019</a:t>
+              <a:t>6/17/2019</a:t>
             </a:fld>
             <a:endParaRPr lang="en-US"/>
           </a:p>
@@ -12761,7 +12907,7 @@
           <p:cNvPr id="3" name="Title 2">
             <a:extLst>
               <a:ext uri="{FF2B5EF4-FFF2-40B4-BE49-F238E27FC236}">
-                <a16:creationId xmlns="" xmlns:a16="http://schemas.microsoft.com/office/drawing/2014/main" id="{07B611A7-1CF9-40F4-B19C-B798B0C80BCC}"/>
+                <a16:creationId xmlns:a16="http://schemas.microsoft.com/office/drawing/2014/main" xmlns="" id="{07B611A7-1CF9-40F4-B19C-B798B0C80BCC}"/>
               </a:ext>
             </a:extLst>
           </p:cNvPr>
@@ -12793,7 +12939,7 @@
           <p:cNvPr id="4" name="Slide Number Placeholder 3">
             <a:extLst>
               <a:ext uri="{FF2B5EF4-FFF2-40B4-BE49-F238E27FC236}">
-                <a16:creationId xmlns="" xmlns:a16="http://schemas.microsoft.com/office/drawing/2014/main" id="{DB678605-D47F-487D-B818-8649427177BA}"/>
+                <a16:creationId xmlns:a16="http://schemas.microsoft.com/office/drawing/2014/main" xmlns="" id="{DB678605-D47F-487D-B818-8649427177BA}"/>
               </a:ext>
             </a:extLst>
           </p:cNvPr>
@@ -12827,7 +12973,7 @@
           <p:cNvPr id="5" name="Footer Placeholder 4">
             <a:extLst>
               <a:ext uri="{FF2B5EF4-FFF2-40B4-BE49-F238E27FC236}">
-                <a16:creationId xmlns="" xmlns:a16="http://schemas.microsoft.com/office/drawing/2014/main" id="{F22089D5-76B3-4F96-8A7C-A58AB148B7F5}"/>
+                <a16:creationId xmlns:a16="http://schemas.microsoft.com/office/drawing/2014/main" xmlns="" id="{F22089D5-76B3-4F96-8A7C-A58AB148B7F5}"/>
               </a:ext>
             </a:extLst>
           </p:cNvPr>
@@ -12856,7 +13002,7 @@
           <p:cNvPr id="6" name="Rectangle 5">
             <a:extLst>
               <a:ext uri="{FF2B5EF4-FFF2-40B4-BE49-F238E27FC236}">
-                <a16:creationId xmlns="" xmlns:a16="http://schemas.microsoft.com/office/drawing/2014/main" id="{AE05F16E-B7E1-4316-A709-6BF9303EDE99}"/>
+                <a16:creationId xmlns:a16="http://schemas.microsoft.com/office/drawing/2014/main" xmlns="" id="{AE05F16E-B7E1-4316-A709-6BF9303EDE99}"/>
               </a:ext>
             </a:extLst>
           </p:cNvPr>
@@ -12914,7 +13060,7 @@
           <p:cNvPr id="7" name="TextBox 6">
             <a:extLst>
               <a:ext uri="{FF2B5EF4-FFF2-40B4-BE49-F238E27FC236}">
-                <a16:creationId xmlns="" xmlns:a16="http://schemas.microsoft.com/office/drawing/2014/main" id="{E425B208-7BF4-4D83-84BC-616DCCF96F9A}"/>
+                <a16:creationId xmlns:a16="http://schemas.microsoft.com/office/drawing/2014/main" xmlns="" id="{E425B208-7BF4-4D83-84BC-616DCCF96F9A}"/>
               </a:ext>
             </a:extLst>
           </p:cNvPr>
@@ -12949,7 +13095,7 @@
           <p:cNvPr id="8" name="TextBox 7">
             <a:extLst>
               <a:ext uri="{FF2B5EF4-FFF2-40B4-BE49-F238E27FC236}">
-                <a16:creationId xmlns="" xmlns:a16="http://schemas.microsoft.com/office/drawing/2014/main" id="{4FD79347-3F95-4D61-A765-8971986126DA}"/>
+                <a16:creationId xmlns:a16="http://schemas.microsoft.com/office/drawing/2014/main" xmlns="" id="{4FD79347-3F95-4D61-A765-8971986126DA}"/>
               </a:ext>
             </a:extLst>
           </p:cNvPr>
@@ -13032,7 +13178,7 @@
           <p:cNvPr id="9" name="TextBox 8">
             <a:extLst>
               <a:ext uri="{FF2B5EF4-FFF2-40B4-BE49-F238E27FC236}">
-                <a16:creationId xmlns="" xmlns:a16="http://schemas.microsoft.com/office/drawing/2014/main" id="{461B53F2-E7B8-45E4-87B0-2426B549AAFE}"/>
+                <a16:creationId xmlns:a16="http://schemas.microsoft.com/office/drawing/2014/main" xmlns="" id="{461B53F2-E7B8-45E4-87B0-2426B549AAFE}"/>
               </a:ext>
             </a:extLst>
           </p:cNvPr>
@@ -13067,7 +13213,7 @@
           <p:cNvPr id="12" name="TextBox 11">
             <a:extLst>
               <a:ext uri="{FF2B5EF4-FFF2-40B4-BE49-F238E27FC236}">
-                <a16:creationId xmlns="" xmlns:a16="http://schemas.microsoft.com/office/drawing/2014/main" id="{BE2300B3-1357-4B03-A779-79D15FB87EE3}"/>
+                <a16:creationId xmlns:a16="http://schemas.microsoft.com/office/drawing/2014/main" xmlns="" id="{BE2300B3-1357-4B03-A779-79D15FB87EE3}"/>
               </a:ext>
             </a:extLst>
           </p:cNvPr>
@@ -13105,7 +13251,7 @@
           <p:cNvPr id="13" name="Chart 12">
             <a:extLst>
               <a:ext uri="{FF2B5EF4-FFF2-40B4-BE49-F238E27FC236}">
-                <a16:creationId xmlns="" xmlns:a16="http://schemas.microsoft.com/office/drawing/2014/main" id="{8652AAF0-C231-4BF5-ACB1-A81F25076C75}"/>
+                <a16:creationId xmlns:a16="http://schemas.microsoft.com/office/drawing/2014/main" xmlns="" id="{8652AAF0-C231-4BF5-ACB1-A81F25076C75}"/>
               </a:ext>
             </a:extLst>
           </p:cNvPr>
@@ -13172,7 +13318,7 @@
           <p:cNvPr id="3" name="Title 2">
             <a:extLst>
               <a:ext uri="{FF2B5EF4-FFF2-40B4-BE49-F238E27FC236}">
-                <a16:creationId xmlns="" xmlns:a16="http://schemas.microsoft.com/office/drawing/2014/main" id="{2F061A48-CB41-4DDC-B8B9-5FFA68FF2634}"/>
+                <a16:creationId xmlns:a16="http://schemas.microsoft.com/office/drawing/2014/main" xmlns="" id="{2F061A48-CB41-4DDC-B8B9-5FFA68FF2634}"/>
               </a:ext>
             </a:extLst>
           </p:cNvPr>
@@ -13238,7 +13384,7 @@
           <p:cNvPr id="6" name="Date Placeholder 1">
             <a:extLst>
               <a:ext uri="{FF2B5EF4-FFF2-40B4-BE49-F238E27FC236}">
-                <a16:creationId xmlns="" xmlns:a16="http://schemas.microsoft.com/office/drawing/2014/main" id="{A5024E83-7248-49C6-83CE-0C52F416FEF7}"/>
+                <a16:creationId xmlns:a16="http://schemas.microsoft.com/office/drawing/2014/main" xmlns="" id="{A5024E83-7248-49C6-83CE-0C52F416FEF7}"/>
               </a:ext>
             </a:extLst>
           </p:cNvPr>
@@ -13256,7 +13402,7 @@
           <a:p>
             <a:fld id="{6700A58B-DD98-43D0-B791-721480A02982}" type="datetime1">
               <a:rPr lang="en-US" smtClean="0"/>
-              <a:t>6/16/2019</a:t>
+              <a:t>6/17/2019</a:t>
             </a:fld>
             <a:endParaRPr lang="en-US"/>
           </a:p>
@@ -13267,7 +13413,7 @@
           <p:cNvPr id="8" name="Footer Placeholder 5">
             <a:extLst>
               <a:ext uri="{FF2B5EF4-FFF2-40B4-BE49-F238E27FC236}">
-                <a16:creationId xmlns="" xmlns:a16="http://schemas.microsoft.com/office/drawing/2014/main" id="{93E54B3B-632C-44FD-A3F2-BCFDAA237369}"/>
+                <a16:creationId xmlns:a16="http://schemas.microsoft.com/office/drawing/2014/main" xmlns="" id="{93E54B3B-632C-44FD-A3F2-BCFDAA237369}"/>
               </a:ext>
             </a:extLst>
           </p:cNvPr>
@@ -13295,7 +13441,7 @@
           <p:cNvPr id="7" name="Slide Number Placeholder 3">
             <a:extLst>
               <a:ext uri="{FF2B5EF4-FFF2-40B4-BE49-F238E27FC236}">
-                <a16:creationId xmlns="" xmlns:a16="http://schemas.microsoft.com/office/drawing/2014/main" id="{269E8134-5ACB-40D1-8C0C-86324C8FEF4A}"/>
+                <a16:creationId xmlns:a16="http://schemas.microsoft.com/office/drawing/2014/main" xmlns="" id="{269E8134-5ACB-40D1-8C0C-86324C8FEF4A}"/>
               </a:ext>
             </a:extLst>
           </p:cNvPr>
@@ -13324,7 +13470,7 @@
           <p:cNvPr id="2" name="Picture 1">
             <a:extLst>
               <a:ext uri="{FF2B5EF4-FFF2-40B4-BE49-F238E27FC236}">
-                <a16:creationId xmlns="" xmlns:a16="http://schemas.microsoft.com/office/drawing/2014/main" id="{FB9ABC04-8095-4A7B-86D4-FCBAC5A448EA}"/>
+                <a16:creationId xmlns:a16="http://schemas.microsoft.com/office/drawing/2014/main" xmlns="" id="{FB9ABC04-8095-4A7B-86D4-FCBAC5A448EA}"/>
               </a:ext>
             </a:extLst>
           </p:cNvPr>
@@ -13354,7 +13500,7 @@
           <p:cNvPr id="10" name="Rectangle 9">
             <a:extLst>
               <a:ext uri="{FF2B5EF4-FFF2-40B4-BE49-F238E27FC236}">
-                <a16:creationId xmlns="" xmlns:a16="http://schemas.microsoft.com/office/drawing/2014/main" id="{19F375A7-365D-4D80-BBA7-9EF1E12B6151}"/>
+                <a16:creationId xmlns:a16="http://schemas.microsoft.com/office/drawing/2014/main" xmlns="" id="{19F375A7-365D-4D80-BBA7-9EF1E12B6151}"/>
               </a:ext>
             </a:extLst>
           </p:cNvPr>
@@ -13416,7 +13562,7 @@
           <p:cNvPr id="5" name="Arrow: Right 4">
             <a:extLst>
               <a:ext uri="{FF2B5EF4-FFF2-40B4-BE49-F238E27FC236}">
-                <a16:creationId xmlns="" xmlns:a16="http://schemas.microsoft.com/office/drawing/2014/main" id="{C541EB3F-668A-42CC-B792-CE11CB57A701}"/>
+                <a16:creationId xmlns:a16="http://schemas.microsoft.com/office/drawing/2014/main" xmlns="" id="{C541EB3F-668A-42CC-B792-CE11CB57A701}"/>
               </a:ext>
             </a:extLst>
           </p:cNvPr>
@@ -13462,7 +13608,7 @@
           <p:cNvPr id="9218" name="Picture 2" descr="Image result for beer dog">
             <a:extLst>
               <a:ext uri="{FF2B5EF4-FFF2-40B4-BE49-F238E27FC236}">
-                <a16:creationId xmlns="" xmlns:a16="http://schemas.microsoft.com/office/drawing/2014/main" id="{6775A2DB-0BFB-448A-9254-DB26E78766E5}"/>
+                <a16:creationId xmlns:a16="http://schemas.microsoft.com/office/drawing/2014/main" xmlns="" id="{6775A2DB-0BFB-448A-9254-DB26E78766E5}"/>
               </a:ext>
             </a:extLst>
           </p:cNvPr>
@@ -13546,7 +13692,7 @@
           <p:cNvPr id="3" name="Title 2">
             <a:extLst>
               <a:ext uri="{FF2B5EF4-FFF2-40B4-BE49-F238E27FC236}">
-                <a16:creationId xmlns="" xmlns:a16="http://schemas.microsoft.com/office/drawing/2014/main" id="{2F061A48-CB41-4DDC-B8B9-5FFA68FF2634}"/>
+                <a16:creationId xmlns:a16="http://schemas.microsoft.com/office/drawing/2014/main" xmlns="" id="{2F061A48-CB41-4DDC-B8B9-5FFA68FF2634}"/>
               </a:ext>
             </a:extLst>
           </p:cNvPr>
@@ -13602,7 +13748,7 @@
           <p:cNvPr id="6" name="Date Placeholder 1">
             <a:extLst>
               <a:ext uri="{FF2B5EF4-FFF2-40B4-BE49-F238E27FC236}">
-                <a16:creationId xmlns="" xmlns:a16="http://schemas.microsoft.com/office/drawing/2014/main" id="{A5024E83-7248-49C6-83CE-0C52F416FEF7}"/>
+                <a16:creationId xmlns:a16="http://schemas.microsoft.com/office/drawing/2014/main" xmlns="" id="{A5024E83-7248-49C6-83CE-0C52F416FEF7}"/>
               </a:ext>
             </a:extLst>
           </p:cNvPr>
@@ -13620,7 +13766,7 @@
           <a:p>
             <a:fld id="{6700A58B-DD98-43D0-B791-721480A02982}" type="datetime1">
               <a:rPr lang="en-US" smtClean="0"/>
-              <a:t>6/16/2019</a:t>
+              <a:t>6/17/2019</a:t>
             </a:fld>
             <a:endParaRPr lang="en-US"/>
           </a:p>
@@ -13631,7 +13777,7 @@
           <p:cNvPr id="15" name="Footer Placeholder 5">
             <a:extLst>
               <a:ext uri="{FF2B5EF4-FFF2-40B4-BE49-F238E27FC236}">
-                <a16:creationId xmlns="" xmlns:a16="http://schemas.microsoft.com/office/drawing/2014/main" id="{FD3090C5-5CE1-4A44-97C8-EB04849527B4}"/>
+                <a16:creationId xmlns:a16="http://schemas.microsoft.com/office/drawing/2014/main" xmlns="" id="{FD3090C5-5CE1-4A44-97C8-EB04849527B4}"/>
               </a:ext>
             </a:extLst>
           </p:cNvPr>
@@ -13659,7 +13805,7 @@
           <p:cNvPr id="7" name="Slide Number Placeholder 3">
             <a:extLst>
               <a:ext uri="{FF2B5EF4-FFF2-40B4-BE49-F238E27FC236}">
-                <a16:creationId xmlns="" xmlns:a16="http://schemas.microsoft.com/office/drawing/2014/main" id="{269E8134-5ACB-40D1-8C0C-86324C8FEF4A}"/>
+                <a16:creationId xmlns:a16="http://schemas.microsoft.com/office/drawing/2014/main" xmlns="" id="{269E8134-5ACB-40D1-8C0C-86324C8FEF4A}"/>
               </a:ext>
             </a:extLst>
           </p:cNvPr>
@@ -13688,7 +13834,7 @@
           <p:cNvPr id="11" name="Rectangle 10">
             <a:extLst>
               <a:ext uri="{FF2B5EF4-FFF2-40B4-BE49-F238E27FC236}">
-                <a16:creationId xmlns="" xmlns:a16="http://schemas.microsoft.com/office/drawing/2014/main" id="{CA5C07CD-04D0-4BD9-BE39-864FC85CDE83}"/>
+                <a16:creationId xmlns:a16="http://schemas.microsoft.com/office/drawing/2014/main" xmlns="" id="{CA5C07CD-04D0-4BD9-BE39-864FC85CDE83}"/>
               </a:ext>
             </a:extLst>
           </p:cNvPr>
@@ -13732,7 +13878,7 @@
           <p:cNvPr id="2" name="Group 1">
             <a:extLst>
               <a:ext uri="{FF2B5EF4-FFF2-40B4-BE49-F238E27FC236}">
-                <a16:creationId xmlns="" xmlns:a16="http://schemas.microsoft.com/office/drawing/2014/main" id="{EB6AEF77-A24C-45ED-A28A-80640EF08A83}"/>
+                <a16:creationId xmlns:a16="http://schemas.microsoft.com/office/drawing/2014/main" xmlns="" id="{EB6AEF77-A24C-45ED-A28A-80640EF08A83}"/>
               </a:ext>
             </a:extLst>
           </p:cNvPr>
@@ -13752,7 +13898,7 @@
             <p:cNvPr id="10" name="Rectangle 9">
               <a:extLst>
                 <a:ext uri="{FF2B5EF4-FFF2-40B4-BE49-F238E27FC236}">
-                  <a16:creationId xmlns="" xmlns:a16="http://schemas.microsoft.com/office/drawing/2014/main" id="{36A3BFF8-5C6D-4FAD-980D-98BA8B6D4B46}"/>
+                  <a16:creationId xmlns:a16="http://schemas.microsoft.com/office/drawing/2014/main" xmlns="" id="{36A3BFF8-5C6D-4FAD-980D-98BA8B6D4B46}"/>
                 </a:ext>
               </a:extLst>
             </p:cNvPr>
@@ -13890,7 +14036,7 @@
             <p:cNvPr id="12" name="Oval 11">
               <a:extLst>
                 <a:ext uri="{FF2B5EF4-FFF2-40B4-BE49-F238E27FC236}">
-                  <a16:creationId xmlns="" xmlns:a16="http://schemas.microsoft.com/office/drawing/2014/main" id="{C57E16E0-0E42-427E-A641-3FD778FEFA8D}"/>
+                  <a16:creationId xmlns:a16="http://schemas.microsoft.com/office/drawing/2014/main" xmlns="" id="{C57E16E0-0E42-427E-A641-3FD778FEFA8D}"/>
                 </a:ext>
               </a:extLst>
             </p:cNvPr>
@@ -13943,7 +14089,7 @@
           <p:cNvPr id="13" name="TextBox 12">
             <a:extLst>
               <a:ext uri="{FF2B5EF4-FFF2-40B4-BE49-F238E27FC236}">
-                <a16:creationId xmlns="" xmlns:a16="http://schemas.microsoft.com/office/drawing/2014/main" id="{D7A7185D-FC3A-4F10-8DE7-174F92904FA2}"/>
+                <a16:creationId xmlns:a16="http://schemas.microsoft.com/office/drawing/2014/main" xmlns="" id="{D7A7185D-FC3A-4F10-8DE7-174F92904FA2}"/>
               </a:ext>
             </a:extLst>
           </p:cNvPr>
@@ -14007,7 +14153,7 @@
           <p:cNvPr id="4" name="TextBox 3">
             <a:extLst>
               <a:ext uri="{FF2B5EF4-FFF2-40B4-BE49-F238E27FC236}">
-                <a16:creationId xmlns="" xmlns:a16="http://schemas.microsoft.com/office/drawing/2014/main" id="{DFD4763B-7D08-4C14-A8ED-25C6AD97BD71}"/>
+                <a16:creationId xmlns:a16="http://schemas.microsoft.com/office/drawing/2014/main" xmlns="" id="{DFD4763B-7D08-4C14-A8ED-25C6AD97BD71}"/>
               </a:ext>
             </a:extLst>
           </p:cNvPr>
@@ -14088,7 +14234,7 @@
           <p:cNvPr id="3" name="Title 2">
             <a:extLst>
               <a:ext uri="{FF2B5EF4-FFF2-40B4-BE49-F238E27FC236}">
-                <a16:creationId xmlns="" xmlns:a16="http://schemas.microsoft.com/office/drawing/2014/main" id="{2F061A48-CB41-4DDC-B8B9-5FFA68FF2634}"/>
+                <a16:creationId xmlns:a16="http://schemas.microsoft.com/office/drawing/2014/main" xmlns="" id="{2F061A48-CB41-4DDC-B8B9-5FFA68FF2634}"/>
               </a:ext>
             </a:extLst>
           </p:cNvPr>
@@ -14144,7 +14290,7 @@
           <p:cNvPr id="6" name="Date Placeholder 1">
             <a:extLst>
               <a:ext uri="{FF2B5EF4-FFF2-40B4-BE49-F238E27FC236}">
-                <a16:creationId xmlns="" xmlns:a16="http://schemas.microsoft.com/office/drawing/2014/main" id="{A5024E83-7248-49C6-83CE-0C52F416FEF7}"/>
+                <a16:creationId xmlns:a16="http://schemas.microsoft.com/office/drawing/2014/main" xmlns="" id="{A5024E83-7248-49C6-83CE-0C52F416FEF7}"/>
               </a:ext>
             </a:extLst>
           </p:cNvPr>
@@ -14162,7 +14308,7 @@
           <a:p>
             <a:fld id="{6700A58B-DD98-43D0-B791-721480A02982}" type="datetime1">
               <a:rPr lang="en-US" smtClean="0"/>
-              <a:t>6/16/2019</a:t>
+              <a:t>6/17/2019</a:t>
             </a:fld>
             <a:endParaRPr lang="en-US"/>
           </a:p>
@@ -14173,7 +14319,7 @@
           <p:cNvPr id="15" name="Footer Placeholder 5">
             <a:extLst>
               <a:ext uri="{FF2B5EF4-FFF2-40B4-BE49-F238E27FC236}">
-                <a16:creationId xmlns="" xmlns:a16="http://schemas.microsoft.com/office/drawing/2014/main" id="{FD3090C5-5CE1-4A44-97C8-EB04849527B4}"/>
+                <a16:creationId xmlns:a16="http://schemas.microsoft.com/office/drawing/2014/main" xmlns="" id="{FD3090C5-5CE1-4A44-97C8-EB04849527B4}"/>
               </a:ext>
             </a:extLst>
           </p:cNvPr>
@@ -14201,7 +14347,7 @@
           <p:cNvPr id="7" name="Slide Number Placeholder 3">
             <a:extLst>
               <a:ext uri="{FF2B5EF4-FFF2-40B4-BE49-F238E27FC236}">
-                <a16:creationId xmlns="" xmlns:a16="http://schemas.microsoft.com/office/drawing/2014/main" id="{269E8134-5ACB-40D1-8C0C-86324C8FEF4A}"/>
+                <a16:creationId xmlns:a16="http://schemas.microsoft.com/office/drawing/2014/main" xmlns="" id="{269E8134-5ACB-40D1-8C0C-86324C8FEF4A}"/>
               </a:ext>
             </a:extLst>
           </p:cNvPr>
@@ -14230,7 +14376,7 @@
           <p:cNvPr id="10" name="Rectangle 9">
             <a:extLst>
               <a:ext uri="{FF2B5EF4-FFF2-40B4-BE49-F238E27FC236}">
-                <a16:creationId xmlns="" xmlns:a16="http://schemas.microsoft.com/office/drawing/2014/main" id="{36A3BFF8-5C6D-4FAD-980D-98BA8B6D4B46}"/>
+                <a16:creationId xmlns:a16="http://schemas.microsoft.com/office/drawing/2014/main" xmlns="" id="{36A3BFF8-5C6D-4FAD-980D-98BA8B6D4B46}"/>
               </a:ext>
             </a:extLst>
           </p:cNvPr>
@@ -14900,7 +15046,7 @@
           <p:cNvPr id="14" name="Rectangle 13">
             <a:extLst>
               <a:ext uri="{FF2B5EF4-FFF2-40B4-BE49-F238E27FC236}">
-                <a16:creationId xmlns="" xmlns:a16="http://schemas.microsoft.com/office/drawing/2014/main" id="{6247FB40-E1FC-465B-8AC4-135E069F6E7A}"/>
+                <a16:creationId xmlns:a16="http://schemas.microsoft.com/office/drawing/2014/main" xmlns="" id="{6247FB40-E1FC-465B-8AC4-135E069F6E7A}"/>
               </a:ext>
             </a:extLst>
           </p:cNvPr>
@@ -14995,7 +15141,7 @@
           <p:cNvPr id="2" name="Date Placeholder 1">
             <a:extLst>
               <a:ext uri="{FF2B5EF4-FFF2-40B4-BE49-F238E27FC236}">
-                <a16:creationId xmlns="" xmlns:a16="http://schemas.microsoft.com/office/drawing/2014/main" id="{19210D5C-D4DA-42F2-9C4A-993DFC77B30A}"/>
+                <a16:creationId xmlns:a16="http://schemas.microsoft.com/office/drawing/2014/main" xmlns="" id="{19210D5C-D4DA-42F2-9C4A-993DFC77B30A}"/>
               </a:ext>
             </a:extLst>
           </p:cNvPr>
@@ -15013,7 +15159,7 @@
           <a:p>
             <a:fld id="{6700A58B-DD98-43D0-B791-721480A02982}" type="datetime1">
               <a:rPr lang="en-US" smtClean="0"/>
-              <a:t>6/16/2019</a:t>
+              <a:t>6/17/2019</a:t>
             </a:fld>
             <a:endParaRPr lang="en-US"/>
           </a:p>
@@ -15024,7 +15170,7 @@
           <p:cNvPr id="3" name="Title 2">
             <a:extLst>
               <a:ext uri="{FF2B5EF4-FFF2-40B4-BE49-F238E27FC236}">
-                <a16:creationId xmlns="" xmlns:a16="http://schemas.microsoft.com/office/drawing/2014/main" id="{82C34DE6-46FB-47F0-9733-C3D27E997C9C}"/>
+                <a16:creationId xmlns:a16="http://schemas.microsoft.com/office/drawing/2014/main" xmlns="" id="{82C34DE6-46FB-47F0-9733-C3D27E997C9C}"/>
               </a:ext>
             </a:extLst>
           </p:cNvPr>
@@ -15062,7 +15208,7 @@
           <p:cNvPr id="6" name="Footer Placeholder 5">
             <a:extLst>
               <a:ext uri="{FF2B5EF4-FFF2-40B4-BE49-F238E27FC236}">
-                <a16:creationId xmlns="" xmlns:a16="http://schemas.microsoft.com/office/drawing/2014/main" id="{9AEE3B0A-243D-4D84-82C8-9D7223818081}"/>
+                <a16:creationId xmlns:a16="http://schemas.microsoft.com/office/drawing/2014/main" xmlns="" id="{9AEE3B0A-243D-4D84-82C8-9D7223818081}"/>
               </a:ext>
             </a:extLst>
           </p:cNvPr>
@@ -15090,7 +15236,7 @@
           <p:cNvPr id="4" name="Slide Number Placeholder 3">
             <a:extLst>
               <a:ext uri="{FF2B5EF4-FFF2-40B4-BE49-F238E27FC236}">
-                <a16:creationId xmlns="" xmlns:a16="http://schemas.microsoft.com/office/drawing/2014/main" id="{DE6123B4-98F7-4DC5-97DE-E4E470717960}"/>
+                <a16:creationId xmlns:a16="http://schemas.microsoft.com/office/drawing/2014/main" xmlns="" id="{DE6123B4-98F7-4DC5-97DE-E4E470717960}"/>
               </a:ext>
             </a:extLst>
           </p:cNvPr>
@@ -15119,7 +15265,7 @@
           <p:cNvPr id="5" name="Picture 4">
             <a:extLst>
               <a:ext uri="{FF2B5EF4-FFF2-40B4-BE49-F238E27FC236}">
-                <a16:creationId xmlns="" xmlns:a16="http://schemas.microsoft.com/office/drawing/2014/main" id="{8E9534B7-F364-47E6-9599-C508EA823EC2}"/>
+                <a16:creationId xmlns:a16="http://schemas.microsoft.com/office/drawing/2014/main" xmlns="" id="{8E9534B7-F364-47E6-9599-C508EA823EC2}"/>
               </a:ext>
             </a:extLst>
           </p:cNvPr>
@@ -15149,7 +15295,7 @@
           <p:cNvPr id="9" name="TextBox 8">
             <a:extLst>
               <a:ext uri="{FF2B5EF4-FFF2-40B4-BE49-F238E27FC236}">
-                <a16:creationId xmlns="" xmlns:a16="http://schemas.microsoft.com/office/drawing/2014/main" id="{0D38C65D-DB44-46A4-800F-3896BD9C6EA5}"/>
+                <a16:creationId xmlns:a16="http://schemas.microsoft.com/office/drawing/2014/main" xmlns="" id="{0D38C65D-DB44-46A4-800F-3896BD9C6EA5}"/>
               </a:ext>
             </a:extLst>
           </p:cNvPr>
@@ -15238,7 +15384,7 @@
           <p:cNvPr id="11" name="Picture 10">
             <a:extLst>
               <a:ext uri="{FF2B5EF4-FFF2-40B4-BE49-F238E27FC236}">
-                <a16:creationId xmlns="" xmlns:a16="http://schemas.microsoft.com/office/drawing/2014/main" id="{818B2B5F-FBAE-46E5-B78D-7D5A889CDB8B}"/>
+                <a16:creationId xmlns:a16="http://schemas.microsoft.com/office/drawing/2014/main" xmlns="" id="{818B2B5F-FBAE-46E5-B78D-7D5A889CDB8B}"/>
               </a:ext>
             </a:extLst>
           </p:cNvPr>
@@ -15268,7 +15414,7 @@
           <p:cNvPr id="18" name="Rectangle 17">
             <a:extLst>
               <a:ext uri="{FF2B5EF4-FFF2-40B4-BE49-F238E27FC236}">
-                <a16:creationId xmlns="" xmlns:a16="http://schemas.microsoft.com/office/drawing/2014/main" id="{EE08D283-37B7-4151-B8D2-962905F1A10E}"/>
+                <a16:creationId xmlns:a16="http://schemas.microsoft.com/office/drawing/2014/main" xmlns="" id="{EE08D283-37B7-4151-B8D2-962905F1A10E}"/>
               </a:ext>
             </a:extLst>
           </p:cNvPr>
@@ -15326,7 +15472,7 @@
           <p:cNvPr id="19" name="Speech Bubble: Oval 18">
             <a:extLst>
               <a:ext uri="{FF2B5EF4-FFF2-40B4-BE49-F238E27FC236}">
-                <a16:creationId xmlns="" xmlns:a16="http://schemas.microsoft.com/office/drawing/2014/main" id="{E1250D65-B07D-4E55-86C7-7CA38B54CFFD}"/>
+                <a16:creationId xmlns:a16="http://schemas.microsoft.com/office/drawing/2014/main" xmlns="" id="{E1250D65-B07D-4E55-86C7-7CA38B54CFFD}"/>
               </a:ext>
             </a:extLst>
           </p:cNvPr>
@@ -15421,7 +15567,7 @@
           <p:cNvPr id="2" name="Date Placeholder 1">
             <a:extLst>
               <a:ext uri="{FF2B5EF4-FFF2-40B4-BE49-F238E27FC236}">
-                <a16:creationId xmlns="" xmlns:a16="http://schemas.microsoft.com/office/drawing/2014/main" id="{8EA1E927-42A1-4F18-98B4-B2286686F93B}"/>
+                <a16:creationId xmlns:a16="http://schemas.microsoft.com/office/drawing/2014/main" xmlns="" id="{8EA1E927-42A1-4F18-98B4-B2286686F93B}"/>
               </a:ext>
             </a:extLst>
           </p:cNvPr>
@@ -15440,7 +15586,7 @@
             <a:fld id="{6700A58B-DD98-43D0-B791-721480A02982}" type="datetime1">
               <a:rPr lang="en-US" smtClean="0"/>
               <a:pPr/>
-              <a:t>6/16/2019</a:t>
+              <a:t>6/17/2019</a:t>
             </a:fld>
             <a:endParaRPr lang="en-US"/>
           </a:p>
@@ -15451,7 +15597,7 @@
           <p:cNvPr id="3" name="Title 2">
             <a:extLst>
               <a:ext uri="{FF2B5EF4-FFF2-40B4-BE49-F238E27FC236}">
-                <a16:creationId xmlns="" xmlns:a16="http://schemas.microsoft.com/office/drawing/2014/main" id="{9E9892C0-018C-4DD0-97A5-7FC4FD6EB37D}"/>
+                <a16:creationId xmlns:a16="http://schemas.microsoft.com/office/drawing/2014/main" xmlns="" id="{9E9892C0-018C-4DD0-97A5-7FC4FD6EB37D}"/>
               </a:ext>
             </a:extLst>
           </p:cNvPr>
@@ -15480,7 +15626,7 @@
           <p:cNvPr id="5" name="Footer Placeholder 4">
             <a:extLst>
               <a:ext uri="{FF2B5EF4-FFF2-40B4-BE49-F238E27FC236}">
-                <a16:creationId xmlns="" xmlns:a16="http://schemas.microsoft.com/office/drawing/2014/main" id="{5A2500E2-DA47-4E11-95C9-97ABE6F857AD}"/>
+                <a16:creationId xmlns:a16="http://schemas.microsoft.com/office/drawing/2014/main" xmlns="" id="{5A2500E2-DA47-4E11-95C9-97ABE6F857AD}"/>
               </a:ext>
             </a:extLst>
           </p:cNvPr>
@@ -15509,7 +15655,7 @@
           <p:cNvPr id="4" name="Slide Number Placeholder 3">
             <a:extLst>
               <a:ext uri="{FF2B5EF4-FFF2-40B4-BE49-F238E27FC236}">
-                <a16:creationId xmlns="" xmlns:a16="http://schemas.microsoft.com/office/drawing/2014/main" id="{630852DE-7F9F-4D93-B347-B6A4CEFF2F31}"/>
+                <a16:creationId xmlns:a16="http://schemas.microsoft.com/office/drawing/2014/main" xmlns="" id="{630852DE-7F9F-4D93-B347-B6A4CEFF2F31}"/>
               </a:ext>
             </a:extLst>
           </p:cNvPr>
@@ -15539,7 +15685,7 @@
           <p:cNvPr id="2050" name="Picture 2" descr="Image result for trap meme">
             <a:extLst>
               <a:ext uri="{FF2B5EF4-FFF2-40B4-BE49-F238E27FC236}">
-                <a16:creationId xmlns="" xmlns:a16="http://schemas.microsoft.com/office/drawing/2014/main" id="{EDF7E365-FED3-4323-966C-BAFC885B13B9}"/>
+                <a16:creationId xmlns:a16="http://schemas.microsoft.com/office/drawing/2014/main" xmlns="" id="{EDF7E365-FED3-4323-966C-BAFC885B13B9}"/>
               </a:ext>
             </a:extLst>
           </p:cNvPr>
@@ -15586,7 +15732,7 @@
           <p:cNvPr id="6" name="TextBox 5">
             <a:extLst>
               <a:ext uri="{FF2B5EF4-FFF2-40B4-BE49-F238E27FC236}">
-                <a16:creationId xmlns="" xmlns:a16="http://schemas.microsoft.com/office/drawing/2014/main" id="{2816C205-326A-44F0-9783-879DB3FC3CCD}"/>
+                <a16:creationId xmlns:a16="http://schemas.microsoft.com/office/drawing/2014/main" xmlns="" id="{2816C205-326A-44F0-9783-879DB3FC3CCD}"/>
               </a:ext>
             </a:extLst>
           </p:cNvPr>
@@ -15651,7 +15797,7 @@
           <p:cNvPr id="7" name="Rectangle 6">
             <a:extLst>
               <a:ext uri="{FF2B5EF4-FFF2-40B4-BE49-F238E27FC236}">
-                <a16:creationId xmlns="" xmlns:a16="http://schemas.microsoft.com/office/drawing/2014/main" id="{9948CBF8-7AD5-452D-AE91-266CDE3F3E88}"/>
+                <a16:creationId xmlns:a16="http://schemas.microsoft.com/office/drawing/2014/main" xmlns="" id="{9948CBF8-7AD5-452D-AE91-266CDE3F3E88}"/>
               </a:ext>
             </a:extLst>
           </p:cNvPr>
@@ -15711,7 +15857,7 @@
           <p:cNvPr id="9" name="Rectangle 8">
             <a:extLst>
               <a:ext uri="{FF2B5EF4-FFF2-40B4-BE49-F238E27FC236}">
-                <a16:creationId xmlns="" xmlns:a16="http://schemas.microsoft.com/office/drawing/2014/main" id="{8EB5EF2F-FF80-494A-A0D1-F2D3D3C883DB}"/>
+                <a16:creationId xmlns:a16="http://schemas.microsoft.com/office/drawing/2014/main" xmlns="" id="{8EB5EF2F-FF80-494A-A0D1-F2D3D3C883DB}"/>
               </a:ext>
             </a:extLst>
           </p:cNvPr>
@@ -15893,21 +16039,21 @@
                 <a:gridCol w="1238445">
                   <a:extLst>
                     <a:ext uri="{9D8B030D-6E8A-4147-A177-3AD203B41FA5}">
-                      <a16:colId xmlns="" xmlns:a16="http://schemas.microsoft.com/office/drawing/2014/main" val="20000"/>
+                      <a16:colId xmlns:a16="http://schemas.microsoft.com/office/drawing/2014/main" xmlns="" val="20000"/>
                     </a:ext>
                   </a:extLst>
                 </a:gridCol>
                 <a:gridCol w="858274">
                   <a:extLst>
                     <a:ext uri="{9D8B030D-6E8A-4147-A177-3AD203B41FA5}">
-                      <a16:colId xmlns="" xmlns:a16="http://schemas.microsoft.com/office/drawing/2014/main" val="20001"/>
+                      <a16:colId xmlns:a16="http://schemas.microsoft.com/office/drawing/2014/main" xmlns="" val="20001"/>
                     </a:ext>
                   </a:extLst>
                 </a:gridCol>
                 <a:gridCol w="5790787">
                   <a:extLst>
                     <a:ext uri="{9D8B030D-6E8A-4147-A177-3AD203B41FA5}">
-                      <a16:colId xmlns="" xmlns:a16="http://schemas.microsoft.com/office/drawing/2014/main" val="20002"/>
+                      <a16:colId xmlns:a16="http://schemas.microsoft.com/office/drawing/2014/main" xmlns="" val="20002"/>
                     </a:ext>
                   </a:extLst>
                 </a:gridCol>
@@ -16119,7 +16265,7 @@
                 </a:tc>
                 <a:extLst>
                   <a:ext uri="{0D108BD9-81ED-4DB2-BD59-A6C34878D82A}">
-                    <a16:rowId xmlns="" xmlns:a16="http://schemas.microsoft.com/office/drawing/2014/main" val="10000"/>
+                    <a16:rowId xmlns:a16="http://schemas.microsoft.com/office/drawing/2014/main" xmlns="" val="10000"/>
                   </a:ext>
                 </a:extLst>
               </a:tr>
@@ -16216,7 +16362,7 @@
                 </a:tc>
                 <a:extLst>
                   <a:ext uri="{0D108BD9-81ED-4DB2-BD59-A6C34878D82A}">
-                    <a16:rowId xmlns="" xmlns:a16="http://schemas.microsoft.com/office/drawing/2014/main" val="10001"/>
+                    <a16:rowId xmlns:a16="http://schemas.microsoft.com/office/drawing/2014/main" xmlns="" val="10001"/>
                   </a:ext>
                 </a:extLst>
               </a:tr>
@@ -16283,7 +16429,7 @@
                 </a:tc>
                 <a:extLst>
                   <a:ext uri="{0D108BD9-81ED-4DB2-BD59-A6C34878D82A}">
-                    <a16:rowId xmlns="" xmlns:a16="http://schemas.microsoft.com/office/drawing/2014/main" val="10002"/>
+                    <a16:rowId xmlns:a16="http://schemas.microsoft.com/office/drawing/2014/main" xmlns="" val="10002"/>
                   </a:ext>
                 </a:extLst>
               </a:tr>
@@ -16391,7 +16537,7 @@
                 </a:tc>
                 <a:extLst>
                   <a:ext uri="{0D108BD9-81ED-4DB2-BD59-A6C34878D82A}">
-                    <a16:rowId xmlns="" xmlns:a16="http://schemas.microsoft.com/office/drawing/2014/main" val="10003"/>
+                    <a16:rowId xmlns:a16="http://schemas.microsoft.com/office/drawing/2014/main" xmlns="" val="10003"/>
                   </a:ext>
                 </a:extLst>
               </a:tr>
@@ -16489,7 +16635,7 @@
                 </a:tc>
                 <a:extLst>
                   <a:ext uri="{0D108BD9-81ED-4DB2-BD59-A6C34878D82A}">
-                    <a16:rowId xmlns="" xmlns:a16="http://schemas.microsoft.com/office/drawing/2014/main" val="10004"/>
+                    <a16:rowId xmlns:a16="http://schemas.microsoft.com/office/drawing/2014/main" xmlns="" val="10004"/>
                   </a:ext>
                 </a:extLst>
               </a:tr>
@@ -16577,7 +16723,7 @@
                 </a:tc>
                 <a:extLst>
                   <a:ext uri="{0D108BD9-81ED-4DB2-BD59-A6C34878D82A}">
-                    <a16:rowId xmlns="" xmlns:a16="http://schemas.microsoft.com/office/drawing/2014/main" val="10005"/>
+                    <a16:rowId xmlns:a16="http://schemas.microsoft.com/office/drawing/2014/main" xmlns="" val="10005"/>
                   </a:ext>
                 </a:extLst>
               </a:tr>
@@ -16675,7 +16821,7 @@
                 </a:tc>
                 <a:extLst>
                   <a:ext uri="{0D108BD9-81ED-4DB2-BD59-A6C34878D82A}">
-                    <a16:rowId xmlns="" xmlns:a16="http://schemas.microsoft.com/office/drawing/2014/main" val="10006"/>
+                    <a16:rowId xmlns:a16="http://schemas.microsoft.com/office/drawing/2014/main" xmlns="" val="10006"/>
                   </a:ext>
                 </a:extLst>
               </a:tr>
@@ -16763,7 +16909,7 @@
                 </a:tc>
                 <a:extLst>
                   <a:ext uri="{0D108BD9-81ED-4DB2-BD59-A6C34878D82A}">
-                    <a16:rowId xmlns="" xmlns:a16="http://schemas.microsoft.com/office/drawing/2014/main" val="10007"/>
+                    <a16:rowId xmlns:a16="http://schemas.microsoft.com/office/drawing/2014/main" xmlns="" val="10007"/>
                   </a:ext>
                 </a:extLst>
               </a:tr>
@@ -16851,7 +16997,7 @@
                 </a:tc>
                 <a:extLst>
                   <a:ext uri="{0D108BD9-81ED-4DB2-BD59-A6C34878D82A}">
-                    <a16:rowId xmlns="" xmlns:a16="http://schemas.microsoft.com/office/drawing/2014/main" val="10008"/>
+                    <a16:rowId xmlns:a16="http://schemas.microsoft.com/office/drawing/2014/main" xmlns="" val="10008"/>
                   </a:ext>
                 </a:extLst>
               </a:tr>
@@ -16969,7 +17115,7 @@
           <a:p>
             <a:fld id="{9B19E99B-5349-415A-8E56-8E989211A366}" type="datetime1">
               <a:rPr lang="en-US" smtClean="0"/>
-              <a:t>6/16/2019</a:t>
+              <a:t>6/17/2019</a:t>
             </a:fld>
             <a:endParaRPr lang="en-US"/>
           </a:p>
@@ -17056,7 +17202,7 @@
           <p:cNvPr id="3" name="Title 2">
             <a:extLst>
               <a:ext uri="{FF2B5EF4-FFF2-40B4-BE49-F238E27FC236}">
-                <a16:creationId xmlns="" xmlns:a16="http://schemas.microsoft.com/office/drawing/2014/main" id="{2F061A48-CB41-4DDC-B8B9-5FFA68FF2634}"/>
+                <a16:creationId xmlns:a16="http://schemas.microsoft.com/office/drawing/2014/main" xmlns="" id="{2F061A48-CB41-4DDC-B8B9-5FFA68FF2634}"/>
               </a:ext>
             </a:extLst>
           </p:cNvPr>
@@ -17108,7 +17254,7 @@
           <p:cNvPr id="6" name="Date Placeholder 1">
             <a:extLst>
               <a:ext uri="{FF2B5EF4-FFF2-40B4-BE49-F238E27FC236}">
-                <a16:creationId xmlns="" xmlns:a16="http://schemas.microsoft.com/office/drawing/2014/main" id="{A5024E83-7248-49C6-83CE-0C52F416FEF7}"/>
+                <a16:creationId xmlns:a16="http://schemas.microsoft.com/office/drawing/2014/main" xmlns="" id="{A5024E83-7248-49C6-83CE-0C52F416FEF7}"/>
               </a:ext>
             </a:extLst>
           </p:cNvPr>
@@ -17127,7 +17273,7 @@
             <a:fld id="{6700A58B-DD98-43D0-B791-721480A02982}" type="datetime1">
               <a:rPr lang="en-US" smtClean="0"/>
               <a:pPr/>
-              <a:t>6/16/2019</a:t>
+              <a:t>6/17/2019</a:t>
             </a:fld>
             <a:endParaRPr lang="en-US"/>
           </a:p>
@@ -17138,7 +17284,7 @@
           <p:cNvPr id="39" name="Footer Placeholder 5">
             <a:extLst>
               <a:ext uri="{FF2B5EF4-FFF2-40B4-BE49-F238E27FC236}">
-                <a16:creationId xmlns="" xmlns:a16="http://schemas.microsoft.com/office/drawing/2014/main" id="{D1D3783E-01A5-469C-B82C-CDF73DEAFA52}"/>
+                <a16:creationId xmlns:a16="http://schemas.microsoft.com/office/drawing/2014/main" xmlns="" id="{D1D3783E-01A5-469C-B82C-CDF73DEAFA52}"/>
               </a:ext>
             </a:extLst>
           </p:cNvPr>
@@ -17167,7 +17313,7 @@
           <p:cNvPr id="7" name="Slide Number Placeholder 3">
             <a:extLst>
               <a:ext uri="{FF2B5EF4-FFF2-40B4-BE49-F238E27FC236}">
-                <a16:creationId xmlns="" xmlns:a16="http://schemas.microsoft.com/office/drawing/2014/main" id="{269E8134-5ACB-40D1-8C0C-86324C8FEF4A}"/>
+                <a16:creationId xmlns:a16="http://schemas.microsoft.com/office/drawing/2014/main" xmlns="" id="{269E8134-5ACB-40D1-8C0C-86324C8FEF4A}"/>
               </a:ext>
             </a:extLst>
           </p:cNvPr>
@@ -17197,7 +17343,7 @@
           <p:cNvPr id="11" name="Rectangle 10">
             <a:extLst>
               <a:ext uri="{FF2B5EF4-FFF2-40B4-BE49-F238E27FC236}">
-                <a16:creationId xmlns="" xmlns:a16="http://schemas.microsoft.com/office/drawing/2014/main" id="{8EBEC10D-BA36-46F0-9B26-B7041C9D73F1}"/>
+                <a16:creationId xmlns:a16="http://schemas.microsoft.com/office/drawing/2014/main" xmlns="" id="{8EBEC10D-BA36-46F0-9B26-B7041C9D73F1}"/>
               </a:ext>
             </a:extLst>
           </p:cNvPr>
@@ -17255,7 +17401,7 @@
           <p:cNvPr id="13" name="Rectangle 12">
             <a:extLst>
               <a:ext uri="{FF2B5EF4-FFF2-40B4-BE49-F238E27FC236}">
-                <a16:creationId xmlns="" xmlns:a16="http://schemas.microsoft.com/office/drawing/2014/main" id="{6B2FAC6F-EF38-48BA-860E-5A21249ABE98}"/>
+                <a16:creationId xmlns:a16="http://schemas.microsoft.com/office/drawing/2014/main" xmlns="" id="{6B2FAC6F-EF38-48BA-860E-5A21249ABE98}"/>
               </a:ext>
             </a:extLst>
           </p:cNvPr>
@@ -17315,7 +17461,7 @@
           <p:cNvPr id="23" name="Table 22">
             <a:extLst>
               <a:ext uri="{FF2B5EF4-FFF2-40B4-BE49-F238E27FC236}">
-                <a16:creationId xmlns="" xmlns:a16="http://schemas.microsoft.com/office/drawing/2014/main" id="{96BC8BFB-0E3D-472B-BA07-1DD44E0CF5D4}"/>
+                <a16:creationId xmlns:a16="http://schemas.microsoft.com/office/drawing/2014/main" xmlns="" id="{96BC8BFB-0E3D-472B-BA07-1DD44E0CF5D4}"/>
               </a:ext>
             </a:extLst>
           </p:cNvPr>
@@ -17344,14 +17490,14 @@
                 <a:gridCol w="1775812">
                   <a:extLst>
                     <a:ext uri="{9D8B030D-6E8A-4147-A177-3AD203B41FA5}">
-                      <a16:colId xmlns="" xmlns:a16="http://schemas.microsoft.com/office/drawing/2014/main" val="20000"/>
+                      <a16:colId xmlns:a16="http://schemas.microsoft.com/office/drawing/2014/main" xmlns="" val="20000"/>
                     </a:ext>
                   </a:extLst>
                 </a:gridCol>
                 <a:gridCol w="1996088">
                   <a:extLst>
                     <a:ext uri="{9D8B030D-6E8A-4147-A177-3AD203B41FA5}">
-                      <a16:colId xmlns="" xmlns:a16="http://schemas.microsoft.com/office/drawing/2014/main" val="20001"/>
+                      <a16:colId xmlns:a16="http://schemas.microsoft.com/office/drawing/2014/main" xmlns="" val="20001"/>
                     </a:ext>
                   </a:extLst>
                 </a:gridCol>
@@ -17399,7 +17545,7 @@
                 </a:tc>
                 <a:extLst>
                   <a:ext uri="{0D108BD9-81ED-4DB2-BD59-A6C34878D82A}">
-                    <a16:rowId xmlns="" xmlns:a16="http://schemas.microsoft.com/office/drawing/2014/main" val="10000"/>
+                    <a16:rowId xmlns:a16="http://schemas.microsoft.com/office/drawing/2014/main" xmlns="" val="10000"/>
                   </a:ext>
                 </a:extLst>
               </a:tr>
@@ -17448,7 +17594,7 @@
                 </a:tc>
                 <a:extLst>
                   <a:ext uri="{0D108BD9-81ED-4DB2-BD59-A6C34878D82A}">
-                    <a16:rowId xmlns="" xmlns:a16="http://schemas.microsoft.com/office/drawing/2014/main" val="10001"/>
+                    <a16:rowId xmlns:a16="http://schemas.microsoft.com/office/drawing/2014/main" xmlns="" val="10001"/>
                   </a:ext>
                 </a:extLst>
               </a:tr>
@@ -17497,7 +17643,7 @@
                 </a:tc>
                 <a:extLst>
                   <a:ext uri="{0D108BD9-81ED-4DB2-BD59-A6C34878D82A}">
-                    <a16:rowId xmlns="" xmlns:a16="http://schemas.microsoft.com/office/drawing/2014/main" val="10002"/>
+                    <a16:rowId xmlns:a16="http://schemas.microsoft.com/office/drawing/2014/main" xmlns="" val="10002"/>
                   </a:ext>
                 </a:extLst>
               </a:tr>
@@ -17546,7 +17692,7 @@
                 </a:tc>
                 <a:extLst>
                   <a:ext uri="{0D108BD9-81ED-4DB2-BD59-A6C34878D82A}">
-                    <a16:rowId xmlns="" xmlns:a16="http://schemas.microsoft.com/office/drawing/2014/main" val="10003"/>
+                    <a16:rowId xmlns:a16="http://schemas.microsoft.com/office/drawing/2014/main" xmlns="" val="10003"/>
                   </a:ext>
                 </a:extLst>
               </a:tr>
@@ -17559,7 +17705,7 @@
           <p:cNvPr id="40" name="Rectangle 39">
             <a:extLst>
               <a:ext uri="{FF2B5EF4-FFF2-40B4-BE49-F238E27FC236}">
-                <a16:creationId xmlns="" xmlns:a16="http://schemas.microsoft.com/office/drawing/2014/main" id="{81012F0F-BB26-479E-89B7-89A1CF7DC8BD}"/>
+                <a16:creationId xmlns:a16="http://schemas.microsoft.com/office/drawing/2014/main" xmlns="" id="{81012F0F-BB26-479E-89B7-89A1CF7DC8BD}"/>
               </a:ext>
             </a:extLst>
           </p:cNvPr>
@@ -17647,7 +17793,7 @@
           <p:cNvPr id="3" name="Title 2">
             <a:extLst>
               <a:ext uri="{FF2B5EF4-FFF2-40B4-BE49-F238E27FC236}">
-                <a16:creationId xmlns="" xmlns:a16="http://schemas.microsoft.com/office/drawing/2014/main" id="{2F061A48-CB41-4DDC-B8B9-5FFA68FF2634}"/>
+                <a16:creationId xmlns:a16="http://schemas.microsoft.com/office/drawing/2014/main" xmlns="" id="{2F061A48-CB41-4DDC-B8B9-5FFA68FF2634}"/>
               </a:ext>
             </a:extLst>
           </p:cNvPr>
@@ -17699,7 +17845,7 @@
           <p:cNvPr id="6" name="Date Placeholder 1">
             <a:extLst>
               <a:ext uri="{FF2B5EF4-FFF2-40B4-BE49-F238E27FC236}">
-                <a16:creationId xmlns="" xmlns:a16="http://schemas.microsoft.com/office/drawing/2014/main" id="{A5024E83-7248-49C6-83CE-0C52F416FEF7}"/>
+                <a16:creationId xmlns:a16="http://schemas.microsoft.com/office/drawing/2014/main" xmlns="" id="{A5024E83-7248-49C6-83CE-0C52F416FEF7}"/>
               </a:ext>
             </a:extLst>
           </p:cNvPr>
@@ -17718,7 +17864,7 @@
             <a:fld id="{6700A58B-DD98-43D0-B791-721480A02982}" type="datetime1">
               <a:rPr lang="en-US" smtClean="0"/>
               <a:pPr/>
-              <a:t>6/16/2019</a:t>
+              <a:t>6/17/2019</a:t>
             </a:fld>
             <a:endParaRPr lang="en-US"/>
           </a:p>
@@ -17729,7 +17875,7 @@
           <p:cNvPr id="39" name="Footer Placeholder 5">
             <a:extLst>
               <a:ext uri="{FF2B5EF4-FFF2-40B4-BE49-F238E27FC236}">
-                <a16:creationId xmlns="" xmlns:a16="http://schemas.microsoft.com/office/drawing/2014/main" id="{D1D3783E-01A5-469C-B82C-CDF73DEAFA52}"/>
+                <a16:creationId xmlns:a16="http://schemas.microsoft.com/office/drawing/2014/main" xmlns="" id="{D1D3783E-01A5-469C-B82C-CDF73DEAFA52}"/>
               </a:ext>
             </a:extLst>
           </p:cNvPr>
@@ -17758,7 +17904,7 @@
           <p:cNvPr id="7" name="Slide Number Placeholder 3">
             <a:extLst>
               <a:ext uri="{FF2B5EF4-FFF2-40B4-BE49-F238E27FC236}">
-                <a16:creationId xmlns="" xmlns:a16="http://schemas.microsoft.com/office/drawing/2014/main" id="{269E8134-5ACB-40D1-8C0C-86324C8FEF4A}"/>
+                <a16:creationId xmlns:a16="http://schemas.microsoft.com/office/drawing/2014/main" xmlns="" id="{269E8134-5ACB-40D1-8C0C-86324C8FEF4A}"/>
               </a:ext>
             </a:extLst>
           </p:cNvPr>
@@ -17788,7 +17934,7 @@
           <p:cNvPr id="2" name="Group 1">
             <a:extLst>
               <a:ext uri="{FF2B5EF4-FFF2-40B4-BE49-F238E27FC236}">
-                <a16:creationId xmlns="" xmlns:a16="http://schemas.microsoft.com/office/drawing/2014/main" id="{4B40F18D-38DC-4DA2-9A3A-80D0075E556D}"/>
+                <a16:creationId xmlns:a16="http://schemas.microsoft.com/office/drawing/2014/main" xmlns="" id="{4B40F18D-38DC-4DA2-9A3A-80D0075E556D}"/>
               </a:ext>
             </a:extLst>
           </p:cNvPr>
@@ -17808,7 +17954,7 @@
             <p:cNvPr id="12" name="Rectangle 11">
               <a:extLst>
                 <a:ext uri="{FF2B5EF4-FFF2-40B4-BE49-F238E27FC236}">
-                  <a16:creationId xmlns="" xmlns:a16="http://schemas.microsoft.com/office/drawing/2014/main" id="{7197406C-DFBC-4F87-B64C-5BFAB29DF079}"/>
+                  <a16:creationId xmlns:a16="http://schemas.microsoft.com/office/drawing/2014/main" xmlns="" id="{7197406C-DFBC-4F87-B64C-5BFAB29DF079}"/>
                 </a:ext>
               </a:extLst>
             </p:cNvPr>
@@ -17873,7 +18019,7 @@
             <p:cNvPr id="16" name="Rectangle 15">
               <a:extLst>
                 <a:ext uri="{FF2B5EF4-FFF2-40B4-BE49-F238E27FC236}">
-                  <a16:creationId xmlns="" xmlns:a16="http://schemas.microsoft.com/office/drawing/2014/main" id="{FEE6A673-DE2C-4210-A54A-DC994611B17B}"/>
+                  <a16:creationId xmlns:a16="http://schemas.microsoft.com/office/drawing/2014/main" xmlns="" id="{FEE6A673-DE2C-4210-A54A-DC994611B17B}"/>
                 </a:ext>
               </a:extLst>
             </p:cNvPr>
@@ -17933,7 +18079,7 @@
             <p:cNvPr id="24" name="Group 23">
               <a:extLst>
                 <a:ext uri="{FF2B5EF4-FFF2-40B4-BE49-F238E27FC236}">
-                  <a16:creationId xmlns="" xmlns:a16="http://schemas.microsoft.com/office/drawing/2014/main" id="{1FC863D7-E617-4659-9D8A-5FABFA4A07BF}"/>
+                  <a16:creationId xmlns:a16="http://schemas.microsoft.com/office/drawing/2014/main" xmlns="" id="{1FC863D7-E617-4659-9D8A-5FABFA4A07BF}"/>
                 </a:ext>
               </a:extLst>
             </p:cNvPr>
@@ -17953,7 +18099,7 @@
               <p:cNvPr id="26" name="TextBox 25">
                 <a:extLst>
                   <a:ext uri="{FF2B5EF4-FFF2-40B4-BE49-F238E27FC236}">
-                    <a16:creationId xmlns="" xmlns:a16="http://schemas.microsoft.com/office/drawing/2014/main" id="{AA5D650F-D200-4398-957F-57CC08202615}"/>
+                    <a16:creationId xmlns:a16="http://schemas.microsoft.com/office/drawing/2014/main" xmlns="" id="{AA5D650F-D200-4398-957F-57CC08202615}"/>
                   </a:ext>
                 </a:extLst>
               </p:cNvPr>
@@ -17996,7 +18142,7 @@
               <p:cNvPr id="27" name="TextBox 26">
                 <a:extLst>
                   <a:ext uri="{FF2B5EF4-FFF2-40B4-BE49-F238E27FC236}">
-                    <a16:creationId xmlns="" xmlns:a16="http://schemas.microsoft.com/office/drawing/2014/main" id="{1E8F3D48-AD55-4711-98A2-828AF2F18BB7}"/>
+                    <a16:creationId xmlns:a16="http://schemas.microsoft.com/office/drawing/2014/main" xmlns="" id="{1E8F3D48-AD55-4711-98A2-828AF2F18BB7}"/>
                   </a:ext>
                 </a:extLst>
               </p:cNvPr>
@@ -18039,7 +18185,7 @@
               <p:cNvPr id="28" name="TextBox 27">
                 <a:extLst>
                   <a:ext uri="{FF2B5EF4-FFF2-40B4-BE49-F238E27FC236}">
-                    <a16:creationId xmlns="" xmlns:a16="http://schemas.microsoft.com/office/drawing/2014/main" id="{5AD15AC0-0BF8-4BAC-8A1F-77E63D3E5E5E}"/>
+                    <a16:creationId xmlns:a16="http://schemas.microsoft.com/office/drawing/2014/main" xmlns="" id="{5AD15AC0-0BF8-4BAC-8A1F-77E63D3E5E5E}"/>
                   </a:ext>
                 </a:extLst>
               </p:cNvPr>
@@ -18082,7 +18228,7 @@
               <p:cNvPr id="29" name="Straight Connector 28">
                 <a:extLst>
                   <a:ext uri="{FF2B5EF4-FFF2-40B4-BE49-F238E27FC236}">
-                    <a16:creationId xmlns="" xmlns:a16="http://schemas.microsoft.com/office/drawing/2014/main" id="{B59CF335-AD1C-454F-97A3-11B303409528}"/>
+                    <a16:creationId xmlns:a16="http://schemas.microsoft.com/office/drawing/2014/main" xmlns="" id="{B59CF335-AD1C-454F-97A3-11B303409528}"/>
                   </a:ext>
                 </a:extLst>
               </p:cNvPr>
@@ -18126,7 +18272,7 @@
               <p:cNvPr id="30" name="Straight Connector 29">
                 <a:extLst>
                   <a:ext uri="{FF2B5EF4-FFF2-40B4-BE49-F238E27FC236}">
-                    <a16:creationId xmlns="" xmlns:a16="http://schemas.microsoft.com/office/drawing/2014/main" id="{A74B7F5C-A0F0-4DA9-B65F-D466B9BF7E2D}"/>
+                    <a16:creationId xmlns:a16="http://schemas.microsoft.com/office/drawing/2014/main" xmlns="" id="{A74B7F5C-A0F0-4DA9-B65F-D466B9BF7E2D}"/>
                   </a:ext>
                 </a:extLst>
               </p:cNvPr>
@@ -18170,7 +18316,7 @@
               <p:cNvPr id="31" name="Straight Connector 30">
                 <a:extLst>
                   <a:ext uri="{FF2B5EF4-FFF2-40B4-BE49-F238E27FC236}">
-                    <a16:creationId xmlns="" xmlns:a16="http://schemas.microsoft.com/office/drawing/2014/main" id="{4B800819-C322-49A6-80D6-C36B6D86CDE3}"/>
+                    <a16:creationId xmlns:a16="http://schemas.microsoft.com/office/drawing/2014/main" xmlns="" id="{4B800819-C322-49A6-80D6-C36B6D86CDE3}"/>
                   </a:ext>
                 </a:extLst>
               </p:cNvPr>
@@ -18214,7 +18360,7 @@
               <p:cNvPr id="32" name="Straight Connector 31">
                 <a:extLst>
                   <a:ext uri="{FF2B5EF4-FFF2-40B4-BE49-F238E27FC236}">
-                    <a16:creationId xmlns="" xmlns:a16="http://schemas.microsoft.com/office/drawing/2014/main" id="{9EC786E0-4C47-4A43-9B51-E0BFCDC8C628}"/>
+                    <a16:creationId xmlns:a16="http://schemas.microsoft.com/office/drawing/2014/main" xmlns="" id="{9EC786E0-4C47-4A43-9B51-E0BFCDC8C628}"/>
                   </a:ext>
                 </a:extLst>
               </p:cNvPr>
@@ -18256,7 +18402,7 @@
               <p:cNvPr id="33" name="Straight Connector 32">
                 <a:extLst>
                   <a:ext uri="{FF2B5EF4-FFF2-40B4-BE49-F238E27FC236}">
-                    <a16:creationId xmlns="" xmlns:a16="http://schemas.microsoft.com/office/drawing/2014/main" id="{0A89C0DF-0B8F-4EFD-909E-70EDD00D765D}"/>
+                    <a16:creationId xmlns:a16="http://schemas.microsoft.com/office/drawing/2014/main" xmlns="" id="{0A89C0DF-0B8F-4EFD-909E-70EDD00D765D}"/>
                   </a:ext>
                 </a:extLst>
               </p:cNvPr>
@@ -18298,7 +18444,7 @@
               <p:cNvPr id="34" name="Straight Connector 33">
                 <a:extLst>
                   <a:ext uri="{FF2B5EF4-FFF2-40B4-BE49-F238E27FC236}">
-                    <a16:creationId xmlns="" xmlns:a16="http://schemas.microsoft.com/office/drawing/2014/main" id="{F2C0F779-1EF3-45FB-BBE4-336B5AC2B2C0}"/>
+                    <a16:creationId xmlns:a16="http://schemas.microsoft.com/office/drawing/2014/main" xmlns="" id="{F2C0F779-1EF3-45FB-BBE4-336B5AC2B2C0}"/>
                   </a:ext>
                 </a:extLst>
               </p:cNvPr>
@@ -18340,7 +18486,7 @@
               <p:cNvPr id="35" name="Straight Connector 34">
                 <a:extLst>
                   <a:ext uri="{FF2B5EF4-FFF2-40B4-BE49-F238E27FC236}">
-                    <a16:creationId xmlns="" xmlns:a16="http://schemas.microsoft.com/office/drawing/2014/main" id="{9E059EA0-D32B-47D3-A834-27E63151EC4A}"/>
+                    <a16:creationId xmlns:a16="http://schemas.microsoft.com/office/drawing/2014/main" xmlns="" id="{9E059EA0-D32B-47D3-A834-27E63151EC4A}"/>
                   </a:ext>
                 </a:extLst>
               </p:cNvPr>
@@ -18382,7 +18528,7 @@
               <p:cNvPr id="36" name="TextBox 35">
                 <a:extLst>
                   <a:ext uri="{FF2B5EF4-FFF2-40B4-BE49-F238E27FC236}">
-                    <a16:creationId xmlns="" xmlns:a16="http://schemas.microsoft.com/office/drawing/2014/main" id="{92CA6445-8623-4C2C-9BE8-9E22F8284B8E}"/>
+                    <a16:creationId xmlns:a16="http://schemas.microsoft.com/office/drawing/2014/main" xmlns="" id="{92CA6445-8623-4C2C-9BE8-9E22F8284B8E}"/>
                   </a:ext>
                 </a:extLst>
               </p:cNvPr>
@@ -18425,7 +18571,7 @@
               <p:cNvPr id="37" name="TextBox 36">
                 <a:extLst>
                   <a:ext uri="{FF2B5EF4-FFF2-40B4-BE49-F238E27FC236}">
-                    <a16:creationId xmlns="" xmlns:a16="http://schemas.microsoft.com/office/drawing/2014/main" id="{B6FF05DC-D840-4D92-B3CB-395B42AF6689}"/>
+                    <a16:creationId xmlns:a16="http://schemas.microsoft.com/office/drawing/2014/main" xmlns="" id="{B6FF05DC-D840-4D92-B3CB-395B42AF6689}"/>
                   </a:ext>
                 </a:extLst>
               </p:cNvPr>
@@ -18469,7 +18615,7 @@
             <p:cNvPr id="38" name="TextBox 37">
               <a:extLst>
                 <a:ext uri="{FF2B5EF4-FFF2-40B4-BE49-F238E27FC236}">
-                  <a16:creationId xmlns="" xmlns:a16="http://schemas.microsoft.com/office/drawing/2014/main" id="{DDE5F1E5-302B-4125-9DFA-549BF3D63329}"/>
+                  <a16:creationId xmlns:a16="http://schemas.microsoft.com/office/drawing/2014/main" xmlns="" id="{DDE5F1E5-302B-4125-9DFA-549BF3D63329}"/>
                 </a:ext>
               </a:extLst>
             </p:cNvPr>
@@ -18567,7 +18713,7 @@
           <p:cNvPr id="3" name="Title 2">
             <a:extLst>
               <a:ext uri="{FF2B5EF4-FFF2-40B4-BE49-F238E27FC236}">
-                <a16:creationId xmlns="" xmlns:a16="http://schemas.microsoft.com/office/drawing/2014/main" id="{2F061A48-CB41-4DDC-B8B9-5FFA68FF2634}"/>
+                <a16:creationId xmlns:a16="http://schemas.microsoft.com/office/drawing/2014/main" xmlns="" id="{2F061A48-CB41-4DDC-B8B9-5FFA68FF2634}"/>
               </a:ext>
             </a:extLst>
           </p:cNvPr>
@@ -18619,7 +18765,7 @@
           <p:cNvPr id="6" name="Date Placeholder 1">
             <a:extLst>
               <a:ext uri="{FF2B5EF4-FFF2-40B4-BE49-F238E27FC236}">
-                <a16:creationId xmlns="" xmlns:a16="http://schemas.microsoft.com/office/drawing/2014/main" id="{A5024E83-7248-49C6-83CE-0C52F416FEF7}"/>
+                <a16:creationId xmlns:a16="http://schemas.microsoft.com/office/drawing/2014/main" xmlns="" id="{A5024E83-7248-49C6-83CE-0C52F416FEF7}"/>
               </a:ext>
             </a:extLst>
           </p:cNvPr>
@@ -18638,7 +18784,7 @@
             <a:fld id="{6700A58B-DD98-43D0-B791-721480A02982}" type="datetime1">
               <a:rPr lang="en-US" smtClean="0"/>
               <a:pPr/>
-              <a:t>6/16/2019</a:t>
+              <a:t>6/17/2019</a:t>
             </a:fld>
             <a:endParaRPr lang="en-US"/>
           </a:p>
@@ -18649,7 +18795,7 @@
           <p:cNvPr id="39" name="Footer Placeholder 5">
             <a:extLst>
               <a:ext uri="{FF2B5EF4-FFF2-40B4-BE49-F238E27FC236}">
-                <a16:creationId xmlns="" xmlns:a16="http://schemas.microsoft.com/office/drawing/2014/main" id="{D1D3783E-01A5-469C-B82C-CDF73DEAFA52}"/>
+                <a16:creationId xmlns:a16="http://schemas.microsoft.com/office/drawing/2014/main" xmlns="" id="{D1D3783E-01A5-469C-B82C-CDF73DEAFA52}"/>
               </a:ext>
             </a:extLst>
           </p:cNvPr>
@@ -18678,7 +18824,7 @@
           <p:cNvPr id="7" name="Slide Number Placeholder 3">
             <a:extLst>
               <a:ext uri="{FF2B5EF4-FFF2-40B4-BE49-F238E27FC236}">
-                <a16:creationId xmlns="" xmlns:a16="http://schemas.microsoft.com/office/drawing/2014/main" id="{269E8134-5ACB-40D1-8C0C-86324C8FEF4A}"/>
+                <a16:creationId xmlns:a16="http://schemas.microsoft.com/office/drawing/2014/main" xmlns="" id="{269E8134-5ACB-40D1-8C0C-86324C8FEF4A}"/>
               </a:ext>
             </a:extLst>
           </p:cNvPr>
@@ -18708,7 +18854,7 @@
           <p:cNvPr id="15" name="TextBox 14">
             <a:extLst>
               <a:ext uri="{FF2B5EF4-FFF2-40B4-BE49-F238E27FC236}">
-                <a16:creationId xmlns="" xmlns:a16="http://schemas.microsoft.com/office/drawing/2014/main" id="{F36488C7-5828-42B9-B9EA-E3E1326F4AA7}"/>
+                <a16:creationId xmlns:a16="http://schemas.microsoft.com/office/drawing/2014/main" xmlns="" id="{F36488C7-5828-42B9-B9EA-E3E1326F4AA7}"/>
               </a:ext>
             </a:extLst>
           </p:cNvPr>
@@ -18775,7 +18921,7 @@
           <p:cNvPr id="11" name="Rectangle 10">
             <a:extLst>
               <a:ext uri="{FF2B5EF4-FFF2-40B4-BE49-F238E27FC236}">
-                <a16:creationId xmlns="" xmlns:a16="http://schemas.microsoft.com/office/drawing/2014/main" id="{8EBEC10D-BA36-46F0-9B26-B7041C9D73F1}"/>
+                <a16:creationId xmlns:a16="http://schemas.microsoft.com/office/drawing/2014/main" xmlns="" id="{8EBEC10D-BA36-46F0-9B26-B7041C9D73F1}"/>
               </a:ext>
             </a:extLst>
           </p:cNvPr>
@@ -18833,7 +18979,7 @@
           <p:cNvPr id="12" name="Rectangle 11">
             <a:extLst>
               <a:ext uri="{FF2B5EF4-FFF2-40B4-BE49-F238E27FC236}">
-                <a16:creationId xmlns="" xmlns:a16="http://schemas.microsoft.com/office/drawing/2014/main" id="{7197406C-DFBC-4F87-B64C-5BFAB29DF079}"/>
+                <a16:creationId xmlns:a16="http://schemas.microsoft.com/office/drawing/2014/main" xmlns="" id="{7197406C-DFBC-4F87-B64C-5BFAB29DF079}"/>
               </a:ext>
             </a:extLst>
           </p:cNvPr>
@@ -18898,7 +19044,7 @@
           <p:cNvPr id="13" name="Rectangle 12">
             <a:extLst>
               <a:ext uri="{FF2B5EF4-FFF2-40B4-BE49-F238E27FC236}">
-                <a16:creationId xmlns="" xmlns:a16="http://schemas.microsoft.com/office/drawing/2014/main" id="{6B2FAC6F-EF38-48BA-860E-5A21249ABE98}"/>
+                <a16:creationId xmlns:a16="http://schemas.microsoft.com/office/drawing/2014/main" xmlns="" id="{6B2FAC6F-EF38-48BA-860E-5A21249ABE98}"/>
               </a:ext>
             </a:extLst>
           </p:cNvPr>
@@ -18958,7 +19104,7 @@
           <p:cNvPr id="16" name="Rectangle 15">
             <a:extLst>
               <a:ext uri="{FF2B5EF4-FFF2-40B4-BE49-F238E27FC236}">
-                <a16:creationId xmlns="" xmlns:a16="http://schemas.microsoft.com/office/drawing/2014/main" id="{FEE6A673-DE2C-4210-A54A-DC994611B17B}"/>
+                <a16:creationId xmlns:a16="http://schemas.microsoft.com/office/drawing/2014/main" xmlns="" id="{FEE6A673-DE2C-4210-A54A-DC994611B17B}"/>
               </a:ext>
             </a:extLst>
           </p:cNvPr>
@@ -19018,7 +19164,7 @@
           <p:cNvPr id="23" name="Table 22">
             <a:extLst>
               <a:ext uri="{FF2B5EF4-FFF2-40B4-BE49-F238E27FC236}">
-                <a16:creationId xmlns="" xmlns:a16="http://schemas.microsoft.com/office/drawing/2014/main" id="{96BC8BFB-0E3D-472B-BA07-1DD44E0CF5D4}"/>
+                <a16:creationId xmlns:a16="http://schemas.microsoft.com/office/drawing/2014/main" xmlns="" id="{96BC8BFB-0E3D-472B-BA07-1DD44E0CF5D4}"/>
               </a:ext>
             </a:extLst>
           </p:cNvPr>
@@ -19047,14 +19193,14 @@
                 <a:gridCol w="1500064">
                   <a:extLst>
                     <a:ext uri="{9D8B030D-6E8A-4147-A177-3AD203B41FA5}">
-                      <a16:colId xmlns="" xmlns:a16="http://schemas.microsoft.com/office/drawing/2014/main" val="20000"/>
+                      <a16:colId xmlns:a16="http://schemas.microsoft.com/office/drawing/2014/main" xmlns="" val="20000"/>
                     </a:ext>
                   </a:extLst>
                 </a:gridCol>
                 <a:gridCol w="1686136">
                   <a:extLst>
                     <a:ext uri="{9D8B030D-6E8A-4147-A177-3AD203B41FA5}">
-                      <a16:colId xmlns="" xmlns:a16="http://schemas.microsoft.com/office/drawing/2014/main" val="20001"/>
+                      <a16:colId xmlns:a16="http://schemas.microsoft.com/office/drawing/2014/main" xmlns="" val="20001"/>
                     </a:ext>
                   </a:extLst>
                 </a:gridCol>
@@ -19102,7 +19248,7 @@
                 </a:tc>
                 <a:extLst>
                   <a:ext uri="{0D108BD9-81ED-4DB2-BD59-A6C34878D82A}">
-                    <a16:rowId xmlns="" xmlns:a16="http://schemas.microsoft.com/office/drawing/2014/main" val="10000"/>
+                    <a16:rowId xmlns:a16="http://schemas.microsoft.com/office/drawing/2014/main" xmlns="" val="10000"/>
                   </a:ext>
                 </a:extLst>
               </a:tr>
@@ -19151,7 +19297,7 @@
                 </a:tc>
                 <a:extLst>
                   <a:ext uri="{0D108BD9-81ED-4DB2-BD59-A6C34878D82A}">
-                    <a16:rowId xmlns="" xmlns:a16="http://schemas.microsoft.com/office/drawing/2014/main" val="10001"/>
+                    <a16:rowId xmlns:a16="http://schemas.microsoft.com/office/drawing/2014/main" xmlns="" val="10001"/>
                   </a:ext>
                 </a:extLst>
               </a:tr>
@@ -19200,7 +19346,7 @@
                 </a:tc>
                 <a:extLst>
                   <a:ext uri="{0D108BD9-81ED-4DB2-BD59-A6C34878D82A}">
-                    <a16:rowId xmlns="" xmlns:a16="http://schemas.microsoft.com/office/drawing/2014/main" val="10002"/>
+                    <a16:rowId xmlns:a16="http://schemas.microsoft.com/office/drawing/2014/main" xmlns="" val="10002"/>
                   </a:ext>
                 </a:extLst>
               </a:tr>
@@ -19249,7 +19395,7 @@
                 </a:tc>
                 <a:extLst>
                   <a:ext uri="{0D108BD9-81ED-4DB2-BD59-A6C34878D82A}">
-                    <a16:rowId xmlns="" xmlns:a16="http://schemas.microsoft.com/office/drawing/2014/main" val="10003"/>
+                    <a16:rowId xmlns:a16="http://schemas.microsoft.com/office/drawing/2014/main" xmlns="" val="10003"/>
                   </a:ext>
                 </a:extLst>
               </a:tr>
@@ -19262,7 +19408,7 @@
           <p:cNvPr id="24" name="Group 23">
             <a:extLst>
               <a:ext uri="{FF2B5EF4-FFF2-40B4-BE49-F238E27FC236}">
-                <a16:creationId xmlns="" xmlns:a16="http://schemas.microsoft.com/office/drawing/2014/main" id="{1FC863D7-E617-4659-9D8A-5FABFA4A07BF}"/>
+                <a16:creationId xmlns:a16="http://schemas.microsoft.com/office/drawing/2014/main" xmlns="" id="{1FC863D7-E617-4659-9D8A-5FABFA4A07BF}"/>
               </a:ext>
             </a:extLst>
           </p:cNvPr>
@@ -19282,7 +19428,7 @@
             <p:cNvPr id="26" name="TextBox 25">
               <a:extLst>
                 <a:ext uri="{FF2B5EF4-FFF2-40B4-BE49-F238E27FC236}">
-                  <a16:creationId xmlns="" xmlns:a16="http://schemas.microsoft.com/office/drawing/2014/main" id="{AA5D650F-D200-4398-957F-57CC08202615}"/>
+                  <a16:creationId xmlns:a16="http://schemas.microsoft.com/office/drawing/2014/main" xmlns="" id="{AA5D650F-D200-4398-957F-57CC08202615}"/>
                 </a:ext>
               </a:extLst>
             </p:cNvPr>
@@ -19325,7 +19471,7 @@
             <p:cNvPr id="27" name="TextBox 26">
               <a:extLst>
                 <a:ext uri="{FF2B5EF4-FFF2-40B4-BE49-F238E27FC236}">
-                  <a16:creationId xmlns="" xmlns:a16="http://schemas.microsoft.com/office/drawing/2014/main" id="{1E8F3D48-AD55-4711-98A2-828AF2F18BB7}"/>
+                  <a16:creationId xmlns:a16="http://schemas.microsoft.com/office/drawing/2014/main" xmlns="" id="{1E8F3D48-AD55-4711-98A2-828AF2F18BB7}"/>
                 </a:ext>
               </a:extLst>
             </p:cNvPr>
@@ -19368,7 +19514,7 @@
             <p:cNvPr id="28" name="TextBox 27">
               <a:extLst>
                 <a:ext uri="{FF2B5EF4-FFF2-40B4-BE49-F238E27FC236}">
-                  <a16:creationId xmlns="" xmlns:a16="http://schemas.microsoft.com/office/drawing/2014/main" id="{5AD15AC0-0BF8-4BAC-8A1F-77E63D3E5E5E}"/>
+                  <a16:creationId xmlns:a16="http://schemas.microsoft.com/office/drawing/2014/main" xmlns="" id="{5AD15AC0-0BF8-4BAC-8A1F-77E63D3E5E5E}"/>
                 </a:ext>
               </a:extLst>
             </p:cNvPr>
@@ -19411,7 +19557,7 @@
             <p:cNvPr id="29" name="Straight Connector 28">
               <a:extLst>
                 <a:ext uri="{FF2B5EF4-FFF2-40B4-BE49-F238E27FC236}">
-                  <a16:creationId xmlns="" xmlns:a16="http://schemas.microsoft.com/office/drawing/2014/main" id="{B59CF335-AD1C-454F-97A3-11B303409528}"/>
+                  <a16:creationId xmlns:a16="http://schemas.microsoft.com/office/drawing/2014/main" xmlns="" id="{B59CF335-AD1C-454F-97A3-11B303409528}"/>
                 </a:ext>
               </a:extLst>
             </p:cNvPr>
@@ -19455,7 +19601,7 @@
             <p:cNvPr id="30" name="Straight Connector 29">
               <a:extLst>
                 <a:ext uri="{FF2B5EF4-FFF2-40B4-BE49-F238E27FC236}">
-                  <a16:creationId xmlns="" xmlns:a16="http://schemas.microsoft.com/office/drawing/2014/main" id="{A74B7F5C-A0F0-4DA9-B65F-D466B9BF7E2D}"/>
+                  <a16:creationId xmlns:a16="http://schemas.microsoft.com/office/drawing/2014/main" xmlns="" id="{A74B7F5C-A0F0-4DA9-B65F-D466B9BF7E2D}"/>
                 </a:ext>
               </a:extLst>
             </p:cNvPr>
@@ -19499,7 +19645,7 @@
             <p:cNvPr id="31" name="Straight Connector 30">
               <a:extLst>
                 <a:ext uri="{FF2B5EF4-FFF2-40B4-BE49-F238E27FC236}">
-                  <a16:creationId xmlns="" xmlns:a16="http://schemas.microsoft.com/office/drawing/2014/main" id="{4B800819-C322-49A6-80D6-C36B6D86CDE3}"/>
+                  <a16:creationId xmlns:a16="http://schemas.microsoft.com/office/drawing/2014/main" xmlns="" id="{4B800819-C322-49A6-80D6-C36B6D86CDE3}"/>
                 </a:ext>
               </a:extLst>
             </p:cNvPr>
@@ -19543,7 +19689,7 @@
             <p:cNvPr id="32" name="Straight Connector 31">
               <a:extLst>
                 <a:ext uri="{FF2B5EF4-FFF2-40B4-BE49-F238E27FC236}">
-                  <a16:creationId xmlns="" xmlns:a16="http://schemas.microsoft.com/office/drawing/2014/main" id="{9EC786E0-4C47-4A43-9B51-E0BFCDC8C628}"/>
+                  <a16:creationId xmlns:a16="http://schemas.microsoft.com/office/drawing/2014/main" xmlns="" id="{9EC786E0-4C47-4A43-9B51-E0BFCDC8C628}"/>
                 </a:ext>
               </a:extLst>
             </p:cNvPr>
@@ -19585,7 +19731,7 @@
             <p:cNvPr id="33" name="Straight Connector 32">
               <a:extLst>
                 <a:ext uri="{FF2B5EF4-FFF2-40B4-BE49-F238E27FC236}">
-                  <a16:creationId xmlns="" xmlns:a16="http://schemas.microsoft.com/office/drawing/2014/main" id="{0A89C0DF-0B8F-4EFD-909E-70EDD00D765D}"/>
+                  <a16:creationId xmlns:a16="http://schemas.microsoft.com/office/drawing/2014/main" xmlns="" id="{0A89C0DF-0B8F-4EFD-909E-70EDD00D765D}"/>
                 </a:ext>
               </a:extLst>
             </p:cNvPr>
@@ -19627,7 +19773,7 @@
             <p:cNvPr id="34" name="Straight Connector 33">
               <a:extLst>
                 <a:ext uri="{FF2B5EF4-FFF2-40B4-BE49-F238E27FC236}">
-                  <a16:creationId xmlns="" xmlns:a16="http://schemas.microsoft.com/office/drawing/2014/main" id="{F2C0F779-1EF3-45FB-BBE4-336B5AC2B2C0}"/>
+                  <a16:creationId xmlns:a16="http://schemas.microsoft.com/office/drawing/2014/main" xmlns="" id="{F2C0F779-1EF3-45FB-BBE4-336B5AC2B2C0}"/>
                 </a:ext>
               </a:extLst>
             </p:cNvPr>
@@ -19669,7 +19815,7 @@
             <p:cNvPr id="35" name="Straight Connector 34">
               <a:extLst>
                 <a:ext uri="{FF2B5EF4-FFF2-40B4-BE49-F238E27FC236}">
-                  <a16:creationId xmlns="" xmlns:a16="http://schemas.microsoft.com/office/drawing/2014/main" id="{9E059EA0-D32B-47D3-A834-27E63151EC4A}"/>
+                  <a16:creationId xmlns:a16="http://schemas.microsoft.com/office/drawing/2014/main" xmlns="" id="{9E059EA0-D32B-47D3-A834-27E63151EC4A}"/>
                 </a:ext>
               </a:extLst>
             </p:cNvPr>
@@ -19711,7 +19857,7 @@
             <p:cNvPr id="36" name="TextBox 35">
               <a:extLst>
                 <a:ext uri="{FF2B5EF4-FFF2-40B4-BE49-F238E27FC236}">
-                  <a16:creationId xmlns="" xmlns:a16="http://schemas.microsoft.com/office/drawing/2014/main" id="{92CA6445-8623-4C2C-9BE8-9E22F8284B8E}"/>
+                  <a16:creationId xmlns:a16="http://schemas.microsoft.com/office/drawing/2014/main" xmlns="" id="{92CA6445-8623-4C2C-9BE8-9E22F8284B8E}"/>
                 </a:ext>
               </a:extLst>
             </p:cNvPr>
@@ -19754,7 +19900,7 @@
             <p:cNvPr id="37" name="TextBox 36">
               <a:extLst>
                 <a:ext uri="{FF2B5EF4-FFF2-40B4-BE49-F238E27FC236}">
-                  <a16:creationId xmlns="" xmlns:a16="http://schemas.microsoft.com/office/drawing/2014/main" id="{B6FF05DC-D840-4D92-B3CB-395B42AF6689}"/>
+                  <a16:creationId xmlns:a16="http://schemas.microsoft.com/office/drawing/2014/main" xmlns="" id="{B6FF05DC-D840-4D92-B3CB-395B42AF6689}"/>
                 </a:ext>
               </a:extLst>
             </p:cNvPr>
@@ -19828,7 +19974,7 @@
           <p:cNvPr id="3" name="Title 2">
             <a:extLst>
               <a:ext uri="{FF2B5EF4-FFF2-40B4-BE49-F238E27FC236}">
-                <a16:creationId xmlns="" xmlns:a16="http://schemas.microsoft.com/office/drawing/2014/main" id="{2F061A48-CB41-4DDC-B8B9-5FFA68FF2634}"/>
+                <a16:creationId xmlns:a16="http://schemas.microsoft.com/office/drawing/2014/main" xmlns="" id="{2F061A48-CB41-4DDC-B8B9-5FFA68FF2634}"/>
               </a:ext>
             </a:extLst>
           </p:cNvPr>
@@ -19880,7 +20026,7 @@
           <p:cNvPr id="6" name="Date Placeholder 1">
             <a:extLst>
               <a:ext uri="{FF2B5EF4-FFF2-40B4-BE49-F238E27FC236}">
-                <a16:creationId xmlns="" xmlns:a16="http://schemas.microsoft.com/office/drawing/2014/main" id="{A5024E83-7248-49C6-83CE-0C52F416FEF7}"/>
+                <a16:creationId xmlns:a16="http://schemas.microsoft.com/office/drawing/2014/main" xmlns="" id="{A5024E83-7248-49C6-83CE-0C52F416FEF7}"/>
               </a:ext>
             </a:extLst>
           </p:cNvPr>
@@ -19899,7 +20045,7 @@
             <a:fld id="{6700A58B-DD98-43D0-B791-721480A02982}" type="datetime1">
               <a:rPr lang="en-US" smtClean="0"/>
               <a:pPr/>
-              <a:t>6/16/2019</a:t>
+              <a:t>6/17/2019</a:t>
             </a:fld>
             <a:endParaRPr lang="en-US"/>
           </a:p>
@@ -19910,7 +20056,7 @@
           <p:cNvPr id="39" name="Footer Placeholder 5">
             <a:extLst>
               <a:ext uri="{FF2B5EF4-FFF2-40B4-BE49-F238E27FC236}">
-                <a16:creationId xmlns="" xmlns:a16="http://schemas.microsoft.com/office/drawing/2014/main" id="{D1D3783E-01A5-469C-B82C-CDF73DEAFA52}"/>
+                <a16:creationId xmlns:a16="http://schemas.microsoft.com/office/drawing/2014/main" xmlns="" id="{D1D3783E-01A5-469C-B82C-CDF73DEAFA52}"/>
               </a:ext>
             </a:extLst>
           </p:cNvPr>
@@ -19939,7 +20085,7 @@
           <p:cNvPr id="7" name="Slide Number Placeholder 3">
             <a:extLst>
               <a:ext uri="{FF2B5EF4-FFF2-40B4-BE49-F238E27FC236}">
-                <a16:creationId xmlns="" xmlns:a16="http://schemas.microsoft.com/office/drawing/2014/main" id="{269E8134-5ACB-40D1-8C0C-86324C8FEF4A}"/>
+                <a16:creationId xmlns:a16="http://schemas.microsoft.com/office/drawing/2014/main" xmlns="" id="{269E8134-5ACB-40D1-8C0C-86324C8FEF4A}"/>
               </a:ext>
             </a:extLst>
           </p:cNvPr>
@@ -19969,7 +20115,7 @@
           <p:cNvPr id="12" name="Rectangle 11">
             <a:extLst>
               <a:ext uri="{FF2B5EF4-FFF2-40B4-BE49-F238E27FC236}">
-                <a16:creationId xmlns="" xmlns:a16="http://schemas.microsoft.com/office/drawing/2014/main" id="{7197406C-DFBC-4F87-B64C-5BFAB29DF079}"/>
+                <a16:creationId xmlns:a16="http://schemas.microsoft.com/office/drawing/2014/main" xmlns="" id="{7197406C-DFBC-4F87-B64C-5BFAB29DF079}"/>
               </a:ext>
             </a:extLst>
           </p:cNvPr>
@@ -20034,7 +20180,7 @@
           <p:cNvPr id="16" name="Rectangle 15">
             <a:extLst>
               <a:ext uri="{FF2B5EF4-FFF2-40B4-BE49-F238E27FC236}">
-                <a16:creationId xmlns="" xmlns:a16="http://schemas.microsoft.com/office/drawing/2014/main" id="{FEE6A673-DE2C-4210-A54A-DC994611B17B}"/>
+                <a16:creationId xmlns:a16="http://schemas.microsoft.com/office/drawing/2014/main" xmlns="" id="{FEE6A673-DE2C-4210-A54A-DC994611B17B}"/>
               </a:ext>
             </a:extLst>
           </p:cNvPr>
@@ -20094,7 +20240,7 @@
           <p:cNvPr id="19" name="Rectangle 18">
             <a:extLst>
               <a:ext uri="{FF2B5EF4-FFF2-40B4-BE49-F238E27FC236}">
-                <a16:creationId xmlns="" xmlns:a16="http://schemas.microsoft.com/office/drawing/2014/main" id="{667B539A-F57E-4022-A051-60008C85B04B}"/>
+                <a16:creationId xmlns:a16="http://schemas.microsoft.com/office/drawing/2014/main" xmlns="" id="{667B539A-F57E-4022-A051-60008C85B04B}"/>
               </a:ext>
             </a:extLst>
           </p:cNvPr>
@@ -20236,7 +20382,7 @@
           <p:cNvPr id="21" name="Rectangle 20">
             <a:extLst>
               <a:ext uri="{FF2B5EF4-FFF2-40B4-BE49-F238E27FC236}">
-                <a16:creationId xmlns="" xmlns:a16="http://schemas.microsoft.com/office/drawing/2014/main" id="{428A96B2-C9E8-4690-9E7E-137E9BECBA01}"/>
+                <a16:creationId xmlns:a16="http://schemas.microsoft.com/office/drawing/2014/main" xmlns="" id="{428A96B2-C9E8-4690-9E7E-137E9BECBA01}"/>
               </a:ext>
             </a:extLst>
           </p:cNvPr>
@@ -20296,7 +20442,7 @@
           <p:cNvPr id="24" name="Group 23">
             <a:extLst>
               <a:ext uri="{FF2B5EF4-FFF2-40B4-BE49-F238E27FC236}">
-                <a16:creationId xmlns="" xmlns:a16="http://schemas.microsoft.com/office/drawing/2014/main" id="{1FC863D7-E617-4659-9D8A-5FABFA4A07BF}"/>
+                <a16:creationId xmlns:a16="http://schemas.microsoft.com/office/drawing/2014/main" xmlns="" id="{1FC863D7-E617-4659-9D8A-5FABFA4A07BF}"/>
               </a:ext>
             </a:extLst>
           </p:cNvPr>
@@ -20316,7 +20462,7 @@
             <p:cNvPr id="26" name="TextBox 25">
               <a:extLst>
                 <a:ext uri="{FF2B5EF4-FFF2-40B4-BE49-F238E27FC236}">
-                  <a16:creationId xmlns="" xmlns:a16="http://schemas.microsoft.com/office/drawing/2014/main" id="{AA5D650F-D200-4398-957F-57CC08202615}"/>
+                  <a16:creationId xmlns:a16="http://schemas.microsoft.com/office/drawing/2014/main" xmlns="" id="{AA5D650F-D200-4398-957F-57CC08202615}"/>
                 </a:ext>
               </a:extLst>
             </p:cNvPr>
@@ -20359,7 +20505,7 @@
             <p:cNvPr id="27" name="TextBox 26">
               <a:extLst>
                 <a:ext uri="{FF2B5EF4-FFF2-40B4-BE49-F238E27FC236}">
-                  <a16:creationId xmlns="" xmlns:a16="http://schemas.microsoft.com/office/drawing/2014/main" id="{1E8F3D48-AD55-4711-98A2-828AF2F18BB7}"/>
+                  <a16:creationId xmlns:a16="http://schemas.microsoft.com/office/drawing/2014/main" xmlns="" id="{1E8F3D48-AD55-4711-98A2-828AF2F18BB7}"/>
                 </a:ext>
               </a:extLst>
             </p:cNvPr>
@@ -20402,7 +20548,7 @@
             <p:cNvPr id="28" name="TextBox 27">
               <a:extLst>
                 <a:ext uri="{FF2B5EF4-FFF2-40B4-BE49-F238E27FC236}">
-                  <a16:creationId xmlns="" xmlns:a16="http://schemas.microsoft.com/office/drawing/2014/main" id="{5AD15AC0-0BF8-4BAC-8A1F-77E63D3E5E5E}"/>
+                  <a16:creationId xmlns:a16="http://schemas.microsoft.com/office/drawing/2014/main" xmlns="" id="{5AD15AC0-0BF8-4BAC-8A1F-77E63D3E5E5E}"/>
                 </a:ext>
               </a:extLst>
             </p:cNvPr>
@@ -20445,7 +20591,7 @@
             <p:cNvPr id="29" name="Straight Connector 28">
               <a:extLst>
                 <a:ext uri="{FF2B5EF4-FFF2-40B4-BE49-F238E27FC236}">
-                  <a16:creationId xmlns="" xmlns:a16="http://schemas.microsoft.com/office/drawing/2014/main" id="{B59CF335-AD1C-454F-97A3-11B303409528}"/>
+                  <a16:creationId xmlns:a16="http://schemas.microsoft.com/office/drawing/2014/main" xmlns="" id="{B59CF335-AD1C-454F-97A3-11B303409528}"/>
                 </a:ext>
               </a:extLst>
             </p:cNvPr>
@@ -20489,7 +20635,7 @@
             <p:cNvPr id="30" name="Straight Connector 29">
               <a:extLst>
                 <a:ext uri="{FF2B5EF4-FFF2-40B4-BE49-F238E27FC236}">
-                  <a16:creationId xmlns="" xmlns:a16="http://schemas.microsoft.com/office/drawing/2014/main" id="{A74B7F5C-A0F0-4DA9-B65F-D466B9BF7E2D}"/>
+                  <a16:creationId xmlns:a16="http://schemas.microsoft.com/office/drawing/2014/main" xmlns="" id="{A74B7F5C-A0F0-4DA9-B65F-D466B9BF7E2D}"/>
                 </a:ext>
               </a:extLst>
             </p:cNvPr>
@@ -20533,7 +20679,7 @@
             <p:cNvPr id="31" name="Straight Connector 30">
               <a:extLst>
                 <a:ext uri="{FF2B5EF4-FFF2-40B4-BE49-F238E27FC236}">
-                  <a16:creationId xmlns="" xmlns:a16="http://schemas.microsoft.com/office/drawing/2014/main" id="{4B800819-C322-49A6-80D6-C36B6D86CDE3}"/>
+                  <a16:creationId xmlns:a16="http://schemas.microsoft.com/office/drawing/2014/main" xmlns="" id="{4B800819-C322-49A6-80D6-C36B6D86CDE3}"/>
                 </a:ext>
               </a:extLst>
             </p:cNvPr>
@@ -20577,7 +20723,7 @@
             <p:cNvPr id="32" name="Straight Connector 31">
               <a:extLst>
                 <a:ext uri="{FF2B5EF4-FFF2-40B4-BE49-F238E27FC236}">
-                  <a16:creationId xmlns="" xmlns:a16="http://schemas.microsoft.com/office/drawing/2014/main" id="{9EC786E0-4C47-4A43-9B51-E0BFCDC8C628}"/>
+                  <a16:creationId xmlns:a16="http://schemas.microsoft.com/office/drawing/2014/main" xmlns="" id="{9EC786E0-4C47-4A43-9B51-E0BFCDC8C628}"/>
                 </a:ext>
               </a:extLst>
             </p:cNvPr>
@@ -20619,7 +20765,7 @@
             <p:cNvPr id="33" name="Straight Connector 32">
               <a:extLst>
                 <a:ext uri="{FF2B5EF4-FFF2-40B4-BE49-F238E27FC236}">
-                  <a16:creationId xmlns="" xmlns:a16="http://schemas.microsoft.com/office/drawing/2014/main" id="{0A89C0DF-0B8F-4EFD-909E-70EDD00D765D}"/>
+                  <a16:creationId xmlns:a16="http://schemas.microsoft.com/office/drawing/2014/main" xmlns="" id="{0A89C0DF-0B8F-4EFD-909E-70EDD00D765D}"/>
                 </a:ext>
               </a:extLst>
             </p:cNvPr>
@@ -20661,7 +20807,7 @@
             <p:cNvPr id="34" name="Straight Connector 33">
               <a:extLst>
                 <a:ext uri="{FF2B5EF4-FFF2-40B4-BE49-F238E27FC236}">
-                  <a16:creationId xmlns="" xmlns:a16="http://schemas.microsoft.com/office/drawing/2014/main" id="{F2C0F779-1EF3-45FB-BBE4-336B5AC2B2C0}"/>
+                  <a16:creationId xmlns:a16="http://schemas.microsoft.com/office/drawing/2014/main" xmlns="" id="{F2C0F779-1EF3-45FB-BBE4-336B5AC2B2C0}"/>
                 </a:ext>
               </a:extLst>
             </p:cNvPr>
@@ -20703,7 +20849,7 @@
             <p:cNvPr id="35" name="Straight Connector 34">
               <a:extLst>
                 <a:ext uri="{FF2B5EF4-FFF2-40B4-BE49-F238E27FC236}">
-                  <a16:creationId xmlns="" xmlns:a16="http://schemas.microsoft.com/office/drawing/2014/main" id="{9E059EA0-D32B-47D3-A834-27E63151EC4A}"/>
+                  <a16:creationId xmlns:a16="http://schemas.microsoft.com/office/drawing/2014/main" xmlns="" id="{9E059EA0-D32B-47D3-A834-27E63151EC4A}"/>
                 </a:ext>
               </a:extLst>
             </p:cNvPr>
@@ -20745,7 +20891,7 @@
             <p:cNvPr id="36" name="TextBox 35">
               <a:extLst>
                 <a:ext uri="{FF2B5EF4-FFF2-40B4-BE49-F238E27FC236}">
-                  <a16:creationId xmlns="" xmlns:a16="http://schemas.microsoft.com/office/drawing/2014/main" id="{92CA6445-8623-4C2C-9BE8-9E22F8284B8E}"/>
+                  <a16:creationId xmlns:a16="http://schemas.microsoft.com/office/drawing/2014/main" xmlns="" id="{92CA6445-8623-4C2C-9BE8-9E22F8284B8E}"/>
                 </a:ext>
               </a:extLst>
             </p:cNvPr>
@@ -20788,7 +20934,7 @@
             <p:cNvPr id="37" name="TextBox 36">
               <a:extLst>
                 <a:ext uri="{FF2B5EF4-FFF2-40B4-BE49-F238E27FC236}">
-                  <a16:creationId xmlns="" xmlns:a16="http://schemas.microsoft.com/office/drawing/2014/main" id="{B6FF05DC-D840-4D92-B3CB-395B42AF6689}"/>
+                  <a16:creationId xmlns:a16="http://schemas.microsoft.com/office/drawing/2014/main" xmlns="" id="{B6FF05DC-D840-4D92-B3CB-395B42AF6689}"/>
                 </a:ext>
               </a:extLst>
             </p:cNvPr>
@@ -20862,7 +21008,7 @@
           <p:cNvPr id="11" name="Group 10">
             <a:extLst>
               <a:ext uri="{FF2B5EF4-FFF2-40B4-BE49-F238E27FC236}">
-                <a16:creationId xmlns="" xmlns:a16="http://schemas.microsoft.com/office/drawing/2014/main" id="{393C0304-8F33-4982-A48C-60D5F6286BE4}"/>
+                <a16:creationId xmlns:a16="http://schemas.microsoft.com/office/drawing/2014/main" xmlns="" id="{393C0304-8F33-4982-A48C-60D5F6286BE4}"/>
               </a:ext>
             </a:extLst>
           </p:cNvPr>
@@ -20882,7 +21028,7 @@
             <p:cNvPr id="9" name="Rectangle 8">
               <a:extLst>
                 <a:ext uri="{FF2B5EF4-FFF2-40B4-BE49-F238E27FC236}">
-                  <a16:creationId xmlns="" xmlns:a16="http://schemas.microsoft.com/office/drawing/2014/main" id="{C246B7D1-453D-487B-B491-889C15C460F6}"/>
+                  <a16:creationId xmlns:a16="http://schemas.microsoft.com/office/drawing/2014/main" xmlns="" id="{C246B7D1-453D-487B-B491-889C15C460F6}"/>
                 </a:ext>
               </a:extLst>
             </p:cNvPr>
@@ -20940,7 +21086,7 @@
             <p:cNvPr id="10" name="Rectangle 9">
               <a:extLst>
                 <a:ext uri="{FF2B5EF4-FFF2-40B4-BE49-F238E27FC236}">
-                  <a16:creationId xmlns="" xmlns:a16="http://schemas.microsoft.com/office/drawing/2014/main" id="{2C95F845-8979-407C-9F4E-6FBCB9476B2D}"/>
+                  <a16:creationId xmlns:a16="http://schemas.microsoft.com/office/drawing/2014/main" xmlns="" id="{2C95F845-8979-407C-9F4E-6FBCB9476B2D}"/>
                 </a:ext>
               </a:extLst>
             </p:cNvPr>
@@ -21001,7 +21147,7 @@
           <p:cNvPr id="2" name="Date Placeholder 1">
             <a:extLst>
               <a:ext uri="{FF2B5EF4-FFF2-40B4-BE49-F238E27FC236}">
-                <a16:creationId xmlns="" xmlns:a16="http://schemas.microsoft.com/office/drawing/2014/main" id="{FCD0CBEA-84E2-4F32-BD89-3B29297965DB}"/>
+                <a16:creationId xmlns:a16="http://schemas.microsoft.com/office/drawing/2014/main" xmlns="" id="{FCD0CBEA-84E2-4F32-BD89-3B29297965DB}"/>
               </a:ext>
             </a:extLst>
           </p:cNvPr>
@@ -21020,7 +21166,7 @@
             <a:fld id="{6700A58B-DD98-43D0-B791-721480A02982}" type="datetime1">
               <a:rPr lang="en-US" smtClean="0"/>
               <a:pPr/>
-              <a:t>6/16/2019</a:t>
+              <a:t>6/17/2019</a:t>
             </a:fld>
             <a:endParaRPr lang="en-US"/>
           </a:p>
@@ -21031,7 +21177,7 @@
           <p:cNvPr id="3" name="Title 2">
             <a:extLst>
               <a:ext uri="{FF2B5EF4-FFF2-40B4-BE49-F238E27FC236}">
-                <a16:creationId xmlns="" xmlns:a16="http://schemas.microsoft.com/office/drawing/2014/main" id="{E7FE965E-D86E-43E3-8C61-DE170FF2E693}"/>
+                <a16:creationId xmlns:a16="http://schemas.microsoft.com/office/drawing/2014/main" xmlns="" id="{E7FE965E-D86E-43E3-8C61-DE170FF2E693}"/>
               </a:ext>
             </a:extLst>
           </p:cNvPr>
@@ -21060,7 +21206,7 @@
           <p:cNvPr id="5" name="Footer Placeholder 4">
             <a:extLst>
               <a:ext uri="{FF2B5EF4-FFF2-40B4-BE49-F238E27FC236}">
-                <a16:creationId xmlns="" xmlns:a16="http://schemas.microsoft.com/office/drawing/2014/main" id="{F31353EE-337A-4B32-B894-32B8CAB8BCBF}"/>
+                <a16:creationId xmlns:a16="http://schemas.microsoft.com/office/drawing/2014/main" xmlns="" id="{F31353EE-337A-4B32-B894-32B8CAB8BCBF}"/>
               </a:ext>
             </a:extLst>
           </p:cNvPr>
@@ -21089,7 +21235,7 @@
           <p:cNvPr id="4" name="Slide Number Placeholder 3">
             <a:extLst>
               <a:ext uri="{FF2B5EF4-FFF2-40B4-BE49-F238E27FC236}">
-                <a16:creationId xmlns="" xmlns:a16="http://schemas.microsoft.com/office/drawing/2014/main" id="{8218905E-55FD-45C9-BD1A-93960551C7F8}"/>
+                <a16:creationId xmlns:a16="http://schemas.microsoft.com/office/drawing/2014/main" xmlns="" id="{8218905E-55FD-45C9-BD1A-93960551C7F8}"/>
               </a:ext>
             </a:extLst>
           </p:cNvPr>
@@ -21119,7 +21265,7 @@
           <p:cNvPr id="7" name="TextBox 6">
             <a:extLst>
               <a:ext uri="{FF2B5EF4-FFF2-40B4-BE49-F238E27FC236}">
-                <a16:creationId xmlns="" xmlns:a16="http://schemas.microsoft.com/office/drawing/2014/main" id="{A5A3EE36-0573-4214-8E8B-E9BD628BC999}"/>
+                <a16:creationId xmlns:a16="http://schemas.microsoft.com/office/drawing/2014/main" xmlns="" id="{A5A3EE36-0573-4214-8E8B-E9BD628BC999}"/>
               </a:ext>
             </a:extLst>
           </p:cNvPr>
@@ -21186,7 +21332,7 @@
           <p:cNvPr id="8" name="Picture 7">
             <a:extLst>
               <a:ext uri="{FF2B5EF4-FFF2-40B4-BE49-F238E27FC236}">
-                <a16:creationId xmlns="" xmlns:a16="http://schemas.microsoft.com/office/drawing/2014/main" id="{D59B79D2-08EB-443A-9259-61C40194BC3A}"/>
+                <a16:creationId xmlns:a16="http://schemas.microsoft.com/office/drawing/2014/main" xmlns="" id="{D59B79D2-08EB-443A-9259-61C40194BC3A}"/>
               </a:ext>
             </a:extLst>
           </p:cNvPr>
@@ -21224,7 +21370,7 @@
           <p:cNvPr id="12" name="Picture 11">
             <a:extLst>
               <a:ext uri="{FF2B5EF4-FFF2-40B4-BE49-F238E27FC236}">
-                <a16:creationId xmlns="" xmlns:a16="http://schemas.microsoft.com/office/drawing/2014/main" id="{F9D3EA9E-5A03-4B56-86D7-1344B3C9A8AB}"/>
+                <a16:creationId xmlns:a16="http://schemas.microsoft.com/office/drawing/2014/main" xmlns="" id="{F9D3EA9E-5A03-4B56-86D7-1344B3C9A8AB}"/>
               </a:ext>
             </a:extLst>
           </p:cNvPr>
@@ -21284,7 +21430,7 @@
           <p:cNvPr id="11" name="Group 10">
             <a:extLst>
               <a:ext uri="{FF2B5EF4-FFF2-40B4-BE49-F238E27FC236}">
-                <a16:creationId xmlns="" xmlns:a16="http://schemas.microsoft.com/office/drawing/2014/main" id="{393C0304-8F33-4982-A48C-60D5F6286BE4}"/>
+                <a16:creationId xmlns:a16="http://schemas.microsoft.com/office/drawing/2014/main" xmlns="" id="{393C0304-8F33-4982-A48C-60D5F6286BE4}"/>
               </a:ext>
             </a:extLst>
           </p:cNvPr>
@@ -21304,7 +21450,7 @@
             <p:cNvPr id="9" name="Rectangle 8">
               <a:extLst>
                 <a:ext uri="{FF2B5EF4-FFF2-40B4-BE49-F238E27FC236}">
-                  <a16:creationId xmlns="" xmlns:a16="http://schemas.microsoft.com/office/drawing/2014/main" id="{C246B7D1-453D-487B-B491-889C15C460F6}"/>
+                  <a16:creationId xmlns:a16="http://schemas.microsoft.com/office/drawing/2014/main" xmlns="" id="{C246B7D1-453D-487B-B491-889C15C460F6}"/>
                 </a:ext>
               </a:extLst>
             </p:cNvPr>
@@ -21362,7 +21508,7 @@
             <p:cNvPr id="10" name="Rectangle 9">
               <a:extLst>
                 <a:ext uri="{FF2B5EF4-FFF2-40B4-BE49-F238E27FC236}">
-                  <a16:creationId xmlns="" xmlns:a16="http://schemas.microsoft.com/office/drawing/2014/main" id="{2C95F845-8979-407C-9F4E-6FBCB9476B2D}"/>
+                  <a16:creationId xmlns:a16="http://schemas.microsoft.com/office/drawing/2014/main" xmlns="" id="{2C95F845-8979-407C-9F4E-6FBCB9476B2D}"/>
                 </a:ext>
               </a:extLst>
             </p:cNvPr>
@@ -21423,7 +21569,7 @@
           <p:cNvPr id="2" name="Date Placeholder 1">
             <a:extLst>
               <a:ext uri="{FF2B5EF4-FFF2-40B4-BE49-F238E27FC236}">
-                <a16:creationId xmlns="" xmlns:a16="http://schemas.microsoft.com/office/drawing/2014/main" id="{FCD0CBEA-84E2-4F32-BD89-3B29297965DB}"/>
+                <a16:creationId xmlns:a16="http://schemas.microsoft.com/office/drawing/2014/main" xmlns="" id="{FCD0CBEA-84E2-4F32-BD89-3B29297965DB}"/>
               </a:ext>
             </a:extLst>
           </p:cNvPr>
@@ -21442,7 +21588,7 @@
             <a:fld id="{6700A58B-DD98-43D0-B791-721480A02982}" type="datetime1">
               <a:rPr lang="en-US" smtClean="0"/>
               <a:pPr/>
-              <a:t>6/16/2019</a:t>
+              <a:t>6/17/2019</a:t>
             </a:fld>
             <a:endParaRPr lang="en-US"/>
           </a:p>
@@ -21453,7 +21599,7 @@
           <p:cNvPr id="3" name="Title 2">
             <a:extLst>
               <a:ext uri="{FF2B5EF4-FFF2-40B4-BE49-F238E27FC236}">
-                <a16:creationId xmlns="" xmlns:a16="http://schemas.microsoft.com/office/drawing/2014/main" id="{E7FE965E-D86E-43E3-8C61-DE170FF2E693}"/>
+                <a16:creationId xmlns:a16="http://schemas.microsoft.com/office/drawing/2014/main" xmlns="" id="{E7FE965E-D86E-43E3-8C61-DE170FF2E693}"/>
               </a:ext>
             </a:extLst>
           </p:cNvPr>
@@ -21482,7 +21628,7 @@
           <p:cNvPr id="5" name="Footer Placeholder 4">
             <a:extLst>
               <a:ext uri="{FF2B5EF4-FFF2-40B4-BE49-F238E27FC236}">
-                <a16:creationId xmlns="" xmlns:a16="http://schemas.microsoft.com/office/drawing/2014/main" id="{F31353EE-337A-4B32-B894-32B8CAB8BCBF}"/>
+                <a16:creationId xmlns:a16="http://schemas.microsoft.com/office/drawing/2014/main" xmlns="" id="{F31353EE-337A-4B32-B894-32B8CAB8BCBF}"/>
               </a:ext>
             </a:extLst>
           </p:cNvPr>
@@ -21511,7 +21657,7 @@
           <p:cNvPr id="4" name="Slide Number Placeholder 3">
             <a:extLst>
               <a:ext uri="{FF2B5EF4-FFF2-40B4-BE49-F238E27FC236}">
-                <a16:creationId xmlns="" xmlns:a16="http://schemas.microsoft.com/office/drawing/2014/main" id="{8218905E-55FD-45C9-BD1A-93960551C7F8}"/>
+                <a16:creationId xmlns:a16="http://schemas.microsoft.com/office/drawing/2014/main" xmlns="" id="{8218905E-55FD-45C9-BD1A-93960551C7F8}"/>
               </a:ext>
             </a:extLst>
           </p:cNvPr>
@@ -21541,7 +21687,7 @@
           <p:cNvPr id="7" name="TextBox 6">
             <a:extLst>
               <a:ext uri="{FF2B5EF4-FFF2-40B4-BE49-F238E27FC236}">
-                <a16:creationId xmlns="" xmlns:a16="http://schemas.microsoft.com/office/drawing/2014/main" id="{A5A3EE36-0573-4214-8E8B-E9BD628BC999}"/>
+                <a16:creationId xmlns:a16="http://schemas.microsoft.com/office/drawing/2014/main" xmlns="" id="{A5A3EE36-0573-4214-8E8B-E9BD628BC999}"/>
               </a:ext>
             </a:extLst>
           </p:cNvPr>
@@ -21608,7 +21754,7 @@
           <p:cNvPr id="8" name="Picture 7">
             <a:extLst>
               <a:ext uri="{FF2B5EF4-FFF2-40B4-BE49-F238E27FC236}">
-                <a16:creationId xmlns="" xmlns:a16="http://schemas.microsoft.com/office/drawing/2014/main" id="{D59B79D2-08EB-443A-9259-61C40194BC3A}"/>
+                <a16:creationId xmlns:a16="http://schemas.microsoft.com/office/drawing/2014/main" xmlns="" id="{D59B79D2-08EB-443A-9259-61C40194BC3A}"/>
               </a:ext>
             </a:extLst>
           </p:cNvPr>
@@ -21646,7 +21792,7 @@
           <p:cNvPr id="6" name="Picture 5">
             <a:extLst>
               <a:ext uri="{FF2B5EF4-FFF2-40B4-BE49-F238E27FC236}">
-                <a16:creationId xmlns="" xmlns:a16="http://schemas.microsoft.com/office/drawing/2014/main" id="{E0F24A08-722D-4855-9D50-5EE0015694D8}"/>
+                <a16:creationId xmlns:a16="http://schemas.microsoft.com/office/drawing/2014/main" xmlns="" id="{E0F24A08-722D-4855-9D50-5EE0015694D8}"/>
               </a:ext>
             </a:extLst>
           </p:cNvPr>
@@ -21676,7 +21822,7 @@
           <p:cNvPr id="13" name="Picture 12">
             <a:extLst>
               <a:ext uri="{FF2B5EF4-FFF2-40B4-BE49-F238E27FC236}">
-                <a16:creationId xmlns="" xmlns:a16="http://schemas.microsoft.com/office/drawing/2014/main" id="{8FF123A2-F53A-4863-9351-F8070A23925A}"/>
+                <a16:creationId xmlns:a16="http://schemas.microsoft.com/office/drawing/2014/main" xmlns="" id="{8FF123A2-F53A-4863-9351-F8070A23925A}"/>
               </a:ext>
             </a:extLst>
           </p:cNvPr>
@@ -21714,7 +21860,7 @@
           <p:cNvPr id="14" name="Isosceles Triangle 13">
             <a:extLst>
               <a:ext uri="{FF2B5EF4-FFF2-40B4-BE49-F238E27FC236}">
-                <a16:creationId xmlns="" xmlns:a16="http://schemas.microsoft.com/office/drawing/2014/main" id="{B2D7C819-E267-4899-9936-3C1DF99DC1B8}"/>
+                <a16:creationId xmlns:a16="http://schemas.microsoft.com/office/drawing/2014/main" xmlns="" id="{B2D7C819-E267-4899-9936-3C1DF99DC1B8}"/>
               </a:ext>
             </a:extLst>
           </p:cNvPr>
@@ -21790,7 +21936,7 @@
           <p:cNvPr id="11" name="Group 10">
             <a:extLst>
               <a:ext uri="{FF2B5EF4-FFF2-40B4-BE49-F238E27FC236}">
-                <a16:creationId xmlns="" xmlns:a16="http://schemas.microsoft.com/office/drawing/2014/main" id="{393C0304-8F33-4982-A48C-60D5F6286BE4}"/>
+                <a16:creationId xmlns:a16="http://schemas.microsoft.com/office/drawing/2014/main" xmlns="" id="{393C0304-8F33-4982-A48C-60D5F6286BE4}"/>
               </a:ext>
             </a:extLst>
           </p:cNvPr>
@@ -21810,7 +21956,7 @@
             <p:cNvPr id="9" name="Rectangle 8">
               <a:extLst>
                 <a:ext uri="{FF2B5EF4-FFF2-40B4-BE49-F238E27FC236}">
-                  <a16:creationId xmlns="" xmlns:a16="http://schemas.microsoft.com/office/drawing/2014/main" id="{C246B7D1-453D-487B-B491-889C15C460F6}"/>
+                  <a16:creationId xmlns:a16="http://schemas.microsoft.com/office/drawing/2014/main" xmlns="" id="{C246B7D1-453D-487B-B491-889C15C460F6}"/>
                 </a:ext>
               </a:extLst>
             </p:cNvPr>
@@ -21868,7 +22014,7 @@
             <p:cNvPr id="10" name="Rectangle 9">
               <a:extLst>
                 <a:ext uri="{FF2B5EF4-FFF2-40B4-BE49-F238E27FC236}">
-                  <a16:creationId xmlns="" xmlns:a16="http://schemas.microsoft.com/office/drawing/2014/main" id="{2C95F845-8979-407C-9F4E-6FBCB9476B2D}"/>
+                  <a16:creationId xmlns:a16="http://schemas.microsoft.com/office/drawing/2014/main" xmlns="" id="{2C95F845-8979-407C-9F4E-6FBCB9476B2D}"/>
                 </a:ext>
               </a:extLst>
             </p:cNvPr>
@@ -21929,7 +22075,7 @@
           <p:cNvPr id="2" name="Date Placeholder 1">
             <a:extLst>
               <a:ext uri="{FF2B5EF4-FFF2-40B4-BE49-F238E27FC236}">
-                <a16:creationId xmlns="" xmlns:a16="http://schemas.microsoft.com/office/drawing/2014/main" id="{FCD0CBEA-84E2-4F32-BD89-3B29297965DB}"/>
+                <a16:creationId xmlns:a16="http://schemas.microsoft.com/office/drawing/2014/main" xmlns="" id="{FCD0CBEA-84E2-4F32-BD89-3B29297965DB}"/>
               </a:ext>
             </a:extLst>
           </p:cNvPr>
@@ -21948,7 +22094,7 @@
             <a:fld id="{6700A58B-DD98-43D0-B791-721480A02982}" type="datetime1">
               <a:rPr lang="en-US" smtClean="0"/>
               <a:pPr/>
-              <a:t>6/16/2019</a:t>
+              <a:t>6/17/2019</a:t>
             </a:fld>
             <a:endParaRPr lang="en-US"/>
           </a:p>
@@ -21959,7 +22105,7 @@
           <p:cNvPr id="3" name="Title 2">
             <a:extLst>
               <a:ext uri="{FF2B5EF4-FFF2-40B4-BE49-F238E27FC236}">
-                <a16:creationId xmlns="" xmlns:a16="http://schemas.microsoft.com/office/drawing/2014/main" id="{E7FE965E-D86E-43E3-8C61-DE170FF2E693}"/>
+                <a16:creationId xmlns:a16="http://schemas.microsoft.com/office/drawing/2014/main" xmlns="" id="{E7FE965E-D86E-43E3-8C61-DE170FF2E693}"/>
               </a:ext>
             </a:extLst>
           </p:cNvPr>
@@ -21988,7 +22134,7 @@
           <p:cNvPr id="5" name="Footer Placeholder 4">
             <a:extLst>
               <a:ext uri="{FF2B5EF4-FFF2-40B4-BE49-F238E27FC236}">
-                <a16:creationId xmlns="" xmlns:a16="http://schemas.microsoft.com/office/drawing/2014/main" id="{F31353EE-337A-4B32-B894-32B8CAB8BCBF}"/>
+                <a16:creationId xmlns:a16="http://schemas.microsoft.com/office/drawing/2014/main" xmlns="" id="{F31353EE-337A-4B32-B894-32B8CAB8BCBF}"/>
               </a:ext>
             </a:extLst>
           </p:cNvPr>
@@ -22017,7 +22163,7 @@
           <p:cNvPr id="4" name="Slide Number Placeholder 3">
             <a:extLst>
               <a:ext uri="{FF2B5EF4-FFF2-40B4-BE49-F238E27FC236}">
-                <a16:creationId xmlns="" xmlns:a16="http://schemas.microsoft.com/office/drawing/2014/main" id="{8218905E-55FD-45C9-BD1A-93960551C7F8}"/>
+                <a16:creationId xmlns:a16="http://schemas.microsoft.com/office/drawing/2014/main" xmlns="" id="{8218905E-55FD-45C9-BD1A-93960551C7F8}"/>
               </a:ext>
             </a:extLst>
           </p:cNvPr>
@@ -22047,7 +22193,7 @@
           <p:cNvPr id="8" name="Picture 7">
             <a:extLst>
               <a:ext uri="{FF2B5EF4-FFF2-40B4-BE49-F238E27FC236}">
-                <a16:creationId xmlns="" xmlns:a16="http://schemas.microsoft.com/office/drawing/2014/main" id="{D59B79D2-08EB-443A-9259-61C40194BC3A}"/>
+                <a16:creationId xmlns:a16="http://schemas.microsoft.com/office/drawing/2014/main" xmlns="" id="{D59B79D2-08EB-443A-9259-61C40194BC3A}"/>
               </a:ext>
             </a:extLst>
           </p:cNvPr>
@@ -22085,7 +22231,7 @@
           <p:cNvPr id="6" name="Picture 5">
             <a:extLst>
               <a:ext uri="{FF2B5EF4-FFF2-40B4-BE49-F238E27FC236}">
-                <a16:creationId xmlns="" xmlns:a16="http://schemas.microsoft.com/office/drawing/2014/main" id="{E0F24A08-722D-4855-9D50-5EE0015694D8}"/>
+                <a16:creationId xmlns:a16="http://schemas.microsoft.com/office/drawing/2014/main" xmlns="" id="{E0F24A08-722D-4855-9D50-5EE0015694D8}"/>
               </a:ext>
             </a:extLst>
           </p:cNvPr>
@@ -22115,7 +22261,7 @@
           <p:cNvPr id="13" name="Picture 12">
             <a:extLst>
               <a:ext uri="{FF2B5EF4-FFF2-40B4-BE49-F238E27FC236}">
-                <a16:creationId xmlns="" xmlns:a16="http://schemas.microsoft.com/office/drawing/2014/main" id="{8FF123A2-F53A-4863-9351-F8070A23925A}"/>
+                <a16:creationId xmlns:a16="http://schemas.microsoft.com/office/drawing/2014/main" xmlns="" id="{8FF123A2-F53A-4863-9351-F8070A23925A}"/>
               </a:ext>
             </a:extLst>
           </p:cNvPr>
@@ -22153,7 +22299,7 @@
           <p:cNvPr id="14" name="Isosceles Triangle 13">
             <a:extLst>
               <a:ext uri="{FF2B5EF4-FFF2-40B4-BE49-F238E27FC236}">
-                <a16:creationId xmlns="" xmlns:a16="http://schemas.microsoft.com/office/drawing/2014/main" id="{B2D7C819-E267-4899-9936-3C1DF99DC1B8}"/>
+                <a16:creationId xmlns:a16="http://schemas.microsoft.com/office/drawing/2014/main" xmlns="" id="{B2D7C819-E267-4899-9936-3C1DF99DC1B8}"/>
               </a:ext>
             </a:extLst>
           </p:cNvPr>
@@ -22199,7 +22345,7 @@
           <p:cNvPr id="12" name="Rectangle 11">
             <a:extLst>
               <a:ext uri="{FF2B5EF4-FFF2-40B4-BE49-F238E27FC236}">
-                <a16:creationId xmlns="" xmlns:a16="http://schemas.microsoft.com/office/drawing/2014/main" id="{F2C80CD4-B12A-46A0-A59F-9D79F8DCD3E9}"/>
+                <a16:creationId xmlns:a16="http://schemas.microsoft.com/office/drawing/2014/main" xmlns="" id="{F2C80CD4-B12A-46A0-A59F-9D79F8DCD3E9}"/>
               </a:ext>
             </a:extLst>
           </p:cNvPr>
@@ -22265,13 +22411,8 @@
             </a:r>
             <a:r>
               <a:rPr lang="en-US" dirty="0" smtClean="0"/>
-              <a:t>= </a:t>
-            </a:r>
-            <a:r>
-              <a:rPr lang="en-US" dirty="0" smtClean="0"/>
-              <a:t>0</a:t>
-            </a:r>
-            <a:endParaRPr lang="en-US" dirty="0" smtClean="0"/>
+              <a:t>= 0</a:t>
+            </a:r>
           </a:p>
           <a:p>
             <a:r>
@@ -22507,7 +22648,7 @@
           <p:cNvPr id="16" name="Rectangle 15">
             <a:extLst>
               <a:ext uri="{FF2B5EF4-FFF2-40B4-BE49-F238E27FC236}">
-                <a16:creationId xmlns="" xmlns:a16="http://schemas.microsoft.com/office/drawing/2014/main" id="{9B8CC223-FEE8-4103-90AC-A6CC1BDF351C}"/>
+                <a16:creationId xmlns:a16="http://schemas.microsoft.com/office/drawing/2014/main" xmlns="" id="{9B8CC223-FEE8-4103-90AC-A6CC1BDF351C}"/>
               </a:ext>
             </a:extLst>
           </p:cNvPr>
@@ -22565,7 +22706,7 @@
           <p:cNvPr id="11" name="Group 10">
             <a:extLst>
               <a:ext uri="{FF2B5EF4-FFF2-40B4-BE49-F238E27FC236}">
-                <a16:creationId xmlns="" xmlns:a16="http://schemas.microsoft.com/office/drawing/2014/main" id="{393C0304-8F33-4982-A48C-60D5F6286BE4}"/>
+                <a16:creationId xmlns:a16="http://schemas.microsoft.com/office/drawing/2014/main" xmlns="" id="{393C0304-8F33-4982-A48C-60D5F6286BE4}"/>
               </a:ext>
             </a:extLst>
           </p:cNvPr>
@@ -22585,7 +22726,7 @@
             <p:cNvPr id="9" name="Rectangle 8">
               <a:extLst>
                 <a:ext uri="{FF2B5EF4-FFF2-40B4-BE49-F238E27FC236}">
-                  <a16:creationId xmlns="" xmlns:a16="http://schemas.microsoft.com/office/drawing/2014/main" id="{C246B7D1-453D-487B-B491-889C15C460F6}"/>
+                  <a16:creationId xmlns:a16="http://schemas.microsoft.com/office/drawing/2014/main" xmlns="" id="{C246B7D1-453D-487B-B491-889C15C460F6}"/>
                 </a:ext>
               </a:extLst>
             </p:cNvPr>
@@ -22643,7 +22784,7 @@
             <p:cNvPr id="10" name="Rectangle 9">
               <a:extLst>
                 <a:ext uri="{FF2B5EF4-FFF2-40B4-BE49-F238E27FC236}">
-                  <a16:creationId xmlns="" xmlns:a16="http://schemas.microsoft.com/office/drawing/2014/main" id="{2C95F845-8979-407C-9F4E-6FBCB9476B2D}"/>
+                  <a16:creationId xmlns:a16="http://schemas.microsoft.com/office/drawing/2014/main" xmlns="" id="{2C95F845-8979-407C-9F4E-6FBCB9476B2D}"/>
                 </a:ext>
               </a:extLst>
             </p:cNvPr>
@@ -22704,7 +22845,7 @@
           <p:cNvPr id="2" name="Date Placeholder 1">
             <a:extLst>
               <a:ext uri="{FF2B5EF4-FFF2-40B4-BE49-F238E27FC236}">
-                <a16:creationId xmlns="" xmlns:a16="http://schemas.microsoft.com/office/drawing/2014/main" id="{FCD0CBEA-84E2-4F32-BD89-3B29297965DB}"/>
+                <a16:creationId xmlns:a16="http://schemas.microsoft.com/office/drawing/2014/main" xmlns="" id="{FCD0CBEA-84E2-4F32-BD89-3B29297965DB}"/>
               </a:ext>
             </a:extLst>
           </p:cNvPr>
@@ -22723,7 +22864,7 @@
             <a:fld id="{6700A58B-DD98-43D0-B791-721480A02982}" type="datetime1">
               <a:rPr lang="en-US" smtClean="0"/>
               <a:pPr/>
-              <a:t>6/16/2019</a:t>
+              <a:t>6/17/2019</a:t>
             </a:fld>
             <a:endParaRPr lang="en-US"/>
           </a:p>
@@ -22734,7 +22875,7 @@
           <p:cNvPr id="3" name="Title 2">
             <a:extLst>
               <a:ext uri="{FF2B5EF4-FFF2-40B4-BE49-F238E27FC236}">
-                <a16:creationId xmlns="" xmlns:a16="http://schemas.microsoft.com/office/drawing/2014/main" id="{E7FE965E-D86E-43E3-8C61-DE170FF2E693}"/>
+                <a16:creationId xmlns:a16="http://schemas.microsoft.com/office/drawing/2014/main" xmlns="" id="{E7FE965E-D86E-43E3-8C61-DE170FF2E693}"/>
               </a:ext>
             </a:extLst>
           </p:cNvPr>
@@ -22763,7 +22904,7 @@
           <p:cNvPr id="5" name="Footer Placeholder 4">
             <a:extLst>
               <a:ext uri="{FF2B5EF4-FFF2-40B4-BE49-F238E27FC236}">
-                <a16:creationId xmlns="" xmlns:a16="http://schemas.microsoft.com/office/drawing/2014/main" id="{F31353EE-337A-4B32-B894-32B8CAB8BCBF}"/>
+                <a16:creationId xmlns:a16="http://schemas.microsoft.com/office/drawing/2014/main" xmlns="" id="{F31353EE-337A-4B32-B894-32B8CAB8BCBF}"/>
               </a:ext>
             </a:extLst>
           </p:cNvPr>
@@ -22792,7 +22933,7 @@
           <p:cNvPr id="4" name="Slide Number Placeholder 3">
             <a:extLst>
               <a:ext uri="{FF2B5EF4-FFF2-40B4-BE49-F238E27FC236}">
-                <a16:creationId xmlns="" xmlns:a16="http://schemas.microsoft.com/office/drawing/2014/main" id="{8218905E-55FD-45C9-BD1A-93960551C7F8}"/>
+                <a16:creationId xmlns:a16="http://schemas.microsoft.com/office/drawing/2014/main" xmlns="" id="{8218905E-55FD-45C9-BD1A-93960551C7F8}"/>
               </a:ext>
             </a:extLst>
           </p:cNvPr>
@@ -22822,7 +22963,7 @@
           <p:cNvPr id="8" name="Picture 7">
             <a:extLst>
               <a:ext uri="{FF2B5EF4-FFF2-40B4-BE49-F238E27FC236}">
-                <a16:creationId xmlns="" xmlns:a16="http://schemas.microsoft.com/office/drawing/2014/main" id="{D59B79D2-08EB-443A-9259-61C40194BC3A}"/>
+                <a16:creationId xmlns:a16="http://schemas.microsoft.com/office/drawing/2014/main" xmlns="" id="{D59B79D2-08EB-443A-9259-61C40194BC3A}"/>
               </a:ext>
             </a:extLst>
           </p:cNvPr>
@@ -22860,7 +23001,7 @@
           <p:cNvPr id="6" name="Picture 5">
             <a:extLst>
               <a:ext uri="{FF2B5EF4-FFF2-40B4-BE49-F238E27FC236}">
-                <a16:creationId xmlns="" xmlns:a16="http://schemas.microsoft.com/office/drawing/2014/main" id="{E0F24A08-722D-4855-9D50-5EE0015694D8}"/>
+                <a16:creationId xmlns:a16="http://schemas.microsoft.com/office/drawing/2014/main" xmlns="" id="{E0F24A08-722D-4855-9D50-5EE0015694D8}"/>
               </a:ext>
             </a:extLst>
           </p:cNvPr>
@@ -22890,7 +23031,7 @@
           <p:cNvPr id="13" name="Picture 12">
             <a:extLst>
               <a:ext uri="{FF2B5EF4-FFF2-40B4-BE49-F238E27FC236}">
-                <a16:creationId xmlns="" xmlns:a16="http://schemas.microsoft.com/office/drawing/2014/main" id="{8FF123A2-F53A-4863-9351-F8070A23925A}"/>
+                <a16:creationId xmlns:a16="http://schemas.microsoft.com/office/drawing/2014/main" xmlns="" id="{8FF123A2-F53A-4863-9351-F8070A23925A}"/>
               </a:ext>
             </a:extLst>
           </p:cNvPr>
@@ -22928,7 +23069,7 @@
           <p:cNvPr id="14" name="Isosceles Triangle 13">
             <a:extLst>
               <a:ext uri="{FF2B5EF4-FFF2-40B4-BE49-F238E27FC236}">
-                <a16:creationId xmlns="" xmlns:a16="http://schemas.microsoft.com/office/drawing/2014/main" id="{B2D7C819-E267-4899-9936-3C1DF99DC1B8}"/>
+                <a16:creationId xmlns:a16="http://schemas.microsoft.com/office/drawing/2014/main" xmlns="" id="{B2D7C819-E267-4899-9936-3C1DF99DC1B8}"/>
               </a:ext>
             </a:extLst>
           </p:cNvPr>
@@ -22974,7 +23115,7 @@
           <p:cNvPr id="7" name="Picture 6">
             <a:extLst>
               <a:ext uri="{FF2B5EF4-FFF2-40B4-BE49-F238E27FC236}">
-                <a16:creationId xmlns="" xmlns:a16="http://schemas.microsoft.com/office/drawing/2014/main" id="{30BCD855-1E9B-4B8E-8D79-CDE688C9C682}"/>
+                <a16:creationId xmlns:a16="http://schemas.microsoft.com/office/drawing/2014/main" xmlns="" id="{30BCD855-1E9B-4B8E-8D79-CDE688C9C682}"/>
               </a:ext>
             </a:extLst>
           </p:cNvPr>
@@ -23004,7 +23145,7 @@
           <p:cNvPr id="15" name="Picture 14">
             <a:extLst>
               <a:ext uri="{FF2B5EF4-FFF2-40B4-BE49-F238E27FC236}">
-                <a16:creationId xmlns="" xmlns:a16="http://schemas.microsoft.com/office/drawing/2014/main" id="{26013434-F25C-4C0C-ABE7-9D1E05E8595B}"/>
+                <a16:creationId xmlns:a16="http://schemas.microsoft.com/office/drawing/2014/main" xmlns="" id="{26013434-F25C-4C0C-ABE7-9D1E05E8595B}"/>
               </a:ext>
             </a:extLst>
           </p:cNvPr>
@@ -23034,7 +23175,7 @@
           <p:cNvPr id="17" name="TextBox 16">
             <a:extLst>
               <a:ext uri="{FF2B5EF4-FFF2-40B4-BE49-F238E27FC236}">
-                <a16:creationId xmlns="" xmlns:a16="http://schemas.microsoft.com/office/drawing/2014/main" id="{A5A3EE36-0573-4214-8E8B-E9BD628BC999}"/>
+                <a16:creationId xmlns:a16="http://schemas.microsoft.com/office/drawing/2014/main" xmlns="" id="{A5A3EE36-0573-4214-8E8B-E9BD628BC999}"/>
               </a:ext>
             </a:extLst>
           </p:cNvPr>
@@ -23127,7 +23268,7 @@
           <p:cNvPr id="2" name="Date Placeholder 1">
             <a:extLst>
               <a:ext uri="{FF2B5EF4-FFF2-40B4-BE49-F238E27FC236}">
-                <a16:creationId xmlns="" xmlns:a16="http://schemas.microsoft.com/office/drawing/2014/main" id="{19210D5C-D4DA-42F2-9C4A-993DFC77B30A}"/>
+                <a16:creationId xmlns:a16="http://schemas.microsoft.com/office/drawing/2014/main" xmlns="" id="{19210D5C-D4DA-42F2-9C4A-993DFC77B30A}"/>
               </a:ext>
             </a:extLst>
           </p:cNvPr>
@@ -23146,7 +23287,7 @@
             <a:fld id="{6700A58B-DD98-43D0-B791-721480A02982}" type="datetime1">
               <a:rPr lang="en-US" smtClean="0"/>
               <a:pPr/>
-              <a:t>6/16/2019</a:t>
+              <a:t>6/17/2019</a:t>
             </a:fld>
             <a:endParaRPr lang="en-US"/>
           </a:p>
@@ -23157,7 +23298,7 @@
           <p:cNvPr id="3" name="Title 2">
             <a:extLst>
               <a:ext uri="{FF2B5EF4-FFF2-40B4-BE49-F238E27FC236}">
-                <a16:creationId xmlns="" xmlns:a16="http://schemas.microsoft.com/office/drawing/2014/main" id="{82C34DE6-46FB-47F0-9733-C3D27E997C9C}"/>
+                <a16:creationId xmlns:a16="http://schemas.microsoft.com/office/drawing/2014/main" xmlns="" id="{82C34DE6-46FB-47F0-9733-C3D27E997C9C}"/>
               </a:ext>
             </a:extLst>
           </p:cNvPr>
@@ -23191,7 +23332,7 @@
           <p:cNvPr id="7" name="Footer Placeholder 5">
             <a:extLst>
               <a:ext uri="{FF2B5EF4-FFF2-40B4-BE49-F238E27FC236}">
-                <a16:creationId xmlns="" xmlns:a16="http://schemas.microsoft.com/office/drawing/2014/main" id="{EE3C996D-351A-43BF-A702-6FD7D9095A73}"/>
+                <a16:creationId xmlns:a16="http://schemas.microsoft.com/office/drawing/2014/main" xmlns="" id="{EE3C996D-351A-43BF-A702-6FD7D9095A73}"/>
               </a:ext>
             </a:extLst>
           </p:cNvPr>
@@ -23220,7 +23361,7 @@
           <p:cNvPr id="4" name="Slide Number Placeholder 3">
             <a:extLst>
               <a:ext uri="{FF2B5EF4-FFF2-40B4-BE49-F238E27FC236}">
-                <a16:creationId xmlns="" xmlns:a16="http://schemas.microsoft.com/office/drawing/2014/main" id="{DE6123B4-98F7-4DC5-97DE-E4E470717960}"/>
+                <a16:creationId xmlns:a16="http://schemas.microsoft.com/office/drawing/2014/main" xmlns="" id="{DE6123B4-98F7-4DC5-97DE-E4E470717960}"/>
               </a:ext>
             </a:extLst>
           </p:cNvPr>
@@ -23250,7 +23391,7 @@
           <p:cNvPr id="3074" name="Picture 2" descr="Image result for going back meme">
             <a:extLst>
               <a:ext uri="{FF2B5EF4-FFF2-40B4-BE49-F238E27FC236}">
-                <a16:creationId xmlns="" xmlns:a16="http://schemas.microsoft.com/office/drawing/2014/main" id="{730B51A6-948A-4318-92F8-7466BD626037}"/>
+                <a16:creationId xmlns:a16="http://schemas.microsoft.com/office/drawing/2014/main" xmlns="" id="{730B51A6-948A-4318-92F8-7466BD626037}"/>
               </a:ext>
             </a:extLst>
           </p:cNvPr>
@@ -23334,7 +23475,7 @@
           <p:cNvPr id="2" name="Date Placeholder 1">
             <a:extLst>
               <a:ext uri="{FF2B5EF4-FFF2-40B4-BE49-F238E27FC236}">
-                <a16:creationId xmlns="" xmlns:a16="http://schemas.microsoft.com/office/drawing/2014/main" id="{F76D46C0-8E38-4AF9-91A2-C689E49D41C6}"/>
+                <a16:creationId xmlns:a16="http://schemas.microsoft.com/office/drawing/2014/main" xmlns="" id="{F76D46C0-8E38-4AF9-91A2-C689E49D41C6}"/>
               </a:ext>
             </a:extLst>
           </p:cNvPr>
@@ -23353,7 +23494,7 @@
             <a:fld id="{6700A58B-DD98-43D0-B791-721480A02982}" type="datetime1">
               <a:rPr lang="en-US" smtClean="0"/>
               <a:pPr/>
-              <a:t>6/16/2019</a:t>
+              <a:t>6/17/2019</a:t>
             </a:fld>
             <a:endParaRPr lang="en-US"/>
           </a:p>
@@ -23364,7 +23505,7 @@
           <p:cNvPr id="3" name="Title 2">
             <a:extLst>
               <a:ext uri="{FF2B5EF4-FFF2-40B4-BE49-F238E27FC236}">
-                <a16:creationId xmlns="" xmlns:a16="http://schemas.microsoft.com/office/drawing/2014/main" id="{B05B1280-9F0B-4734-877D-4543DC21C6F7}"/>
+                <a16:creationId xmlns:a16="http://schemas.microsoft.com/office/drawing/2014/main" xmlns="" id="{B05B1280-9F0B-4734-877D-4543DC21C6F7}"/>
               </a:ext>
             </a:extLst>
           </p:cNvPr>
@@ -23393,7 +23534,7 @@
           <p:cNvPr id="5" name="Footer Placeholder 4">
             <a:extLst>
               <a:ext uri="{FF2B5EF4-FFF2-40B4-BE49-F238E27FC236}">
-                <a16:creationId xmlns="" xmlns:a16="http://schemas.microsoft.com/office/drawing/2014/main" id="{A11516D7-7888-4F45-A1B0-1C20F6AB8977}"/>
+                <a16:creationId xmlns:a16="http://schemas.microsoft.com/office/drawing/2014/main" xmlns="" id="{A11516D7-7888-4F45-A1B0-1C20F6AB8977}"/>
               </a:ext>
             </a:extLst>
           </p:cNvPr>
@@ -23422,7 +23563,7 @@
           <p:cNvPr id="4" name="Slide Number Placeholder 3">
             <a:extLst>
               <a:ext uri="{FF2B5EF4-FFF2-40B4-BE49-F238E27FC236}">
-                <a16:creationId xmlns="" xmlns:a16="http://schemas.microsoft.com/office/drawing/2014/main" id="{11D2FCAD-13C0-46BA-8BB3-D4DF932DCD1A}"/>
+                <a16:creationId xmlns:a16="http://schemas.microsoft.com/office/drawing/2014/main" xmlns="" id="{11D2FCAD-13C0-46BA-8BB3-D4DF932DCD1A}"/>
               </a:ext>
             </a:extLst>
           </p:cNvPr>
@@ -23476,7 +23617,7 @@
           <p:cNvPr id="8" name="TextBox 7">
             <a:extLst>
               <a:ext uri="{FF2B5EF4-FFF2-40B4-BE49-F238E27FC236}">
-                <a16:creationId xmlns="" xmlns:a16="http://schemas.microsoft.com/office/drawing/2014/main" id="{A5A3EE36-0573-4214-8E8B-E9BD628BC999}"/>
+                <a16:creationId xmlns:a16="http://schemas.microsoft.com/office/drawing/2014/main" xmlns="" id="{A5A3EE36-0573-4214-8E8B-E9BD628BC999}"/>
               </a:ext>
             </a:extLst>
           </p:cNvPr>
@@ -23591,7 +23732,7 @@
           <p:cNvPr id="3" name="Title 2">
             <a:extLst>
               <a:ext uri="{FF2B5EF4-FFF2-40B4-BE49-F238E27FC236}">
-                <a16:creationId xmlns="" xmlns:a16="http://schemas.microsoft.com/office/drawing/2014/main" id="{2F061A48-CB41-4DDC-B8B9-5FFA68FF2634}"/>
+                <a16:creationId xmlns:a16="http://schemas.microsoft.com/office/drawing/2014/main" xmlns="" id="{2F061A48-CB41-4DDC-B8B9-5FFA68FF2634}"/>
               </a:ext>
             </a:extLst>
           </p:cNvPr>
@@ -23643,7 +23784,7 @@
           <p:cNvPr id="6" name="Date Placeholder 1">
             <a:extLst>
               <a:ext uri="{FF2B5EF4-FFF2-40B4-BE49-F238E27FC236}">
-                <a16:creationId xmlns="" xmlns:a16="http://schemas.microsoft.com/office/drawing/2014/main" id="{A5024E83-7248-49C6-83CE-0C52F416FEF7}"/>
+                <a16:creationId xmlns:a16="http://schemas.microsoft.com/office/drawing/2014/main" xmlns="" id="{A5024E83-7248-49C6-83CE-0C52F416FEF7}"/>
               </a:ext>
             </a:extLst>
           </p:cNvPr>
@@ -23661,7 +23802,7 @@
           <a:p>
             <a:fld id="{6700A58B-DD98-43D0-B791-721480A02982}" type="datetime1">
               <a:rPr lang="en-US" smtClean="0"/>
-              <a:t>6/16/2019</a:t>
+              <a:t>6/17/2019</a:t>
             </a:fld>
             <a:endParaRPr lang="en-US"/>
           </a:p>
@@ -23672,7 +23813,7 @@
           <p:cNvPr id="8" name="Footer Placeholder 4">
             <a:extLst>
               <a:ext uri="{FF2B5EF4-FFF2-40B4-BE49-F238E27FC236}">
-                <a16:creationId xmlns="" xmlns:a16="http://schemas.microsoft.com/office/drawing/2014/main" id="{831F0EBF-9545-4BDE-B6B2-0D32BABD5667}"/>
+                <a16:creationId xmlns:a16="http://schemas.microsoft.com/office/drawing/2014/main" xmlns="" id="{831F0EBF-9545-4BDE-B6B2-0D32BABD5667}"/>
               </a:ext>
             </a:extLst>
           </p:cNvPr>
@@ -23700,7 +23841,7 @@
           <p:cNvPr id="7" name="Slide Number Placeholder 3">
             <a:extLst>
               <a:ext uri="{FF2B5EF4-FFF2-40B4-BE49-F238E27FC236}">
-                <a16:creationId xmlns="" xmlns:a16="http://schemas.microsoft.com/office/drawing/2014/main" id="{269E8134-5ACB-40D1-8C0C-86324C8FEF4A}"/>
+                <a16:creationId xmlns:a16="http://schemas.microsoft.com/office/drawing/2014/main" xmlns="" id="{269E8134-5ACB-40D1-8C0C-86324C8FEF4A}"/>
               </a:ext>
             </a:extLst>
           </p:cNvPr>
@@ -23729,7 +23870,7 @@
           <p:cNvPr id="9" name="Rectangle 8">
             <a:extLst>
               <a:ext uri="{FF2B5EF4-FFF2-40B4-BE49-F238E27FC236}">
-                <a16:creationId xmlns="" xmlns:a16="http://schemas.microsoft.com/office/drawing/2014/main" id="{F5CD4F4D-781D-474A-9BAC-BB83839CDCE1}"/>
+                <a16:creationId xmlns:a16="http://schemas.microsoft.com/office/drawing/2014/main" xmlns="" id="{F5CD4F4D-781D-474A-9BAC-BB83839CDCE1}"/>
               </a:ext>
             </a:extLst>
           </p:cNvPr>
@@ -23919,7 +24060,7 @@
           <p:cNvPr id="13" name="Isosceles Triangle 12">
             <a:extLst>
               <a:ext uri="{FF2B5EF4-FFF2-40B4-BE49-F238E27FC236}">
-                <a16:creationId xmlns="" xmlns:a16="http://schemas.microsoft.com/office/drawing/2014/main" id="{86C9C44B-67F3-4E36-8102-211D5F3F934C}"/>
+                <a16:creationId xmlns:a16="http://schemas.microsoft.com/office/drawing/2014/main" xmlns="" id="{86C9C44B-67F3-4E36-8102-211D5F3F934C}"/>
               </a:ext>
             </a:extLst>
           </p:cNvPr>
@@ -23976,7 +24117,7 @@
           <p:cNvPr id="14" name="Table 13">
             <a:extLst>
               <a:ext uri="{FF2B5EF4-FFF2-40B4-BE49-F238E27FC236}">
-                <a16:creationId xmlns="" xmlns:a16="http://schemas.microsoft.com/office/drawing/2014/main" id="{88D87AD9-BE81-4811-80B4-0B3567211CA3}"/>
+                <a16:creationId xmlns:a16="http://schemas.microsoft.com/office/drawing/2014/main" xmlns="" id="{88D87AD9-BE81-4811-80B4-0B3567211CA3}"/>
               </a:ext>
             </a:extLst>
           </p:cNvPr>
@@ -24001,14 +24142,14 @@
                 <a:gridCol w="1142720">
                   <a:extLst>
                     <a:ext uri="{9D8B030D-6E8A-4147-A177-3AD203B41FA5}">
-                      <a16:colId xmlns="" xmlns:a16="http://schemas.microsoft.com/office/drawing/2014/main" val="20000"/>
+                      <a16:colId xmlns:a16="http://schemas.microsoft.com/office/drawing/2014/main" xmlns="" val="20000"/>
                     </a:ext>
                   </a:extLst>
                 </a:gridCol>
                 <a:gridCol w="914363">
                   <a:extLst>
                     <a:ext uri="{9D8B030D-6E8A-4147-A177-3AD203B41FA5}">
-                      <a16:colId xmlns="" xmlns:a16="http://schemas.microsoft.com/office/drawing/2014/main" val="20001"/>
+                      <a16:colId xmlns:a16="http://schemas.microsoft.com/office/drawing/2014/main" xmlns="" val="20001"/>
                     </a:ext>
                   </a:extLst>
                 </a:gridCol>
@@ -24049,7 +24190,7 @@
                 </a:tc>
                 <a:extLst>
                   <a:ext uri="{0D108BD9-81ED-4DB2-BD59-A6C34878D82A}">
-                    <a16:rowId xmlns="" xmlns:a16="http://schemas.microsoft.com/office/drawing/2014/main" val="10000"/>
+                    <a16:rowId xmlns:a16="http://schemas.microsoft.com/office/drawing/2014/main" xmlns="" val="10000"/>
                   </a:ext>
                 </a:extLst>
               </a:tr>
@@ -24086,7 +24227,7 @@
                 </a:tc>
                 <a:extLst>
                   <a:ext uri="{0D108BD9-81ED-4DB2-BD59-A6C34878D82A}">
-                    <a16:rowId xmlns="" xmlns:a16="http://schemas.microsoft.com/office/drawing/2014/main" val="10001"/>
+                    <a16:rowId xmlns:a16="http://schemas.microsoft.com/office/drawing/2014/main" xmlns="" val="10001"/>
                   </a:ext>
                 </a:extLst>
               </a:tr>
@@ -24123,7 +24264,7 @@
                 </a:tc>
                 <a:extLst>
                   <a:ext uri="{0D108BD9-81ED-4DB2-BD59-A6C34878D82A}">
-                    <a16:rowId xmlns="" xmlns:a16="http://schemas.microsoft.com/office/drawing/2014/main" val="10002"/>
+                    <a16:rowId xmlns:a16="http://schemas.microsoft.com/office/drawing/2014/main" xmlns="" val="10002"/>
                   </a:ext>
                 </a:extLst>
               </a:tr>
@@ -24160,7 +24301,7 @@
                 </a:tc>
                 <a:extLst>
                   <a:ext uri="{0D108BD9-81ED-4DB2-BD59-A6C34878D82A}">
-                    <a16:rowId xmlns="" xmlns:a16="http://schemas.microsoft.com/office/drawing/2014/main" val="10003"/>
+                    <a16:rowId xmlns:a16="http://schemas.microsoft.com/office/drawing/2014/main" xmlns="" val="10003"/>
                   </a:ext>
                 </a:extLst>
               </a:tr>
@@ -24197,7 +24338,7 @@
                 </a:tc>
                 <a:extLst>
                   <a:ext uri="{0D108BD9-81ED-4DB2-BD59-A6C34878D82A}">
-                    <a16:rowId xmlns="" xmlns:a16="http://schemas.microsoft.com/office/drawing/2014/main" val="10004"/>
+                    <a16:rowId xmlns:a16="http://schemas.microsoft.com/office/drawing/2014/main" xmlns="" val="10004"/>
                   </a:ext>
                 </a:extLst>
               </a:tr>
@@ -24237,7 +24378,7 @@
                 </a:tc>
                 <a:extLst>
                   <a:ext uri="{0D108BD9-81ED-4DB2-BD59-A6C34878D82A}">
-                    <a16:rowId xmlns="" xmlns:a16="http://schemas.microsoft.com/office/drawing/2014/main" val="10005"/>
+                    <a16:rowId xmlns:a16="http://schemas.microsoft.com/office/drawing/2014/main" xmlns="" val="10005"/>
                   </a:ext>
                 </a:extLst>
               </a:tr>
@@ -24250,7 +24391,7 @@
           <p:cNvPr id="17" name="Rectangle 16">
             <a:extLst>
               <a:ext uri="{FF2B5EF4-FFF2-40B4-BE49-F238E27FC236}">
-                <a16:creationId xmlns="" xmlns:a16="http://schemas.microsoft.com/office/drawing/2014/main" id="{381F82B2-C164-4D27-B9E8-F79273567423}"/>
+                <a16:creationId xmlns:a16="http://schemas.microsoft.com/office/drawing/2014/main" xmlns="" id="{381F82B2-C164-4D27-B9E8-F79273567423}"/>
               </a:ext>
             </a:extLst>
           </p:cNvPr>
@@ -24310,7 +24451,7 @@
           <p:cNvPr id="12" name="Table 11">
             <a:extLst>
               <a:ext uri="{FF2B5EF4-FFF2-40B4-BE49-F238E27FC236}">
-                <a16:creationId xmlns="" xmlns:a16="http://schemas.microsoft.com/office/drawing/2014/main" id="{4C4D17DA-10C0-4D66-98BE-6ADB82890F25}"/>
+                <a16:creationId xmlns:a16="http://schemas.microsoft.com/office/drawing/2014/main" xmlns="" id="{4C4D17DA-10C0-4D66-98BE-6ADB82890F25}"/>
               </a:ext>
             </a:extLst>
           </p:cNvPr>
@@ -24335,42 +24476,42 @@
                 <a:gridCol w="701993">
                   <a:extLst>
                     <a:ext uri="{9D8B030D-6E8A-4147-A177-3AD203B41FA5}">
-                      <a16:colId xmlns="" xmlns:a16="http://schemas.microsoft.com/office/drawing/2014/main" val="20000"/>
+                      <a16:colId xmlns:a16="http://schemas.microsoft.com/office/drawing/2014/main" xmlns="" val="20000"/>
                     </a:ext>
                   </a:extLst>
                 </a:gridCol>
                 <a:gridCol w="597218">
                   <a:extLst>
                     <a:ext uri="{9D8B030D-6E8A-4147-A177-3AD203B41FA5}">
-                      <a16:colId xmlns="" xmlns:a16="http://schemas.microsoft.com/office/drawing/2014/main" val="20001"/>
+                      <a16:colId xmlns:a16="http://schemas.microsoft.com/office/drawing/2014/main" xmlns="" val="20001"/>
                     </a:ext>
                   </a:extLst>
                 </a:gridCol>
                 <a:gridCol w="597218">
                   <a:extLst>
                     <a:ext uri="{9D8B030D-6E8A-4147-A177-3AD203B41FA5}">
-                      <a16:colId xmlns="" xmlns:a16="http://schemas.microsoft.com/office/drawing/2014/main" val="20002"/>
+                      <a16:colId xmlns:a16="http://schemas.microsoft.com/office/drawing/2014/main" xmlns="" val="20002"/>
                     </a:ext>
                   </a:extLst>
                 </a:gridCol>
                 <a:gridCol w="597218">
                   <a:extLst>
                     <a:ext uri="{9D8B030D-6E8A-4147-A177-3AD203B41FA5}">
-                      <a16:colId xmlns="" xmlns:a16="http://schemas.microsoft.com/office/drawing/2014/main" val="20003"/>
+                      <a16:colId xmlns:a16="http://schemas.microsoft.com/office/drawing/2014/main" xmlns="" val="20003"/>
                     </a:ext>
                   </a:extLst>
                 </a:gridCol>
                 <a:gridCol w="344805">
                   <a:extLst>
                     <a:ext uri="{9D8B030D-6E8A-4147-A177-3AD203B41FA5}">
-                      <a16:colId xmlns="" xmlns:a16="http://schemas.microsoft.com/office/drawing/2014/main" val="20004"/>
+                      <a16:colId xmlns:a16="http://schemas.microsoft.com/office/drawing/2014/main" xmlns="" val="20004"/>
                     </a:ext>
                   </a:extLst>
                 </a:gridCol>
                 <a:gridCol w="675005">
                   <a:extLst>
                     <a:ext uri="{9D8B030D-6E8A-4147-A177-3AD203B41FA5}">
-                      <a16:colId xmlns="" xmlns:a16="http://schemas.microsoft.com/office/drawing/2014/main" val="20005"/>
+                      <a16:colId xmlns:a16="http://schemas.microsoft.com/office/drawing/2014/main" xmlns="" val="20005"/>
                     </a:ext>
                   </a:extLst>
                 </a:gridCol>
@@ -24710,7 +24851,7 @@
                 </a:tc>
                 <a:extLst>
                   <a:ext uri="{0D108BD9-81ED-4DB2-BD59-A6C34878D82A}">
-                    <a16:rowId xmlns="" xmlns:a16="http://schemas.microsoft.com/office/drawing/2014/main" val="10000"/>
+                    <a16:rowId xmlns:a16="http://schemas.microsoft.com/office/drawing/2014/main" xmlns="" val="10000"/>
                   </a:ext>
                 </a:extLst>
               </a:tr>
@@ -24888,7 +25029,7 @@
                 </a:tc>
                 <a:extLst>
                   <a:ext uri="{0D108BD9-81ED-4DB2-BD59-A6C34878D82A}">
-                    <a16:rowId xmlns="" xmlns:a16="http://schemas.microsoft.com/office/drawing/2014/main" val="10001"/>
+                    <a16:rowId xmlns:a16="http://schemas.microsoft.com/office/drawing/2014/main" xmlns="" val="10001"/>
                   </a:ext>
                 </a:extLst>
               </a:tr>
@@ -25012,7 +25153,7 @@
                 </a:tc>
                 <a:extLst>
                   <a:ext uri="{0D108BD9-81ED-4DB2-BD59-A6C34878D82A}">
-                    <a16:rowId xmlns="" xmlns:a16="http://schemas.microsoft.com/office/drawing/2014/main" val="10002"/>
+                    <a16:rowId xmlns:a16="http://schemas.microsoft.com/office/drawing/2014/main" xmlns="" val="10002"/>
                   </a:ext>
                 </a:extLst>
               </a:tr>
@@ -25136,7 +25277,7 @@
                 </a:tc>
                 <a:extLst>
                   <a:ext uri="{0D108BD9-81ED-4DB2-BD59-A6C34878D82A}">
-                    <a16:rowId xmlns="" xmlns:a16="http://schemas.microsoft.com/office/drawing/2014/main" val="10003"/>
+                    <a16:rowId xmlns:a16="http://schemas.microsoft.com/office/drawing/2014/main" xmlns="" val="10003"/>
                   </a:ext>
                 </a:extLst>
               </a:tr>
@@ -25260,7 +25401,7 @@
                 </a:tc>
                 <a:extLst>
                   <a:ext uri="{0D108BD9-81ED-4DB2-BD59-A6C34878D82A}">
-                    <a16:rowId xmlns="" xmlns:a16="http://schemas.microsoft.com/office/drawing/2014/main" val="10004"/>
+                    <a16:rowId xmlns:a16="http://schemas.microsoft.com/office/drawing/2014/main" xmlns="" val="10004"/>
                   </a:ext>
                 </a:extLst>
               </a:tr>
@@ -25384,7 +25525,7 @@
                 </a:tc>
                 <a:extLst>
                   <a:ext uri="{0D108BD9-81ED-4DB2-BD59-A6C34878D82A}">
-                    <a16:rowId xmlns="" xmlns:a16="http://schemas.microsoft.com/office/drawing/2014/main" val="10005"/>
+                    <a16:rowId xmlns:a16="http://schemas.microsoft.com/office/drawing/2014/main" xmlns="" val="10005"/>
                   </a:ext>
                 </a:extLst>
               </a:tr>
@@ -25397,7 +25538,7 @@
           <p:cNvPr id="18" name="Rectangle 17">
             <a:extLst>
               <a:ext uri="{FF2B5EF4-FFF2-40B4-BE49-F238E27FC236}">
-                <a16:creationId xmlns="" xmlns:a16="http://schemas.microsoft.com/office/drawing/2014/main" id="{954BE713-5D5B-4EF8-BA05-3C4EC246EE00}"/>
+                <a16:creationId xmlns:a16="http://schemas.microsoft.com/office/drawing/2014/main" xmlns="" id="{954BE713-5D5B-4EF8-BA05-3C4EC246EE00}"/>
               </a:ext>
             </a:extLst>
           </p:cNvPr>
@@ -25534,21 +25675,21 @@
                 <a:gridCol w="1238445">
                   <a:extLst>
                     <a:ext uri="{9D8B030D-6E8A-4147-A177-3AD203B41FA5}">
-                      <a16:colId xmlns="" xmlns:a16="http://schemas.microsoft.com/office/drawing/2014/main" val="20000"/>
+                      <a16:colId xmlns:a16="http://schemas.microsoft.com/office/drawing/2014/main" xmlns="" val="20000"/>
                     </a:ext>
                   </a:extLst>
                 </a:gridCol>
                 <a:gridCol w="858274">
                   <a:extLst>
                     <a:ext uri="{9D8B030D-6E8A-4147-A177-3AD203B41FA5}">
-                      <a16:colId xmlns="" xmlns:a16="http://schemas.microsoft.com/office/drawing/2014/main" val="20001"/>
+                      <a16:colId xmlns:a16="http://schemas.microsoft.com/office/drawing/2014/main" xmlns="" val="20001"/>
                     </a:ext>
                   </a:extLst>
                 </a:gridCol>
                 <a:gridCol w="5790787">
                   <a:extLst>
                     <a:ext uri="{9D8B030D-6E8A-4147-A177-3AD203B41FA5}">
-                      <a16:colId xmlns="" xmlns:a16="http://schemas.microsoft.com/office/drawing/2014/main" val="20002"/>
+                      <a16:colId xmlns:a16="http://schemas.microsoft.com/office/drawing/2014/main" xmlns="" val="20002"/>
                     </a:ext>
                   </a:extLst>
                 </a:gridCol>
@@ -25760,7 +25901,7 @@
                 </a:tc>
                 <a:extLst>
                   <a:ext uri="{0D108BD9-81ED-4DB2-BD59-A6C34878D82A}">
-                    <a16:rowId xmlns="" xmlns:a16="http://schemas.microsoft.com/office/drawing/2014/main" val="10000"/>
+                    <a16:rowId xmlns:a16="http://schemas.microsoft.com/office/drawing/2014/main" xmlns="" val="10000"/>
                   </a:ext>
                 </a:extLst>
               </a:tr>
@@ -25857,7 +25998,7 @@
                 </a:tc>
                 <a:extLst>
                   <a:ext uri="{0D108BD9-81ED-4DB2-BD59-A6C34878D82A}">
-                    <a16:rowId xmlns="" xmlns:a16="http://schemas.microsoft.com/office/drawing/2014/main" val="10001"/>
+                    <a16:rowId xmlns:a16="http://schemas.microsoft.com/office/drawing/2014/main" xmlns="" val="10001"/>
                   </a:ext>
                 </a:extLst>
               </a:tr>
@@ -25924,7 +26065,7 @@
                 </a:tc>
                 <a:extLst>
                   <a:ext uri="{0D108BD9-81ED-4DB2-BD59-A6C34878D82A}">
-                    <a16:rowId xmlns="" xmlns:a16="http://schemas.microsoft.com/office/drawing/2014/main" val="10002"/>
+                    <a16:rowId xmlns:a16="http://schemas.microsoft.com/office/drawing/2014/main" xmlns="" val="10002"/>
                   </a:ext>
                 </a:extLst>
               </a:tr>
@@ -26032,7 +26173,7 @@
                 </a:tc>
                 <a:extLst>
                   <a:ext uri="{0D108BD9-81ED-4DB2-BD59-A6C34878D82A}">
-                    <a16:rowId xmlns="" xmlns:a16="http://schemas.microsoft.com/office/drawing/2014/main" val="10003"/>
+                    <a16:rowId xmlns:a16="http://schemas.microsoft.com/office/drawing/2014/main" xmlns="" val="10003"/>
                   </a:ext>
                 </a:extLst>
               </a:tr>
@@ -26130,7 +26271,7 @@
                 </a:tc>
                 <a:extLst>
                   <a:ext uri="{0D108BD9-81ED-4DB2-BD59-A6C34878D82A}">
-                    <a16:rowId xmlns="" xmlns:a16="http://schemas.microsoft.com/office/drawing/2014/main" val="10004"/>
+                    <a16:rowId xmlns:a16="http://schemas.microsoft.com/office/drawing/2014/main" xmlns="" val="10004"/>
                   </a:ext>
                 </a:extLst>
               </a:tr>
@@ -26218,7 +26359,7 @@
                 </a:tc>
                 <a:extLst>
                   <a:ext uri="{0D108BD9-81ED-4DB2-BD59-A6C34878D82A}">
-                    <a16:rowId xmlns="" xmlns:a16="http://schemas.microsoft.com/office/drawing/2014/main" val="10005"/>
+                    <a16:rowId xmlns:a16="http://schemas.microsoft.com/office/drawing/2014/main" xmlns="" val="10005"/>
                   </a:ext>
                 </a:extLst>
               </a:tr>
@@ -26316,7 +26457,7 @@
                 </a:tc>
                 <a:extLst>
                   <a:ext uri="{0D108BD9-81ED-4DB2-BD59-A6C34878D82A}">
-                    <a16:rowId xmlns="" xmlns:a16="http://schemas.microsoft.com/office/drawing/2014/main" val="10006"/>
+                    <a16:rowId xmlns:a16="http://schemas.microsoft.com/office/drawing/2014/main" xmlns="" val="10006"/>
                   </a:ext>
                 </a:extLst>
               </a:tr>
@@ -26404,7 +26545,7 @@
                 </a:tc>
                 <a:extLst>
                   <a:ext uri="{0D108BD9-81ED-4DB2-BD59-A6C34878D82A}">
-                    <a16:rowId xmlns="" xmlns:a16="http://schemas.microsoft.com/office/drawing/2014/main" val="10007"/>
+                    <a16:rowId xmlns:a16="http://schemas.microsoft.com/office/drawing/2014/main" xmlns="" val="10007"/>
                   </a:ext>
                 </a:extLst>
               </a:tr>
@@ -26492,7 +26633,7 @@
                 </a:tc>
                 <a:extLst>
                   <a:ext uri="{0D108BD9-81ED-4DB2-BD59-A6C34878D82A}">
-                    <a16:rowId xmlns="" xmlns:a16="http://schemas.microsoft.com/office/drawing/2014/main" val="10008"/>
+                    <a16:rowId xmlns:a16="http://schemas.microsoft.com/office/drawing/2014/main" xmlns="" val="10008"/>
                   </a:ext>
                 </a:extLst>
               </a:tr>
@@ -26610,7 +26751,7 @@
           <a:p>
             <a:fld id="{9B19E99B-5349-415A-8E56-8E989211A366}" type="datetime1">
               <a:rPr lang="en-US" smtClean="0"/>
-              <a:t>6/16/2019</a:t>
+              <a:t>6/17/2019</a:t>
             </a:fld>
             <a:endParaRPr lang="en-US"/>
           </a:p>
@@ -26697,7 +26838,7 @@
           <p:cNvPr id="2" name="Date Placeholder 1">
             <a:extLst>
               <a:ext uri="{FF2B5EF4-FFF2-40B4-BE49-F238E27FC236}">
-                <a16:creationId xmlns="" xmlns:a16="http://schemas.microsoft.com/office/drawing/2014/main" id="{FAB0A2C0-2F79-4BE6-A8AF-9D639D6DFA50}"/>
+                <a16:creationId xmlns:a16="http://schemas.microsoft.com/office/drawing/2014/main" xmlns="" id="{FAB0A2C0-2F79-4BE6-A8AF-9D639D6DFA50}"/>
               </a:ext>
             </a:extLst>
           </p:cNvPr>
@@ -26716,7 +26857,7 @@
             <a:fld id="{6700A58B-DD98-43D0-B791-721480A02982}" type="datetime1">
               <a:rPr lang="en-US" smtClean="0"/>
               <a:pPr/>
-              <a:t>6/16/2019</a:t>
+              <a:t>6/17/2019</a:t>
             </a:fld>
             <a:endParaRPr lang="en-US"/>
           </a:p>
@@ -26727,7 +26868,7 @@
           <p:cNvPr id="3" name="Title 2">
             <a:extLst>
               <a:ext uri="{FF2B5EF4-FFF2-40B4-BE49-F238E27FC236}">
-                <a16:creationId xmlns="" xmlns:a16="http://schemas.microsoft.com/office/drawing/2014/main" id="{85805BFB-6AF4-49B0-A5E2-D24E36A936A9}"/>
+                <a16:creationId xmlns:a16="http://schemas.microsoft.com/office/drawing/2014/main" xmlns="" id="{85805BFB-6AF4-49B0-A5E2-D24E36A936A9}"/>
               </a:ext>
             </a:extLst>
           </p:cNvPr>
@@ -26756,7 +26897,7 @@
           <p:cNvPr id="5" name="Footer Placeholder 4">
             <a:extLst>
               <a:ext uri="{FF2B5EF4-FFF2-40B4-BE49-F238E27FC236}">
-                <a16:creationId xmlns="" xmlns:a16="http://schemas.microsoft.com/office/drawing/2014/main" id="{70C066B5-A460-4AD1-84C6-3BA32767F13B}"/>
+                <a16:creationId xmlns:a16="http://schemas.microsoft.com/office/drawing/2014/main" xmlns="" id="{70C066B5-A460-4AD1-84C6-3BA32767F13B}"/>
               </a:ext>
             </a:extLst>
           </p:cNvPr>
@@ -26785,7 +26926,7 @@
           <p:cNvPr id="4" name="Slide Number Placeholder 3">
             <a:extLst>
               <a:ext uri="{FF2B5EF4-FFF2-40B4-BE49-F238E27FC236}">
-                <a16:creationId xmlns="" xmlns:a16="http://schemas.microsoft.com/office/drawing/2014/main" id="{FDC8224D-1655-4A64-B17E-366FD2B8D5AE}"/>
+                <a16:creationId xmlns:a16="http://schemas.microsoft.com/office/drawing/2014/main" xmlns="" id="{FDC8224D-1655-4A64-B17E-366FD2B8D5AE}"/>
               </a:ext>
             </a:extLst>
           </p:cNvPr>
@@ -26815,7 +26956,7 @@
           <p:cNvPr id="5122" name="Picture 2" descr="Image result for take a break meme">
             <a:extLst>
               <a:ext uri="{FF2B5EF4-FFF2-40B4-BE49-F238E27FC236}">
-                <a16:creationId xmlns="" xmlns:a16="http://schemas.microsoft.com/office/drawing/2014/main" id="{A4C288B1-0386-4337-9697-0CD681861E08}"/>
+                <a16:creationId xmlns:a16="http://schemas.microsoft.com/office/drawing/2014/main" xmlns="" id="{A4C288B1-0386-4337-9697-0CD681861E08}"/>
               </a:ext>
             </a:extLst>
           </p:cNvPr>
@@ -26862,7 +27003,7 @@
           <p:cNvPr id="6" name="TextBox 5">
             <a:extLst>
               <a:ext uri="{FF2B5EF4-FFF2-40B4-BE49-F238E27FC236}">
-                <a16:creationId xmlns="" xmlns:a16="http://schemas.microsoft.com/office/drawing/2014/main" id="{DE8AE9F0-F985-425A-B35E-8D5C78140C9B}"/>
+                <a16:creationId xmlns:a16="http://schemas.microsoft.com/office/drawing/2014/main" xmlns="" id="{DE8AE9F0-F985-425A-B35E-8D5C78140C9B}"/>
               </a:ext>
             </a:extLst>
           </p:cNvPr>
@@ -27086,21 +27227,21 @@
                 <a:gridCol w="1238445">
                   <a:extLst>
                     <a:ext uri="{9D8B030D-6E8A-4147-A177-3AD203B41FA5}">
-                      <a16:colId xmlns="" xmlns:a16="http://schemas.microsoft.com/office/drawing/2014/main" val="20000"/>
+                      <a16:colId xmlns:a16="http://schemas.microsoft.com/office/drawing/2014/main" xmlns="" val="20000"/>
                     </a:ext>
                   </a:extLst>
                 </a:gridCol>
                 <a:gridCol w="858274">
                   <a:extLst>
                     <a:ext uri="{9D8B030D-6E8A-4147-A177-3AD203B41FA5}">
-                      <a16:colId xmlns="" xmlns:a16="http://schemas.microsoft.com/office/drawing/2014/main" val="20001"/>
+                      <a16:colId xmlns:a16="http://schemas.microsoft.com/office/drawing/2014/main" xmlns="" val="20001"/>
                     </a:ext>
                   </a:extLst>
                 </a:gridCol>
                 <a:gridCol w="5790787">
                   <a:extLst>
                     <a:ext uri="{9D8B030D-6E8A-4147-A177-3AD203B41FA5}">
-                      <a16:colId xmlns="" xmlns:a16="http://schemas.microsoft.com/office/drawing/2014/main" val="20002"/>
+                      <a16:colId xmlns:a16="http://schemas.microsoft.com/office/drawing/2014/main" xmlns="" val="20002"/>
                     </a:ext>
                   </a:extLst>
                 </a:gridCol>
@@ -27312,7 +27453,7 @@
                 </a:tc>
                 <a:extLst>
                   <a:ext uri="{0D108BD9-81ED-4DB2-BD59-A6C34878D82A}">
-                    <a16:rowId xmlns="" xmlns:a16="http://schemas.microsoft.com/office/drawing/2014/main" val="10000"/>
+                    <a16:rowId xmlns:a16="http://schemas.microsoft.com/office/drawing/2014/main" xmlns="" val="10000"/>
                   </a:ext>
                 </a:extLst>
               </a:tr>
@@ -27409,7 +27550,7 @@
                 </a:tc>
                 <a:extLst>
                   <a:ext uri="{0D108BD9-81ED-4DB2-BD59-A6C34878D82A}">
-                    <a16:rowId xmlns="" xmlns:a16="http://schemas.microsoft.com/office/drawing/2014/main" val="10001"/>
+                    <a16:rowId xmlns:a16="http://schemas.microsoft.com/office/drawing/2014/main" xmlns="" val="10001"/>
                   </a:ext>
                 </a:extLst>
               </a:tr>
@@ -27476,7 +27617,7 @@
                 </a:tc>
                 <a:extLst>
                   <a:ext uri="{0D108BD9-81ED-4DB2-BD59-A6C34878D82A}">
-                    <a16:rowId xmlns="" xmlns:a16="http://schemas.microsoft.com/office/drawing/2014/main" val="10002"/>
+                    <a16:rowId xmlns:a16="http://schemas.microsoft.com/office/drawing/2014/main" xmlns="" val="10002"/>
                   </a:ext>
                 </a:extLst>
               </a:tr>
@@ -27584,7 +27725,7 @@
                 </a:tc>
                 <a:extLst>
                   <a:ext uri="{0D108BD9-81ED-4DB2-BD59-A6C34878D82A}">
-                    <a16:rowId xmlns="" xmlns:a16="http://schemas.microsoft.com/office/drawing/2014/main" val="10003"/>
+                    <a16:rowId xmlns:a16="http://schemas.microsoft.com/office/drawing/2014/main" xmlns="" val="10003"/>
                   </a:ext>
                 </a:extLst>
               </a:tr>
@@ -27682,7 +27823,7 @@
                 </a:tc>
                 <a:extLst>
                   <a:ext uri="{0D108BD9-81ED-4DB2-BD59-A6C34878D82A}">
-                    <a16:rowId xmlns="" xmlns:a16="http://schemas.microsoft.com/office/drawing/2014/main" val="10004"/>
+                    <a16:rowId xmlns:a16="http://schemas.microsoft.com/office/drawing/2014/main" xmlns="" val="10004"/>
                   </a:ext>
                 </a:extLst>
               </a:tr>
@@ -27770,7 +27911,7 @@
                 </a:tc>
                 <a:extLst>
                   <a:ext uri="{0D108BD9-81ED-4DB2-BD59-A6C34878D82A}">
-                    <a16:rowId xmlns="" xmlns:a16="http://schemas.microsoft.com/office/drawing/2014/main" val="10005"/>
+                    <a16:rowId xmlns:a16="http://schemas.microsoft.com/office/drawing/2014/main" xmlns="" val="10005"/>
                   </a:ext>
                 </a:extLst>
               </a:tr>
@@ -27868,7 +28009,7 @@
                 </a:tc>
                 <a:extLst>
                   <a:ext uri="{0D108BD9-81ED-4DB2-BD59-A6C34878D82A}">
-                    <a16:rowId xmlns="" xmlns:a16="http://schemas.microsoft.com/office/drawing/2014/main" val="10006"/>
+                    <a16:rowId xmlns:a16="http://schemas.microsoft.com/office/drawing/2014/main" xmlns="" val="10006"/>
                   </a:ext>
                 </a:extLst>
               </a:tr>
@@ -27956,7 +28097,7 @@
                 </a:tc>
                 <a:extLst>
                   <a:ext uri="{0D108BD9-81ED-4DB2-BD59-A6C34878D82A}">
-                    <a16:rowId xmlns="" xmlns:a16="http://schemas.microsoft.com/office/drawing/2014/main" val="10007"/>
+                    <a16:rowId xmlns:a16="http://schemas.microsoft.com/office/drawing/2014/main" xmlns="" val="10007"/>
                   </a:ext>
                 </a:extLst>
               </a:tr>
@@ -28044,7 +28185,7 @@
                 </a:tc>
                 <a:extLst>
                   <a:ext uri="{0D108BD9-81ED-4DB2-BD59-A6C34878D82A}">
-                    <a16:rowId xmlns="" xmlns:a16="http://schemas.microsoft.com/office/drawing/2014/main" val="10008"/>
+                    <a16:rowId xmlns:a16="http://schemas.microsoft.com/office/drawing/2014/main" xmlns="" val="10008"/>
                   </a:ext>
                 </a:extLst>
               </a:tr>
@@ -28162,7 +28303,7 @@
           <a:p>
             <a:fld id="{9B19E99B-5349-415A-8E56-8E989211A366}" type="datetime1">
               <a:rPr lang="en-US" smtClean="0"/>
-              <a:t>6/16/2019</a:t>
+              <a:t>6/17/2019</a:t>
             </a:fld>
             <a:endParaRPr lang="en-US"/>
           </a:p>
@@ -28249,7 +28390,7 @@
           <p:cNvPr id="11" name="Rectangle 10">
             <a:extLst>
               <a:ext uri="{FF2B5EF4-FFF2-40B4-BE49-F238E27FC236}">
-                <a16:creationId xmlns="" xmlns:a16="http://schemas.microsoft.com/office/drawing/2014/main" id="{C246B7D1-453D-487B-B491-889C15C460F6}"/>
+                <a16:creationId xmlns:a16="http://schemas.microsoft.com/office/drawing/2014/main" xmlns="" id="{C246B7D1-453D-487B-B491-889C15C460F6}"/>
               </a:ext>
             </a:extLst>
           </p:cNvPr>
@@ -28307,7 +28448,7 @@
           <p:cNvPr id="12" name="Rectangle 11">
             <a:extLst>
               <a:ext uri="{FF2B5EF4-FFF2-40B4-BE49-F238E27FC236}">
-                <a16:creationId xmlns="" xmlns:a16="http://schemas.microsoft.com/office/drawing/2014/main" id="{2C95F845-8979-407C-9F4E-6FBCB9476B2D}"/>
+                <a16:creationId xmlns:a16="http://schemas.microsoft.com/office/drawing/2014/main" xmlns="" id="{2C95F845-8979-407C-9F4E-6FBCB9476B2D}"/>
               </a:ext>
             </a:extLst>
           </p:cNvPr>
@@ -28385,7 +28526,7 @@
             <a:fld id="{6700A58B-DD98-43D0-B791-721480A02982}" type="datetime1">
               <a:rPr lang="en-US" smtClean="0"/>
               <a:pPr/>
-              <a:t>6/16/2019</a:t>
+              <a:t>6/17/2019</a:t>
             </a:fld>
             <a:endParaRPr lang="en-US"/>
           </a:p>
@@ -28466,7 +28607,7 @@
           <p:cNvPr id="7" name="TextBox 6">
             <a:extLst>
               <a:ext uri="{FF2B5EF4-FFF2-40B4-BE49-F238E27FC236}">
-                <a16:creationId xmlns="" xmlns:a16="http://schemas.microsoft.com/office/drawing/2014/main" id="{B99349F3-A8F2-4D17-B849-7F8115A13DC7}"/>
+                <a16:creationId xmlns:a16="http://schemas.microsoft.com/office/drawing/2014/main" xmlns="" id="{B99349F3-A8F2-4D17-B849-7F8115A13DC7}"/>
               </a:ext>
             </a:extLst>
           </p:cNvPr>
@@ -28528,7 +28669,7 @@
           <p:cNvPr id="10" name="Picture 9">
             <a:extLst>
               <a:ext uri="{FF2B5EF4-FFF2-40B4-BE49-F238E27FC236}">
-                <a16:creationId xmlns="" xmlns:a16="http://schemas.microsoft.com/office/drawing/2014/main" id="{352C3F10-AE75-4FEA-BD93-24F01EF1F0F8}"/>
+                <a16:creationId xmlns:a16="http://schemas.microsoft.com/office/drawing/2014/main" xmlns="" id="{352C3F10-AE75-4FEA-BD93-24F01EF1F0F8}"/>
               </a:ext>
             </a:extLst>
           </p:cNvPr>
@@ -28558,7 +28699,7 @@
           <p:cNvPr id="13" name="TextBox 12">
             <a:extLst>
               <a:ext uri="{FF2B5EF4-FFF2-40B4-BE49-F238E27FC236}">
-                <a16:creationId xmlns="" xmlns:a16="http://schemas.microsoft.com/office/drawing/2014/main" id="{A5A3EE36-0573-4214-8E8B-E9BD628BC999}"/>
+                <a16:creationId xmlns:a16="http://schemas.microsoft.com/office/drawing/2014/main" xmlns="" id="{A5A3EE36-0573-4214-8E8B-E9BD628BC999}"/>
               </a:ext>
             </a:extLst>
           </p:cNvPr>
@@ -28644,7 +28785,7 @@
           <p:cNvPr id="11" name="Rectangle 10">
             <a:extLst>
               <a:ext uri="{FF2B5EF4-FFF2-40B4-BE49-F238E27FC236}">
-                <a16:creationId xmlns="" xmlns:a16="http://schemas.microsoft.com/office/drawing/2014/main" id="{C246B7D1-453D-487B-B491-889C15C460F6}"/>
+                <a16:creationId xmlns:a16="http://schemas.microsoft.com/office/drawing/2014/main" xmlns="" id="{C246B7D1-453D-487B-B491-889C15C460F6}"/>
               </a:ext>
             </a:extLst>
           </p:cNvPr>
@@ -28702,7 +28843,7 @@
           <p:cNvPr id="12" name="Rectangle 11">
             <a:extLst>
               <a:ext uri="{FF2B5EF4-FFF2-40B4-BE49-F238E27FC236}">
-                <a16:creationId xmlns="" xmlns:a16="http://schemas.microsoft.com/office/drawing/2014/main" id="{2C95F845-8979-407C-9F4E-6FBCB9476B2D}"/>
+                <a16:creationId xmlns:a16="http://schemas.microsoft.com/office/drawing/2014/main" xmlns="" id="{2C95F845-8979-407C-9F4E-6FBCB9476B2D}"/>
               </a:ext>
             </a:extLst>
           </p:cNvPr>
@@ -28780,7 +28921,7 @@
             <a:fld id="{6700A58B-DD98-43D0-B791-721480A02982}" type="datetime1">
               <a:rPr lang="en-US" smtClean="0"/>
               <a:pPr/>
-              <a:t>6/16/2019</a:t>
+              <a:t>6/17/2019</a:t>
             </a:fld>
             <a:endParaRPr lang="en-US"/>
           </a:p>
@@ -28861,7 +29002,7 @@
           <p:cNvPr id="13" name="TextBox 12">
             <a:extLst>
               <a:ext uri="{FF2B5EF4-FFF2-40B4-BE49-F238E27FC236}">
-                <a16:creationId xmlns="" xmlns:a16="http://schemas.microsoft.com/office/drawing/2014/main" id="{A5A3EE36-0573-4214-8E8B-E9BD628BC999}"/>
+                <a16:creationId xmlns:a16="http://schemas.microsoft.com/office/drawing/2014/main" xmlns="" id="{A5A3EE36-0573-4214-8E8B-E9BD628BC999}"/>
               </a:ext>
             </a:extLst>
           </p:cNvPr>
@@ -28917,7 +29058,7 @@
           <p:cNvPr id="14" name="Rectangle 13">
             <a:extLst>
               <a:ext uri="{FF2B5EF4-FFF2-40B4-BE49-F238E27FC236}">
-                <a16:creationId xmlns="" xmlns:a16="http://schemas.microsoft.com/office/drawing/2014/main" id="{6C96FE2F-7E19-48CB-9942-7E78DB569A67}"/>
+                <a16:creationId xmlns:a16="http://schemas.microsoft.com/office/drawing/2014/main" xmlns="" id="{6C96FE2F-7E19-48CB-9942-7E78DB569A67}"/>
               </a:ext>
             </a:extLst>
           </p:cNvPr>
@@ -29091,7 +29232,7 @@
           <p:cNvPr id="15" name="Rectangle 14">
             <a:extLst>
               <a:ext uri="{FF2B5EF4-FFF2-40B4-BE49-F238E27FC236}">
-                <a16:creationId xmlns="" xmlns:a16="http://schemas.microsoft.com/office/drawing/2014/main" id="{2527D424-4DA2-4B6A-970C-CF74FF337084}"/>
+                <a16:creationId xmlns:a16="http://schemas.microsoft.com/office/drawing/2014/main" xmlns="" id="{2527D424-4DA2-4B6A-970C-CF74FF337084}"/>
               </a:ext>
             </a:extLst>
           </p:cNvPr>
@@ -29215,7 +29356,7 @@
           <p:cNvPr id="16" name="Picture 2" descr="Image result for NLP  meme">
             <a:extLst>
               <a:ext uri="{FF2B5EF4-FFF2-40B4-BE49-F238E27FC236}">
-                <a16:creationId xmlns="" xmlns:a16="http://schemas.microsoft.com/office/drawing/2014/main" id="{8F8F3932-9559-4796-94CE-420F11DB60DE}"/>
+                <a16:creationId xmlns:a16="http://schemas.microsoft.com/office/drawing/2014/main" xmlns="" id="{8F8F3932-9559-4796-94CE-420F11DB60DE}"/>
               </a:ext>
             </a:extLst>
           </p:cNvPr>
@@ -29292,7 +29433,7 @@
           <p:cNvPr id="11" name="Rectangle 10">
             <a:extLst>
               <a:ext uri="{FF2B5EF4-FFF2-40B4-BE49-F238E27FC236}">
-                <a16:creationId xmlns="" xmlns:a16="http://schemas.microsoft.com/office/drawing/2014/main" id="{C246B7D1-453D-487B-B491-889C15C460F6}"/>
+                <a16:creationId xmlns:a16="http://schemas.microsoft.com/office/drawing/2014/main" xmlns="" id="{C246B7D1-453D-487B-B491-889C15C460F6}"/>
               </a:ext>
             </a:extLst>
           </p:cNvPr>
@@ -29350,7 +29491,7 @@
           <p:cNvPr id="12" name="Rectangle 11">
             <a:extLst>
               <a:ext uri="{FF2B5EF4-FFF2-40B4-BE49-F238E27FC236}">
-                <a16:creationId xmlns="" xmlns:a16="http://schemas.microsoft.com/office/drawing/2014/main" id="{2C95F845-8979-407C-9F4E-6FBCB9476B2D}"/>
+                <a16:creationId xmlns:a16="http://schemas.microsoft.com/office/drawing/2014/main" xmlns="" id="{2C95F845-8979-407C-9F4E-6FBCB9476B2D}"/>
               </a:ext>
             </a:extLst>
           </p:cNvPr>
@@ -29423,7 +29564,7 @@
             <a:fld id="{6700A58B-DD98-43D0-B791-721480A02982}" type="datetime1">
               <a:rPr lang="en-US" smtClean="0"/>
               <a:pPr/>
-              <a:t>6/16/2019</a:t>
+              <a:t>6/17/2019</a:t>
             </a:fld>
             <a:endParaRPr lang="en-US"/>
           </a:p>
@@ -29504,7 +29645,7 @@
           <p:cNvPr id="13" name="TextBox 12">
             <a:extLst>
               <a:ext uri="{FF2B5EF4-FFF2-40B4-BE49-F238E27FC236}">
-                <a16:creationId xmlns="" xmlns:a16="http://schemas.microsoft.com/office/drawing/2014/main" id="{A5A3EE36-0573-4214-8E8B-E9BD628BC999}"/>
+                <a16:creationId xmlns:a16="http://schemas.microsoft.com/office/drawing/2014/main" xmlns="" id="{A5A3EE36-0573-4214-8E8B-E9BD628BC999}"/>
               </a:ext>
             </a:extLst>
           </p:cNvPr>
@@ -29560,7 +29701,7 @@
           <p:cNvPr id="16" name="Rectangle 15">
             <a:extLst>
               <a:ext uri="{FF2B5EF4-FFF2-40B4-BE49-F238E27FC236}">
-                <a16:creationId xmlns="" xmlns:a16="http://schemas.microsoft.com/office/drawing/2014/main" id="{6C96FE2F-7E19-48CB-9942-7E78DB569A67}"/>
+                <a16:creationId xmlns:a16="http://schemas.microsoft.com/office/drawing/2014/main" xmlns="" id="{6C96FE2F-7E19-48CB-9942-7E78DB569A67}"/>
               </a:ext>
             </a:extLst>
           </p:cNvPr>
@@ -29734,7 +29875,7 @@
           <p:cNvPr id="17" name="Rectangle 16">
             <a:extLst>
               <a:ext uri="{FF2B5EF4-FFF2-40B4-BE49-F238E27FC236}">
-                <a16:creationId xmlns="" xmlns:a16="http://schemas.microsoft.com/office/drawing/2014/main" id="{2527D424-4DA2-4B6A-970C-CF74FF337084}"/>
+                <a16:creationId xmlns:a16="http://schemas.microsoft.com/office/drawing/2014/main" xmlns="" id="{2527D424-4DA2-4B6A-970C-CF74FF337084}"/>
               </a:ext>
             </a:extLst>
           </p:cNvPr>
@@ -29858,7 +29999,7 @@
           <p:cNvPr id="18" name="Picture 17">
             <a:extLst>
               <a:ext uri="{FF2B5EF4-FFF2-40B4-BE49-F238E27FC236}">
-                <a16:creationId xmlns="" xmlns:a16="http://schemas.microsoft.com/office/drawing/2014/main" id="{578A2A16-CCBE-454A-AF89-90B40E9371F7}"/>
+                <a16:creationId xmlns:a16="http://schemas.microsoft.com/office/drawing/2014/main" xmlns="" id="{578A2A16-CCBE-454A-AF89-90B40E9371F7}"/>
               </a:ext>
             </a:extLst>
           </p:cNvPr>
@@ -29888,7 +30029,7 @@
           <p:cNvPr id="19" name="TextBox 18">
             <a:extLst>
               <a:ext uri="{FF2B5EF4-FFF2-40B4-BE49-F238E27FC236}">
-                <a16:creationId xmlns="" xmlns:a16="http://schemas.microsoft.com/office/drawing/2014/main" id="{A5A3EE36-0573-4214-8E8B-E9BD628BC999}"/>
+                <a16:creationId xmlns:a16="http://schemas.microsoft.com/office/drawing/2014/main" xmlns="" id="{A5A3EE36-0573-4214-8E8B-E9BD628BC999}"/>
               </a:ext>
             </a:extLst>
           </p:cNvPr>
@@ -29984,7 +30125,7 @@
             <a:fld id="{6700A58B-DD98-43D0-B791-721480A02982}" type="datetime1">
               <a:rPr lang="en-US" smtClean="0"/>
               <a:pPr/>
-              <a:t>6/16/2019</a:t>
+              <a:t>6/17/2019</a:t>
             </a:fld>
             <a:endParaRPr lang="en-US"/>
           </a:p>
@@ -30101,7 +30242,7 @@
           <p:cNvPr id="7" name="TextBox 6">
             <a:extLst>
               <a:ext uri="{FF2B5EF4-FFF2-40B4-BE49-F238E27FC236}">
-                <a16:creationId xmlns="" xmlns:a16="http://schemas.microsoft.com/office/drawing/2014/main" id="{A5A3EE36-0573-4214-8E8B-E9BD628BC999}"/>
+                <a16:creationId xmlns:a16="http://schemas.microsoft.com/office/drawing/2014/main" xmlns="" id="{A5A3EE36-0573-4214-8E8B-E9BD628BC999}"/>
               </a:ext>
             </a:extLst>
           </p:cNvPr>
@@ -30187,7 +30328,7 @@
           <p:cNvPr id="6" name="Rectangle 5">
             <a:extLst>
               <a:ext uri="{FF2B5EF4-FFF2-40B4-BE49-F238E27FC236}">
-                <a16:creationId xmlns="" xmlns:a16="http://schemas.microsoft.com/office/drawing/2014/main" id="{C246B7D1-453D-487B-B491-889C15C460F6}"/>
+                <a16:creationId xmlns:a16="http://schemas.microsoft.com/office/drawing/2014/main" xmlns="" id="{C246B7D1-453D-487B-B491-889C15C460F6}"/>
               </a:ext>
             </a:extLst>
           </p:cNvPr>
@@ -30245,7 +30386,7 @@
           <p:cNvPr id="13" name="Table 12">
             <a:extLst>
               <a:ext uri="{FF2B5EF4-FFF2-40B4-BE49-F238E27FC236}">
-                <a16:creationId xmlns="" xmlns:a16="http://schemas.microsoft.com/office/drawing/2014/main" id="{24CE201F-5128-4231-9B1E-A4D42C29CC68}"/>
+                <a16:creationId xmlns:a16="http://schemas.microsoft.com/office/drawing/2014/main" xmlns="" id="{24CE201F-5128-4231-9B1E-A4D42C29CC68}"/>
               </a:ext>
             </a:extLst>
           </p:cNvPr>
@@ -30274,49 +30415,49 @@
                 <a:gridCol w="701993">
                   <a:extLst>
                     <a:ext uri="{9D8B030D-6E8A-4147-A177-3AD203B41FA5}">
-                      <a16:colId xmlns="" xmlns:a16="http://schemas.microsoft.com/office/drawing/2014/main" val="20000"/>
+                      <a16:colId xmlns:a16="http://schemas.microsoft.com/office/drawing/2014/main" xmlns="" val="20000"/>
                     </a:ext>
                   </a:extLst>
                 </a:gridCol>
                 <a:gridCol w="694055">
                   <a:extLst>
                     <a:ext uri="{9D8B030D-6E8A-4147-A177-3AD203B41FA5}">
-                      <a16:colId xmlns="" xmlns:a16="http://schemas.microsoft.com/office/drawing/2014/main" val="20001"/>
+                      <a16:colId xmlns:a16="http://schemas.microsoft.com/office/drawing/2014/main" xmlns="" val="20001"/>
                     </a:ext>
                   </a:extLst>
                 </a:gridCol>
                 <a:gridCol w="576654">
                   <a:extLst>
                     <a:ext uri="{9D8B030D-6E8A-4147-A177-3AD203B41FA5}">
-                      <a16:colId xmlns="" xmlns:a16="http://schemas.microsoft.com/office/drawing/2014/main" val="20002"/>
+                      <a16:colId xmlns:a16="http://schemas.microsoft.com/office/drawing/2014/main" xmlns="" val="20002"/>
                     </a:ext>
                   </a:extLst>
                 </a:gridCol>
                 <a:gridCol w="646430">
                   <a:extLst>
                     <a:ext uri="{9D8B030D-6E8A-4147-A177-3AD203B41FA5}">
-                      <a16:colId xmlns="" xmlns:a16="http://schemas.microsoft.com/office/drawing/2014/main" val="20003"/>
+                      <a16:colId xmlns:a16="http://schemas.microsoft.com/office/drawing/2014/main" xmlns="" val="20003"/>
                     </a:ext>
                   </a:extLst>
                 </a:gridCol>
                 <a:gridCol w="694055">
                   <a:extLst>
                     <a:ext uri="{9D8B030D-6E8A-4147-A177-3AD203B41FA5}">
-                      <a16:colId xmlns="" xmlns:a16="http://schemas.microsoft.com/office/drawing/2014/main" val="20004"/>
+                      <a16:colId xmlns:a16="http://schemas.microsoft.com/office/drawing/2014/main" xmlns="" val="20004"/>
                     </a:ext>
                   </a:extLst>
                 </a:gridCol>
                 <a:gridCol w="360680">
                   <a:extLst>
                     <a:ext uri="{9D8B030D-6E8A-4147-A177-3AD203B41FA5}">
-                      <a16:colId xmlns="" xmlns:a16="http://schemas.microsoft.com/office/drawing/2014/main" val="20005"/>
+                      <a16:colId xmlns:a16="http://schemas.microsoft.com/office/drawing/2014/main" xmlns="" val="20005"/>
                     </a:ext>
                   </a:extLst>
                 </a:gridCol>
                 <a:gridCol w="779780">
                   <a:extLst>
                     <a:ext uri="{9D8B030D-6E8A-4147-A177-3AD203B41FA5}">
-                      <a16:colId xmlns="" xmlns:a16="http://schemas.microsoft.com/office/drawing/2014/main" val="20006"/>
+                      <a16:colId xmlns:a16="http://schemas.microsoft.com/office/drawing/2014/main" xmlns="" val="20006"/>
                     </a:ext>
                   </a:extLst>
                 </a:gridCol>
@@ -30706,7 +30847,7 @@
                 </a:tc>
                 <a:extLst>
                   <a:ext uri="{0D108BD9-81ED-4DB2-BD59-A6C34878D82A}">
-                    <a16:rowId xmlns="" xmlns:a16="http://schemas.microsoft.com/office/drawing/2014/main" val="10000"/>
+                    <a16:rowId xmlns:a16="http://schemas.microsoft.com/office/drawing/2014/main" xmlns="" val="10000"/>
                   </a:ext>
                 </a:extLst>
               </a:tr>
@@ -31077,7 +31218,7 @@
                 </a:tc>
                 <a:extLst>
                   <a:ext uri="{0D108BD9-81ED-4DB2-BD59-A6C34878D82A}">
-                    <a16:rowId xmlns="" xmlns:a16="http://schemas.microsoft.com/office/drawing/2014/main" val="10001"/>
+                    <a16:rowId xmlns:a16="http://schemas.microsoft.com/office/drawing/2014/main" xmlns="" val="10001"/>
                   </a:ext>
                 </a:extLst>
               </a:tr>
@@ -31448,7 +31589,7 @@
                 </a:tc>
                 <a:extLst>
                   <a:ext uri="{0D108BD9-81ED-4DB2-BD59-A6C34878D82A}">
-                    <a16:rowId xmlns="" xmlns:a16="http://schemas.microsoft.com/office/drawing/2014/main" val="10002"/>
+                    <a16:rowId xmlns:a16="http://schemas.microsoft.com/office/drawing/2014/main" xmlns="" val="10002"/>
                   </a:ext>
                 </a:extLst>
               </a:tr>
@@ -31819,7 +31960,7 @@
                 </a:tc>
                 <a:extLst>
                   <a:ext uri="{0D108BD9-81ED-4DB2-BD59-A6C34878D82A}">
-                    <a16:rowId xmlns="" xmlns:a16="http://schemas.microsoft.com/office/drawing/2014/main" val="10003"/>
+                    <a16:rowId xmlns:a16="http://schemas.microsoft.com/office/drawing/2014/main" xmlns="" val="10003"/>
                   </a:ext>
                 </a:extLst>
               </a:tr>
@@ -32190,7 +32331,7 @@
                 </a:tc>
                 <a:extLst>
                   <a:ext uri="{0D108BD9-81ED-4DB2-BD59-A6C34878D82A}">
-                    <a16:rowId xmlns="" xmlns:a16="http://schemas.microsoft.com/office/drawing/2014/main" val="10004"/>
+                    <a16:rowId xmlns:a16="http://schemas.microsoft.com/office/drawing/2014/main" xmlns="" val="10004"/>
                   </a:ext>
                 </a:extLst>
               </a:tr>
@@ -32561,7 +32702,7 @@
                 </a:tc>
                 <a:extLst>
                   <a:ext uri="{0D108BD9-81ED-4DB2-BD59-A6C34878D82A}">
-                    <a16:rowId xmlns="" xmlns:a16="http://schemas.microsoft.com/office/drawing/2014/main" val="10005"/>
+                    <a16:rowId xmlns:a16="http://schemas.microsoft.com/office/drawing/2014/main" xmlns="" val="10005"/>
                   </a:ext>
                 </a:extLst>
               </a:tr>
@@ -32587,7 +32728,7 @@
             <a:fld id="{6700A58B-DD98-43D0-B791-721480A02982}" type="datetime1">
               <a:rPr lang="en-US" smtClean="0"/>
               <a:pPr/>
-              <a:t>6/16/2019</a:t>
+              <a:t>6/17/2019</a:t>
             </a:fld>
             <a:endParaRPr lang="en-US"/>
           </a:p>
@@ -32668,7 +32809,7 @@
           <p:cNvPr id="7" name="Rectangle 6">
             <a:extLst>
               <a:ext uri="{FF2B5EF4-FFF2-40B4-BE49-F238E27FC236}">
-                <a16:creationId xmlns="" xmlns:a16="http://schemas.microsoft.com/office/drawing/2014/main" id="{2C95F845-8979-407C-9F4E-6FBCB9476B2D}"/>
+                <a16:creationId xmlns:a16="http://schemas.microsoft.com/office/drawing/2014/main" xmlns="" id="{2C95F845-8979-407C-9F4E-6FBCB9476B2D}"/>
               </a:ext>
             </a:extLst>
           </p:cNvPr>
@@ -32733,7 +32874,7 @@
           <p:cNvPr id="9" name="Rectangle 8">
             <a:extLst>
               <a:ext uri="{FF2B5EF4-FFF2-40B4-BE49-F238E27FC236}">
-                <a16:creationId xmlns="" xmlns:a16="http://schemas.microsoft.com/office/drawing/2014/main" id="{6C96FE2F-7E19-48CB-9942-7E78DB569A67}"/>
+                <a16:creationId xmlns:a16="http://schemas.microsoft.com/office/drawing/2014/main" xmlns="" id="{6C96FE2F-7E19-48CB-9942-7E78DB569A67}"/>
               </a:ext>
             </a:extLst>
           </p:cNvPr>
@@ -33014,7 +33155,7 @@
           <p:cNvPr id="14" name="TextBox 13">
             <a:extLst>
               <a:ext uri="{FF2B5EF4-FFF2-40B4-BE49-F238E27FC236}">
-                <a16:creationId xmlns="" xmlns:a16="http://schemas.microsoft.com/office/drawing/2014/main" id="{A424BF5E-7E73-42C2-8E87-C2BA20C0EACF}"/>
+                <a16:creationId xmlns:a16="http://schemas.microsoft.com/office/drawing/2014/main" xmlns="" id="{A424BF5E-7E73-42C2-8E87-C2BA20C0EACF}"/>
               </a:ext>
             </a:extLst>
           </p:cNvPr>
@@ -33057,7 +33198,7 @@
           <p:cNvPr id="15" name="Isosceles Triangle 14">
             <a:extLst>
               <a:ext uri="{FF2B5EF4-FFF2-40B4-BE49-F238E27FC236}">
-                <a16:creationId xmlns="" xmlns:a16="http://schemas.microsoft.com/office/drawing/2014/main" id="{FE9613A4-ECF0-4D0F-9696-5C023D56C131}"/>
+                <a16:creationId xmlns:a16="http://schemas.microsoft.com/office/drawing/2014/main" xmlns="" id="{FE9613A4-ECF0-4D0F-9696-5C023D56C131}"/>
               </a:ext>
             </a:extLst>
           </p:cNvPr>
@@ -33106,7 +33247,7 @@
           <p:cNvPr id="16" name="Table 15">
             <a:extLst>
               <a:ext uri="{FF2B5EF4-FFF2-40B4-BE49-F238E27FC236}">
-                <a16:creationId xmlns="" xmlns:a16="http://schemas.microsoft.com/office/drawing/2014/main" id="{48162493-A50D-45FF-960A-0540DF7356AB}"/>
+                <a16:creationId xmlns:a16="http://schemas.microsoft.com/office/drawing/2014/main" xmlns="" id="{48162493-A50D-45FF-960A-0540DF7356AB}"/>
               </a:ext>
             </a:extLst>
           </p:cNvPr>
@@ -33135,14 +33276,14 @@
                 <a:gridCol w="1289433">
                   <a:extLst>
                     <a:ext uri="{9D8B030D-6E8A-4147-A177-3AD203B41FA5}">
-                      <a16:colId xmlns="" xmlns:a16="http://schemas.microsoft.com/office/drawing/2014/main" val="20000"/>
+                      <a16:colId xmlns:a16="http://schemas.microsoft.com/office/drawing/2014/main" xmlns="" val="20000"/>
                     </a:ext>
                   </a:extLst>
                 </a:gridCol>
                 <a:gridCol w="767650">
                   <a:extLst>
                     <a:ext uri="{9D8B030D-6E8A-4147-A177-3AD203B41FA5}">
-                      <a16:colId xmlns="" xmlns:a16="http://schemas.microsoft.com/office/drawing/2014/main" val="20001"/>
+                      <a16:colId xmlns:a16="http://schemas.microsoft.com/office/drawing/2014/main" xmlns="" val="20001"/>
                     </a:ext>
                   </a:extLst>
                 </a:gridCol>
@@ -33183,7 +33324,7 @@
                 </a:tc>
                 <a:extLst>
                   <a:ext uri="{0D108BD9-81ED-4DB2-BD59-A6C34878D82A}">
-                    <a16:rowId xmlns="" xmlns:a16="http://schemas.microsoft.com/office/drawing/2014/main" val="10000"/>
+                    <a16:rowId xmlns:a16="http://schemas.microsoft.com/office/drawing/2014/main" xmlns="" val="10000"/>
                   </a:ext>
                 </a:extLst>
               </a:tr>
@@ -33220,7 +33361,7 @@
                 </a:tc>
                 <a:extLst>
                   <a:ext uri="{0D108BD9-81ED-4DB2-BD59-A6C34878D82A}">
-                    <a16:rowId xmlns="" xmlns:a16="http://schemas.microsoft.com/office/drawing/2014/main" val="10001"/>
+                    <a16:rowId xmlns:a16="http://schemas.microsoft.com/office/drawing/2014/main" xmlns="" val="10001"/>
                   </a:ext>
                 </a:extLst>
               </a:tr>
@@ -33257,7 +33398,7 @@
                 </a:tc>
                 <a:extLst>
                   <a:ext uri="{0D108BD9-81ED-4DB2-BD59-A6C34878D82A}">
-                    <a16:rowId xmlns="" xmlns:a16="http://schemas.microsoft.com/office/drawing/2014/main" val="10002"/>
+                    <a16:rowId xmlns:a16="http://schemas.microsoft.com/office/drawing/2014/main" xmlns="" val="10002"/>
                   </a:ext>
                 </a:extLst>
               </a:tr>
@@ -33294,7 +33435,7 @@
                 </a:tc>
                 <a:extLst>
                   <a:ext uri="{0D108BD9-81ED-4DB2-BD59-A6C34878D82A}">
-                    <a16:rowId xmlns="" xmlns:a16="http://schemas.microsoft.com/office/drawing/2014/main" val="10003"/>
+                    <a16:rowId xmlns:a16="http://schemas.microsoft.com/office/drawing/2014/main" xmlns="" val="10003"/>
                   </a:ext>
                 </a:extLst>
               </a:tr>
@@ -33331,7 +33472,7 @@
                 </a:tc>
                 <a:extLst>
                   <a:ext uri="{0D108BD9-81ED-4DB2-BD59-A6C34878D82A}">
-                    <a16:rowId xmlns="" xmlns:a16="http://schemas.microsoft.com/office/drawing/2014/main" val="10004"/>
+                    <a16:rowId xmlns:a16="http://schemas.microsoft.com/office/drawing/2014/main" xmlns="" val="10004"/>
                   </a:ext>
                 </a:extLst>
               </a:tr>
@@ -33371,7 +33512,7 @@
                 </a:tc>
                 <a:extLst>
                   <a:ext uri="{0D108BD9-81ED-4DB2-BD59-A6C34878D82A}">
-                    <a16:rowId xmlns="" xmlns:a16="http://schemas.microsoft.com/office/drawing/2014/main" val="10005"/>
+                    <a16:rowId xmlns:a16="http://schemas.microsoft.com/office/drawing/2014/main" xmlns="" val="10005"/>
                   </a:ext>
                 </a:extLst>
               </a:tr>
@@ -33384,7 +33525,7 @@
           <p:cNvPr id="17" name="TextBox 16">
             <a:extLst>
               <a:ext uri="{FF2B5EF4-FFF2-40B4-BE49-F238E27FC236}">
-                <a16:creationId xmlns="" xmlns:a16="http://schemas.microsoft.com/office/drawing/2014/main" id="{A424BF5E-7E73-42C2-8E87-C2BA20C0EACF}"/>
+                <a16:creationId xmlns:a16="http://schemas.microsoft.com/office/drawing/2014/main" xmlns="" id="{A424BF5E-7E73-42C2-8E87-C2BA20C0EACF}"/>
               </a:ext>
             </a:extLst>
           </p:cNvPr>
@@ -33511,7 +33652,7 @@
             <a:fld id="{6700A58B-DD98-43D0-B791-721480A02982}" type="datetime1">
               <a:rPr lang="en-US" smtClean="0"/>
               <a:pPr/>
-              <a:t>6/16/2019</a:t>
+              <a:t>6/17/2019</a:t>
             </a:fld>
             <a:endParaRPr lang="en-US"/>
           </a:p>
@@ -33592,7 +33733,7 @@
           <p:cNvPr id="6" name="Rectangle 5">
             <a:extLst>
               <a:ext uri="{FF2B5EF4-FFF2-40B4-BE49-F238E27FC236}">
-                <a16:creationId xmlns="" xmlns:a16="http://schemas.microsoft.com/office/drawing/2014/main" id="{C246B7D1-453D-487B-B491-889C15C460F6}"/>
+                <a16:creationId xmlns:a16="http://schemas.microsoft.com/office/drawing/2014/main" xmlns="" id="{C246B7D1-453D-487B-B491-889C15C460F6}"/>
               </a:ext>
             </a:extLst>
           </p:cNvPr>
@@ -33650,7 +33791,7 @@
           <p:cNvPr id="7" name="Rectangle 6">
             <a:extLst>
               <a:ext uri="{FF2B5EF4-FFF2-40B4-BE49-F238E27FC236}">
-                <a16:creationId xmlns="" xmlns:a16="http://schemas.microsoft.com/office/drawing/2014/main" id="{2C95F845-8979-407C-9F4E-6FBCB9476B2D}"/>
+                <a16:creationId xmlns:a16="http://schemas.microsoft.com/office/drawing/2014/main" xmlns="" id="{2C95F845-8979-407C-9F4E-6FBCB9476B2D}"/>
               </a:ext>
             </a:extLst>
           </p:cNvPr>
@@ -33715,7 +33856,7 @@
           <p:cNvPr id="9" name="Rectangle 8">
             <a:extLst>
               <a:ext uri="{FF2B5EF4-FFF2-40B4-BE49-F238E27FC236}">
-                <a16:creationId xmlns="" xmlns:a16="http://schemas.microsoft.com/office/drawing/2014/main" id="{6C96FE2F-7E19-48CB-9942-7E78DB569A67}"/>
+                <a16:creationId xmlns:a16="http://schemas.microsoft.com/office/drawing/2014/main" xmlns="" id="{6C96FE2F-7E19-48CB-9942-7E78DB569A67}"/>
               </a:ext>
             </a:extLst>
           </p:cNvPr>
@@ -33996,7 +34137,7 @@
           <p:cNvPr id="15" name="Isosceles Triangle 14">
             <a:extLst>
               <a:ext uri="{FF2B5EF4-FFF2-40B4-BE49-F238E27FC236}">
-                <a16:creationId xmlns="" xmlns:a16="http://schemas.microsoft.com/office/drawing/2014/main" id="{FE9613A4-ECF0-4D0F-9696-5C023D56C131}"/>
+                <a16:creationId xmlns:a16="http://schemas.microsoft.com/office/drawing/2014/main" xmlns="" id="{FE9613A4-ECF0-4D0F-9696-5C023D56C131}"/>
               </a:ext>
             </a:extLst>
           </p:cNvPr>
@@ -34054,7 +34195,7 @@
           <p:cNvPr id="16" name="Table 15">
             <a:extLst>
               <a:ext uri="{FF2B5EF4-FFF2-40B4-BE49-F238E27FC236}">
-                <a16:creationId xmlns="" xmlns:a16="http://schemas.microsoft.com/office/drawing/2014/main" id="{48162493-A50D-45FF-960A-0540DF7356AB}"/>
+                <a16:creationId xmlns:a16="http://schemas.microsoft.com/office/drawing/2014/main" xmlns="" id="{48162493-A50D-45FF-960A-0540DF7356AB}"/>
               </a:ext>
             </a:extLst>
           </p:cNvPr>
@@ -34083,14 +34224,14 @@
                 <a:gridCol w="1289433">
                   <a:extLst>
                     <a:ext uri="{9D8B030D-6E8A-4147-A177-3AD203B41FA5}">
-                      <a16:colId xmlns="" xmlns:a16="http://schemas.microsoft.com/office/drawing/2014/main" val="20000"/>
+                      <a16:colId xmlns:a16="http://schemas.microsoft.com/office/drawing/2014/main" xmlns="" val="20000"/>
                     </a:ext>
                   </a:extLst>
                 </a:gridCol>
                 <a:gridCol w="767650">
                   <a:extLst>
                     <a:ext uri="{9D8B030D-6E8A-4147-A177-3AD203B41FA5}">
-                      <a16:colId xmlns="" xmlns:a16="http://schemas.microsoft.com/office/drawing/2014/main" val="20001"/>
+                      <a16:colId xmlns:a16="http://schemas.microsoft.com/office/drawing/2014/main" xmlns="" val="20001"/>
                     </a:ext>
                   </a:extLst>
                 </a:gridCol>
@@ -34131,7 +34272,7 @@
                 </a:tc>
                 <a:extLst>
                   <a:ext uri="{0D108BD9-81ED-4DB2-BD59-A6C34878D82A}">
-                    <a16:rowId xmlns="" xmlns:a16="http://schemas.microsoft.com/office/drawing/2014/main" val="10000"/>
+                    <a16:rowId xmlns:a16="http://schemas.microsoft.com/office/drawing/2014/main" xmlns="" val="10000"/>
                   </a:ext>
                 </a:extLst>
               </a:tr>
@@ -34174,7 +34315,7 @@
                 </a:tc>
                 <a:extLst>
                   <a:ext uri="{0D108BD9-81ED-4DB2-BD59-A6C34878D82A}">
-                    <a16:rowId xmlns="" xmlns:a16="http://schemas.microsoft.com/office/drawing/2014/main" val="10001"/>
+                    <a16:rowId xmlns:a16="http://schemas.microsoft.com/office/drawing/2014/main" xmlns="" val="10001"/>
                   </a:ext>
                 </a:extLst>
               </a:tr>
@@ -34217,7 +34358,7 @@
                 </a:tc>
                 <a:extLst>
                   <a:ext uri="{0D108BD9-81ED-4DB2-BD59-A6C34878D82A}">
-                    <a16:rowId xmlns="" xmlns:a16="http://schemas.microsoft.com/office/drawing/2014/main" val="10002"/>
+                    <a16:rowId xmlns:a16="http://schemas.microsoft.com/office/drawing/2014/main" xmlns="" val="10002"/>
                   </a:ext>
                 </a:extLst>
               </a:tr>
@@ -34260,7 +34401,7 @@
                 </a:tc>
                 <a:extLst>
                   <a:ext uri="{0D108BD9-81ED-4DB2-BD59-A6C34878D82A}">
-                    <a16:rowId xmlns="" xmlns:a16="http://schemas.microsoft.com/office/drawing/2014/main" val="10003"/>
+                    <a16:rowId xmlns:a16="http://schemas.microsoft.com/office/drawing/2014/main" xmlns="" val="10003"/>
                   </a:ext>
                 </a:extLst>
               </a:tr>
@@ -34303,7 +34444,7 @@
                 </a:tc>
                 <a:extLst>
                   <a:ext uri="{0D108BD9-81ED-4DB2-BD59-A6C34878D82A}">
-                    <a16:rowId xmlns="" xmlns:a16="http://schemas.microsoft.com/office/drawing/2014/main" val="10004"/>
+                    <a16:rowId xmlns:a16="http://schemas.microsoft.com/office/drawing/2014/main" xmlns="" val="10004"/>
                   </a:ext>
                 </a:extLst>
               </a:tr>
@@ -34346,7 +34487,7 @@
                 </a:tc>
                 <a:extLst>
                   <a:ext uri="{0D108BD9-81ED-4DB2-BD59-A6C34878D82A}">
-                    <a16:rowId xmlns="" xmlns:a16="http://schemas.microsoft.com/office/drawing/2014/main" val="10005"/>
+                    <a16:rowId xmlns:a16="http://schemas.microsoft.com/office/drawing/2014/main" xmlns="" val="10005"/>
                   </a:ext>
                 </a:extLst>
               </a:tr>
@@ -34359,7 +34500,7 @@
           <p:cNvPr id="17" name="Table 16">
             <a:extLst>
               <a:ext uri="{FF2B5EF4-FFF2-40B4-BE49-F238E27FC236}">
-                <a16:creationId xmlns="" xmlns:a16="http://schemas.microsoft.com/office/drawing/2014/main" id="{48162493-A50D-45FF-960A-0540DF7356AB}"/>
+                <a16:creationId xmlns:a16="http://schemas.microsoft.com/office/drawing/2014/main" xmlns="" id="{48162493-A50D-45FF-960A-0540DF7356AB}"/>
               </a:ext>
             </a:extLst>
           </p:cNvPr>
@@ -34388,14 +34529,14 @@
                 <a:gridCol w="1289433">
                   <a:extLst>
                     <a:ext uri="{9D8B030D-6E8A-4147-A177-3AD203B41FA5}">
-                      <a16:colId xmlns="" xmlns:a16="http://schemas.microsoft.com/office/drawing/2014/main" val="20000"/>
+                      <a16:colId xmlns:a16="http://schemas.microsoft.com/office/drawing/2014/main" xmlns="" val="20000"/>
                     </a:ext>
                   </a:extLst>
                 </a:gridCol>
                 <a:gridCol w="767650">
                   <a:extLst>
                     <a:ext uri="{9D8B030D-6E8A-4147-A177-3AD203B41FA5}">
-                      <a16:colId xmlns="" xmlns:a16="http://schemas.microsoft.com/office/drawing/2014/main" val="20001"/>
+                      <a16:colId xmlns:a16="http://schemas.microsoft.com/office/drawing/2014/main" xmlns="" val="20001"/>
                     </a:ext>
                   </a:extLst>
                 </a:gridCol>
@@ -34436,7 +34577,7 @@
                 </a:tc>
                 <a:extLst>
                   <a:ext uri="{0D108BD9-81ED-4DB2-BD59-A6C34878D82A}">
-                    <a16:rowId xmlns="" xmlns:a16="http://schemas.microsoft.com/office/drawing/2014/main" val="10000"/>
+                    <a16:rowId xmlns:a16="http://schemas.microsoft.com/office/drawing/2014/main" xmlns="" val="10000"/>
                   </a:ext>
                 </a:extLst>
               </a:tr>
@@ -34473,7 +34614,7 @@
                 </a:tc>
                 <a:extLst>
                   <a:ext uri="{0D108BD9-81ED-4DB2-BD59-A6C34878D82A}">
-                    <a16:rowId xmlns="" xmlns:a16="http://schemas.microsoft.com/office/drawing/2014/main" val="10001"/>
+                    <a16:rowId xmlns:a16="http://schemas.microsoft.com/office/drawing/2014/main" xmlns="" val="10001"/>
                   </a:ext>
                 </a:extLst>
               </a:tr>
@@ -34510,7 +34651,7 @@
                 </a:tc>
                 <a:extLst>
                   <a:ext uri="{0D108BD9-81ED-4DB2-BD59-A6C34878D82A}">
-                    <a16:rowId xmlns="" xmlns:a16="http://schemas.microsoft.com/office/drawing/2014/main" val="10002"/>
+                    <a16:rowId xmlns:a16="http://schemas.microsoft.com/office/drawing/2014/main" xmlns="" val="10002"/>
                   </a:ext>
                 </a:extLst>
               </a:tr>
@@ -34547,7 +34688,7 @@
                 </a:tc>
                 <a:extLst>
                   <a:ext uri="{0D108BD9-81ED-4DB2-BD59-A6C34878D82A}">
-                    <a16:rowId xmlns="" xmlns:a16="http://schemas.microsoft.com/office/drawing/2014/main" val="10003"/>
+                    <a16:rowId xmlns:a16="http://schemas.microsoft.com/office/drawing/2014/main" xmlns="" val="10003"/>
                   </a:ext>
                 </a:extLst>
               </a:tr>
@@ -34584,7 +34725,7 @@
                 </a:tc>
                 <a:extLst>
                   <a:ext uri="{0D108BD9-81ED-4DB2-BD59-A6C34878D82A}">
-                    <a16:rowId xmlns="" xmlns:a16="http://schemas.microsoft.com/office/drawing/2014/main" val="10004"/>
+                    <a16:rowId xmlns:a16="http://schemas.microsoft.com/office/drawing/2014/main" xmlns="" val="10004"/>
                   </a:ext>
                 </a:extLst>
               </a:tr>
@@ -34624,7 +34765,7 @@
                 </a:tc>
                 <a:extLst>
                   <a:ext uri="{0D108BD9-81ED-4DB2-BD59-A6C34878D82A}">
-                    <a16:rowId xmlns="" xmlns:a16="http://schemas.microsoft.com/office/drawing/2014/main" val="10005"/>
+                    <a16:rowId xmlns:a16="http://schemas.microsoft.com/office/drawing/2014/main" xmlns="" val="10005"/>
                   </a:ext>
                 </a:extLst>
               </a:tr>
@@ -34680,7 +34821,7 @@
             <a:fld id="{6700A58B-DD98-43D0-B791-721480A02982}" type="datetime1">
               <a:rPr lang="en-US" smtClean="0"/>
               <a:pPr/>
-              <a:t>6/16/2019</a:t>
+              <a:t>6/17/2019</a:t>
             </a:fld>
             <a:endParaRPr lang="en-US"/>
           </a:p>
@@ -34761,7 +34902,7 @@
           <p:cNvPr id="6" name="Rectangle 5">
             <a:extLst>
               <a:ext uri="{FF2B5EF4-FFF2-40B4-BE49-F238E27FC236}">
-                <a16:creationId xmlns="" xmlns:a16="http://schemas.microsoft.com/office/drawing/2014/main" id="{C246B7D1-453D-487B-B491-889C15C460F6}"/>
+                <a16:creationId xmlns:a16="http://schemas.microsoft.com/office/drawing/2014/main" xmlns="" id="{C246B7D1-453D-487B-B491-889C15C460F6}"/>
               </a:ext>
             </a:extLst>
           </p:cNvPr>
@@ -34819,7 +34960,7 @@
           <p:cNvPr id="7" name="Rectangle 6">
             <a:extLst>
               <a:ext uri="{FF2B5EF4-FFF2-40B4-BE49-F238E27FC236}">
-                <a16:creationId xmlns="" xmlns:a16="http://schemas.microsoft.com/office/drawing/2014/main" id="{2C95F845-8979-407C-9F4E-6FBCB9476B2D}"/>
+                <a16:creationId xmlns:a16="http://schemas.microsoft.com/office/drawing/2014/main" xmlns="" id="{2C95F845-8979-407C-9F4E-6FBCB9476B2D}"/>
               </a:ext>
             </a:extLst>
           </p:cNvPr>
@@ -34884,7 +35025,7 @@
           <p:cNvPr id="9" name="Rectangle 8">
             <a:extLst>
               <a:ext uri="{FF2B5EF4-FFF2-40B4-BE49-F238E27FC236}">
-                <a16:creationId xmlns="" xmlns:a16="http://schemas.microsoft.com/office/drawing/2014/main" id="{6C96FE2F-7E19-48CB-9942-7E78DB569A67}"/>
+                <a16:creationId xmlns:a16="http://schemas.microsoft.com/office/drawing/2014/main" xmlns="" id="{6C96FE2F-7E19-48CB-9942-7E78DB569A67}"/>
               </a:ext>
             </a:extLst>
           </p:cNvPr>
@@ -35039,7 +35180,7 @@
           <p:cNvPr id="2" name="Date Placeholder 1">
             <a:extLst>
               <a:ext uri="{FF2B5EF4-FFF2-40B4-BE49-F238E27FC236}">
-                <a16:creationId xmlns="" xmlns:a16="http://schemas.microsoft.com/office/drawing/2014/main" id="{2FBA1056-19FF-48BC-9CC7-3D40BDA50429}"/>
+                <a16:creationId xmlns:a16="http://schemas.microsoft.com/office/drawing/2014/main" xmlns="" id="{2FBA1056-19FF-48BC-9CC7-3D40BDA50429}"/>
               </a:ext>
             </a:extLst>
           </p:cNvPr>
@@ -35057,7 +35198,7 @@
           <a:p>
             <a:fld id="{6700A58B-DD98-43D0-B791-721480A02982}" type="datetime1">
               <a:rPr lang="en-US" smtClean="0"/>
-              <a:t>6/16/2019</a:t>
+              <a:t>6/17/2019</a:t>
             </a:fld>
             <a:endParaRPr lang="en-US"/>
           </a:p>
@@ -35068,7 +35209,7 @@
           <p:cNvPr id="3" name="Title 2">
             <a:extLst>
               <a:ext uri="{FF2B5EF4-FFF2-40B4-BE49-F238E27FC236}">
-                <a16:creationId xmlns="" xmlns:a16="http://schemas.microsoft.com/office/drawing/2014/main" id="{2434F8DF-F554-433A-8EE5-4F16800D1286}"/>
+                <a16:creationId xmlns:a16="http://schemas.microsoft.com/office/drawing/2014/main" xmlns="" id="{2434F8DF-F554-433A-8EE5-4F16800D1286}"/>
               </a:ext>
             </a:extLst>
           </p:cNvPr>
@@ -35101,7 +35242,7 @@
           <p:cNvPr id="5" name="Footer Placeholder 4">
             <a:extLst>
               <a:ext uri="{FF2B5EF4-FFF2-40B4-BE49-F238E27FC236}">
-                <a16:creationId xmlns="" xmlns:a16="http://schemas.microsoft.com/office/drawing/2014/main" id="{5ACE5D42-20B5-4E71-B2A5-D0861AA68DD7}"/>
+                <a16:creationId xmlns:a16="http://schemas.microsoft.com/office/drawing/2014/main" xmlns="" id="{5ACE5D42-20B5-4E71-B2A5-D0861AA68DD7}"/>
               </a:ext>
             </a:extLst>
           </p:cNvPr>
@@ -35130,7 +35271,7 @@
           <p:cNvPr id="4" name="Slide Number Placeholder 3">
             <a:extLst>
               <a:ext uri="{FF2B5EF4-FFF2-40B4-BE49-F238E27FC236}">
-                <a16:creationId xmlns="" xmlns:a16="http://schemas.microsoft.com/office/drawing/2014/main" id="{A0D746E4-0630-4728-A9B3-035C2C9630DE}"/>
+                <a16:creationId xmlns:a16="http://schemas.microsoft.com/office/drawing/2014/main" xmlns="" id="{A0D746E4-0630-4728-A9B3-035C2C9630DE}"/>
               </a:ext>
             </a:extLst>
           </p:cNvPr>
@@ -35159,7 +35300,7 @@
           <p:cNvPr id="6" name="Rectangle 5">
             <a:extLst>
               <a:ext uri="{FF2B5EF4-FFF2-40B4-BE49-F238E27FC236}">
-                <a16:creationId xmlns="" xmlns:a16="http://schemas.microsoft.com/office/drawing/2014/main" id="{ADE617B1-ABCB-4F13-8496-D34B559E009A}"/>
+                <a16:creationId xmlns:a16="http://schemas.microsoft.com/office/drawing/2014/main" xmlns="" id="{ADE617B1-ABCB-4F13-8496-D34B559E009A}"/>
               </a:ext>
             </a:extLst>
           </p:cNvPr>
@@ -35254,7 +35395,7 @@
             <a:fld id="{6700A58B-DD98-43D0-B791-721480A02982}" type="datetime1">
               <a:rPr lang="en-US" smtClean="0"/>
               <a:pPr/>
-              <a:t>6/16/2019</a:t>
+              <a:t>6/17/2019</a:t>
             </a:fld>
             <a:endParaRPr lang="en-US"/>
           </a:p>
@@ -35335,7 +35476,7 @@
           <p:cNvPr id="6" name="Rectangle 5">
             <a:extLst>
               <a:ext uri="{FF2B5EF4-FFF2-40B4-BE49-F238E27FC236}">
-                <a16:creationId xmlns="" xmlns:a16="http://schemas.microsoft.com/office/drawing/2014/main" id="{C246B7D1-453D-487B-B491-889C15C460F6}"/>
+                <a16:creationId xmlns:a16="http://schemas.microsoft.com/office/drawing/2014/main" xmlns="" id="{C246B7D1-453D-487B-B491-889C15C460F6}"/>
               </a:ext>
             </a:extLst>
           </p:cNvPr>
@@ -35393,7 +35534,7 @@
           <p:cNvPr id="7" name="Rectangle 6">
             <a:extLst>
               <a:ext uri="{FF2B5EF4-FFF2-40B4-BE49-F238E27FC236}">
-                <a16:creationId xmlns="" xmlns:a16="http://schemas.microsoft.com/office/drawing/2014/main" id="{2C95F845-8979-407C-9F4E-6FBCB9476B2D}"/>
+                <a16:creationId xmlns:a16="http://schemas.microsoft.com/office/drawing/2014/main" xmlns="" id="{2C95F845-8979-407C-9F4E-6FBCB9476B2D}"/>
               </a:ext>
             </a:extLst>
           </p:cNvPr>
@@ -35458,7 +35599,7 @@
           <p:cNvPr id="10" name="Picture 9" descr="Screen Shot 2015-05-28 at 7.25.09 PM.png">
             <a:extLst>
               <a:ext uri="{FF2B5EF4-FFF2-40B4-BE49-F238E27FC236}">
-                <a16:creationId xmlns="" xmlns:a16="http://schemas.microsoft.com/office/drawing/2014/main" id="{52DB3460-B2F3-4D1D-B3EF-20DB130BE3BD}"/>
+                <a16:creationId xmlns:a16="http://schemas.microsoft.com/office/drawing/2014/main" xmlns="" id="{52DB3460-B2F3-4D1D-B3EF-20DB130BE3BD}"/>
               </a:ext>
             </a:extLst>
           </p:cNvPr>
@@ -35575,7 +35716,7 @@
           <a:p>
             <a:fld id="{6700A58B-DD98-43D0-B791-721480A02982}" type="datetime1">
               <a:rPr lang="en-US" smtClean="0"/>
-              <a:t>6/16/2019</a:t>
+              <a:t>6/17/2019</a:t>
             </a:fld>
             <a:endParaRPr lang="en-US"/>
           </a:p>
@@ -35656,7 +35797,7 @@
           <p:cNvPr id="6" name="Title 1">
             <a:extLst>
               <a:ext uri="{FF2B5EF4-FFF2-40B4-BE49-F238E27FC236}">
-                <a16:creationId xmlns="" xmlns:a16="http://schemas.microsoft.com/office/drawing/2014/main" id="{E8480011-97CA-4140-B847-37A78687DD1B}"/>
+                <a16:creationId xmlns:a16="http://schemas.microsoft.com/office/drawing/2014/main" xmlns="" id="{E8480011-97CA-4140-B847-37A78687DD1B}"/>
               </a:ext>
             </a:extLst>
           </p:cNvPr>
@@ -35753,7 +35894,7 @@
           <a:p>
             <a:fld id="{6700A58B-DD98-43D0-B791-721480A02982}" type="datetime1">
               <a:rPr lang="en-US" smtClean="0"/>
-              <a:t>6/16/2019</a:t>
+              <a:t>6/17/2019</a:t>
             </a:fld>
             <a:endParaRPr lang="en-US"/>
           </a:p>
@@ -36118,7 +36259,7 @@
           <a:p>
             <a:fld id="{6700A58B-DD98-43D0-B791-721480A02982}" type="datetime1">
               <a:rPr lang="en-US" smtClean="0"/>
-              <a:t>6/16/2019</a:t>
+              <a:t>6/17/2019</a:t>
             </a:fld>
             <a:endParaRPr lang="en-US"/>
           </a:p>
@@ -36503,7 +36644,7 @@
           <a:p>
             <a:fld id="{6700A58B-DD98-43D0-B791-721480A02982}" type="datetime1">
               <a:rPr lang="en-US" smtClean="0"/>
-              <a:t>6/16/2019</a:t>
+              <a:t>6/17/2019</a:t>
             </a:fld>
             <a:endParaRPr lang="en-US"/>
           </a:p>
@@ -36584,7 +36725,7 @@
           <p:cNvPr id="7" name="Title 1">
             <a:extLst>
               <a:ext uri="{FF2B5EF4-FFF2-40B4-BE49-F238E27FC236}">
-                <a16:creationId xmlns="" xmlns:a16="http://schemas.microsoft.com/office/drawing/2014/main" id="{E8480011-97CA-4140-B847-37A78687DD1B}"/>
+                <a16:creationId xmlns:a16="http://schemas.microsoft.com/office/drawing/2014/main" xmlns="" id="{E8480011-97CA-4140-B847-37A78687DD1B}"/>
               </a:ext>
             </a:extLst>
           </p:cNvPr>
@@ -36682,7 +36823,7 @@
             <a:fld id="{6700A58B-DD98-43D0-B791-721480A02982}" type="datetime1">
               <a:rPr lang="en-US" smtClean="0"/>
               <a:pPr/>
-              <a:t>6/16/2019</a:t>
+              <a:t>6/17/2019</a:t>
             </a:fld>
             <a:endParaRPr lang="en-US"/>
           </a:p>
@@ -37032,7 +37173,7 @@
             <a:fld id="{6700A58B-DD98-43D0-B791-721480A02982}" type="datetime1">
               <a:rPr lang="en-US" smtClean="0"/>
               <a:pPr/>
-              <a:t>6/16/2019</a:t>
+              <a:t>6/17/2019</a:t>
             </a:fld>
             <a:endParaRPr lang="en-US"/>
           </a:p>
@@ -37726,7 +37867,7 @@
             <a:fld id="{6700A58B-DD98-43D0-B791-721480A02982}" type="datetime1">
               <a:rPr lang="en-US" smtClean="0"/>
               <a:pPr/>
-              <a:t>6/16/2019</a:t>
+              <a:t>6/17/2019</a:t>
             </a:fld>
             <a:endParaRPr lang="en-US"/>
           </a:p>
@@ -37807,7 +37948,7 @@
           <p:cNvPr id="6" name="Rectangle 5">
             <a:extLst>
               <a:ext uri="{FF2B5EF4-FFF2-40B4-BE49-F238E27FC236}">
-                <a16:creationId xmlns="" xmlns:a16="http://schemas.microsoft.com/office/drawing/2014/main" id="{C246B7D1-453D-487B-B491-889C15C460F6}"/>
+                <a16:creationId xmlns:a16="http://schemas.microsoft.com/office/drawing/2014/main" xmlns="" id="{C246B7D1-453D-487B-B491-889C15C460F6}"/>
               </a:ext>
             </a:extLst>
           </p:cNvPr>
@@ -37865,7 +38006,7 @@
           <p:cNvPr id="7" name="Rectangle 6">
             <a:extLst>
               <a:ext uri="{FF2B5EF4-FFF2-40B4-BE49-F238E27FC236}">
-                <a16:creationId xmlns="" xmlns:a16="http://schemas.microsoft.com/office/drawing/2014/main" id="{2C95F845-8979-407C-9F4E-6FBCB9476B2D}"/>
+                <a16:creationId xmlns:a16="http://schemas.microsoft.com/office/drawing/2014/main" xmlns="" id="{2C95F845-8979-407C-9F4E-6FBCB9476B2D}"/>
               </a:ext>
             </a:extLst>
           </p:cNvPr>
@@ -37930,7 +38071,7 @@
           <p:cNvPr id="9" name="Rectangle 8">
             <a:extLst>
               <a:ext uri="{FF2B5EF4-FFF2-40B4-BE49-F238E27FC236}">
-                <a16:creationId xmlns="" xmlns:a16="http://schemas.microsoft.com/office/drawing/2014/main" id="{6C96FE2F-7E19-48CB-9942-7E78DB569A67}"/>
+                <a16:creationId xmlns:a16="http://schemas.microsoft.com/office/drawing/2014/main" xmlns="" id="{6C96FE2F-7E19-48CB-9942-7E78DB569A67}"/>
               </a:ext>
             </a:extLst>
           </p:cNvPr>
@@ -38349,7 +38490,7 @@
           <p:cNvPr id="10" name="TextBox 9">
             <a:extLst>
               <a:ext uri="{FF2B5EF4-FFF2-40B4-BE49-F238E27FC236}">
-                <a16:creationId xmlns="" xmlns:a16="http://schemas.microsoft.com/office/drawing/2014/main" id="{A5A3EE36-0573-4214-8E8B-E9BD628BC999}"/>
+                <a16:creationId xmlns:a16="http://schemas.microsoft.com/office/drawing/2014/main" xmlns="" id="{A5A3EE36-0573-4214-8E8B-E9BD628BC999}"/>
               </a:ext>
             </a:extLst>
           </p:cNvPr>
@@ -38448,7 +38589,7 @@
             <a:fld id="{6700A58B-DD98-43D0-B791-721480A02982}" type="datetime1">
               <a:rPr lang="en-US" smtClean="0"/>
               <a:pPr/>
-              <a:t>6/16/2019</a:t>
+              <a:t>6/17/2019</a:t>
             </a:fld>
             <a:endParaRPr lang="en-US"/>
           </a:p>
@@ -38529,7 +38670,7 @@
           <p:cNvPr id="6" name="Rectangle 5">
             <a:extLst>
               <a:ext uri="{FF2B5EF4-FFF2-40B4-BE49-F238E27FC236}">
-                <a16:creationId xmlns="" xmlns:a16="http://schemas.microsoft.com/office/drawing/2014/main" id="{C246B7D1-453D-487B-B491-889C15C460F6}"/>
+                <a16:creationId xmlns:a16="http://schemas.microsoft.com/office/drawing/2014/main" xmlns="" id="{C246B7D1-453D-487B-B491-889C15C460F6}"/>
               </a:ext>
             </a:extLst>
           </p:cNvPr>
@@ -38587,7 +38728,7 @@
           <p:cNvPr id="7" name="Rectangle 6">
             <a:extLst>
               <a:ext uri="{FF2B5EF4-FFF2-40B4-BE49-F238E27FC236}">
-                <a16:creationId xmlns="" xmlns:a16="http://schemas.microsoft.com/office/drawing/2014/main" id="{2C95F845-8979-407C-9F4E-6FBCB9476B2D}"/>
+                <a16:creationId xmlns:a16="http://schemas.microsoft.com/office/drawing/2014/main" xmlns="" id="{2C95F845-8979-407C-9F4E-6FBCB9476B2D}"/>
               </a:ext>
             </a:extLst>
           </p:cNvPr>
@@ -38652,7 +38793,7 @@
           <p:cNvPr id="9" name="Rectangle 8">
             <a:extLst>
               <a:ext uri="{FF2B5EF4-FFF2-40B4-BE49-F238E27FC236}">
-                <a16:creationId xmlns="" xmlns:a16="http://schemas.microsoft.com/office/drawing/2014/main" id="{6C96FE2F-7E19-48CB-9942-7E78DB569A67}"/>
+                <a16:creationId xmlns:a16="http://schemas.microsoft.com/office/drawing/2014/main" xmlns="" id="{6C96FE2F-7E19-48CB-9942-7E78DB569A67}"/>
               </a:ext>
             </a:extLst>
           </p:cNvPr>
@@ -38881,7 +39022,7 @@
           <p:cNvPr id="10" name="TextBox 9">
             <a:extLst>
               <a:ext uri="{FF2B5EF4-FFF2-40B4-BE49-F238E27FC236}">
-                <a16:creationId xmlns="" xmlns:a16="http://schemas.microsoft.com/office/drawing/2014/main" id="{A5A3EE36-0573-4214-8E8B-E9BD628BC999}"/>
+                <a16:creationId xmlns:a16="http://schemas.microsoft.com/office/drawing/2014/main" xmlns="" id="{A5A3EE36-0573-4214-8E8B-E9BD628BC999}"/>
               </a:ext>
             </a:extLst>
           </p:cNvPr>
@@ -39002,7 +39143,7 @@
             <a:fld id="{6700A58B-DD98-43D0-B791-721480A02982}" type="datetime1">
               <a:rPr lang="en-US" smtClean="0"/>
               <a:pPr/>
-              <a:t>6/16/2019</a:t>
+              <a:t>6/17/2019</a:t>
             </a:fld>
             <a:endParaRPr lang="en-US"/>
           </a:p>
@@ -40066,21 +40207,21 @@
                 <a:gridCol w="1238445">
                   <a:extLst>
                     <a:ext uri="{9D8B030D-6E8A-4147-A177-3AD203B41FA5}">
-                      <a16:colId xmlns="" xmlns:a16="http://schemas.microsoft.com/office/drawing/2014/main" val="20000"/>
+                      <a16:colId xmlns:a16="http://schemas.microsoft.com/office/drawing/2014/main" xmlns="" val="20000"/>
                     </a:ext>
                   </a:extLst>
                 </a:gridCol>
                 <a:gridCol w="858274">
                   <a:extLst>
                     <a:ext uri="{9D8B030D-6E8A-4147-A177-3AD203B41FA5}">
-                      <a16:colId xmlns="" xmlns:a16="http://schemas.microsoft.com/office/drawing/2014/main" val="20001"/>
+                      <a16:colId xmlns:a16="http://schemas.microsoft.com/office/drawing/2014/main" xmlns="" val="20001"/>
                     </a:ext>
                   </a:extLst>
                 </a:gridCol>
                 <a:gridCol w="5790787">
                   <a:extLst>
                     <a:ext uri="{9D8B030D-6E8A-4147-A177-3AD203B41FA5}">
-                      <a16:colId xmlns="" xmlns:a16="http://schemas.microsoft.com/office/drawing/2014/main" val="20002"/>
+                      <a16:colId xmlns:a16="http://schemas.microsoft.com/office/drawing/2014/main" xmlns="" val="20002"/>
                     </a:ext>
                   </a:extLst>
                 </a:gridCol>
@@ -40292,7 +40433,7 @@
                 </a:tc>
                 <a:extLst>
                   <a:ext uri="{0D108BD9-81ED-4DB2-BD59-A6C34878D82A}">
-                    <a16:rowId xmlns="" xmlns:a16="http://schemas.microsoft.com/office/drawing/2014/main" val="10000"/>
+                    <a16:rowId xmlns:a16="http://schemas.microsoft.com/office/drawing/2014/main" xmlns="" val="10000"/>
                   </a:ext>
                 </a:extLst>
               </a:tr>
@@ -40389,7 +40530,7 @@
                 </a:tc>
                 <a:extLst>
                   <a:ext uri="{0D108BD9-81ED-4DB2-BD59-A6C34878D82A}">
-                    <a16:rowId xmlns="" xmlns:a16="http://schemas.microsoft.com/office/drawing/2014/main" val="10001"/>
+                    <a16:rowId xmlns:a16="http://schemas.microsoft.com/office/drawing/2014/main" xmlns="" val="10001"/>
                   </a:ext>
                 </a:extLst>
               </a:tr>
@@ -40456,7 +40597,7 @@
                 </a:tc>
                 <a:extLst>
                   <a:ext uri="{0D108BD9-81ED-4DB2-BD59-A6C34878D82A}">
-                    <a16:rowId xmlns="" xmlns:a16="http://schemas.microsoft.com/office/drawing/2014/main" val="10002"/>
+                    <a16:rowId xmlns:a16="http://schemas.microsoft.com/office/drawing/2014/main" xmlns="" val="10002"/>
                   </a:ext>
                 </a:extLst>
               </a:tr>
@@ -40564,7 +40705,7 @@
                 </a:tc>
                 <a:extLst>
                   <a:ext uri="{0D108BD9-81ED-4DB2-BD59-A6C34878D82A}">
-                    <a16:rowId xmlns="" xmlns:a16="http://schemas.microsoft.com/office/drawing/2014/main" val="10003"/>
+                    <a16:rowId xmlns:a16="http://schemas.microsoft.com/office/drawing/2014/main" xmlns="" val="10003"/>
                   </a:ext>
                 </a:extLst>
               </a:tr>
@@ -40662,7 +40803,7 @@
                 </a:tc>
                 <a:extLst>
                   <a:ext uri="{0D108BD9-81ED-4DB2-BD59-A6C34878D82A}">
-                    <a16:rowId xmlns="" xmlns:a16="http://schemas.microsoft.com/office/drawing/2014/main" val="10004"/>
+                    <a16:rowId xmlns:a16="http://schemas.microsoft.com/office/drawing/2014/main" xmlns="" val="10004"/>
                   </a:ext>
                 </a:extLst>
               </a:tr>
@@ -40750,7 +40891,7 @@
                 </a:tc>
                 <a:extLst>
                   <a:ext uri="{0D108BD9-81ED-4DB2-BD59-A6C34878D82A}">
-                    <a16:rowId xmlns="" xmlns:a16="http://schemas.microsoft.com/office/drawing/2014/main" val="10005"/>
+                    <a16:rowId xmlns:a16="http://schemas.microsoft.com/office/drawing/2014/main" xmlns="" val="10005"/>
                   </a:ext>
                 </a:extLst>
               </a:tr>
@@ -40848,7 +40989,7 @@
                 </a:tc>
                 <a:extLst>
                   <a:ext uri="{0D108BD9-81ED-4DB2-BD59-A6C34878D82A}">
-                    <a16:rowId xmlns="" xmlns:a16="http://schemas.microsoft.com/office/drawing/2014/main" val="10006"/>
+                    <a16:rowId xmlns:a16="http://schemas.microsoft.com/office/drawing/2014/main" xmlns="" val="10006"/>
                   </a:ext>
                 </a:extLst>
               </a:tr>
@@ -40936,7 +41077,7 @@
                 </a:tc>
                 <a:extLst>
                   <a:ext uri="{0D108BD9-81ED-4DB2-BD59-A6C34878D82A}">
-                    <a16:rowId xmlns="" xmlns:a16="http://schemas.microsoft.com/office/drawing/2014/main" val="10007"/>
+                    <a16:rowId xmlns:a16="http://schemas.microsoft.com/office/drawing/2014/main" xmlns="" val="10007"/>
                   </a:ext>
                 </a:extLst>
               </a:tr>
@@ -41024,7 +41165,7 @@
                 </a:tc>
                 <a:extLst>
                   <a:ext uri="{0D108BD9-81ED-4DB2-BD59-A6C34878D82A}">
-                    <a16:rowId xmlns="" xmlns:a16="http://schemas.microsoft.com/office/drawing/2014/main" val="10008"/>
+                    <a16:rowId xmlns:a16="http://schemas.microsoft.com/office/drawing/2014/main" xmlns="" val="10008"/>
                   </a:ext>
                 </a:extLst>
               </a:tr>
@@ -41142,7 +41283,7 @@
           <a:p>
             <a:fld id="{9B19E99B-5349-415A-8E56-8E989211A366}" type="datetime1">
               <a:rPr lang="en-US" smtClean="0"/>
-              <a:t>6/16/2019</a:t>
+              <a:t>6/17/2019</a:t>
             </a:fld>
             <a:endParaRPr lang="en-US"/>
           </a:p>
@@ -41242,7 +41383,7 @@
             <a:fld id="{6700A58B-DD98-43D0-B791-721480A02982}" type="datetime1">
               <a:rPr lang="en-US" smtClean="0"/>
               <a:pPr/>
-              <a:t>6/16/2019</a:t>
+              <a:t>6/17/2019</a:t>
             </a:fld>
             <a:endParaRPr lang="en-US"/>
           </a:p>
@@ -41550,7 +41691,7 @@
           <p:cNvPr id="2" name="Date Placeholder 1">
             <a:extLst>
               <a:ext uri="{FF2B5EF4-FFF2-40B4-BE49-F238E27FC236}">
-                <a16:creationId xmlns="" xmlns:a16="http://schemas.microsoft.com/office/drawing/2014/main" id="{3E6FFA28-2AFC-46BA-97EC-72EA43A5FCF1}"/>
+                <a16:creationId xmlns:a16="http://schemas.microsoft.com/office/drawing/2014/main" xmlns="" id="{3E6FFA28-2AFC-46BA-97EC-72EA43A5FCF1}"/>
               </a:ext>
             </a:extLst>
           </p:cNvPr>
@@ -41569,7 +41710,7 @@
             <a:fld id="{6700A58B-DD98-43D0-B791-721480A02982}" type="datetime1">
               <a:rPr lang="en-US" smtClean="0"/>
               <a:pPr/>
-              <a:t>6/16/2019</a:t>
+              <a:t>6/17/2019</a:t>
             </a:fld>
             <a:endParaRPr lang="en-US"/>
           </a:p>
@@ -41580,7 +41721,7 @@
           <p:cNvPr id="3" name="Title 2">
             <a:extLst>
               <a:ext uri="{FF2B5EF4-FFF2-40B4-BE49-F238E27FC236}">
-                <a16:creationId xmlns="" xmlns:a16="http://schemas.microsoft.com/office/drawing/2014/main" id="{1A28C5AC-3677-4E2E-BC72-2BFCF0C6A5EC}"/>
+                <a16:creationId xmlns:a16="http://schemas.microsoft.com/office/drawing/2014/main" xmlns="" id="{1A28C5AC-3677-4E2E-BC72-2BFCF0C6A5EC}"/>
               </a:ext>
             </a:extLst>
           </p:cNvPr>
@@ -41609,7 +41750,7 @@
           <p:cNvPr id="8" name="Footer Placeholder 5">
             <a:extLst>
               <a:ext uri="{FF2B5EF4-FFF2-40B4-BE49-F238E27FC236}">
-                <a16:creationId xmlns="" xmlns:a16="http://schemas.microsoft.com/office/drawing/2014/main" id="{53F5E589-703C-43D9-B204-17A2B658FCCE}"/>
+                <a16:creationId xmlns:a16="http://schemas.microsoft.com/office/drawing/2014/main" xmlns="" id="{53F5E589-703C-43D9-B204-17A2B658FCCE}"/>
               </a:ext>
             </a:extLst>
           </p:cNvPr>
@@ -41638,7 +41779,7 @@
           <p:cNvPr id="4" name="Slide Number Placeholder 3">
             <a:extLst>
               <a:ext uri="{FF2B5EF4-FFF2-40B4-BE49-F238E27FC236}">
-                <a16:creationId xmlns="" xmlns:a16="http://schemas.microsoft.com/office/drawing/2014/main" id="{912D24EB-6B7F-42DA-A05B-461AF5085D91}"/>
+                <a16:creationId xmlns:a16="http://schemas.microsoft.com/office/drawing/2014/main" xmlns="" id="{912D24EB-6B7F-42DA-A05B-461AF5085D91}"/>
               </a:ext>
             </a:extLst>
           </p:cNvPr>
@@ -41668,7 +41809,7 @@
           <p:cNvPr id="6" name="TextBox 5">
             <a:extLst>
               <a:ext uri="{FF2B5EF4-FFF2-40B4-BE49-F238E27FC236}">
-                <a16:creationId xmlns="" xmlns:a16="http://schemas.microsoft.com/office/drawing/2014/main" id="{C0F8E680-27F4-40BF-A3FC-AF16D46EC879}"/>
+                <a16:creationId xmlns:a16="http://schemas.microsoft.com/office/drawing/2014/main" xmlns="" id="{C0F8E680-27F4-40BF-A3FC-AF16D46EC879}"/>
               </a:ext>
             </a:extLst>
           </p:cNvPr>
@@ -41704,7 +41845,7 @@
           <p:cNvPr id="12290" name="Picture 2" descr="Image result for nlp  meme">
             <a:extLst>
               <a:ext uri="{FF2B5EF4-FFF2-40B4-BE49-F238E27FC236}">
-                <a16:creationId xmlns="" xmlns:a16="http://schemas.microsoft.com/office/drawing/2014/main" id="{E084A14F-187D-4780-97E6-5521F3FF951B}"/>
+                <a16:creationId xmlns:a16="http://schemas.microsoft.com/office/drawing/2014/main" xmlns="" id="{E084A14F-187D-4780-97E6-5521F3FF951B}"/>
               </a:ext>
             </a:extLst>
           </p:cNvPr>
@@ -41794,7 +41935,7 @@
             <a:fld id="{6700A58B-DD98-43D0-B791-721480A02982}" type="datetime1">
               <a:rPr lang="en-US" smtClean="0"/>
               <a:pPr/>
-              <a:t>6/16/2019</a:t>
+              <a:t>6/17/2019</a:t>
             </a:fld>
             <a:endParaRPr lang="en-US"/>
           </a:p>
@@ -42261,7 +42402,7 @@
             <a:fld id="{6700A58B-DD98-43D0-B791-721480A02982}" type="datetime1">
               <a:rPr lang="en-US" smtClean="0"/>
               <a:pPr/>
-              <a:t>6/16/2019</a:t>
+              <a:t>6/17/2019</a:t>
             </a:fld>
             <a:endParaRPr lang="en-US"/>
           </a:p>
@@ -42347,7 +42488,7 @@
           <p:cNvPr id="6" name="TextBox 5">
             <a:extLst>
               <a:ext uri="{FF2B5EF4-FFF2-40B4-BE49-F238E27FC236}">
-                <a16:creationId xmlns="" xmlns:a16="http://schemas.microsoft.com/office/drawing/2014/main" id="{A5A3EE36-0573-4214-8E8B-E9BD628BC999}"/>
+                <a16:creationId xmlns:a16="http://schemas.microsoft.com/office/drawing/2014/main" xmlns="" id="{A5A3EE36-0573-4214-8E8B-E9BD628BC999}"/>
               </a:ext>
             </a:extLst>
           </p:cNvPr>
@@ -42403,7 +42544,7 @@
           <p:cNvPr id="7" name="TextBox 6">
             <a:extLst>
               <a:ext uri="{FF2B5EF4-FFF2-40B4-BE49-F238E27FC236}">
-                <a16:creationId xmlns="" xmlns:a16="http://schemas.microsoft.com/office/drawing/2014/main" id="{A5A3EE36-0573-4214-8E8B-E9BD628BC999}"/>
+                <a16:creationId xmlns:a16="http://schemas.microsoft.com/office/drawing/2014/main" xmlns="" id="{A5A3EE36-0573-4214-8E8B-E9BD628BC999}"/>
               </a:ext>
             </a:extLst>
           </p:cNvPr>
@@ -42823,7 +42964,7 @@
             <a:fld id="{6700A58B-DD98-43D0-B791-721480A02982}" type="datetime1">
               <a:rPr lang="en-US" smtClean="0"/>
               <a:pPr/>
-              <a:t>6/16/2019</a:t>
+              <a:t>6/17/2019</a:t>
             </a:fld>
             <a:endParaRPr lang="en-US"/>
           </a:p>
@@ -42904,7 +43045,7 @@
           <p:cNvPr id="6" name="TextBox 5">
             <a:extLst>
               <a:ext uri="{FF2B5EF4-FFF2-40B4-BE49-F238E27FC236}">
-                <a16:creationId xmlns="" xmlns:a16="http://schemas.microsoft.com/office/drawing/2014/main" id="{A5A3EE36-0573-4214-8E8B-E9BD628BC999}"/>
+                <a16:creationId xmlns:a16="http://schemas.microsoft.com/office/drawing/2014/main" xmlns="" id="{A5A3EE36-0573-4214-8E8B-E9BD628BC999}"/>
               </a:ext>
             </a:extLst>
           </p:cNvPr>
@@ -43033,7 +43174,7 @@
             <a:fld id="{6700A58B-DD98-43D0-B791-721480A02982}" type="datetime1">
               <a:rPr lang="en-US" smtClean="0"/>
               <a:pPr/>
-              <a:t>6/16/2019</a:t>
+              <a:t>6/17/2019</a:t>
             </a:fld>
             <a:endParaRPr lang="en-US"/>
           </a:p>
@@ -43114,7 +43255,7 @@
           <p:cNvPr id="6" name="TextBox 5">
             <a:extLst>
               <a:ext uri="{FF2B5EF4-FFF2-40B4-BE49-F238E27FC236}">
-                <a16:creationId xmlns="" xmlns:a16="http://schemas.microsoft.com/office/drawing/2014/main" id="{A5A3EE36-0573-4214-8E8B-E9BD628BC999}"/>
+                <a16:creationId xmlns:a16="http://schemas.microsoft.com/office/drawing/2014/main" xmlns="" id="{A5A3EE36-0573-4214-8E8B-E9BD628BC999}"/>
               </a:ext>
             </a:extLst>
           </p:cNvPr>
@@ -43253,7 +43394,7 @@
             <a:fld id="{6700A58B-DD98-43D0-B791-721480A02982}" type="datetime1">
               <a:rPr lang="en-US" smtClean="0"/>
               <a:pPr/>
-              <a:t>6/16/2019</a:t>
+              <a:t>6/17/2019</a:t>
             </a:fld>
             <a:endParaRPr lang="en-US"/>
           </a:p>
@@ -43416,7 +43557,7 @@
             <a:fld id="{6700A58B-DD98-43D0-B791-721480A02982}" type="datetime1">
               <a:rPr lang="en-US" smtClean="0"/>
               <a:pPr/>
-              <a:t>6/16/2019</a:t>
+              <a:t>6/17/2019</a:t>
             </a:fld>
             <a:endParaRPr lang="en-US"/>
           </a:p>
@@ -43629,7 +43770,7 @@
           <p:cNvPr id="10" name="TextBox 9">
             <a:extLst>
               <a:ext uri="{FF2B5EF4-FFF2-40B4-BE49-F238E27FC236}">
-                <a16:creationId xmlns="" xmlns:a16="http://schemas.microsoft.com/office/drawing/2014/main" id="{A5A3EE36-0573-4214-8E8B-E9BD628BC999}"/>
+                <a16:creationId xmlns:a16="http://schemas.microsoft.com/office/drawing/2014/main" xmlns="" id="{A5A3EE36-0573-4214-8E8B-E9BD628BC999}"/>
               </a:ext>
             </a:extLst>
           </p:cNvPr>
@@ -43667,51 +43808,7 @@
                 <a:ea typeface="Arial Unicode MS" panose="020B0604020202020204" pitchFamily="34" charset="-128"/>
                 <a:cs typeface="Arial Unicode MS" panose="020B0604020202020204" pitchFamily="34" charset="-128"/>
               </a:rPr>
-              <a:t>Coffee TF </a:t>
-            </a:r>
-            <a:r>
-              <a:rPr lang="en-US" sz="1600" dirty="0" smtClean="0">
-                <a:solidFill>
-                  <a:prstClr val="white"/>
-                </a:solidFill>
-                <a:latin typeface="+mj-lt"/>
-                <a:ea typeface="Arial Unicode MS" panose="020B0604020202020204" pitchFamily="34" charset="-128"/>
-                <a:cs typeface="Arial Unicode MS" panose="020B0604020202020204" pitchFamily="34" charset="-128"/>
-              </a:rPr>
-              <a:t>= </a:t>
-            </a:r>
-            <a:r>
-              <a:rPr lang="en-US" sz="1600" dirty="0" smtClean="0">
-                <a:solidFill>
-                  <a:prstClr val="white"/>
-                </a:solidFill>
-                <a:latin typeface="+mj-lt"/>
-                <a:ea typeface="Arial Unicode MS" panose="020B0604020202020204" pitchFamily="34" charset="-128"/>
-                <a:cs typeface="Arial Unicode MS" panose="020B0604020202020204" pitchFamily="34" charset="-128"/>
-              </a:rPr>
-              <a:t>1000  will look VERY important but  TFIDF </a:t>
-            </a:r>
-            <a:r>
-              <a:rPr lang="en-US" sz="1600" dirty="0" smtClean="0">
-                <a:solidFill>
-                  <a:prstClr val="white"/>
-                </a:solidFill>
-                <a:latin typeface="+mj-lt"/>
-                <a:ea typeface="Arial Unicode MS" panose="020B0604020202020204" pitchFamily="34" charset="-128"/>
-                <a:cs typeface="Arial Unicode MS" panose="020B0604020202020204" pitchFamily="34" charset="-128"/>
-              </a:rPr>
-              <a:t>= 0.69 will </a:t>
-            </a:r>
-            <a:r>
-              <a:rPr lang="en-US" sz="1600" dirty="0" smtClean="0">
-                <a:solidFill>
-                  <a:prstClr val="white"/>
-                </a:solidFill>
-                <a:latin typeface="+mj-lt"/>
-                <a:ea typeface="Arial Unicode MS" panose="020B0604020202020204" pitchFamily="34" charset="-128"/>
-                <a:cs typeface="Arial Unicode MS" panose="020B0604020202020204" pitchFamily="34" charset="-128"/>
-              </a:rPr>
-              <a:t>correctly have minimal impact for analysis. </a:t>
+              <a:t>Coffee TF = 1000  will look VERY important but  TFIDF = 0.69 will correctly have minimal impact for analysis. </a:t>
             </a:r>
             <a:endParaRPr lang="en-US" sz="1600" kern="1200" dirty="0">
               <a:solidFill>
@@ -43822,7 +43919,7 @@
             <a:fld id="{6700A58B-DD98-43D0-B791-721480A02982}" type="datetime1">
               <a:rPr lang="en-US" smtClean="0"/>
               <a:pPr/>
-              <a:t>6/16/2019</a:t>
+              <a:t>6/17/2019</a:t>
             </a:fld>
             <a:endParaRPr lang="en-US"/>
           </a:p>
@@ -43903,7 +44000,7 @@
           <p:cNvPr id="6" name="Rectangle 5">
             <a:extLst>
               <a:ext uri="{FF2B5EF4-FFF2-40B4-BE49-F238E27FC236}">
-                <a16:creationId xmlns="" xmlns:a16="http://schemas.microsoft.com/office/drawing/2014/main" id="{C246B7D1-453D-487B-B491-889C15C460F6}"/>
+                <a16:creationId xmlns:a16="http://schemas.microsoft.com/office/drawing/2014/main" xmlns="" id="{C246B7D1-453D-487B-B491-889C15C460F6}"/>
               </a:ext>
             </a:extLst>
           </p:cNvPr>
@@ -43961,7 +44058,7 @@
           <p:cNvPr id="7" name="Rectangle 6">
             <a:extLst>
               <a:ext uri="{FF2B5EF4-FFF2-40B4-BE49-F238E27FC236}">
-                <a16:creationId xmlns="" xmlns:a16="http://schemas.microsoft.com/office/drawing/2014/main" id="{2C95F845-8979-407C-9F4E-6FBCB9476B2D}"/>
+                <a16:creationId xmlns:a16="http://schemas.microsoft.com/office/drawing/2014/main" xmlns="" id="{2C95F845-8979-407C-9F4E-6FBCB9476B2D}"/>
               </a:ext>
             </a:extLst>
           </p:cNvPr>
@@ -44026,7 +44123,7 @@
           <p:cNvPr id="9" name="Rectangle 8">
             <a:extLst>
               <a:ext uri="{FF2B5EF4-FFF2-40B4-BE49-F238E27FC236}">
-                <a16:creationId xmlns="" xmlns:a16="http://schemas.microsoft.com/office/drawing/2014/main" id="{6C96FE2F-7E19-48CB-9942-7E78DB569A67}"/>
+                <a16:creationId xmlns:a16="http://schemas.microsoft.com/office/drawing/2014/main" xmlns="" id="{6C96FE2F-7E19-48CB-9942-7E78DB569A67}"/>
               </a:ext>
             </a:extLst>
           </p:cNvPr>
@@ -44368,7 +44465,7 @@
           <p:cNvPr id="10" name="TextBox 9">
             <a:extLst>
               <a:ext uri="{FF2B5EF4-FFF2-40B4-BE49-F238E27FC236}">
-                <a16:creationId xmlns="" xmlns:a16="http://schemas.microsoft.com/office/drawing/2014/main" id="{A5A3EE36-0573-4214-8E8B-E9BD628BC999}"/>
+                <a16:creationId xmlns:a16="http://schemas.microsoft.com/office/drawing/2014/main" xmlns="" id="{A5A3EE36-0573-4214-8E8B-E9BD628BC999}"/>
               </a:ext>
             </a:extLst>
           </p:cNvPr>
@@ -44406,18 +44503,7 @@
                 <a:ea typeface="Arial Unicode MS" panose="020B0604020202020204" pitchFamily="34" charset="-128"/>
                 <a:cs typeface="Arial Unicode MS" panose="020B0604020202020204" pitchFamily="34" charset="-128"/>
               </a:rPr>
-              <a:t>You can pass in more than one control </a:t>
-            </a:r>
-            <a:r>
-              <a:rPr lang="en-US" sz="1600" dirty="0" smtClean="0">
-                <a:solidFill>
-                  <a:prstClr val="white"/>
-                </a:solidFill>
-                <a:latin typeface="+mj-lt"/>
-                <a:ea typeface="Arial Unicode MS" panose="020B0604020202020204" pitchFamily="34" charset="-128"/>
-                <a:cs typeface="Arial Unicode MS" panose="020B0604020202020204" pitchFamily="34" charset="-128"/>
-              </a:rPr>
-              <a:t>parameter like tokenization &amp; weighting.</a:t>
+              <a:t>You can pass in more than one control parameter like tokenization &amp; weighting.</a:t>
             </a:r>
             <a:endParaRPr lang="en-US" sz="1600" kern="1200" dirty="0">
               <a:solidFill>
@@ -44478,7 +44564,7 @@
             <a:fld id="{6700A58B-DD98-43D0-B791-721480A02982}" type="datetime1">
               <a:rPr lang="en-US" smtClean="0"/>
               <a:pPr/>
-              <a:t>6/16/2019</a:t>
+              <a:t>6/17/2019</a:t>
             </a:fld>
             <a:endParaRPr lang="en-US"/>
           </a:p>
@@ -44619,7 +44705,7 @@
           <p:cNvPr id="2" name="Date Placeholder 1">
             <a:extLst>
               <a:ext uri="{FF2B5EF4-FFF2-40B4-BE49-F238E27FC236}">
-                <a16:creationId xmlns="" xmlns:a16="http://schemas.microsoft.com/office/drawing/2014/main" id="{7AAF5771-B35D-48F0-A28C-C4C255046893}"/>
+                <a16:creationId xmlns:a16="http://schemas.microsoft.com/office/drawing/2014/main" xmlns="" id="{7AAF5771-B35D-48F0-A28C-C4C255046893}"/>
               </a:ext>
             </a:extLst>
           </p:cNvPr>
@@ -44637,7 +44723,7 @@
           <a:p>
             <a:fld id="{6700A58B-DD98-43D0-B791-721480A02982}" type="datetime1">
               <a:rPr lang="en-US" smtClean="0"/>
-              <a:t>6/16/2019</a:t>
+              <a:t>6/17/2019</a:t>
             </a:fld>
             <a:endParaRPr lang="en-US"/>
           </a:p>
@@ -44648,7 +44734,7 @@
           <p:cNvPr id="3" name="Title 2">
             <a:extLst>
               <a:ext uri="{FF2B5EF4-FFF2-40B4-BE49-F238E27FC236}">
-                <a16:creationId xmlns="" xmlns:a16="http://schemas.microsoft.com/office/drawing/2014/main" id="{50305F6F-3594-4B08-9795-F573A3B350DE}"/>
+                <a16:creationId xmlns:a16="http://schemas.microsoft.com/office/drawing/2014/main" xmlns="" id="{50305F6F-3594-4B08-9795-F573A3B350DE}"/>
               </a:ext>
             </a:extLst>
           </p:cNvPr>
@@ -44676,7 +44762,7 @@
           <p:cNvPr id="5" name="Footer Placeholder 4">
             <a:extLst>
               <a:ext uri="{FF2B5EF4-FFF2-40B4-BE49-F238E27FC236}">
-                <a16:creationId xmlns="" xmlns:a16="http://schemas.microsoft.com/office/drawing/2014/main" id="{F6CFD30B-27DE-41D3-A458-E7DAF56D700D}"/>
+                <a16:creationId xmlns:a16="http://schemas.microsoft.com/office/drawing/2014/main" xmlns="" id="{F6CFD30B-27DE-41D3-A458-E7DAF56D700D}"/>
               </a:ext>
             </a:extLst>
           </p:cNvPr>
@@ -44705,7 +44791,7 @@
           <p:cNvPr id="4" name="Slide Number Placeholder 3">
             <a:extLst>
               <a:ext uri="{FF2B5EF4-FFF2-40B4-BE49-F238E27FC236}">
-                <a16:creationId xmlns="" xmlns:a16="http://schemas.microsoft.com/office/drawing/2014/main" id="{5273F46B-C5EC-4EE1-A910-C4D3B2512ED8}"/>
+                <a16:creationId xmlns:a16="http://schemas.microsoft.com/office/drawing/2014/main" xmlns="" id="{5273F46B-C5EC-4EE1-A910-C4D3B2512ED8}"/>
               </a:ext>
             </a:extLst>
           </p:cNvPr>
@@ -44734,7 +44820,7 @@
           <p:cNvPr id="2050" name="Picture 2">
             <a:extLst>
               <a:ext uri="{FF2B5EF4-FFF2-40B4-BE49-F238E27FC236}">
-                <a16:creationId xmlns="" xmlns:a16="http://schemas.microsoft.com/office/drawing/2014/main" id="{236558CE-E1C9-4FC3-B1BA-AEE7B52A01D2}"/>
+                <a16:creationId xmlns:a16="http://schemas.microsoft.com/office/drawing/2014/main" xmlns="" id="{236558CE-E1C9-4FC3-B1BA-AEE7B52A01D2}"/>
               </a:ext>
             </a:extLst>
           </p:cNvPr>
@@ -44781,7 +44867,7 @@
           <p:cNvPr id="7" name="Isosceles Triangle 6">
             <a:extLst>
               <a:ext uri="{FF2B5EF4-FFF2-40B4-BE49-F238E27FC236}">
-                <a16:creationId xmlns="" xmlns:a16="http://schemas.microsoft.com/office/drawing/2014/main" id="{7693E49B-DFB8-4430-AE8B-129A5819C4E0}"/>
+                <a16:creationId xmlns:a16="http://schemas.microsoft.com/office/drawing/2014/main" xmlns="" id="{7693E49B-DFB8-4430-AE8B-129A5819C4E0}"/>
               </a:ext>
             </a:extLst>
           </p:cNvPr>
@@ -44838,7 +44924,7 @@
           <p:cNvPr id="8" name="Table 7">
             <a:extLst>
               <a:ext uri="{FF2B5EF4-FFF2-40B4-BE49-F238E27FC236}">
-                <a16:creationId xmlns="" xmlns:a16="http://schemas.microsoft.com/office/drawing/2014/main" id="{46885211-A7A4-4ACC-A3CE-396B10F4E163}"/>
+                <a16:creationId xmlns:a16="http://schemas.microsoft.com/office/drawing/2014/main" xmlns="" id="{46885211-A7A4-4ACC-A3CE-396B10F4E163}"/>
               </a:ext>
             </a:extLst>
           </p:cNvPr>
@@ -44867,14 +44953,14 @@
                 <a:gridCol w="1142720">
                   <a:extLst>
                     <a:ext uri="{9D8B030D-6E8A-4147-A177-3AD203B41FA5}">
-                      <a16:colId xmlns="" xmlns:a16="http://schemas.microsoft.com/office/drawing/2014/main" val="20000"/>
+                      <a16:colId xmlns:a16="http://schemas.microsoft.com/office/drawing/2014/main" xmlns="" val="20000"/>
                     </a:ext>
                   </a:extLst>
                 </a:gridCol>
                 <a:gridCol w="914363">
                   <a:extLst>
                     <a:ext uri="{9D8B030D-6E8A-4147-A177-3AD203B41FA5}">
-                      <a16:colId xmlns="" xmlns:a16="http://schemas.microsoft.com/office/drawing/2014/main" val="20001"/>
+                      <a16:colId xmlns:a16="http://schemas.microsoft.com/office/drawing/2014/main" xmlns="" val="20001"/>
                     </a:ext>
                   </a:extLst>
                 </a:gridCol>
@@ -44915,7 +45001,7 @@
                 </a:tc>
                 <a:extLst>
                   <a:ext uri="{0D108BD9-81ED-4DB2-BD59-A6C34878D82A}">
-                    <a16:rowId xmlns="" xmlns:a16="http://schemas.microsoft.com/office/drawing/2014/main" val="10000"/>
+                    <a16:rowId xmlns:a16="http://schemas.microsoft.com/office/drawing/2014/main" xmlns="" val="10000"/>
                   </a:ext>
                 </a:extLst>
               </a:tr>
@@ -44952,7 +45038,7 @@
                 </a:tc>
                 <a:extLst>
                   <a:ext uri="{0D108BD9-81ED-4DB2-BD59-A6C34878D82A}">
-                    <a16:rowId xmlns="" xmlns:a16="http://schemas.microsoft.com/office/drawing/2014/main" val="10001"/>
+                    <a16:rowId xmlns:a16="http://schemas.microsoft.com/office/drawing/2014/main" xmlns="" val="10001"/>
                   </a:ext>
                 </a:extLst>
               </a:tr>
@@ -44989,7 +45075,7 @@
                 </a:tc>
                 <a:extLst>
                   <a:ext uri="{0D108BD9-81ED-4DB2-BD59-A6C34878D82A}">
-                    <a16:rowId xmlns="" xmlns:a16="http://schemas.microsoft.com/office/drawing/2014/main" val="10002"/>
+                    <a16:rowId xmlns:a16="http://schemas.microsoft.com/office/drawing/2014/main" xmlns="" val="10002"/>
                   </a:ext>
                 </a:extLst>
               </a:tr>
@@ -45026,7 +45112,7 @@
                 </a:tc>
                 <a:extLst>
                   <a:ext uri="{0D108BD9-81ED-4DB2-BD59-A6C34878D82A}">
-                    <a16:rowId xmlns="" xmlns:a16="http://schemas.microsoft.com/office/drawing/2014/main" val="10003"/>
+                    <a16:rowId xmlns:a16="http://schemas.microsoft.com/office/drawing/2014/main" xmlns="" val="10003"/>
                   </a:ext>
                 </a:extLst>
               </a:tr>
@@ -45063,7 +45149,7 @@
                 </a:tc>
                 <a:extLst>
                   <a:ext uri="{0D108BD9-81ED-4DB2-BD59-A6C34878D82A}">
-                    <a16:rowId xmlns="" xmlns:a16="http://schemas.microsoft.com/office/drawing/2014/main" val="10004"/>
+                    <a16:rowId xmlns:a16="http://schemas.microsoft.com/office/drawing/2014/main" xmlns="" val="10004"/>
                   </a:ext>
                 </a:extLst>
               </a:tr>
@@ -45103,7 +45189,7 @@
                 </a:tc>
                 <a:extLst>
                   <a:ext uri="{0D108BD9-81ED-4DB2-BD59-A6C34878D82A}">
-                    <a16:rowId xmlns="" xmlns:a16="http://schemas.microsoft.com/office/drawing/2014/main" val="10005"/>
+                    <a16:rowId xmlns:a16="http://schemas.microsoft.com/office/drawing/2014/main" xmlns="" val="10005"/>
                   </a:ext>
                 </a:extLst>
               </a:tr>
@@ -45116,7 +45202,7 @@
           <p:cNvPr id="9" name="Rectangle 8">
             <a:extLst>
               <a:ext uri="{FF2B5EF4-FFF2-40B4-BE49-F238E27FC236}">
-                <a16:creationId xmlns="" xmlns:a16="http://schemas.microsoft.com/office/drawing/2014/main" id="{4A43C334-E1CB-40E7-A933-85F785969827}"/>
+                <a16:creationId xmlns:a16="http://schemas.microsoft.com/office/drawing/2014/main" xmlns="" id="{4A43C334-E1CB-40E7-A933-85F785969827}"/>
               </a:ext>
             </a:extLst>
           </p:cNvPr>
@@ -45176,7 +45262,7 @@
           <p:cNvPr id="10" name="Rectangle 9">
             <a:extLst>
               <a:ext uri="{FF2B5EF4-FFF2-40B4-BE49-F238E27FC236}">
-                <a16:creationId xmlns="" xmlns:a16="http://schemas.microsoft.com/office/drawing/2014/main" id="{DC1615A4-7D78-40B9-8D26-9E13A200687F}"/>
+                <a16:creationId xmlns:a16="http://schemas.microsoft.com/office/drawing/2014/main" xmlns="" id="{DC1615A4-7D78-40B9-8D26-9E13A200687F}"/>
               </a:ext>
             </a:extLst>
           </p:cNvPr>
@@ -45277,7 +45363,7 @@
             <a:fld id="{6700A58B-DD98-43D0-B791-721480A02982}" type="datetime1">
               <a:rPr lang="en-US" smtClean="0"/>
               <a:pPr/>
-              <a:t>6/16/2019</a:t>
+              <a:t>6/17/2019</a:t>
             </a:fld>
             <a:endParaRPr lang="en-US"/>
           </a:p>
@@ -46014,21 +46100,21 @@
                 <a:gridCol w="1238445">
                   <a:extLst>
                     <a:ext uri="{9D8B030D-6E8A-4147-A177-3AD203B41FA5}">
-                      <a16:colId xmlns="" xmlns:a16="http://schemas.microsoft.com/office/drawing/2014/main" val="20000"/>
+                      <a16:colId xmlns:a16="http://schemas.microsoft.com/office/drawing/2014/main" xmlns="" val="20000"/>
                     </a:ext>
                   </a:extLst>
                 </a:gridCol>
                 <a:gridCol w="858274">
                   <a:extLst>
                     <a:ext uri="{9D8B030D-6E8A-4147-A177-3AD203B41FA5}">
-                      <a16:colId xmlns="" xmlns:a16="http://schemas.microsoft.com/office/drawing/2014/main" val="20001"/>
+                      <a16:colId xmlns:a16="http://schemas.microsoft.com/office/drawing/2014/main" xmlns="" val="20001"/>
                     </a:ext>
                   </a:extLst>
                 </a:gridCol>
                 <a:gridCol w="5790787">
                   <a:extLst>
                     <a:ext uri="{9D8B030D-6E8A-4147-A177-3AD203B41FA5}">
-                      <a16:colId xmlns="" xmlns:a16="http://schemas.microsoft.com/office/drawing/2014/main" val="20002"/>
+                      <a16:colId xmlns:a16="http://schemas.microsoft.com/office/drawing/2014/main" xmlns="" val="20002"/>
                     </a:ext>
                   </a:extLst>
                 </a:gridCol>
@@ -46240,7 +46326,7 @@
                 </a:tc>
                 <a:extLst>
                   <a:ext uri="{0D108BD9-81ED-4DB2-BD59-A6C34878D82A}">
-                    <a16:rowId xmlns="" xmlns:a16="http://schemas.microsoft.com/office/drawing/2014/main" val="10000"/>
+                    <a16:rowId xmlns:a16="http://schemas.microsoft.com/office/drawing/2014/main" xmlns="" val="10000"/>
                   </a:ext>
                 </a:extLst>
               </a:tr>
@@ -46337,7 +46423,7 @@
                 </a:tc>
                 <a:extLst>
                   <a:ext uri="{0D108BD9-81ED-4DB2-BD59-A6C34878D82A}">
-                    <a16:rowId xmlns="" xmlns:a16="http://schemas.microsoft.com/office/drawing/2014/main" val="10001"/>
+                    <a16:rowId xmlns:a16="http://schemas.microsoft.com/office/drawing/2014/main" xmlns="" val="10001"/>
                   </a:ext>
                 </a:extLst>
               </a:tr>
@@ -46404,7 +46490,7 @@
                 </a:tc>
                 <a:extLst>
                   <a:ext uri="{0D108BD9-81ED-4DB2-BD59-A6C34878D82A}">
-                    <a16:rowId xmlns="" xmlns:a16="http://schemas.microsoft.com/office/drawing/2014/main" val="10002"/>
+                    <a16:rowId xmlns:a16="http://schemas.microsoft.com/office/drawing/2014/main" xmlns="" val="10002"/>
                   </a:ext>
                 </a:extLst>
               </a:tr>
@@ -46512,7 +46598,7 @@
                 </a:tc>
                 <a:extLst>
                   <a:ext uri="{0D108BD9-81ED-4DB2-BD59-A6C34878D82A}">
-                    <a16:rowId xmlns="" xmlns:a16="http://schemas.microsoft.com/office/drawing/2014/main" val="10003"/>
+                    <a16:rowId xmlns:a16="http://schemas.microsoft.com/office/drawing/2014/main" xmlns="" val="10003"/>
                   </a:ext>
                 </a:extLst>
               </a:tr>
@@ -46610,7 +46696,7 @@
                 </a:tc>
                 <a:extLst>
                   <a:ext uri="{0D108BD9-81ED-4DB2-BD59-A6C34878D82A}">
-                    <a16:rowId xmlns="" xmlns:a16="http://schemas.microsoft.com/office/drawing/2014/main" val="10004"/>
+                    <a16:rowId xmlns:a16="http://schemas.microsoft.com/office/drawing/2014/main" xmlns="" val="10004"/>
                   </a:ext>
                 </a:extLst>
               </a:tr>
@@ -46698,7 +46784,7 @@
                 </a:tc>
                 <a:extLst>
                   <a:ext uri="{0D108BD9-81ED-4DB2-BD59-A6C34878D82A}">
-                    <a16:rowId xmlns="" xmlns:a16="http://schemas.microsoft.com/office/drawing/2014/main" val="10005"/>
+                    <a16:rowId xmlns:a16="http://schemas.microsoft.com/office/drawing/2014/main" xmlns="" val="10005"/>
                   </a:ext>
                 </a:extLst>
               </a:tr>
@@ -46796,7 +46882,7 @@
                 </a:tc>
                 <a:extLst>
                   <a:ext uri="{0D108BD9-81ED-4DB2-BD59-A6C34878D82A}">
-                    <a16:rowId xmlns="" xmlns:a16="http://schemas.microsoft.com/office/drawing/2014/main" val="10006"/>
+                    <a16:rowId xmlns:a16="http://schemas.microsoft.com/office/drawing/2014/main" xmlns="" val="10006"/>
                   </a:ext>
                 </a:extLst>
               </a:tr>
@@ -46884,7 +46970,7 @@
                 </a:tc>
                 <a:extLst>
                   <a:ext uri="{0D108BD9-81ED-4DB2-BD59-A6C34878D82A}">
-                    <a16:rowId xmlns="" xmlns:a16="http://schemas.microsoft.com/office/drawing/2014/main" val="10007"/>
+                    <a16:rowId xmlns:a16="http://schemas.microsoft.com/office/drawing/2014/main" xmlns="" val="10007"/>
                   </a:ext>
                 </a:extLst>
               </a:tr>
@@ -46972,7 +47058,7 @@
                 </a:tc>
                 <a:extLst>
                   <a:ext uri="{0D108BD9-81ED-4DB2-BD59-A6C34878D82A}">
-                    <a16:rowId xmlns="" xmlns:a16="http://schemas.microsoft.com/office/drawing/2014/main" val="10008"/>
+                    <a16:rowId xmlns:a16="http://schemas.microsoft.com/office/drawing/2014/main" xmlns="" val="10008"/>
                   </a:ext>
                 </a:extLst>
               </a:tr>
@@ -47090,7 +47176,7 @@
           <a:p>
             <a:fld id="{9B19E99B-5349-415A-8E56-8E989211A366}" type="datetime1">
               <a:rPr lang="en-US" smtClean="0"/>
-              <a:t>6/16/2019</a:t>
+              <a:t>6/17/2019</a:t>
             </a:fld>
             <a:endParaRPr lang="en-US"/>
           </a:p>
@@ -47190,7 +47276,7 @@
             <a:fld id="{6700A58B-DD98-43D0-B791-721480A02982}" type="datetime1">
               <a:rPr lang="en-US" smtClean="0"/>
               <a:pPr/>
-              <a:t>6/16/2019</a:t>
+              <a:t>6/17/2019</a:t>
             </a:fld>
             <a:endParaRPr lang="en-US"/>
           </a:p>
@@ -47614,7 +47700,7 @@
           <p:cNvPr id="21" name="TextBox 20">
             <a:extLst>
               <a:ext uri="{FF2B5EF4-FFF2-40B4-BE49-F238E27FC236}">
-                <a16:creationId xmlns="" xmlns:a16="http://schemas.microsoft.com/office/drawing/2014/main" id="{A5A3EE36-0573-4214-8E8B-E9BD628BC999}"/>
+                <a16:creationId xmlns:a16="http://schemas.microsoft.com/office/drawing/2014/main" xmlns="" id="{A5A3EE36-0573-4214-8E8B-E9BD628BC999}"/>
               </a:ext>
             </a:extLst>
           </p:cNvPr>
@@ -47735,7 +47821,7 @@
             <a:fld id="{6700A58B-DD98-43D0-B791-721480A02982}" type="datetime1">
               <a:rPr lang="en-US" smtClean="0"/>
               <a:pPr/>
-              <a:t>6/16/2019</a:t>
+              <a:t>6/17/2019</a:t>
             </a:fld>
             <a:endParaRPr lang="en-US"/>
           </a:p>
@@ -49034,7 +49120,7 @@
           <a:p>
             <a:fld id="{6700A58B-DD98-43D0-B791-721480A02982}" type="datetime1">
               <a:rPr lang="en-US" smtClean="0"/>
-              <a:t>6/16/2019</a:t>
+              <a:t>6/17/2019</a:t>
             </a:fld>
             <a:endParaRPr lang="en-US"/>
           </a:p>
@@ -49296,7 +49382,7 @@
           <a:p>
             <a:fld id="{6700A58B-DD98-43D0-B791-721480A02982}" type="datetime1">
               <a:rPr lang="en-US" smtClean="0"/>
-              <a:t>6/16/2019</a:t>
+              <a:t>6/17/2019</a:t>
             </a:fld>
             <a:endParaRPr lang="en-US"/>
           </a:p>
@@ -50049,7 +50135,7 @@
           <a:p>
             <a:fld id="{6700A58B-DD98-43D0-B791-721480A02982}" type="datetime1">
               <a:rPr lang="en-US" smtClean="0"/>
-              <a:t>6/16/2019</a:t>
+              <a:t>6/17/2019</a:t>
             </a:fld>
             <a:endParaRPr lang="en-US"/>
           </a:p>
@@ -50176,7 +50262,7 @@
           <a:p>
             <a:fld id="{6700A58B-DD98-43D0-B791-721480A02982}" type="datetime1">
               <a:rPr lang="en-US" smtClean="0"/>
-              <a:t>6/16/2019</a:t>
+              <a:t>6/17/2019</a:t>
             </a:fld>
             <a:endParaRPr lang="en-US"/>
           </a:p>
@@ -50395,7 +50481,7 @@
           <p:cNvPr id="2" name="Date Placeholder 1">
             <a:extLst>
               <a:ext uri="{FF2B5EF4-FFF2-40B4-BE49-F238E27FC236}">
-                <a16:creationId xmlns="" xmlns:a16="http://schemas.microsoft.com/office/drawing/2014/main" id="{B057B443-9142-4AAE-B588-62F14411296C}"/>
+                <a16:creationId xmlns:a16="http://schemas.microsoft.com/office/drawing/2014/main" xmlns="" id="{B057B443-9142-4AAE-B588-62F14411296C}"/>
               </a:ext>
             </a:extLst>
           </p:cNvPr>
@@ -50413,7 +50499,7 @@
           <a:p>
             <a:fld id="{6700A58B-DD98-43D0-B791-721480A02982}" type="datetime1">
               <a:rPr lang="en-US" smtClean="0"/>
-              <a:t>6/16/2019</a:t>
+              <a:t>6/17/2019</a:t>
             </a:fld>
             <a:endParaRPr lang="en-US"/>
           </a:p>
@@ -50424,7 +50510,7 @@
           <p:cNvPr id="3" name="Title 2">
             <a:extLst>
               <a:ext uri="{FF2B5EF4-FFF2-40B4-BE49-F238E27FC236}">
-                <a16:creationId xmlns="" xmlns:a16="http://schemas.microsoft.com/office/drawing/2014/main" id="{9B10CCF3-C862-49D6-924F-A681713256E9}"/>
+                <a16:creationId xmlns:a16="http://schemas.microsoft.com/office/drawing/2014/main" xmlns="" id="{9B10CCF3-C862-49D6-924F-A681713256E9}"/>
               </a:ext>
             </a:extLst>
           </p:cNvPr>
@@ -50452,7 +50538,7 @@
           <p:cNvPr id="5" name="Footer Placeholder 4">
             <a:extLst>
               <a:ext uri="{FF2B5EF4-FFF2-40B4-BE49-F238E27FC236}">
-                <a16:creationId xmlns="" xmlns:a16="http://schemas.microsoft.com/office/drawing/2014/main" id="{425EE7B4-1BDD-443B-AACB-4CD383F9A9C5}"/>
+                <a16:creationId xmlns:a16="http://schemas.microsoft.com/office/drawing/2014/main" xmlns="" id="{425EE7B4-1BDD-443B-AACB-4CD383F9A9C5}"/>
               </a:ext>
             </a:extLst>
           </p:cNvPr>
@@ -50481,7 +50567,7 @@
           <p:cNvPr id="4" name="Slide Number Placeholder 3">
             <a:extLst>
               <a:ext uri="{FF2B5EF4-FFF2-40B4-BE49-F238E27FC236}">
-                <a16:creationId xmlns="" xmlns:a16="http://schemas.microsoft.com/office/drawing/2014/main" id="{E64A4C85-9C36-4C31-98DD-184F2BE82630}"/>
+                <a16:creationId xmlns:a16="http://schemas.microsoft.com/office/drawing/2014/main" xmlns="" id="{E64A4C85-9C36-4C31-98DD-184F2BE82630}"/>
               </a:ext>
             </a:extLst>
           </p:cNvPr>
@@ -50510,7 +50596,7 @@
           <p:cNvPr id="6" name="Rectangle 5">
             <a:extLst>
               <a:ext uri="{FF2B5EF4-FFF2-40B4-BE49-F238E27FC236}">
-                <a16:creationId xmlns="" xmlns:a16="http://schemas.microsoft.com/office/drawing/2014/main" id="{6A1AB944-CD57-4BCD-8927-ADAFAA8C82F2}"/>
+                <a16:creationId xmlns:a16="http://schemas.microsoft.com/office/drawing/2014/main" xmlns="" id="{6A1AB944-CD57-4BCD-8927-ADAFAA8C82F2}"/>
               </a:ext>
             </a:extLst>
           </p:cNvPr>
@@ -50647,7 +50733,7 @@
           <p:cNvPr id="2" name="Date Placeholder 1">
             <a:extLst>
               <a:ext uri="{FF2B5EF4-FFF2-40B4-BE49-F238E27FC236}">
-                <a16:creationId xmlns="" xmlns:a16="http://schemas.microsoft.com/office/drawing/2014/main" id="{26F8B3E3-365C-48CC-ACC2-5A49D428A726}"/>
+                <a16:creationId xmlns:a16="http://schemas.microsoft.com/office/drawing/2014/main" xmlns="" id="{26F8B3E3-365C-48CC-ACC2-5A49D428A726}"/>
               </a:ext>
             </a:extLst>
           </p:cNvPr>
@@ -50665,7 +50751,7 @@
           <a:p>
             <a:fld id="{6700A58B-DD98-43D0-B791-721480A02982}" type="datetime1">
               <a:rPr lang="en-US" smtClean="0"/>
-              <a:t>6/16/2019</a:t>
+              <a:t>6/17/2019</a:t>
             </a:fld>
             <a:endParaRPr lang="en-US"/>
           </a:p>
@@ -50676,7 +50762,7 @@
           <p:cNvPr id="3" name="Title 2">
             <a:extLst>
               <a:ext uri="{FF2B5EF4-FFF2-40B4-BE49-F238E27FC236}">
-                <a16:creationId xmlns="" xmlns:a16="http://schemas.microsoft.com/office/drawing/2014/main" id="{41198A7C-9056-41AA-81EE-0A923F1F978C}"/>
+                <a16:creationId xmlns:a16="http://schemas.microsoft.com/office/drawing/2014/main" xmlns="" id="{41198A7C-9056-41AA-81EE-0A923F1F978C}"/>
               </a:ext>
             </a:extLst>
           </p:cNvPr>
@@ -50704,7 +50790,7 @@
           <p:cNvPr id="5" name="Footer Placeholder 4">
             <a:extLst>
               <a:ext uri="{FF2B5EF4-FFF2-40B4-BE49-F238E27FC236}">
-                <a16:creationId xmlns="" xmlns:a16="http://schemas.microsoft.com/office/drawing/2014/main" id="{B43115E9-36AC-4130-B5E5-0233B14BC6C8}"/>
+                <a16:creationId xmlns:a16="http://schemas.microsoft.com/office/drawing/2014/main" xmlns="" id="{B43115E9-36AC-4130-B5E5-0233B14BC6C8}"/>
               </a:ext>
             </a:extLst>
           </p:cNvPr>
@@ -50733,7 +50819,7 @@
           <p:cNvPr id="4" name="Slide Number Placeholder 3">
             <a:extLst>
               <a:ext uri="{FF2B5EF4-FFF2-40B4-BE49-F238E27FC236}">
-                <a16:creationId xmlns="" xmlns:a16="http://schemas.microsoft.com/office/drawing/2014/main" id="{656858DC-289D-4205-97DF-6D198382ADA5}"/>
+                <a16:creationId xmlns:a16="http://schemas.microsoft.com/office/drawing/2014/main" xmlns="" id="{656858DC-289D-4205-97DF-6D198382ADA5}"/>
               </a:ext>
             </a:extLst>
           </p:cNvPr>
@@ -50762,7 +50848,7 @@
           <p:cNvPr id="6" name="Rectangle 5">
             <a:extLst>
               <a:ext uri="{FF2B5EF4-FFF2-40B4-BE49-F238E27FC236}">
-                <a16:creationId xmlns="" xmlns:a16="http://schemas.microsoft.com/office/drawing/2014/main" id="{42B0F298-4595-4EDA-9FF2-6C47C2C2404E}"/>
+                <a16:creationId xmlns:a16="http://schemas.microsoft.com/office/drawing/2014/main" xmlns="" id="{42B0F298-4595-4EDA-9FF2-6C47C2C2404E}"/>
               </a:ext>
             </a:extLst>
           </p:cNvPr>
@@ -50919,7 +51005,7 @@
           <a:p>
             <a:fld id="{6700A58B-DD98-43D0-B791-721480A02982}" type="datetime1">
               <a:rPr lang="en-US" smtClean="0"/>
-              <a:t>6/16/2019</a:t>
+              <a:t>6/17/2019</a:t>
             </a:fld>
             <a:endParaRPr lang="en-US"/>
           </a:p>
@@ -51000,7 +51086,7 @@
           <p:cNvPr id="6" name="Rectangle 5">
             <a:extLst>
               <a:ext uri="{FF2B5EF4-FFF2-40B4-BE49-F238E27FC236}">
-                <a16:creationId xmlns="" xmlns:a16="http://schemas.microsoft.com/office/drawing/2014/main" id="{42B0F298-4595-4EDA-9FF2-6C47C2C2404E}"/>
+                <a16:creationId xmlns:a16="http://schemas.microsoft.com/office/drawing/2014/main" xmlns="" id="{42B0F298-4595-4EDA-9FF2-6C47C2C2404E}"/>
               </a:ext>
             </a:extLst>
           </p:cNvPr>
